--- a/vi.pptx
+++ b/vi.pptx
@@ -5,7 +5,7 @@
     <p:sldMasterId id="2147483648" r:id="rId1"/>
   </p:sldMasterIdLst>
   <p:notesMasterIdLst>
-    <p:notesMasterId r:id="rId50"/>
+    <p:notesMasterId r:id="rId55"/>
   </p:notesMasterIdLst>
   <p:sldIdLst>
     <p:sldId id="256" r:id="rId2"/>
@@ -56,6 +56,11 @@
     <p:sldId id="306" r:id="rId47"/>
     <p:sldId id="308" r:id="rId48"/>
     <p:sldId id="309" r:id="rId49"/>
+    <p:sldId id="310" r:id="rId50"/>
+    <p:sldId id="311" r:id="rId51"/>
+    <p:sldId id="313" r:id="rId52"/>
+    <p:sldId id="314" r:id="rId53"/>
+    <p:sldId id="315" r:id="rId54"/>
   </p:sldIdLst>
   <p:sldSz cx="12192000" cy="6858000"/>
   <p:notesSz cx="6858000" cy="9144000"/>
@@ -244,7 +249,7 @@
           <a:p>
             <a:fld id="{6347DB5A-9175-8242-AC70-6B1527B184C1}" type="datetimeFigureOut">
               <a:rPr kumimoji="1" lang="ko-KR" altLang="en-US" smtClean="0"/>
-              <a:t>2017. 2. 9.</a:t>
+              <a:t>2017. 2. 11.</a:t>
             </a:fld>
             <a:endParaRPr kumimoji="1" lang="ko-KR" altLang="en-US"/>
           </a:p>
@@ -895,7 +900,7 @@
           <a:p>
             <a:fld id="{FC6F441D-1AB8-9E4D-8D62-C080E7801396}" type="datetimeFigureOut">
               <a:rPr kumimoji="1" lang="ko-KR" altLang="en-US" smtClean="0"/>
-              <a:t>2017. 2. 9.</a:t>
+              <a:t>2017. 2. 11.</a:t>
             </a:fld>
             <a:endParaRPr kumimoji="1" lang="ko-KR" altLang="en-US"/>
           </a:p>
@@ -1072,7 +1077,7 @@
           <a:p>
             <a:fld id="{FC6F441D-1AB8-9E4D-8D62-C080E7801396}" type="datetimeFigureOut">
               <a:rPr kumimoji="1" lang="ko-KR" altLang="en-US" smtClean="0"/>
-              <a:t>2017. 2. 9.</a:t>
+              <a:t>2017. 2. 11.</a:t>
             </a:fld>
             <a:endParaRPr kumimoji="1" lang="ko-KR" altLang="en-US"/>
           </a:p>
@@ -1252,7 +1257,7 @@
           <a:p>
             <a:fld id="{FC6F441D-1AB8-9E4D-8D62-C080E7801396}" type="datetimeFigureOut">
               <a:rPr kumimoji="1" lang="ko-KR" altLang="en-US" smtClean="0"/>
-              <a:t>2017. 2. 9.</a:t>
+              <a:t>2017. 2. 11.</a:t>
             </a:fld>
             <a:endParaRPr kumimoji="1" lang="ko-KR" altLang="en-US"/>
           </a:p>
@@ -1445,7 +1450,7 @@
           <a:p>
             <a:fld id="{FC6F441D-1AB8-9E4D-8D62-C080E7801396}" type="datetimeFigureOut">
               <a:rPr kumimoji="1" lang="ko-KR" altLang="en-US" smtClean="0"/>
-              <a:t>2017. 2. 9.</a:t>
+              <a:t>2017. 2. 11.</a:t>
             </a:fld>
             <a:endParaRPr kumimoji="1" lang="ko-KR" altLang="en-US"/>
           </a:p>
@@ -1733,7 +1738,7 @@
           <a:p>
             <a:fld id="{FC6F441D-1AB8-9E4D-8D62-C080E7801396}" type="datetimeFigureOut">
               <a:rPr kumimoji="1" lang="ko-KR" altLang="en-US" smtClean="0"/>
-              <a:t>2017. 2. 9.</a:t>
+              <a:t>2017. 2. 11.</a:t>
             </a:fld>
             <a:endParaRPr kumimoji="1" lang="ko-KR" altLang="en-US"/>
           </a:p>
@@ -1965,7 +1970,7 @@
           <a:p>
             <a:fld id="{FC6F441D-1AB8-9E4D-8D62-C080E7801396}" type="datetimeFigureOut">
               <a:rPr kumimoji="1" lang="ko-KR" altLang="en-US" smtClean="0"/>
-              <a:t>2017. 2. 9.</a:t>
+              <a:t>2017. 2. 11.</a:t>
             </a:fld>
             <a:endParaRPr kumimoji="1" lang="ko-KR" altLang="en-US"/>
           </a:p>
@@ -2332,7 +2337,7 @@
           <a:p>
             <a:fld id="{FC6F441D-1AB8-9E4D-8D62-C080E7801396}" type="datetimeFigureOut">
               <a:rPr kumimoji="1" lang="ko-KR" altLang="en-US" smtClean="0"/>
-              <a:t>2017. 2. 9.</a:t>
+              <a:t>2017. 2. 11.</a:t>
             </a:fld>
             <a:endParaRPr kumimoji="1" lang="ko-KR" altLang="en-US"/>
           </a:p>
@@ -2450,7 +2455,7 @@
           <a:p>
             <a:fld id="{FC6F441D-1AB8-9E4D-8D62-C080E7801396}" type="datetimeFigureOut">
               <a:rPr kumimoji="1" lang="ko-KR" altLang="en-US" smtClean="0"/>
-              <a:t>2017. 2. 9.</a:t>
+              <a:t>2017. 2. 11.</a:t>
             </a:fld>
             <a:endParaRPr kumimoji="1" lang="ko-KR" altLang="en-US"/>
           </a:p>
@@ -2545,7 +2550,7 @@
           <a:p>
             <a:fld id="{FC6F441D-1AB8-9E4D-8D62-C080E7801396}" type="datetimeFigureOut">
               <a:rPr kumimoji="1" lang="ko-KR" altLang="en-US" smtClean="0"/>
-              <a:t>2017. 2. 9.</a:t>
+              <a:t>2017. 2. 11.</a:t>
             </a:fld>
             <a:endParaRPr kumimoji="1" lang="ko-KR" altLang="en-US"/>
           </a:p>
@@ -2822,7 +2827,7 @@
           <a:p>
             <a:fld id="{FC6F441D-1AB8-9E4D-8D62-C080E7801396}" type="datetimeFigureOut">
               <a:rPr kumimoji="1" lang="ko-KR" altLang="en-US" smtClean="0"/>
-              <a:t>2017. 2. 9.</a:t>
+              <a:t>2017. 2. 11.</a:t>
             </a:fld>
             <a:endParaRPr kumimoji="1" lang="ko-KR" altLang="en-US"/>
           </a:p>
@@ -3075,7 +3080,7 @@
           <a:p>
             <a:fld id="{FC6F441D-1AB8-9E4D-8D62-C080E7801396}" type="datetimeFigureOut">
               <a:rPr kumimoji="1" lang="ko-KR" altLang="en-US" smtClean="0"/>
-              <a:t>2017. 2. 9.</a:t>
+              <a:t>2017. 2. 11.</a:t>
             </a:fld>
             <a:endParaRPr kumimoji="1" lang="ko-KR" altLang="en-US"/>
           </a:p>
@@ -3288,7 +3293,7 @@
           <a:p>
             <a:fld id="{FC6F441D-1AB8-9E4D-8D62-C080E7801396}" type="datetimeFigureOut">
               <a:rPr kumimoji="1" lang="ko-KR" altLang="en-US" smtClean="0"/>
-              <a:t>2017. 2. 9.</a:t>
+              <a:t>2017. 2. 11.</a:t>
             </a:fld>
             <a:endParaRPr kumimoji="1" lang="ko-KR" altLang="en-US"/>
           </a:p>
@@ -5340,8 +5345,8 @@
           </a:p>
         </p:txBody>
       </p:sp>
-      <mc:AlternateContent xmlns:mc="http://schemas.openxmlformats.org/markup-compatibility/2006">
-        <mc:Choice xmlns:a14="http://schemas.microsoft.com/office/drawing/2010/main" Requires="a14">
+      <mc:AlternateContent xmlns:mc="http://schemas.openxmlformats.org/markup-compatibility/2006" xmlns:a14="http://schemas.microsoft.com/office/drawing/2010/main">
+        <mc:Choice Requires="a14">
           <p:sp>
             <p:nvSpPr>
               <p:cNvPr id="20" name="텍스트 상자 19"/>
@@ -5507,7 +5512,7 @@
             </p:txBody>
           </p:sp>
         </mc:Choice>
-        <mc:Fallback>
+        <mc:Fallback xmlns="">
           <p:sp>
             <p:nvSpPr>
               <p:cNvPr id="20" name="텍스트 상자 19"/>
@@ -5606,8 +5611,8 @@
           </a:p>
         </p:txBody>
       </p:sp>
-      <mc:AlternateContent xmlns:mc="http://schemas.openxmlformats.org/markup-compatibility/2006">
-        <mc:Choice xmlns:a14="http://schemas.microsoft.com/office/drawing/2010/main" Requires="a14">
+      <mc:AlternateContent xmlns:mc="http://schemas.openxmlformats.org/markup-compatibility/2006" xmlns:a14="http://schemas.microsoft.com/office/drawing/2010/main">
+        <mc:Choice Requires="a14">
           <p:sp>
             <p:nvSpPr>
               <p:cNvPr id="3" name="내용 개체 틀 2"/>
@@ -5761,7 +5766,7 @@
             </p:txBody>
           </p:sp>
         </mc:Choice>
-        <mc:Fallback>
+        <mc:Fallback xmlns="">
           <p:sp>
             <p:nvSpPr>
               <p:cNvPr id="3" name="내용 개체 틀 2"/>
@@ -5799,8 +5804,8 @@
           </p:sp>
         </mc:Fallback>
       </mc:AlternateContent>
-      <mc:AlternateContent xmlns:mc="http://schemas.openxmlformats.org/markup-compatibility/2006">
-        <mc:Choice xmlns:a14="http://schemas.microsoft.com/office/drawing/2010/main" Requires="a14">
+      <mc:AlternateContent xmlns:mc="http://schemas.openxmlformats.org/markup-compatibility/2006" xmlns:a14="http://schemas.microsoft.com/office/drawing/2010/main">
+        <mc:Choice Requires="a14">
           <p:sp>
             <p:nvSpPr>
               <p:cNvPr id="4" name="텍스트 상자 3"/>
@@ -6083,7 +6088,7 @@
             </p:txBody>
           </p:sp>
         </mc:Choice>
-        <mc:Fallback>
+        <mc:Fallback xmlns="">
           <p:sp>
             <p:nvSpPr>
               <p:cNvPr id="4" name="텍스트 상자 3"/>
@@ -8521,23 +8526,7 @@
             <a:pPr lvl="1"/>
             <a:r>
               <a:rPr kumimoji="1" lang="ko-KR" altLang="en-US" dirty="0" smtClean="0"/>
-              <a:t>이로 </a:t>
-            </a:r>
-            <a:r>
-              <a:rPr kumimoji="1" lang="ko-KR" altLang="en-US" dirty="0" smtClean="0"/>
-              <a:t>인해</a:t>
-            </a:r>
-            <a:r>
-              <a:rPr kumimoji="1" lang="ko-KR" altLang="en-US" dirty="0" smtClean="0"/>
-              <a:t> </a:t>
-            </a:r>
-            <a:r>
-              <a:rPr kumimoji="1" lang="ko-KR" altLang="en-US" dirty="0" smtClean="0"/>
-              <a:t>발생되는 </a:t>
-            </a:r>
-            <a:r>
-              <a:rPr kumimoji="1" lang="ko-KR" altLang="en-US" dirty="0" smtClean="0"/>
-              <a:t>추가 정보량을 </a:t>
+              <a:t>이로 인해 발생되는 추가 정보량을 </a:t>
             </a:r>
             <a:r>
               <a:rPr kumimoji="1" lang="en-US" altLang="ko-KR" dirty="0" smtClean="0"/>
@@ -10031,19 +10020,7 @@
             </a:r>
             <a:r>
               <a:rPr kumimoji="1" lang="ko-KR" altLang="en-US" dirty="0" smtClean="0"/>
-              <a:t>알고리즘은 </a:t>
-            </a:r>
-            <a:r>
-              <a:rPr kumimoji="1" lang="ko-KR" altLang="en-US" dirty="0" smtClean="0"/>
-              <a:t>매우 </a:t>
-            </a:r>
-            <a:r>
-              <a:rPr kumimoji="1" lang="ko-KR" altLang="en-US" dirty="0" smtClean="0"/>
-              <a:t>관련이 </a:t>
-            </a:r>
-            <a:r>
-              <a:rPr kumimoji="1" lang="ko-KR" altLang="en-US" dirty="0" smtClean="0"/>
-              <a:t>깊다</a:t>
+              <a:t>알고리즘은 매우 관련이 깊다</a:t>
             </a:r>
             <a:r>
               <a:rPr kumimoji="1" lang="en-US" altLang="ko-KR" dirty="0" smtClean="0"/>
@@ -13567,7 +13544,6 @@
               <a:rPr kumimoji="1" lang="en-US" altLang="ko-KR" dirty="0" smtClean="0"/>
               <a:t>.</a:t>
             </a:r>
-            <a:endParaRPr kumimoji="1" lang="en-US" altLang="ko-KR" dirty="0" smtClean="0"/>
           </a:p>
           <a:p>
             <a:endParaRPr kumimoji="1" lang="en-US" altLang="ko-KR" dirty="0"/>
@@ -14840,25 +14816,6 @@
               <a:t>General EM Algorithm</a:t>
             </a:r>
             <a:endParaRPr kumimoji="1" lang="ko-KR" altLang="en-US" dirty="0"/>
-          </a:p>
-        </p:txBody>
-      </p:sp>
-      <p:sp>
-        <p:nvSpPr>
-          <p:cNvPr id="5" name="텍스트 개체 틀 4"/>
-          <p:cNvSpPr>
-            <a:spLocks noGrp="1"/>
-          </p:cNvSpPr>
-          <p:nvPr>
-            <p:ph type="body" idx="1"/>
-          </p:nvPr>
-        </p:nvSpPr>
-        <p:spPr/>
-        <p:txBody>
-          <a:bodyPr/>
-          <a:lstStyle/>
-          <a:p>
-            <a:endParaRPr kumimoji="1" lang="ko-KR" altLang="en-US"/>
           </a:p>
         </p:txBody>
       </p:sp>
@@ -16273,8 +16230,8 @@
           </a:p>
         </p:txBody>
       </p:sp>
-      <mc:AlternateContent xmlns:mc="http://schemas.openxmlformats.org/markup-compatibility/2006">
-        <mc:Choice xmlns:a14="http://schemas.microsoft.com/office/drawing/2010/main" Requires="a14">
+      <mc:AlternateContent xmlns:mc="http://schemas.openxmlformats.org/markup-compatibility/2006" xmlns:a14="http://schemas.microsoft.com/office/drawing/2010/main">
+        <mc:Choice Requires="a14">
           <p:sp>
             <p:nvSpPr>
               <p:cNvPr id="3" name="내용 개체 틀 2"/>
@@ -16421,7 +16378,7 @@
             </p:txBody>
           </p:sp>
         </mc:Choice>
-        <mc:Fallback>
+        <mc:Fallback xmlns="">
           <p:sp>
             <p:nvSpPr>
               <p:cNvPr id="3" name="내용 개체 틀 2"/>
@@ -16591,11 +16548,7 @@
           <a:p>
             <a:r>
               <a:rPr kumimoji="1" lang="ko-KR" altLang="en-US" dirty="0" smtClean="0"/>
-              <a:t>증명을 생략하고 </a:t>
-            </a:r>
-            <a:r>
-              <a:rPr kumimoji="1" lang="ko-KR" altLang="en-US" dirty="0" smtClean="0"/>
-              <a:t>싶지만 아주 간단하게만 적어보자</a:t>
+              <a:t>증명을 생략하고 싶지만 아주 간단하게만 적어보자</a:t>
             </a:r>
             <a:r>
               <a:rPr kumimoji="1" lang="en-US" altLang="ko-KR" dirty="0" smtClean="0"/>
@@ -17030,8 +16983,8 @@
           <a:chExt cx="0" cy="0"/>
         </a:xfrm>
       </p:grpSpPr>
-      <mc:AlternateContent xmlns:mc="http://schemas.openxmlformats.org/markup-compatibility/2006">
-        <mc:Choice xmlns:a14="http://schemas.microsoft.com/office/drawing/2010/main" Requires="a14">
+      <mc:AlternateContent xmlns:mc="http://schemas.openxmlformats.org/markup-compatibility/2006" xmlns:a14="http://schemas.microsoft.com/office/drawing/2010/main">
+        <mc:Choice Requires="a14">
           <p:sp>
             <p:nvSpPr>
               <p:cNvPr id="2" name="제목 1"/>
@@ -17086,7 +17039,7 @@
             </p:txBody>
           </p:sp>
         </mc:Choice>
-        <mc:Fallback>
+        <mc:Fallback xmlns="">
           <p:sp>
             <p:nvSpPr>
               <p:cNvPr id="2" name="제목 1"/>
@@ -17120,8 +17073,8 @@
           </p:sp>
         </mc:Fallback>
       </mc:AlternateContent>
-      <mc:AlternateContent xmlns:mc="http://schemas.openxmlformats.org/markup-compatibility/2006">
-        <mc:Choice xmlns:a14="http://schemas.microsoft.com/office/drawing/2010/main" Requires="a14">
+      <mc:AlternateContent xmlns:mc="http://schemas.openxmlformats.org/markup-compatibility/2006" xmlns:a14="http://schemas.microsoft.com/office/drawing/2010/main">
+        <mc:Choice Requires="a14">
           <p:sp>
             <p:nvSpPr>
               <p:cNvPr id="3" name="내용 개체 틀 2"/>
@@ -17218,11 +17171,7 @@
                 </a:r>
                 <a:r>
                   <a:rPr kumimoji="1" lang="ko-KR" altLang="en-US" dirty="0" smtClean="0"/>
-                  <a:t>이 </a:t>
-                </a:r>
-                <a:r>
-                  <a:rPr kumimoji="1" lang="ko-KR" altLang="en-US" dirty="0" smtClean="0"/>
-                  <a:t>된다</a:t>
+                  <a:t>이 된다</a:t>
                 </a:r>
                 <a:r>
                   <a:rPr kumimoji="1" lang="en-US" altLang="ko-KR" dirty="0" smtClean="0"/>
@@ -17233,7 +17182,7 @@
             </p:txBody>
           </p:sp>
         </mc:Choice>
-        <mc:Fallback>
+        <mc:Fallback xmlns="">
           <p:sp>
             <p:nvSpPr>
               <p:cNvPr id="3" name="내용 개체 틀 2"/>
@@ -17295,8 +17244,8 @@
           </a:prstGeom>
         </p:spPr>
       </p:pic>
-      <mc:AlternateContent xmlns:mc="http://schemas.openxmlformats.org/markup-compatibility/2006">
-        <mc:Choice xmlns:a14="http://schemas.microsoft.com/office/drawing/2010/main" Requires="a14">
+      <mc:AlternateContent xmlns:mc="http://schemas.openxmlformats.org/markup-compatibility/2006" xmlns:a14="http://schemas.microsoft.com/office/drawing/2010/main">
+        <mc:Choice Requires="a14">
           <p:sp>
             <p:nvSpPr>
               <p:cNvPr id="5" name="텍스트 상자 4"/>
@@ -17335,11 +17284,7 @@
                 </a14:m>
                 <a:r>
                   <a:rPr kumimoji="1" lang="ko-KR" altLang="en-US" dirty="0" smtClean="0"/>
-                  <a:t> </a:t>
-                </a:r>
-                <a:r>
-                  <a:rPr kumimoji="1" lang="ko-KR" altLang="en-US" dirty="0" smtClean="0"/>
-                  <a:t>는 </a:t>
+                  <a:t> 는 </a:t>
                 </a:r>
                 <a14:m>
                   <m:oMath xmlns:m="http://schemas.openxmlformats.org/officeDocument/2006/math">
@@ -17367,11 +17312,7 @@
                 </a14:m>
                 <a:r>
                   <a:rPr kumimoji="1" lang="ko-KR" altLang="en-US" dirty="0" smtClean="0"/>
-                  <a:t>에 </a:t>
-                </a:r>
-                <a:r>
-                  <a:rPr kumimoji="1" lang="ko-KR" altLang="en-US" dirty="0" smtClean="0"/>
-                  <a:t>모두 영향</a:t>
+                  <a:t>에 모두 영향</a:t>
                 </a:r>
                 <a:r>
                   <a:rPr kumimoji="1" lang="en-US" altLang="ko-KR" dirty="0" smtClean="0"/>
@@ -17386,7 +17327,7 @@
             </p:txBody>
           </p:sp>
         </mc:Choice>
-        <mc:Fallback>
+        <mc:Fallback xmlns="">
           <p:sp>
             <p:nvSpPr>
               <p:cNvPr id="5" name="텍스트 상자 4"/>
@@ -17501,8 +17442,8 @@
           </a:fontRef>
         </p:style>
       </p:cxnSp>
-      <mc:AlternateContent xmlns:mc="http://schemas.openxmlformats.org/markup-compatibility/2006">
-        <mc:Choice xmlns:a14="http://schemas.microsoft.com/office/drawing/2010/main" Requires="a14">
+      <mc:AlternateContent xmlns:mc="http://schemas.openxmlformats.org/markup-compatibility/2006" xmlns:a14="http://schemas.microsoft.com/office/drawing/2010/main">
+        <mc:Choice Requires="a14">
           <p:sp>
             <p:nvSpPr>
               <p:cNvPr id="27" name="텍스트 상자 26"/>
@@ -17628,7 +17569,7 @@
             </p:txBody>
           </p:sp>
         </mc:Choice>
-        <mc:Fallback>
+        <mc:Fallback xmlns="">
           <p:sp>
             <p:nvSpPr>
               <p:cNvPr id="27" name="텍스트 상자 26"/>
@@ -17720,8 +17661,8 @@
           </a:p>
         </p:txBody>
       </p:sp>
-      <mc:AlternateContent xmlns:mc="http://schemas.openxmlformats.org/markup-compatibility/2006">
-        <mc:Choice xmlns:a14="http://schemas.microsoft.com/office/drawing/2010/main" Requires="a14">
+      <mc:AlternateContent xmlns:mc="http://schemas.openxmlformats.org/markup-compatibility/2006" xmlns:a14="http://schemas.microsoft.com/office/drawing/2010/main">
+        <mc:Choice Requires="a14">
           <p:sp>
             <p:nvSpPr>
               <p:cNvPr id="3" name="내용 개체 틀 2"/>
@@ -17884,11 +17825,7 @@
                 </a14:m>
                 <a:r>
                   <a:rPr kumimoji="1" lang="ko-KR" altLang="en-US" dirty="0" smtClean="0"/>
-                  <a:t> </a:t>
-                </a:r>
-                <a:r>
-                  <a:rPr kumimoji="1" lang="ko-KR" altLang="en-US" dirty="0" smtClean="0"/>
-                  <a:t>은 커진다</a:t>
+                  <a:t> 은 커진다</a:t>
                 </a:r>
                 <a:r>
                   <a:rPr kumimoji="1" lang="en-US" altLang="ko-KR" dirty="0" smtClean="0"/>
@@ -17899,7 +17836,7 @@
             </p:txBody>
           </p:sp>
         </mc:Choice>
-        <mc:Fallback>
+        <mc:Fallback xmlns="">
           <p:sp>
             <p:nvSpPr>
               <p:cNvPr id="3" name="내용 개체 틀 2"/>
@@ -18038,8 +17975,8 @@
           </a:prstGeom>
         </p:spPr>
       </p:pic>
-      <mc:AlternateContent xmlns:mc="http://schemas.openxmlformats.org/markup-compatibility/2006">
-        <mc:Choice xmlns:a14="http://schemas.microsoft.com/office/drawing/2010/main" Requires="a14">
+      <mc:AlternateContent xmlns:mc="http://schemas.openxmlformats.org/markup-compatibility/2006" xmlns:a14="http://schemas.microsoft.com/office/drawing/2010/main">
+        <mc:Choice Requires="a14">
           <p:sp>
             <p:nvSpPr>
               <p:cNvPr id="7" name="내용 개체 틀 2"/>
@@ -18264,11 +18201,7 @@
                 </a14:m>
                 <a:r>
                   <a:rPr kumimoji="1" lang="ko-KR" altLang="en-US" dirty="0" smtClean="0"/>
-                  <a:t> 를 </a:t>
-                </a:r>
-                <a:r>
-                  <a:rPr kumimoji="1" lang="ko-KR" altLang="en-US" dirty="0" smtClean="0"/>
-                  <a:t>최적화</a:t>
+                  <a:t> 를 최적화</a:t>
                 </a:r>
                 <a:endParaRPr kumimoji="1" lang="en-US" altLang="ko-KR" dirty="0" smtClean="0"/>
               </a:p>
@@ -18333,15 +18266,7 @@
                         <a:ea typeface="Cambria Math" charset="0"/>
                         <a:cs typeface="Cambria Math" charset="0"/>
                       </a:rPr>
-                      <m:t> 에 의해</m:t>
-                    </m:r>
-                    <m:r>
-                      <a:rPr kumimoji="1" lang="ko-KR" altLang="en-US" i="1" smtClean="0">
-                        <a:latin typeface="Cambria Math" charset="0"/>
-                        <a:ea typeface="Cambria Math" charset="0"/>
-                        <a:cs typeface="Cambria Math" charset="0"/>
-                      </a:rPr>
-                      <m:t> </m:t>
+                      <m:t> 에 의해 </m:t>
                     </m:r>
                   </m:oMath>
                 </a14:m>
@@ -18376,7 +18301,7 @@
             </p:txBody>
           </p:sp>
         </mc:Choice>
-        <mc:Fallback>
+        <mc:Fallback xmlns="">
           <p:sp>
             <p:nvSpPr>
               <p:cNvPr id="7" name="내용 개체 틀 2"/>
@@ -18468,8 +18393,8 @@
           </a:p>
         </p:txBody>
       </p:sp>
-      <mc:AlternateContent xmlns:mc="http://schemas.openxmlformats.org/markup-compatibility/2006">
-        <mc:Choice xmlns:a14="http://schemas.microsoft.com/office/drawing/2010/main" Requires="a14">
+      <mc:AlternateContent xmlns:mc="http://schemas.openxmlformats.org/markup-compatibility/2006" xmlns:a14="http://schemas.microsoft.com/office/drawing/2010/main">
+        <mc:Choice Requires="a14">
           <p:sp>
             <p:nvSpPr>
               <p:cNvPr id="3" name="내용 개체 틀 2"/>
@@ -18896,7 +18821,7 @@
             </p:txBody>
           </p:sp>
         </mc:Choice>
-        <mc:Fallback>
+        <mc:Fallback xmlns="">
           <p:sp>
             <p:nvSpPr>
               <p:cNvPr id="3" name="내용 개체 틀 2"/>
@@ -19030,7 +18955,15 @@
           <a:bodyPr/>
           <a:lstStyle/>
           <a:p>
-            <a:endParaRPr kumimoji="1" lang="ko-KR" altLang="en-US"/>
+            <a:r>
+              <a:rPr kumimoji="1" lang="ko-KR" altLang="en-US" dirty="0" smtClean="0"/>
+              <a:t>이제 시작입니다</a:t>
+            </a:r>
+            <a:r>
+              <a:rPr kumimoji="1" lang="en-US" altLang="ko-KR" dirty="0" smtClean="0"/>
+              <a:t>.</a:t>
+            </a:r>
+            <a:endParaRPr kumimoji="1" lang="ko-KR" altLang="en-US" dirty="0"/>
           </a:p>
         </p:txBody>
       </p:sp>
@@ -19038,6 +18971,202 @@
     <p:extLst>
       <p:ext uri="{BB962C8B-B14F-4D97-AF65-F5344CB8AC3E}">
         <p14:creationId xmlns:p14="http://schemas.microsoft.com/office/powerpoint/2010/main" val="884040754"/>
+      </p:ext>
+    </p:extLst>
+  </p:cSld>
+  <p:clrMapOvr>
+    <a:masterClrMapping/>
+  </p:clrMapOvr>
+</p:sld>
+</file>
+
+<file path=ppt/slides/slide49.xml><?xml version="1.0" encoding="utf-8"?>
+<p:sld xmlns:a="http://schemas.openxmlformats.org/drawingml/2006/main" xmlns:r="http://schemas.openxmlformats.org/officeDocument/2006/relationships" xmlns:p="http://schemas.openxmlformats.org/presentationml/2006/main">
+  <p:cSld>
+    <p:spTree>
+      <p:nvGrpSpPr>
+        <p:cNvPr id="1" name=""/>
+        <p:cNvGrpSpPr/>
+        <p:nvPr/>
+      </p:nvGrpSpPr>
+      <p:grpSpPr>
+        <a:xfrm>
+          <a:off x="0" y="0"/>
+          <a:ext cx="0" cy="0"/>
+          <a:chOff x="0" y="0"/>
+          <a:chExt cx="0" cy="0"/>
+        </a:xfrm>
+      </p:grpSpPr>
+      <p:sp>
+        <p:nvSpPr>
+          <p:cNvPr id="4" name="제목 3"/>
+          <p:cNvSpPr>
+            <a:spLocks noGrp="1"/>
+          </p:cNvSpPr>
+          <p:nvPr>
+            <p:ph type="title"/>
+          </p:nvPr>
+        </p:nvSpPr>
+        <p:spPr/>
+        <p:txBody>
+          <a:bodyPr/>
+          <a:lstStyle/>
+          <a:p>
+            <a:r>
+              <a:rPr kumimoji="1" lang="ko-KR" altLang="en-US" dirty="0" smtClean="0"/>
+              <a:t>변분법 </a:t>
+            </a:r>
+            <a:r>
+              <a:rPr kumimoji="1" lang="en-US" altLang="ko-KR" dirty="0" smtClean="0"/>
+              <a:t>(</a:t>
+            </a:r>
+            <a:r>
+              <a:rPr kumimoji="1" lang="en-US" altLang="ko-KR" dirty="0" err="1" smtClean="0"/>
+              <a:t>Variational</a:t>
+            </a:r>
+            <a:r>
+              <a:rPr kumimoji="1" lang="en-US" altLang="ko-KR" dirty="0" smtClean="0"/>
+              <a:t> Method)</a:t>
+            </a:r>
+            <a:endParaRPr kumimoji="1" lang="ko-KR" altLang="en-US" dirty="0"/>
+          </a:p>
+        </p:txBody>
+      </p:sp>
+      <p:sp>
+        <p:nvSpPr>
+          <p:cNvPr id="5" name="내용 개체 틀 4"/>
+          <p:cNvSpPr>
+            <a:spLocks noGrp="1"/>
+          </p:cNvSpPr>
+          <p:nvPr>
+            <p:ph idx="1"/>
+          </p:nvPr>
+        </p:nvSpPr>
+        <p:spPr/>
+        <p:txBody>
+          <a:bodyPr>
+            <a:normAutofit fontScale="92500" lnSpcReduction="20000"/>
+          </a:bodyPr>
+          <a:lstStyle/>
+          <a:p>
+            <a:r>
+              <a:rPr kumimoji="1" lang="ko-KR" altLang="en-US" dirty="0" smtClean="0"/>
+              <a:t>변분법은 오일러와 라그랑지안의 변분 이론에서 출발</a:t>
+            </a:r>
+            <a:endParaRPr kumimoji="1" lang="en-US" altLang="ko-KR" dirty="0" smtClean="0"/>
+          </a:p>
+          <a:p>
+            <a:pPr lvl="1"/>
+            <a:r>
+              <a:rPr kumimoji="1" lang="ko-KR" altLang="en-US" dirty="0" smtClean="0"/>
+              <a:t>보통 함수는 실수를 입력받아 실수를 반환하게 되는데</a:t>
+            </a:r>
+            <a:r>
+              <a:rPr kumimoji="1" lang="en-US" altLang="ko-KR" dirty="0" smtClean="0"/>
+              <a:t>,</a:t>
+            </a:r>
+          </a:p>
+          <a:p>
+            <a:pPr lvl="1"/>
+            <a:r>
+              <a:rPr kumimoji="1" lang="ko-KR" altLang="en-US" dirty="0" smtClean="0"/>
+              <a:t>범함수</a:t>
+            </a:r>
+            <a:r>
+              <a:rPr kumimoji="1" lang="en-US" altLang="ko-KR" dirty="0" smtClean="0"/>
+              <a:t>(functional)</a:t>
+            </a:r>
+            <a:r>
+              <a:rPr kumimoji="1" lang="ko-KR" altLang="en-US" dirty="0" smtClean="0"/>
+              <a:t>는 함수를 입력받아 실수를 내어준다</a:t>
+            </a:r>
+            <a:r>
+              <a:rPr kumimoji="1" lang="en-US" altLang="ko-KR" dirty="0" smtClean="0"/>
+              <a:t>.</a:t>
+            </a:r>
+          </a:p>
+          <a:p>
+            <a:pPr lvl="1"/>
+            <a:r>
+              <a:rPr kumimoji="1" lang="ko-KR" altLang="en-US" dirty="0" smtClean="0"/>
+              <a:t>이 때 범함수를 최소화하는 입력 함수를 결정짓는 문제</a:t>
+            </a:r>
+            <a:endParaRPr kumimoji="1" lang="en-US" altLang="ko-KR" dirty="0" smtClean="0"/>
+          </a:p>
+          <a:p>
+            <a:pPr lvl="1"/>
+            <a:endParaRPr kumimoji="1" lang="en-US" altLang="ko-KR" dirty="0" smtClean="0"/>
+          </a:p>
+          <a:p>
+            <a:r>
+              <a:rPr kumimoji="1" lang="ko-KR" altLang="en-US" dirty="0" smtClean="0"/>
+              <a:t>변분법 자체는 근사 기법이 아니다</a:t>
+            </a:r>
+            <a:r>
+              <a:rPr kumimoji="1" lang="en-US" altLang="ko-KR" dirty="0" smtClean="0"/>
+              <a:t>.</a:t>
+            </a:r>
+          </a:p>
+          <a:p>
+            <a:pPr lvl="1"/>
+            <a:r>
+              <a:rPr kumimoji="1" lang="ko-KR" altLang="en-US" dirty="0" smtClean="0"/>
+              <a:t>하지만 </a:t>
+            </a:r>
+            <a:r>
+              <a:rPr kumimoji="1" lang="en-US" altLang="ko-KR" dirty="0" smtClean="0"/>
+              <a:t>VI </a:t>
+            </a:r>
+            <a:r>
+              <a:rPr kumimoji="1" lang="ko-KR" altLang="en-US" dirty="0" smtClean="0"/>
+              <a:t>에서는 이런 함수를 고정된 형태로 제한하여 종국엔 함수를 근사하도록 함</a:t>
+            </a:r>
+            <a:r>
+              <a:rPr kumimoji="1" lang="en-US" altLang="ko-KR" dirty="0" smtClean="0"/>
+              <a:t>.</a:t>
+            </a:r>
+          </a:p>
+          <a:p>
+            <a:pPr lvl="1"/>
+            <a:r>
+              <a:rPr kumimoji="1" lang="ko-KR" altLang="en-US" dirty="0" smtClean="0"/>
+              <a:t>제한하는 함수 형태란</a:t>
+            </a:r>
+            <a:r>
+              <a:rPr kumimoji="1" lang="en-US" altLang="ko-KR" dirty="0" smtClean="0"/>
+              <a:t>?</a:t>
+            </a:r>
+          </a:p>
+          <a:p>
+            <a:pPr lvl="2"/>
+            <a:r>
+              <a:rPr kumimoji="1" lang="ko-KR" altLang="en-US" dirty="0" smtClean="0"/>
+              <a:t>이차함수</a:t>
+            </a:r>
+            <a:r>
+              <a:rPr kumimoji="1" lang="en-US" altLang="ko-KR" dirty="0" smtClean="0"/>
+              <a:t>(quadratic) or </a:t>
+            </a:r>
+            <a:r>
+              <a:rPr kumimoji="1" lang="ko-KR" altLang="en-US" dirty="0" smtClean="0"/>
+              <a:t>기저 함수를 포함한 선형 결합 </a:t>
+            </a:r>
+            <a:r>
+              <a:rPr kumimoji="1" lang="en-US" altLang="ko-KR" dirty="0" smtClean="0"/>
+              <a:t>or </a:t>
+            </a:r>
+            <a:r>
+              <a:rPr kumimoji="1" lang="ko-KR" altLang="en-US" dirty="0" smtClean="0"/>
+              <a:t>인수 분해</a:t>
+            </a:r>
+            <a:endParaRPr kumimoji="1" lang="ko-KR" altLang="en-US" dirty="0"/>
+          </a:p>
+        </p:txBody>
+      </p:sp>
+    </p:spTree>
+    <p:extLst>
+      <p:ext uri="{BB962C8B-B14F-4D97-AF65-F5344CB8AC3E}">
+        <p14:creationId xmlns:p14="http://schemas.microsoft.com/office/powerpoint/2010/main" val="2024787698"/>
       </p:ext>
     </p:extLst>
   </p:cSld>
@@ -19406,6 +19535,768 @@
       </p:par>
     </p:tnLst>
   </p:timing>
+</p:sld>
+</file>
+
+<file path=ppt/slides/slide50.xml><?xml version="1.0" encoding="utf-8"?>
+<p:sld xmlns:a="http://schemas.openxmlformats.org/drawingml/2006/main" xmlns:r="http://schemas.openxmlformats.org/officeDocument/2006/relationships" xmlns:p="http://schemas.openxmlformats.org/presentationml/2006/main">
+  <p:cSld>
+    <p:spTree>
+      <p:nvGrpSpPr>
+        <p:cNvPr id="1" name=""/>
+        <p:cNvGrpSpPr/>
+        <p:nvPr/>
+      </p:nvGrpSpPr>
+      <p:grpSpPr>
+        <a:xfrm>
+          <a:off x="0" y="0"/>
+          <a:ext cx="0" cy="0"/>
+          <a:chOff x="0" y="0"/>
+          <a:chExt cx="0" cy="0"/>
+        </a:xfrm>
+      </p:grpSpPr>
+      <p:sp>
+        <p:nvSpPr>
+          <p:cNvPr id="2" name="제목 1"/>
+          <p:cNvSpPr>
+            <a:spLocks noGrp="1"/>
+          </p:cNvSpPr>
+          <p:nvPr>
+            <p:ph type="title"/>
+          </p:nvPr>
+        </p:nvSpPr>
+        <p:spPr/>
+        <p:txBody>
+          <a:bodyPr/>
+          <a:lstStyle/>
+          <a:p>
+            <a:r>
+              <a:rPr kumimoji="1" lang="ko-KR" altLang="en-US" dirty="0" smtClean="0"/>
+              <a:t>베이지언 모델로의 통합</a:t>
+            </a:r>
+            <a:r>
+              <a:rPr kumimoji="1" lang="en-US" altLang="ko-KR" dirty="0" smtClean="0"/>
+              <a:t>.</a:t>
+            </a:r>
+            <a:endParaRPr kumimoji="1" lang="ko-KR" altLang="en-US" dirty="0"/>
+          </a:p>
+        </p:txBody>
+      </p:sp>
+      <p:sp>
+        <p:nvSpPr>
+          <p:cNvPr id="3" name="내용 개체 틀 2"/>
+          <p:cNvSpPr>
+            <a:spLocks noGrp="1"/>
+          </p:cNvSpPr>
+          <p:nvPr>
+            <p:ph idx="1"/>
+          </p:nvPr>
+        </p:nvSpPr>
+        <p:spPr>
+          <a:xfrm>
+            <a:off x="838200" y="3962401"/>
+            <a:ext cx="10515600" cy="2468880"/>
+          </a:xfrm>
+        </p:spPr>
+        <p:txBody>
+          <a:bodyPr>
+            <a:normAutofit fontScale="92500" lnSpcReduction="10000"/>
+          </a:bodyPr>
+          <a:lstStyle/>
+          <a:p>
+            <a:r>
+              <a:rPr kumimoji="1" lang="ko-KR" altLang="en-US" dirty="0" smtClean="0"/>
+              <a:t>사용되던 파라미터들을 모두 잠재 변수로 통합</a:t>
+            </a:r>
+            <a:r>
+              <a:rPr kumimoji="1" lang="en-US" altLang="ko-KR" dirty="0" smtClean="0"/>
+              <a:t>.</a:t>
+            </a:r>
+          </a:p>
+          <a:p>
+            <a:pPr lvl="1"/>
+            <a:r>
+              <a:rPr kumimoji="1" lang="ko-KR" altLang="en-US" dirty="0" smtClean="0"/>
+              <a:t>즉</a:t>
+            </a:r>
+            <a:r>
+              <a:rPr kumimoji="1" lang="en-US" altLang="ko-KR" dirty="0" smtClean="0"/>
+              <a:t>,</a:t>
+            </a:r>
+            <a:r>
+              <a:rPr kumimoji="1" lang="ko-KR" altLang="en-US" dirty="0" smtClean="0"/>
+              <a:t> 모든 파라미터를 랜덤 변수로 취급하는 </a:t>
+            </a:r>
+            <a:r>
+              <a:rPr kumimoji="1" lang="en-US" altLang="ko-KR" dirty="0" smtClean="0"/>
+              <a:t>Full </a:t>
+            </a:r>
+            <a:r>
+              <a:rPr kumimoji="1" lang="ko-KR" altLang="en-US" dirty="0" smtClean="0"/>
+              <a:t>베이지언 모델을 채택</a:t>
+            </a:r>
+            <a:endParaRPr kumimoji="1" lang="en-US" altLang="ko-KR" dirty="0" smtClean="0"/>
+          </a:p>
+          <a:p>
+            <a:pPr lvl="1"/>
+            <a:endParaRPr kumimoji="1" lang="en-US" altLang="ko-KR" dirty="0" smtClean="0"/>
+          </a:p>
+          <a:p>
+            <a:r>
+              <a:rPr kumimoji="1" lang="ko-KR" altLang="en-US" dirty="0" smtClean="0"/>
+              <a:t>기본적인 식은 연속형 변수로 취급</a:t>
+            </a:r>
+            <a:endParaRPr kumimoji="1" lang="en-US" altLang="ko-KR" dirty="0" smtClean="0"/>
+          </a:p>
+          <a:p>
+            <a:pPr lvl="1"/>
+            <a:r>
+              <a:rPr kumimoji="1" lang="ko-KR" altLang="en-US" dirty="0" smtClean="0"/>
+              <a:t>필요한 경우 적분을 합산 공식으로 변환하여 사용하면 된다</a:t>
+            </a:r>
+            <a:r>
+              <a:rPr kumimoji="1" lang="en-US" altLang="ko-KR" dirty="0" smtClean="0"/>
+              <a:t>.</a:t>
+            </a:r>
+          </a:p>
+          <a:p>
+            <a:endParaRPr kumimoji="1" lang="ko-KR" altLang="en-US" dirty="0"/>
+          </a:p>
+        </p:txBody>
+      </p:sp>
+      <p:pic>
+        <p:nvPicPr>
+          <p:cNvPr id="4" name="그림 3"/>
+          <p:cNvPicPr>
+            <a:picLocks noChangeAspect="1"/>
+          </p:cNvPicPr>
+          <p:nvPr/>
+        </p:nvPicPr>
+        <p:blipFill>
+          <a:blip r:embed="rId2"/>
+          <a:stretch>
+            <a:fillRect/>
+          </a:stretch>
+        </p:blipFill>
+        <p:spPr>
+          <a:xfrm>
+            <a:off x="1376680" y="2412048"/>
+            <a:ext cx="3395784" cy="692561"/>
+          </a:xfrm>
+          <a:prstGeom prst="rect">
+            <a:avLst/>
+          </a:prstGeom>
+        </p:spPr>
+      </p:pic>
+      <p:pic>
+        <p:nvPicPr>
+          <p:cNvPr id="5" name="그림 4"/>
+          <p:cNvPicPr>
+            <a:picLocks noChangeAspect="1"/>
+          </p:cNvPicPr>
+          <p:nvPr/>
+        </p:nvPicPr>
+        <p:blipFill>
+          <a:blip r:embed="rId3"/>
+          <a:stretch>
+            <a:fillRect/>
+          </a:stretch>
+        </p:blipFill>
+        <p:spPr>
+          <a:xfrm>
+            <a:off x="5893288" y="1940339"/>
+            <a:ext cx="4370457" cy="1646141"/>
+          </a:xfrm>
+          <a:prstGeom prst="rect">
+            <a:avLst/>
+          </a:prstGeom>
+        </p:spPr>
+      </p:pic>
+    </p:spTree>
+    <p:extLst>
+      <p:ext uri="{BB962C8B-B14F-4D97-AF65-F5344CB8AC3E}">
+        <p14:creationId xmlns:p14="http://schemas.microsoft.com/office/powerpoint/2010/main" val="770757904"/>
+      </p:ext>
+    </p:extLst>
+  </p:cSld>
+  <p:clrMapOvr>
+    <a:masterClrMapping/>
+  </p:clrMapOvr>
+</p:sld>
+</file>
+
+<file path=ppt/slides/slide51.xml><?xml version="1.0" encoding="utf-8"?>
+<p:sld xmlns:a="http://schemas.openxmlformats.org/drawingml/2006/main" xmlns:r="http://schemas.openxmlformats.org/officeDocument/2006/relationships" xmlns:p="http://schemas.openxmlformats.org/presentationml/2006/main">
+  <p:cSld>
+    <p:spTree>
+      <p:nvGrpSpPr>
+        <p:cNvPr id="1" name=""/>
+        <p:cNvGrpSpPr/>
+        <p:nvPr/>
+      </p:nvGrpSpPr>
+      <p:grpSpPr>
+        <a:xfrm>
+          <a:off x="0" y="0"/>
+          <a:ext cx="0" cy="0"/>
+          <a:chOff x="0" y="0"/>
+          <a:chExt cx="0" cy="0"/>
+        </a:xfrm>
+      </p:grpSpPr>
+      <p:sp>
+        <p:nvSpPr>
+          <p:cNvPr id="2" name="제목 1"/>
+          <p:cNvSpPr>
+            <a:spLocks noGrp="1"/>
+          </p:cNvSpPr>
+          <p:nvPr>
+            <p:ph type="title"/>
+          </p:nvPr>
+        </p:nvSpPr>
+        <p:spPr/>
+        <p:txBody>
+          <a:bodyPr/>
+          <a:lstStyle/>
+          <a:p>
+            <a:r>
+              <a:rPr kumimoji="1" lang="en-US" altLang="ko-KR" dirty="0" smtClean="0"/>
+              <a:t>Factorized distributions</a:t>
+            </a:r>
+            <a:endParaRPr kumimoji="1" lang="ko-KR" altLang="en-US" dirty="0"/>
+          </a:p>
+        </p:txBody>
+      </p:sp>
+      <mc:AlternateContent xmlns:mc="http://schemas.openxmlformats.org/markup-compatibility/2006">
+        <mc:Choice xmlns:a14="http://schemas.microsoft.com/office/drawing/2010/main" Requires="a14">
+          <p:sp>
+            <p:nvSpPr>
+              <p:cNvPr id="3" name="내용 개체 틀 2"/>
+              <p:cNvSpPr>
+                <a:spLocks noGrp="1"/>
+              </p:cNvSpPr>
+              <p:nvPr>
+                <p:ph idx="1"/>
+              </p:nvPr>
+            </p:nvSpPr>
+            <p:spPr>
+              <a:xfrm>
+                <a:off x="838200" y="3027680"/>
+                <a:ext cx="10515600" cy="3149282"/>
+              </a:xfrm>
+            </p:spPr>
+            <p:txBody>
+              <a:bodyPr>
+                <a:normAutofit fontScale="92500" lnSpcReduction="10000"/>
+              </a:bodyPr>
+              <a:lstStyle/>
+              <a:p>
+                <a:r>
+                  <a:rPr kumimoji="1" lang="ko-KR" altLang="en-US" dirty="0" smtClean="0"/>
+                  <a:t>각각의 </a:t>
+                </a:r>
+                <a14:m>
+                  <m:oMath xmlns:m="http://schemas.openxmlformats.org/officeDocument/2006/math">
+                    <m:r>
+                      <a:rPr kumimoji="1" lang="en-US" altLang="ko-KR" b="0" i="1" dirty="0" smtClean="0">
+                        <a:latin typeface="Cambria Math" charset="0"/>
+                      </a:rPr>
+                      <m:t>𝑧</m:t>
+                    </m:r>
+                  </m:oMath>
+                </a14:m>
+                <a:r>
+                  <a:rPr kumimoji="1" lang="en-US" altLang="ko-KR" dirty="0" smtClean="0"/>
+                  <a:t> </a:t>
+                </a:r>
+                <a:r>
+                  <a:rPr kumimoji="1" lang="ko-KR" altLang="en-US" dirty="0" smtClean="0"/>
+                  <a:t>는 적당한 단위의 </a:t>
+                </a:r>
+                <a14:m>
+                  <m:oMath xmlns:m="http://schemas.openxmlformats.org/officeDocument/2006/math">
+                    <m:r>
+                      <a:rPr kumimoji="1" lang="en-US" altLang="ko-KR" i="1">
+                        <a:latin typeface="Cambria Math" charset="0"/>
+                      </a:rPr>
+                      <m:t>𝑞</m:t>
+                    </m:r>
+                  </m:oMath>
+                </a14:m>
+                <a:r>
+                  <a:rPr kumimoji="1" lang="en-US" altLang="ko-KR" dirty="0" smtClean="0"/>
+                  <a:t> </a:t>
+                </a:r>
+                <a:r>
+                  <a:rPr kumimoji="1" lang="ko-KR" altLang="en-US" dirty="0" smtClean="0"/>
+                  <a:t>함수로 나누어질 수 있다</a:t>
+                </a:r>
+                <a:r>
+                  <a:rPr kumimoji="1" lang="en-US" altLang="ko-KR" dirty="0" smtClean="0"/>
+                  <a:t>.</a:t>
+                </a:r>
+              </a:p>
+              <a:p>
+                <a:endParaRPr kumimoji="1" lang="en-US" altLang="ko-KR" dirty="0" smtClean="0"/>
+              </a:p>
+              <a:p>
+                <a:r>
+                  <a:rPr kumimoji="1" lang="ko-KR" altLang="en-US" dirty="0" smtClean="0"/>
+                  <a:t>즉</a:t>
+                </a:r>
+                <a:r>
+                  <a:rPr kumimoji="1" lang="en-US" altLang="ko-KR" dirty="0" smtClean="0"/>
+                  <a:t>,</a:t>
+                </a:r>
+                <a:r>
+                  <a:rPr kumimoji="1" lang="ko-KR" altLang="en-US" dirty="0" smtClean="0"/>
+                  <a:t> 임의의 </a:t>
+                </a:r>
+                <a14:m>
+                  <m:oMath xmlns:m="http://schemas.openxmlformats.org/officeDocument/2006/math">
+                    <m:r>
+                      <a:rPr kumimoji="1" lang="en-US" altLang="ko-KR" b="0" i="1" smtClean="0">
+                        <a:latin typeface="Cambria Math" charset="0"/>
+                      </a:rPr>
+                      <m:t>𝑧</m:t>
+                    </m:r>
+                  </m:oMath>
+                </a14:m>
+                <a:r>
+                  <a:rPr kumimoji="1" lang="en-US" altLang="ko-KR" dirty="0" smtClean="0"/>
+                  <a:t> </a:t>
+                </a:r>
+                <a:r>
+                  <a:rPr kumimoji="1" lang="ko-KR" altLang="en-US" dirty="0" smtClean="0"/>
+                  <a:t>에 대해 독립적이라는 가정을 할 수 있음</a:t>
+                </a:r>
+                <a:r>
+                  <a:rPr kumimoji="1" lang="en-US" altLang="ko-KR" dirty="0" smtClean="0"/>
+                  <a:t>.</a:t>
+                </a:r>
+              </a:p>
+              <a:p>
+                <a:endParaRPr kumimoji="1" lang="en-US" altLang="ko-KR" dirty="0"/>
+              </a:p>
+              <a:p>
+                <a:r>
+                  <a:rPr kumimoji="1" lang="ko-KR" altLang="en-US" dirty="0" smtClean="0"/>
+                  <a:t>이런 가정 하에서 </a:t>
+                </a:r>
+                <a14:m>
+                  <m:oMath xmlns:m="http://schemas.openxmlformats.org/officeDocument/2006/math">
+                    <m:r>
+                      <a:rPr kumimoji="1" lang="en-US" altLang="ko-KR" b="0" i="1" smtClean="0">
+                        <a:latin typeface="Cambria Math" charset="0"/>
+                      </a:rPr>
+                      <m:t>𝐿</m:t>
+                    </m:r>
+                    <m:r>
+                      <a:rPr kumimoji="1" lang="en-US" altLang="ko-KR" b="0" i="1" smtClean="0">
+                        <a:latin typeface="Cambria Math" charset="0"/>
+                      </a:rPr>
+                      <m:t>(</m:t>
+                    </m:r>
+                    <m:r>
+                      <a:rPr kumimoji="1" lang="en-US" altLang="ko-KR" b="0" i="1" smtClean="0">
+                        <a:latin typeface="Cambria Math" charset="0"/>
+                      </a:rPr>
+                      <m:t>𝑞</m:t>
+                    </m:r>
+                    <m:r>
+                      <a:rPr kumimoji="1" lang="en-US" altLang="ko-KR" b="0" i="1" smtClean="0">
+                        <a:latin typeface="Cambria Math" charset="0"/>
+                      </a:rPr>
+                      <m:t>)</m:t>
+                    </m:r>
+                  </m:oMath>
+                </a14:m>
+                <a:r>
+                  <a:rPr kumimoji="1" lang="en-US" altLang="ko-KR" dirty="0" smtClean="0"/>
+                  <a:t> </a:t>
+                </a:r>
+                <a:r>
+                  <a:rPr kumimoji="1" lang="ko-KR" altLang="en-US" dirty="0" smtClean="0"/>
+                  <a:t>를 최대화하는 </a:t>
+                </a:r>
+                <a14:m>
+                  <m:oMath xmlns:m="http://schemas.openxmlformats.org/officeDocument/2006/math">
+                    <m:r>
+                      <a:rPr kumimoji="1" lang="en-US" altLang="ko-KR" i="1">
+                        <a:latin typeface="Cambria Math" charset="0"/>
+                      </a:rPr>
+                      <m:t>𝑞</m:t>
+                    </m:r>
+                  </m:oMath>
+                </a14:m>
+                <a:r>
+                  <a:rPr kumimoji="1" lang="ko-KR" altLang="en-US" dirty="0" smtClean="0"/>
+                  <a:t> 를 구한다</a:t>
+                </a:r>
+                <a:r>
+                  <a:rPr kumimoji="1" lang="en-US" altLang="ko-KR" dirty="0" smtClean="0"/>
+                  <a:t>.</a:t>
+                </a:r>
+              </a:p>
+              <a:p>
+                <a:endParaRPr kumimoji="1" lang="en-US" altLang="ko-KR" dirty="0" smtClean="0"/>
+              </a:p>
+              <a:p>
+                <a:r>
+                  <a:rPr kumimoji="1" lang="ko-KR" altLang="en-US" dirty="0" smtClean="0"/>
+                  <a:t>이러한 기법을 평균장 이론 </a:t>
+                </a:r>
+                <a:r>
+                  <a:rPr kumimoji="1" lang="en-US" altLang="ko-KR" dirty="0" smtClean="0"/>
+                  <a:t>(mean-field theory) </a:t>
+                </a:r>
+                <a:r>
+                  <a:rPr kumimoji="1" lang="ko-KR" altLang="en-US" dirty="0" smtClean="0"/>
+                  <a:t>이라고 한다</a:t>
+                </a:r>
+                <a:r>
+                  <a:rPr kumimoji="1" lang="en-US" altLang="ko-KR" dirty="0" smtClean="0"/>
+                  <a:t>.</a:t>
+                </a:r>
+                <a:endParaRPr kumimoji="1" lang="ko-KR" altLang="en-US" dirty="0"/>
+              </a:p>
+            </p:txBody>
+          </p:sp>
+        </mc:Choice>
+        <mc:Fallback>
+          <p:sp>
+            <p:nvSpPr>
+              <p:cNvPr id="3" name="내용 개체 틀 2"/>
+              <p:cNvSpPr>
+                <a:spLocks noGrp="1" noRot="1" noChangeAspect="1" noMove="1" noResize="1" noEditPoints="1" noAdjustHandles="1" noChangeArrowheads="1" noChangeShapeType="1" noTextEdit="1"/>
+              </p:cNvSpPr>
+              <p:nvPr>
+                <p:ph idx="1"/>
+              </p:nvPr>
+            </p:nvSpPr>
+            <p:spPr>
+              <a:xfrm>
+                <a:off x="838200" y="3027680"/>
+                <a:ext cx="10515600" cy="3149282"/>
+              </a:xfrm>
+              <a:blipFill rotWithShape="0">
+                <a:blip r:embed="rId2"/>
+                <a:stretch>
+                  <a:fillRect l="-928" t="-3876" b="-3101"/>
+                </a:stretch>
+              </a:blipFill>
+            </p:spPr>
+            <p:txBody>
+              <a:bodyPr/>
+              <a:lstStyle/>
+              <a:p>
+                <a:r>
+                  <a:rPr lang="ko-KR" altLang="en-US">
+                    <a:noFill/>
+                  </a:rPr>
+                  <a:t> </a:t>
+                </a:r>
+              </a:p>
+            </p:txBody>
+          </p:sp>
+        </mc:Fallback>
+      </mc:AlternateContent>
+      <p:pic>
+        <p:nvPicPr>
+          <p:cNvPr id="4" name="그림 3"/>
+          <p:cNvPicPr>
+            <a:picLocks noChangeAspect="1"/>
+          </p:cNvPicPr>
+          <p:nvPr/>
+        </p:nvPicPr>
+        <p:blipFill>
+          <a:blip r:embed="rId3"/>
+          <a:stretch>
+            <a:fillRect/>
+          </a:stretch>
+        </p:blipFill>
+        <p:spPr>
+          <a:xfrm>
+            <a:off x="5327650" y="1764030"/>
+            <a:ext cx="1672590" cy="856302"/>
+          </a:xfrm>
+          <a:prstGeom prst="rect">
+            <a:avLst/>
+          </a:prstGeom>
+        </p:spPr>
+      </p:pic>
+    </p:spTree>
+    <p:extLst>
+      <p:ext uri="{BB962C8B-B14F-4D97-AF65-F5344CB8AC3E}">
+        <p14:creationId xmlns:p14="http://schemas.microsoft.com/office/powerpoint/2010/main" val="901885142"/>
+      </p:ext>
+    </p:extLst>
+  </p:cSld>
+  <p:clrMapOvr>
+    <a:masterClrMapping/>
+  </p:clrMapOvr>
+</p:sld>
+</file>
+
+<file path=ppt/slides/slide52.xml><?xml version="1.0" encoding="utf-8"?>
+<p:sld xmlns:a="http://schemas.openxmlformats.org/drawingml/2006/main" xmlns:r="http://schemas.openxmlformats.org/officeDocument/2006/relationships" xmlns:p="http://schemas.openxmlformats.org/presentationml/2006/main">
+  <p:cSld>
+    <p:spTree>
+      <p:nvGrpSpPr>
+        <p:cNvPr id="1" name=""/>
+        <p:cNvGrpSpPr/>
+        <p:nvPr/>
+      </p:nvGrpSpPr>
+      <p:grpSpPr>
+        <a:xfrm>
+          <a:off x="0" y="0"/>
+          <a:ext cx="0" cy="0"/>
+          <a:chOff x="0" y="0"/>
+          <a:chExt cx="0" cy="0"/>
+        </a:xfrm>
+      </p:grpSpPr>
+      <p:sp>
+        <p:nvSpPr>
+          <p:cNvPr id="2" name="제목 1"/>
+          <p:cNvSpPr>
+            <a:spLocks noGrp="1"/>
+          </p:cNvSpPr>
+          <p:nvPr>
+            <p:ph type="title"/>
+          </p:nvPr>
+        </p:nvSpPr>
+        <p:spPr/>
+        <p:txBody>
+          <a:bodyPr/>
+          <a:lstStyle/>
+          <a:p>
+            <a:r>
+              <a:rPr kumimoji="1" lang="ko-KR" altLang="en-US" dirty="0" smtClean="0"/>
+              <a:t>평균장 이론</a:t>
+            </a:r>
+            <a:endParaRPr kumimoji="1" lang="ko-KR" altLang="en-US" dirty="0"/>
+          </a:p>
+        </p:txBody>
+      </p:sp>
+      <p:sp>
+        <p:nvSpPr>
+          <p:cNvPr id="3" name="내용 개체 틀 2"/>
+          <p:cNvSpPr>
+            <a:spLocks noGrp="1"/>
+          </p:cNvSpPr>
+          <p:nvPr>
+            <p:ph idx="1"/>
+          </p:nvPr>
+        </p:nvSpPr>
+        <p:spPr>
+          <a:xfrm>
+            <a:off x="838200" y="1905801"/>
+            <a:ext cx="10515600" cy="3113239"/>
+          </a:xfrm>
+        </p:spPr>
+        <p:txBody>
+          <a:bodyPr>
+            <a:normAutofit fontScale="77500" lnSpcReduction="20000"/>
+          </a:bodyPr>
+          <a:lstStyle/>
+          <a:p>
+            <a:r>
+              <a:rPr lang="ko-KR" altLang="en-US" dirty="0"/>
+              <a:t>평균장 이론물리학에서 개발된 근사 프레임워크로 자기 모순 없는 장 </a:t>
+            </a:r>
+            <a:r>
+              <a:rPr lang="ko-KR" altLang="en-US" dirty="0" smtClean="0"/>
+              <a:t>이론</a:t>
+            </a:r>
+            <a:r>
+              <a:rPr lang="en-US" altLang="ko-KR" dirty="0" smtClean="0"/>
+              <a:t>.</a:t>
+            </a:r>
+          </a:p>
+          <a:p>
+            <a:pPr lvl="1"/>
+            <a:r>
+              <a:rPr lang="en-US" altLang="ko-KR" dirty="0" smtClean="0"/>
+              <a:t>(</a:t>
+            </a:r>
+            <a:r>
+              <a:rPr lang="en-US" altLang="ko-KR" dirty="0"/>
+              <a:t>self-consistent field theory)</a:t>
+            </a:r>
+            <a:r>
+              <a:rPr lang="ko-KR" altLang="en-US" dirty="0"/>
+              <a:t>라고도 함</a:t>
+            </a:r>
+          </a:p>
+          <a:p>
+            <a:pPr>
+              <a:lnSpc>
+                <a:spcPct val="170000"/>
+              </a:lnSpc>
+            </a:pPr>
+            <a:r>
+              <a:rPr lang="ko-KR" altLang="en-US" dirty="0"/>
+              <a:t>다수의 상호작용이 있는 복잡한</a:t>
+            </a:r>
+            <a:r>
+              <a:rPr lang="en-US" altLang="ko-KR" dirty="0"/>
+              <a:t>(many-body) </a:t>
+            </a:r>
+            <a:r>
+              <a:rPr lang="ko-KR" altLang="en-US" dirty="0"/>
+              <a:t>문제를 </a:t>
+            </a:r>
+            <a:r>
+              <a:rPr lang="en-US" altLang="ko-KR" dirty="0" smtClean="0"/>
+              <a:t/>
+            </a:r>
+            <a:br>
+              <a:rPr lang="en-US" altLang="ko-KR" dirty="0" smtClean="0"/>
+            </a:br>
+            <a:r>
+              <a:rPr lang="ko-KR" altLang="en-US" dirty="0" smtClean="0"/>
+              <a:t>단순한 </a:t>
+            </a:r>
+            <a:r>
+              <a:rPr lang="ko-KR" altLang="en-US" dirty="0"/>
+              <a:t>하나의 상호작용</a:t>
+            </a:r>
+            <a:r>
+              <a:rPr lang="en-US" altLang="ko-KR" dirty="0"/>
+              <a:t>(one-body)</a:t>
+            </a:r>
+            <a:r>
+              <a:rPr lang="ko-KR" altLang="en-US" dirty="0"/>
+              <a:t>의 단순 모델로 표현하는 </a:t>
+            </a:r>
+            <a:r>
+              <a:rPr lang="ko-KR" altLang="en-US" dirty="0" smtClean="0"/>
+              <a:t>방법</a:t>
+            </a:r>
+            <a:endParaRPr lang="en-US" altLang="ko-KR" dirty="0" smtClean="0"/>
+          </a:p>
+          <a:p>
+            <a:pPr>
+              <a:lnSpc>
+                <a:spcPct val="170000"/>
+              </a:lnSpc>
+            </a:pPr>
+            <a:endParaRPr lang="ko-KR" altLang="en-US" dirty="0"/>
+          </a:p>
+          <a:p>
+            <a:r>
+              <a:rPr lang="ko-KR" altLang="en-US" dirty="0"/>
+              <a:t>각각의 요소에 대한 상호작용을 이해하고 계산하기 어려우니</a:t>
+            </a:r>
+            <a:r>
+              <a:rPr lang="en-US" altLang="ko-KR" dirty="0"/>
+              <a:t>, </a:t>
+            </a:r>
+            <a:r>
+              <a:rPr lang="ko-KR" altLang="en-US" dirty="0"/>
+              <a:t>평균 상호 작용으로 취급하는 것</a:t>
+            </a:r>
+            <a:endParaRPr lang="ko-KR" altLang="en-US" dirty="0"/>
+          </a:p>
+        </p:txBody>
+      </p:sp>
+    </p:spTree>
+    <p:extLst>
+      <p:ext uri="{BB962C8B-B14F-4D97-AF65-F5344CB8AC3E}">
+        <p14:creationId xmlns:p14="http://schemas.microsoft.com/office/powerpoint/2010/main" val="264699619"/>
+      </p:ext>
+    </p:extLst>
+  </p:cSld>
+  <p:clrMapOvr>
+    <a:masterClrMapping/>
+  </p:clrMapOvr>
+</p:sld>
+</file>
+
+<file path=ppt/slides/slide53.xml><?xml version="1.0" encoding="utf-8"?>
+<p:sld xmlns:a="http://schemas.openxmlformats.org/drawingml/2006/main" xmlns:r="http://schemas.openxmlformats.org/officeDocument/2006/relationships" xmlns:p="http://schemas.openxmlformats.org/presentationml/2006/main">
+  <p:cSld>
+    <p:spTree>
+      <p:nvGrpSpPr>
+        <p:cNvPr id="1" name=""/>
+        <p:cNvGrpSpPr/>
+        <p:nvPr/>
+      </p:nvGrpSpPr>
+      <p:grpSpPr>
+        <a:xfrm>
+          <a:off x="0" y="0"/>
+          <a:ext cx="0" cy="0"/>
+          <a:chOff x="0" y="0"/>
+          <a:chExt cx="0" cy="0"/>
+        </a:xfrm>
+      </p:grpSpPr>
+      <p:sp>
+        <p:nvSpPr>
+          <p:cNvPr id="2" name="제목 1"/>
+          <p:cNvSpPr>
+            <a:spLocks noGrp="1"/>
+          </p:cNvSpPr>
+          <p:nvPr>
+            <p:ph type="title"/>
+          </p:nvPr>
+        </p:nvSpPr>
+        <p:spPr/>
+        <p:txBody>
+          <a:bodyPr/>
+          <a:lstStyle/>
+          <a:p>
+            <a:r>
+              <a:rPr kumimoji="1" lang="en-US" altLang="ko-KR" dirty="0"/>
+              <a:t>Factorized </a:t>
+            </a:r>
+            <a:r>
+              <a:rPr kumimoji="1" lang="en-US" altLang="ko-KR" dirty="0" smtClean="0"/>
+              <a:t>distributions</a:t>
+            </a:r>
+            <a:r>
+              <a:rPr kumimoji="1" lang="ko-KR" altLang="en-US" dirty="0" smtClean="0"/>
+              <a:t> </a:t>
+            </a:r>
+            <a:r>
+              <a:rPr kumimoji="1" lang="en-US" altLang="ko-KR" smtClean="0"/>
+              <a:t>(Cont’d)</a:t>
+            </a:r>
+            <a:endParaRPr kumimoji="1" lang="ko-KR" altLang="en-US" dirty="0"/>
+          </a:p>
+        </p:txBody>
+      </p:sp>
+      <p:pic>
+        <p:nvPicPr>
+          <p:cNvPr id="4" name="그림 3"/>
+          <p:cNvPicPr>
+            <a:picLocks noChangeAspect="1"/>
+          </p:cNvPicPr>
+          <p:nvPr/>
+        </p:nvPicPr>
+        <p:blipFill>
+          <a:blip r:embed="rId2"/>
+          <a:stretch>
+            <a:fillRect/>
+          </a:stretch>
+        </p:blipFill>
+        <p:spPr>
+          <a:xfrm>
+            <a:off x="2929890" y="2384146"/>
+            <a:ext cx="6610350" cy="3264813"/>
+          </a:xfrm>
+          <a:prstGeom prst="rect">
+            <a:avLst/>
+          </a:prstGeom>
+        </p:spPr>
+      </p:pic>
+    </p:spTree>
+    <p:extLst>
+      <p:ext uri="{BB962C8B-B14F-4D97-AF65-F5344CB8AC3E}">
+        <p14:creationId xmlns:p14="http://schemas.microsoft.com/office/powerpoint/2010/main" val="380925382"/>
+      </p:ext>
+    </p:extLst>
+  </p:cSld>
+  <p:clrMapOvr>
+    <a:masterClrMapping/>
+  </p:clrMapOvr>
 </p:sld>
 </file>
 
@@ -20602,11 +21493,7 @@
             </a:r>
             <a:r>
               <a:rPr kumimoji="1" lang="ko-KR" altLang="en-US" dirty="0" smtClean="0"/>
-              <a:t>개의 랜덤 </a:t>
-            </a:r>
-            <a:r>
-              <a:rPr kumimoji="1" lang="ko-KR" altLang="en-US" dirty="0" smtClean="0"/>
-              <a:t>변수</a:t>
+              <a:t>개의 랜덤 변수</a:t>
             </a:r>
             <a:r>
               <a:rPr kumimoji="1" lang="en-US" altLang="ko-KR" dirty="0" smtClean="0"/>

--- a/vi.pptx
+++ b/vi.pptx
@@ -5,7 +5,7 @@
     <p:sldMasterId id="2147483648" r:id="rId1"/>
   </p:sldMasterIdLst>
   <p:notesMasterIdLst>
-    <p:notesMasterId r:id="rId55"/>
+    <p:notesMasterId r:id="rId58"/>
   </p:notesMasterIdLst>
   <p:sldIdLst>
     <p:sldId id="256" r:id="rId2"/>
@@ -19,48 +19,51 @@
     <p:sldId id="290" r:id="rId10"/>
     <p:sldId id="294" r:id="rId11"/>
     <p:sldId id="295" r:id="rId12"/>
-    <p:sldId id="287" r:id="rId13"/>
-    <p:sldId id="288" r:id="rId14"/>
-    <p:sldId id="258" r:id="rId15"/>
-    <p:sldId id="260" r:id="rId16"/>
-    <p:sldId id="261" r:id="rId17"/>
-    <p:sldId id="265" r:id="rId18"/>
-    <p:sldId id="264" r:id="rId19"/>
-    <p:sldId id="266" r:id="rId20"/>
-    <p:sldId id="289" r:id="rId21"/>
-    <p:sldId id="267" r:id="rId22"/>
-    <p:sldId id="269" r:id="rId23"/>
-    <p:sldId id="273" r:id="rId24"/>
-    <p:sldId id="272" r:id="rId25"/>
-    <p:sldId id="297" r:id="rId26"/>
-    <p:sldId id="274" r:id="rId27"/>
-    <p:sldId id="275" r:id="rId28"/>
-    <p:sldId id="276" r:id="rId29"/>
-    <p:sldId id="277" r:id="rId30"/>
-    <p:sldId id="278" r:id="rId31"/>
-    <p:sldId id="279" r:id="rId32"/>
-    <p:sldId id="280" r:id="rId33"/>
-    <p:sldId id="302" r:id="rId34"/>
-    <p:sldId id="303" r:id="rId35"/>
-    <p:sldId id="281" r:id="rId36"/>
-    <p:sldId id="282" r:id="rId37"/>
-    <p:sldId id="300" r:id="rId38"/>
-    <p:sldId id="298" r:id="rId39"/>
-    <p:sldId id="301" r:id="rId40"/>
-    <p:sldId id="307" r:id="rId41"/>
-    <p:sldId id="284" r:id="rId42"/>
-    <p:sldId id="285" r:id="rId43"/>
-    <p:sldId id="286" r:id="rId44"/>
-    <p:sldId id="305" r:id="rId45"/>
-    <p:sldId id="304" r:id="rId46"/>
-    <p:sldId id="306" r:id="rId47"/>
-    <p:sldId id="308" r:id="rId48"/>
-    <p:sldId id="309" r:id="rId49"/>
-    <p:sldId id="310" r:id="rId50"/>
-    <p:sldId id="311" r:id="rId51"/>
-    <p:sldId id="313" r:id="rId52"/>
-    <p:sldId id="314" r:id="rId53"/>
-    <p:sldId id="315" r:id="rId54"/>
+    <p:sldId id="318" r:id="rId13"/>
+    <p:sldId id="287" r:id="rId14"/>
+    <p:sldId id="288" r:id="rId15"/>
+    <p:sldId id="258" r:id="rId16"/>
+    <p:sldId id="260" r:id="rId17"/>
+    <p:sldId id="261" r:id="rId18"/>
+    <p:sldId id="265" r:id="rId19"/>
+    <p:sldId id="264" r:id="rId20"/>
+    <p:sldId id="266" r:id="rId21"/>
+    <p:sldId id="289" r:id="rId22"/>
+    <p:sldId id="267" r:id="rId23"/>
+    <p:sldId id="269" r:id="rId24"/>
+    <p:sldId id="273" r:id="rId25"/>
+    <p:sldId id="272" r:id="rId26"/>
+    <p:sldId id="297" r:id="rId27"/>
+    <p:sldId id="274" r:id="rId28"/>
+    <p:sldId id="275" r:id="rId29"/>
+    <p:sldId id="276" r:id="rId30"/>
+    <p:sldId id="277" r:id="rId31"/>
+    <p:sldId id="278" r:id="rId32"/>
+    <p:sldId id="279" r:id="rId33"/>
+    <p:sldId id="280" r:id="rId34"/>
+    <p:sldId id="302" r:id="rId35"/>
+    <p:sldId id="303" r:id="rId36"/>
+    <p:sldId id="281" r:id="rId37"/>
+    <p:sldId id="282" r:id="rId38"/>
+    <p:sldId id="300" r:id="rId39"/>
+    <p:sldId id="298" r:id="rId40"/>
+    <p:sldId id="301" r:id="rId41"/>
+    <p:sldId id="307" r:id="rId42"/>
+    <p:sldId id="284" r:id="rId43"/>
+    <p:sldId id="285" r:id="rId44"/>
+    <p:sldId id="286" r:id="rId45"/>
+    <p:sldId id="305" r:id="rId46"/>
+    <p:sldId id="304" r:id="rId47"/>
+    <p:sldId id="306" r:id="rId48"/>
+    <p:sldId id="308" r:id="rId49"/>
+    <p:sldId id="309" r:id="rId50"/>
+    <p:sldId id="310" r:id="rId51"/>
+    <p:sldId id="316" r:id="rId52"/>
+    <p:sldId id="311" r:id="rId53"/>
+    <p:sldId id="317" r:id="rId54"/>
+    <p:sldId id="313" r:id="rId55"/>
+    <p:sldId id="314" r:id="rId56"/>
+    <p:sldId id="315" r:id="rId57"/>
   </p:sldIdLst>
   <p:sldSz cx="12192000" cy="6858000"/>
   <p:notesSz cx="6858000" cy="9144000"/>
@@ -249,7 +252,7 @@
           <a:p>
             <a:fld id="{6347DB5A-9175-8242-AC70-6B1527B184C1}" type="datetimeFigureOut">
               <a:rPr kumimoji="1" lang="ko-KR" altLang="en-US" smtClean="0"/>
-              <a:t>2017. 2. 11.</a:t>
+              <a:t>2017. 2. 13.</a:t>
             </a:fld>
             <a:endParaRPr kumimoji="1" lang="ko-KR" altLang="en-US"/>
           </a:p>
@@ -900,7 +903,7 @@
           <a:p>
             <a:fld id="{FC6F441D-1AB8-9E4D-8D62-C080E7801396}" type="datetimeFigureOut">
               <a:rPr kumimoji="1" lang="ko-KR" altLang="en-US" smtClean="0"/>
-              <a:t>2017. 2. 11.</a:t>
+              <a:t>2017. 2. 13.</a:t>
             </a:fld>
             <a:endParaRPr kumimoji="1" lang="ko-KR" altLang="en-US"/>
           </a:p>
@@ -1077,7 +1080,7 @@
           <a:p>
             <a:fld id="{FC6F441D-1AB8-9E4D-8D62-C080E7801396}" type="datetimeFigureOut">
               <a:rPr kumimoji="1" lang="ko-KR" altLang="en-US" smtClean="0"/>
-              <a:t>2017. 2. 11.</a:t>
+              <a:t>2017. 2. 13.</a:t>
             </a:fld>
             <a:endParaRPr kumimoji="1" lang="ko-KR" altLang="en-US"/>
           </a:p>
@@ -1257,7 +1260,7 @@
           <a:p>
             <a:fld id="{FC6F441D-1AB8-9E4D-8D62-C080E7801396}" type="datetimeFigureOut">
               <a:rPr kumimoji="1" lang="ko-KR" altLang="en-US" smtClean="0"/>
-              <a:t>2017. 2. 11.</a:t>
+              <a:t>2017. 2. 13.</a:t>
             </a:fld>
             <a:endParaRPr kumimoji="1" lang="ko-KR" altLang="en-US"/>
           </a:p>
@@ -1450,7 +1453,7 @@
           <a:p>
             <a:fld id="{FC6F441D-1AB8-9E4D-8D62-C080E7801396}" type="datetimeFigureOut">
               <a:rPr kumimoji="1" lang="ko-KR" altLang="en-US" smtClean="0"/>
-              <a:t>2017. 2. 11.</a:t>
+              <a:t>2017. 2. 13.</a:t>
             </a:fld>
             <a:endParaRPr kumimoji="1" lang="ko-KR" altLang="en-US"/>
           </a:p>
@@ -1738,7 +1741,7 @@
           <a:p>
             <a:fld id="{FC6F441D-1AB8-9E4D-8D62-C080E7801396}" type="datetimeFigureOut">
               <a:rPr kumimoji="1" lang="ko-KR" altLang="en-US" smtClean="0"/>
-              <a:t>2017. 2. 11.</a:t>
+              <a:t>2017. 2. 13.</a:t>
             </a:fld>
             <a:endParaRPr kumimoji="1" lang="ko-KR" altLang="en-US"/>
           </a:p>
@@ -1970,7 +1973,7 @@
           <a:p>
             <a:fld id="{FC6F441D-1AB8-9E4D-8D62-C080E7801396}" type="datetimeFigureOut">
               <a:rPr kumimoji="1" lang="ko-KR" altLang="en-US" smtClean="0"/>
-              <a:t>2017. 2. 11.</a:t>
+              <a:t>2017. 2. 13.</a:t>
             </a:fld>
             <a:endParaRPr kumimoji="1" lang="ko-KR" altLang="en-US"/>
           </a:p>
@@ -2337,7 +2340,7 @@
           <a:p>
             <a:fld id="{FC6F441D-1AB8-9E4D-8D62-C080E7801396}" type="datetimeFigureOut">
               <a:rPr kumimoji="1" lang="ko-KR" altLang="en-US" smtClean="0"/>
-              <a:t>2017. 2. 11.</a:t>
+              <a:t>2017. 2. 13.</a:t>
             </a:fld>
             <a:endParaRPr kumimoji="1" lang="ko-KR" altLang="en-US"/>
           </a:p>
@@ -2455,7 +2458,7 @@
           <a:p>
             <a:fld id="{FC6F441D-1AB8-9E4D-8D62-C080E7801396}" type="datetimeFigureOut">
               <a:rPr kumimoji="1" lang="ko-KR" altLang="en-US" smtClean="0"/>
-              <a:t>2017. 2. 11.</a:t>
+              <a:t>2017. 2. 13.</a:t>
             </a:fld>
             <a:endParaRPr kumimoji="1" lang="ko-KR" altLang="en-US"/>
           </a:p>
@@ -2550,7 +2553,7 @@
           <a:p>
             <a:fld id="{FC6F441D-1AB8-9E4D-8D62-C080E7801396}" type="datetimeFigureOut">
               <a:rPr kumimoji="1" lang="ko-KR" altLang="en-US" smtClean="0"/>
-              <a:t>2017. 2. 11.</a:t>
+              <a:t>2017. 2. 13.</a:t>
             </a:fld>
             <a:endParaRPr kumimoji="1" lang="ko-KR" altLang="en-US"/>
           </a:p>
@@ -2827,7 +2830,7 @@
           <a:p>
             <a:fld id="{FC6F441D-1AB8-9E4D-8D62-C080E7801396}" type="datetimeFigureOut">
               <a:rPr kumimoji="1" lang="ko-KR" altLang="en-US" smtClean="0"/>
-              <a:t>2017. 2. 11.</a:t>
+              <a:t>2017. 2. 13.</a:t>
             </a:fld>
             <a:endParaRPr kumimoji="1" lang="ko-KR" altLang="en-US"/>
           </a:p>
@@ -3080,7 +3083,7 @@
           <a:p>
             <a:fld id="{FC6F441D-1AB8-9E4D-8D62-C080E7801396}" type="datetimeFigureOut">
               <a:rPr kumimoji="1" lang="ko-KR" altLang="en-US" smtClean="0"/>
-              <a:t>2017. 2. 11.</a:t>
+              <a:t>2017. 2. 13.</a:t>
             </a:fld>
             <a:endParaRPr kumimoji="1" lang="ko-KR" altLang="en-US"/>
           </a:p>
@@ -3293,7 +3296,7 @@
           <a:p>
             <a:fld id="{FC6F441D-1AB8-9E4D-8D62-C080E7801396}" type="datetimeFigureOut">
               <a:rPr kumimoji="1" lang="ko-KR" altLang="en-US" smtClean="0"/>
-              <a:t>2017. 2. 11.</a:t>
+              <a:t>2017. 2. 13.</a:t>
             </a:fld>
             <a:endParaRPr kumimoji="1" lang="ko-KR" altLang="en-US"/>
           </a:p>
@@ -5604,6 +5607,859 @@
           <a:lstStyle/>
           <a:p>
             <a:r>
+              <a:rPr kumimoji="1" lang="ko-KR" altLang="en-US" dirty="0" smtClean="0"/>
+              <a:t>확률을 바라보는 두 관점</a:t>
+            </a:r>
+            <a:endParaRPr kumimoji="1" lang="ko-KR" altLang="en-US" dirty="0"/>
+          </a:p>
+        </p:txBody>
+      </p:sp>
+      <p:sp>
+        <p:nvSpPr>
+          <p:cNvPr id="4" name="내용 개체 틀 3"/>
+          <p:cNvSpPr>
+            <a:spLocks noGrp="1"/>
+          </p:cNvSpPr>
+          <p:nvPr>
+            <p:ph sz="half" idx="1"/>
+          </p:nvPr>
+        </p:nvSpPr>
+        <p:spPr>
+          <a:xfrm>
+            <a:off x="679938" y="1963656"/>
+            <a:ext cx="5181600" cy="2828477"/>
+          </a:xfrm>
+        </p:spPr>
+        <p:txBody>
+          <a:bodyPr>
+            <a:normAutofit fontScale="85000" lnSpcReduction="10000"/>
+          </a:bodyPr>
+          <a:lstStyle/>
+          <a:p>
+            <a:r>
+              <a:rPr kumimoji="1" lang="en-US" altLang="ko-KR" dirty="0" smtClean="0"/>
+              <a:t>Frequentist</a:t>
+            </a:r>
+          </a:p>
+          <a:p>
+            <a:endParaRPr kumimoji="1" lang="en-US" altLang="ko-KR" dirty="0" smtClean="0"/>
+          </a:p>
+          <a:p>
+            <a:pPr lvl="1"/>
+            <a:r>
+              <a:rPr kumimoji="1" lang="ko-KR" altLang="en-US" dirty="0" smtClean="0"/>
+              <a:t>확률 </a:t>
+            </a:r>
+            <a:r>
+              <a:rPr kumimoji="1" lang="en-US" altLang="ko-KR" dirty="0" smtClean="0"/>
+              <a:t>:</a:t>
+            </a:r>
+            <a:r>
+              <a:rPr kumimoji="1" lang="ko-KR" altLang="en-US" dirty="0" smtClean="0"/>
+              <a:t> 빈도로 주어지는 </a:t>
+            </a:r>
+            <a:r>
+              <a:rPr kumimoji="1" lang="ko-KR" altLang="en-US" dirty="0" smtClean="0"/>
+              <a:t>확률</a:t>
+            </a:r>
+            <a:endParaRPr kumimoji="1" lang="en-US" altLang="ko-KR" dirty="0"/>
+          </a:p>
+          <a:p>
+            <a:pPr lvl="1"/>
+            <a:r>
+              <a:rPr kumimoji="1" lang="ko-KR" altLang="en-US" dirty="0" smtClean="0"/>
+              <a:t>파라미터는 알지 못하지만 고정된 </a:t>
+            </a:r>
+            <a:r>
+              <a:rPr kumimoji="1" lang="ko-KR" altLang="en-US" dirty="0" smtClean="0"/>
+              <a:t>상수</a:t>
+            </a:r>
+            <a:endParaRPr kumimoji="1" lang="en-US" altLang="ko-KR" dirty="0" smtClean="0"/>
+          </a:p>
+          <a:p>
+            <a:pPr lvl="2"/>
+            <a:r>
+              <a:rPr kumimoji="1" lang="en-US" altLang="ko-KR" dirty="0" smtClean="0"/>
+              <a:t>(unknown but fixed</a:t>
+            </a:r>
+            <a:r>
+              <a:rPr kumimoji="1" lang="en-US" altLang="ko-KR" dirty="0" smtClean="0"/>
+              <a:t>)</a:t>
+            </a:r>
+            <a:endParaRPr kumimoji="1" lang="en-US" altLang="ko-KR" dirty="0" smtClean="0"/>
+          </a:p>
+          <a:p>
+            <a:pPr lvl="1"/>
+            <a:r>
+              <a:rPr kumimoji="1" lang="ko-KR" altLang="en-US" dirty="0" smtClean="0"/>
+              <a:t>많은 시행을 통해 좋은 추정을 얻을 수 있다</a:t>
+            </a:r>
+            <a:r>
+              <a:rPr kumimoji="1" lang="en-US" altLang="ko-KR" dirty="0" smtClean="0"/>
+              <a:t>.</a:t>
+            </a:r>
+            <a:endParaRPr kumimoji="1" lang="ko-KR" altLang="en-US" dirty="0"/>
+          </a:p>
+        </p:txBody>
+      </p:sp>
+      <p:sp>
+        <p:nvSpPr>
+          <p:cNvPr id="5" name="내용 개체 틀 4"/>
+          <p:cNvSpPr txBox="1">
+            <a:spLocks/>
+          </p:cNvSpPr>
+          <p:nvPr/>
+        </p:nvSpPr>
+        <p:spPr>
+          <a:xfrm>
+            <a:off x="6013938" y="1963656"/>
+            <a:ext cx="5181600" cy="2472877"/>
+          </a:xfrm>
+          <a:prstGeom prst="rect">
+            <a:avLst/>
+          </a:prstGeom>
+        </p:spPr>
+        <p:txBody>
+          <a:bodyPr>
+            <a:normAutofit fontScale="85000" lnSpcReduction="10000"/>
+          </a:bodyPr>
+          <a:lstStyle>
+            <a:lvl1pPr marL="228600" indent="-228600" algn="l" defTabSz="914400" rtl="0" eaLnBrk="1" latinLnBrk="1" hangingPunct="1">
+              <a:lnSpc>
+                <a:spcPct val="90000"/>
+              </a:lnSpc>
+              <a:spcBef>
+                <a:spcPts val="1000"/>
+              </a:spcBef>
+              <a:buFont typeface="Arial"/>
+              <a:buChar char="•"/>
+              <a:defRPr sz="2800" kern="1200">
+                <a:solidFill>
+                  <a:schemeClr val="tx1"/>
+                </a:solidFill>
+                <a:latin typeface="Apple SD Gothic Neo" charset="-127"/>
+                <a:ea typeface="Apple SD Gothic Neo" charset="-127"/>
+                <a:cs typeface="Apple SD Gothic Neo" charset="-127"/>
+              </a:defRPr>
+            </a:lvl1pPr>
+            <a:lvl2pPr marL="685800" indent="-228600" algn="l" defTabSz="914400" rtl="0" eaLnBrk="1" latinLnBrk="1" hangingPunct="1">
+              <a:lnSpc>
+                <a:spcPct val="90000"/>
+              </a:lnSpc>
+              <a:spcBef>
+                <a:spcPts val="500"/>
+              </a:spcBef>
+              <a:buFont typeface="Arial"/>
+              <a:buChar char="•"/>
+              <a:defRPr sz="2400" kern="1200">
+                <a:solidFill>
+                  <a:schemeClr val="tx1"/>
+                </a:solidFill>
+                <a:latin typeface="Apple SD Gothic Neo" charset="-127"/>
+                <a:ea typeface="Apple SD Gothic Neo" charset="-127"/>
+                <a:cs typeface="Apple SD Gothic Neo" charset="-127"/>
+              </a:defRPr>
+            </a:lvl2pPr>
+            <a:lvl3pPr marL="1143000" indent="-228600" algn="l" defTabSz="914400" rtl="0" eaLnBrk="1" latinLnBrk="1" hangingPunct="1">
+              <a:lnSpc>
+                <a:spcPct val="90000"/>
+              </a:lnSpc>
+              <a:spcBef>
+                <a:spcPts val="500"/>
+              </a:spcBef>
+              <a:buFont typeface="Arial"/>
+              <a:buChar char="•"/>
+              <a:defRPr sz="2000" kern="1200">
+                <a:solidFill>
+                  <a:schemeClr val="tx1"/>
+                </a:solidFill>
+                <a:latin typeface="Apple SD Gothic Neo" charset="-127"/>
+                <a:ea typeface="Apple SD Gothic Neo" charset="-127"/>
+                <a:cs typeface="Apple SD Gothic Neo" charset="-127"/>
+              </a:defRPr>
+            </a:lvl3pPr>
+            <a:lvl4pPr marL="1600200" indent="-228600" algn="l" defTabSz="914400" rtl="0" eaLnBrk="1" latinLnBrk="1" hangingPunct="1">
+              <a:lnSpc>
+                <a:spcPct val="90000"/>
+              </a:lnSpc>
+              <a:spcBef>
+                <a:spcPts val="500"/>
+              </a:spcBef>
+              <a:buFont typeface="Arial"/>
+              <a:buChar char="•"/>
+              <a:defRPr sz="1800" kern="1200">
+                <a:solidFill>
+                  <a:schemeClr val="tx1"/>
+                </a:solidFill>
+                <a:latin typeface="Apple SD Gothic Neo" charset="-127"/>
+                <a:ea typeface="Apple SD Gothic Neo" charset="-127"/>
+                <a:cs typeface="Apple SD Gothic Neo" charset="-127"/>
+              </a:defRPr>
+            </a:lvl4pPr>
+            <a:lvl5pPr marL="2057400" indent="-228600" algn="l" defTabSz="914400" rtl="0" eaLnBrk="1" latinLnBrk="1" hangingPunct="1">
+              <a:lnSpc>
+                <a:spcPct val="90000"/>
+              </a:lnSpc>
+              <a:spcBef>
+                <a:spcPts val="500"/>
+              </a:spcBef>
+              <a:buFont typeface="Arial"/>
+              <a:buChar char="•"/>
+              <a:defRPr sz="1800" kern="1200">
+                <a:solidFill>
+                  <a:schemeClr val="tx1"/>
+                </a:solidFill>
+                <a:latin typeface="Apple SD Gothic Neo" charset="-127"/>
+                <a:ea typeface="Apple SD Gothic Neo" charset="-127"/>
+                <a:cs typeface="Apple SD Gothic Neo" charset="-127"/>
+              </a:defRPr>
+            </a:lvl5pPr>
+            <a:lvl6pPr marL="2514600" indent="-228600" algn="l" defTabSz="914400" rtl="0" eaLnBrk="1" latinLnBrk="1" hangingPunct="1">
+              <a:lnSpc>
+                <a:spcPct val="90000"/>
+              </a:lnSpc>
+              <a:spcBef>
+                <a:spcPts val="500"/>
+              </a:spcBef>
+              <a:buFont typeface="Arial"/>
+              <a:buChar char="•"/>
+              <a:defRPr sz="1800" kern="1200">
+                <a:solidFill>
+                  <a:schemeClr val="tx1"/>
+                </a:solidFill>
+                <a:latin typeface="+mn-lt"/>
+                <a:ea typeface="+mn-ea"/>
+                <a:cs typeface="+mn-cs"/>
+              </a:defRPr>
+            </a:lvl6pPr>
+            <a:lvl7pPr marL="2971800" indent="-228600" algn="l" defTabSz="914400" rtl="0" eaLnBrk="1" latinLnBrk="1" hangingPunct="1">
+              <a:lnSpc>
+                <a:spcPct val="90000"/>
+              </a:lnSpc>
+              <a:spcBef>
+                <a:spcPts val="500"/>
+              </a:spcBef>
+              <a:buFont typeface="Arial"/>
+              <a:buChar char="•"/>
+              <a:defRPr sz="1800" kern="1200">
+                <a:solidFill>
+                  <a:schemeClr val="tx1"/>
+                </a:solidFill>
+                <a:latin typeface="+mn-lt"/>
+                <a:ea typeface="+mn-ea"/>
+                <a:cs typeface="+mn-cs"/>
+              </a:defRPr>
+            </a:lvl7pPr>
+            <a:lvl8pPr marL="3429000" indent="-228600" algn="l" defTabSz="914400" rtl="0" eaLnBrk="1" latinLnBrk="1" hangingPunct="1">
+              <a:lnSpc>
+                <a:spcPct val="90000"/>
+              </a:lnSpc>
+              <a:spcBef>
+                <a:spcPts val="500"/>
+              </a:spcBef>
+              <a:buFont typeface="Arial"/>
+              <a:buChar char="•"/>
+              <a:defRPr sz="1800" kern="1200">
+                <a:solidFill>
+                  <a:schemeClr val="tx1"/>
+                </a:solidFill>
+                <a:latin typeface="+mn-lt"/>
+                <a:ea typeface="+mn-ea"/>
+                <a:cs typeface="+mn-cs"/>
+              </a:defRPr>
+            </a:lvl8pPr>
+            <a:lvl9pPr marL="3886200" indent="-228600" algn="l" defTabSz="914400" rtl="0" eaLnBrk="1" latinLnBrk="1" hangingPunct="1">
+              <a:lnSpc>
+                <a:spcPct val="90000"/>
+              </a:lnSpc>
+              <a:spcBef>
+                <a:spcPts val="500"/>
+              </a:spcBef>
+              <a:buFont typeface="Arial"/>
+              <a:buChar char="•"/>
+              <a:defRPr sz="1800" kern="1200">
+                <a:solidFill>
+                  <a:schemeClr val="tx1"/>
+                </a:solidFill>
+                <a:latin typeface="+mn-lt"/>
+                <a:ea typeface="+mn-ea"/>
+                <a:cs typeface="+mn-cs"/>
+              </a:defRPr>
+            </a:lvl9pPr>
+          </a:lstStyle>
+          <a:p>
+            <a:r>
+              <a:rPr kumimoji="1" lang="en-US" altLang="ko-KR" dirty="0" smtClean="0"/>
+              <a:t>Bayesian</a:t>
+            </a:r>
+          </a:p>
+          <a:p>
+            <a:endParaRPr kumimoji="1" lang="en-US" altLang="ko-KR" dirty="0" smtClean="0"/>
+          </a:p>
+          <a:p>
+            <a:pPr lvl="1"/>
+            <a:r>
+              <a:rPr kumimoji="1" lang="ko-KR" altLang="en-US" dirty="0" smtClean="0"/>
+              <a:t>확률 </a:t>
+            </a:r>
+            <a:r>
+              <a:rPr kumimoji="1" lang="en-US" altLang="ko-KR" dirty="0" smtClean="0"/>
+              <a:t>:</a:t>
+            </a:r>
+            <a:r>
+              <a:rPr kumimoji="1" lang="ko-KR" altLang="en-US" dirty="0" smtClean="0"/>
+              <a:t> 믿음의 정도</a:t>
+            </a:r>
+            <a:endParaRPr kumimoji="1" lang="en-US" altLang="ko-KR" dirty="0" smtClean="0"/>
+          </a:p>
+          <a:p>
+            <a:pPr lvl="1"/>
+            <a:endParaRPr kumimoji="1" lang="en-US" altLang="ko-KR" dirty="0" smtClean="0"/>
+          </a:p>
+          <a:p>
+            <a:pPr lvl="1"/>
+            <a:r>
+              <a:rPr kumimoji="1" lang="ko-KR" altLang="en-US" dirty="0" smtClean="0"/>
+              <a:t>파라미터도 랜덤 변수가 될 수 있다</a:t>
+            </a:r>
+            <a:r>
+              <a:rPr kumimoji="1" lang="en-US" altLang="ko-KR" dirty="0" smtClean="0"/>
+              <a:t>.</a:t>
+            </a:r>
+          </a:p>
+          <a:p>
+            <a:pPr lvl="1"/>
+            <a:endParaRPr kumimoji="1" lang="en-US" altLang="ko-KR" dirty="0" smtClean="0"/>
+          </a:p>
+          <a:p>
+            <a:pPr lvl="1"/>
+            <a:r>
+              <a:rPr kumimoji="1" lang="ko-KR" altLang="en-US" dirty="0" smtClean="0"/>
+              <a:t>주어진 데이터로 좋은 추정을 얻어야 한다</a:t>
+            </a:r>
+            <a:r>
+              <a:rPr kumimoji="1" lang="en-US" altLang="ko-KR" dirty="0" smtClean="0"/>
+              <a:t>.</a:t>
+            </a:r>
+            <a:endParaRPr kumimoji="1" lang="ko-KR" altLang="en-US" dirty="0"/>
+          </a:p>
+        </p:txBody>
+      </p:sp>
+      <mc:AlternateContent xmlns:mc="http://schemas.openxmlformats.org/markup-compatibility/2006">
+        <mc:Choice xmlns:a14="http://schemas.microsoft.com/office/drawing/2010/main" Requires="a14">
+          <p:sp>
+            <p:nvSpPr>
+              <p:cNvPr id="6" name="텍스트 상자 5"/>
+              <p:cNvSpPr txBox="1"/>
+              <p:nvPr/>
+            </p:nvSpPr>
+            <p:spPr>
+              <a:xfrm>
+                <a:off x="1335940" y="5342398"/>
+                <a:ext cx="3901068" cy="430887"/>
+              </a:xfrm>
+              <a:prstGeom prst="rect">
+                <a:avLst/>
+              </a:prstGeom>
+              <a:noFill/>
+            </p:spPr>
+            <p:txBody>
+              <a:bodyPr wrap="none" lIns="0" tIns="0" rIns="0" bIns="0" rtlCol="0">
+                <a:spAutoFit/>
+              </a:bodyPr>
+              <a:lstStyle/>
+              <a:p>
+                <a:pPr/>
+                <a14:m>
+                  <m:oMathPara xmlns:m="http://schemas.openxmlformats.org/officeDocument/2006/math">
+                    <m:oMathParaPr>
+                      <m:jc m:val="centerGroup"/>
+                    </m:oMathParaPr>
+                    <m:oMath xmlns:m="http://schemas.openxmlformats.org/officeDocument/2006/math">
+                      <m:r>
+                        <a:rPr kumimoji="1" lang="en-US" altLang="ko-KR" sz="2800" b="0" i="1" smtClean="0">
+                          <a:latin typeface="Cambria Math" charset="0"/>
+                        </a:rPr>
+                        <m:t>𝐿</m:t>
+                      </m:r>
+                      <m:d>
+                        <m:dPr>
+                          <m:ctrlPr>
+                            <a:rPr kumimoji="1" lang="en-US" altLang="ko-KR" sz="2800" b="0" i="1" smtClean="0">
+                              <a:latin typeface="Cambria Math" charset="0"/>
+                            </a:rPr>
+                          </m:ctrlPr>
+                        </m:dPr>
+                        <m:e>
+                          <m:r>
+                            <a:rPr kumimoji="1" lang="en-US" altLang="ko-KR" sz="2800" i="1">
+                              <a:latin typeface="Cambria Math" charset="0"/>
+                              <a:ea typeface="Cambria Math" charset="0"/>
+                              <a:cs typeface="Cambria Math" charset="0"/>
+                            </a:rPr>
+                            <m:t>𝜃</m:t>
+                          </m:r>
+                        </m:e>
+                      </m:d>
+                      <m:r>
+                        <a:rPr kumimoji="1" lang="en-US" altLang="ko-KR" sz="2800" b="0" i="1" smtClean="0">
+                          <a:latin typeface="Cambria Math" charset="0"/>
+                          <a:ea typeface="Cambria Math" charset="0"/>
+                          <a:cs typeface="Cambria Math" charset="0"/>
+                        </a:rPr>
+                        <m:t>=</m:t>
+                      </m:r>
+                      <m:sSub>
+                        <m:sSubPr>
+                          <m:ctrlPr>
+                            <a:rPr kumimoji="1" lang="en-US" altLang="ko-KR" sz="2800" b="0" i="1" smtClean="0">
+                              <a:latin typeface="Cambria Math" charset="0"/>
+                              <a:ea typeface="Cambria Math" charset="0"/>
+                              <a:cs typeface="Cambria Math" charset="0"/>
+                            </a:rPr>
+                          </m:ctrlPr>
+                        </m:sSubPr>
+                        <m:e>
+                          <m:r>
+                            <a:rPr kumimoji="1" lang="en-US" altLang="ko-KR" sz="2800" b="0" i="1" smtClean="0">
+                              <a:latin typeface="Cambria Math" charset="0"/>
+                              <a:ea typeface="Cambria Math" charset="0"/>
+                              <a:cs typeface="Cambria Math" charset="0"/>
+                            </a:rPr>
+                            <m:t>𝑎𝑟𝑔𝑚𝑎𝑥</m:t>
+                          </m:r>
+                        </m:e>
+                        <m:sub>
+                          <m:r>
+                            <a:rPr kumimoji="1" lang="en-US" altLang="ko-KR" sz="2800" i="1">
+                              <a:latin typeface="Cambria Math" charset="0"/>
+                              <a:ea typeface="Cambria Math" charset="0"/>
+                              <a:cs typeface="Cambria Math" charset="0"/>
+                            </a:rPr>
+                            <m:t>𝜃</m:t>
+                          </m:r>
+                        </m:sub>
+                      </m:sSub>
+                      <m:r>
+                        <a:rPr kumimoji="1" lang="en-US" altLang="ko-KR" sz="2800" b="0" i="1" smtClean="0">
+                          <a:latin typeface="Cambria Math" charset="0"/>
+                        </a:rPr>
+                        <m:t>𝑝</m:t>
+                      </m:r>
+                      <m:r>
+                        <a:rPr kumimoji="1" lang="en-US" altLang="ko-KR" sz="2800" b="0" i="1" smtClean="0">
+                          <a:latin typeface="Cambria Math" charset="0"/>
+                        </a:rPr>
+                        <m:t>(</m:t>
+                      </m:r>
+                      <m:r>
+                        <a:rPr kumimoji="1" lang="en-US" altLang="ko-KR" sz="2800" b="0" i="1" smtClean="0">
+                          <a:latin typeface="Cambria Math" charset="0"/>
+                        </a:rPr>
+                        <m:t>𝐷</m:t>
+                      </m:r>
+                      <m:r>
+                        <a:rPr kumimoji="1" lang="en-US" altLang="ko-KR" sz="2800" b="0" i="1" smtClean="0">
+                          <a:latin typeface="Cambria Math" charset="0"/>
+                        </a:rPr>
+                        <m:t>;</m:t>
+                      </m:r>
+                      <m:r>
+                        <a:rPr kumimoji="1" lang="en-US" altLang="ko-KR" sz="2800" i="1" smtClean="0">
+                          <a:solidFill>
+                            <a:srgbClr val="FF0000"/>
+                          </a:solidFill>
+                          <a:latin typeface="Cambria Math" charset="0"/>
+                          <a:ea typeface="Cambria Math" charset="0"/>
+                          <a:cs typeface="Cambria Math" charset="0"/>
+                        </a:rPr>
+                        <m:t>𝜃</m:t>
+                      </m:r>
+                      <m:r>
+                        <a:rPr kumimoji="1" lang="en-US" altLang="ko-KR" sz="2800" b="0" i="1" smtClean="0">
+                          <a:latin typeface="Cambria Math" charset="0"/>
+                          <a:ea typeface="Cambria Math" charset="0"/>
+                          <a:cs typeface="Cambria Math" charset="0"/>
+                        </a:rPr>
+                        <m:t>)</m:t>
+                      </m:r>
+                    </m:oMath>
+                  </m:oMathPara>
+                </a14:m>
+                <a:endParaRPr kumimoji="1" lang="ko-KR" altLang="en-US" sz="2800" dirty="0"/>
+              </a:p>
+            </p:txBody>
+          </p:sp>
+        </mc:Choice>
+        <mc:Fallback>
+          <p:sp>
+            <p:nvSpPr>
+              <p:cNvPr id="6" name="텍스트 상자 5"/>
+              <p:cNvSpPr txBox="1">
+                <a:spLocks noRot="1" noChangeAspect="1" noMove="1" noResize="1" noEditPoints="1" noAdjustHandles="1" noChangeArrowheads="1" noChangeShapeType="1" noTextEdit="1"/>
+              </p:cNvSpPr>
+              <p:nvPr/>
+            </p:nvSpPr>
+            <p:spPr>
+              <a:xfrm>
+                <a:off x="1335940" y="5342398"/>
+                <a:ext cx="3901068" cy="430887"/>
+              </a:xfrm>
+              <a:prstGeom prst="rect">
+                <a:avLst/>
+              </a:prstGeom>
+              <a:blipFill rotWithShape="0">
+                <a:blip r:embed="rId2"/>
+                <a:stretch>
+                  <a:fillRect/>
+                </a:stretch>
+              </a:blipFill>
+            </p:spPr>
+            <p:txBody>
+              <a:bodyPr/>
+              <a:lstStyle/>
+              <a:p>
+                <a:r>
+                  <a:rPr lang="ko-KR" altLang="en-US">
+                    <a:noFill/>
+                  </a:rPr>
+                  <a:t> </a:t>
+                </a:r>
+              </a:p>
+            </p:txBody>
+          </p:sp>
+        </mc:Fallback>
+      </mc:AlternateContent>
+      <mc:AlternateContent xmlns:mc="http://schemas.openxmlformats.org/markup-compatibility/2006">
+        <mc:Choice xmlns:a14="http://schemas.microsoft.com/office/drawing/2010/main" Requires="a14">
+          <p:sp>
+            <p:nvSpPr>
+              <p:cNvPr id="7" name="텍스트 상자 6"/>
+              <p:cNvSpPr txBox="1"/>
+              <p:nvPr/>
+            </p:nvSpPr>
+            <p:spPr>
+              <a:xfrm>
+                <a:off x="6658217" y="5342397"/>
+                <a:ext cx="3860480" cy="430887"/>
+              </a:xfrm>
+              <a:prstGeom prst="rect">
+                <a:avLst/>
+              </a:prstGeom>
+              <a:noFill/>
+            </p:spPr>
+            <p:txBody>
+              <a:bodyPr wrap="none" lIns="0" tIns="0" rIns="0" bIns="0" rtlCol="0">
+                <a:spAutoFit/>
+              </a:bodyPr>
+              <a:lstStyle/>
+              <a:p>
+                <a:pPr/>
+                <a14:m>
+                  <m:oMathPara xmlns:m="http://schemas.openxmlformats.org/officeDocument/2006/math">
+                    <m:oMathParaPr>
+                      <m:jc m:val="centerGroup"/>
+                    </m:oMathParaPr>
+                    <m:oMath xmlns:m="http://schemas.openxmlformats.org/officeDocument/2006/math">
+                      <m:r>
+                        <a:rPr kumimoji="1" lang="en-US" altLang="ko-KR" sz="2800" b="0" i="1" smtClean="0">
+                          <a:latin typeface="Cambria Math" charset="0"/>
+                        </a:rPr>
+                        <m:t>𝐿</m:t>
+                      </m:r>
+                      <m:d>
+                        <m:dPr>
+                          <m:ctrlPr>
+                            <a:rPr kumimoji="1" lang="en-US" altLang="ko-KR" sz="2800" b="0" i="1" smtClean="0">
+                              <a:latin typeface="Cambria Math" charset="0"/>
+                            </a:rPr>
+                          </m:ctrlPr>
+                        </m:dPr>
+                        <m:e>
+                          <m:r>
+                            <a:rPr kumimoji="1" lang="en-US" altLang="ko-KR" sz="2800" i="1">
+                              <a:latin typeface="Cambria Math" charset="0"/>
+                              <a:ea typeface="Cambria Math" charset="0"/>
+                              <a:cs typeface="Cambria Math" charset="0"/>
+                            </a:rPr>
+                            <m:t>𝜃</m:t>
+                          </m:r>
+                        </m:e>
+                      </m:d>
+                      <m:r>
+                        <a:rPr kumimoji="1" lang="en-US" altLang="ko-KR" sz="2800" b="0" i="1" smtClean="0">
+                          <a:latin typeface="Cambria Math" charset="0"/>
+                          <a:ea typeface="Cambria Math" charset="0"/>
+                          <a:cs typeface="Cambria Math" charset="0"/>
+                        </a:rPr>
+                        <m:t>=</m:t>
+                      </m:r>
+                      <m:sSub>
+                        <m:sSubPr>
+                          <m:ctrlPr>
+                            <a:rPr kumimoji="1" lang="en-US" altLang="ko-KR" sz="2800" b="0" i="1" smtClean="0">
+                              <a:latin typeface="Cambria Math" charset="0"/>
+                              <a:ea typeface="Cambria Math" charset="0"/>
+                              <a:cs typeface="Cambria Math" charset="0"/>
+                            </a:rPr>
+                          </m:ctrlPr>
+                        </m:sSubPr>
+                        <m:e>
+                          <m:r>
+                            <a:rPr kumimoji="1" lang="en-US" altLang="ko-KR" sz="2800" b="0" i="1" smtClean="0">
+                              <a:latin typeface="Cambria Math" charset="0"/>
+                              <a:ea typeface="Cambria Math" charset="0"/>
+                              <a:cs typeface="Cambria Math" charset="0"/>
+                            </a:rPr>
+                            <m:t>𝑎𝑟𝑔𝑚𝑎𝑥</m:t>
+                          </m:r>
+                        </m:e>
+                        <m:sub>
+                          <m:r>
+                            <a:rPr kumimoji="1" lang="en-US" altLang="ko-KR" sz="2800" i="1">
+                              <a:latin typeface="Cambria Math" charset="0"/>
+                              <a:ea typeface="Cambria Math" charset="0"/>
+                              <a:cs typeface="Cambria Math" charset="0"/>
+                            </a:rPr>
+                            <m:t>𝜃</m:t>
+                          </m:r>
+                        </m:sub>
+                      </m:sSub>
+                      <m:r>
+                        <a:rPr kumimoji="1" lang="en-US" altLang="ko-KR" sz="2800" b="0" i="1" smtClean="0">
+                          <a:latin typeface="Cambria Math" charset="0"/>
+                        </a:rPr>
+                        <m:t>𝑝</m:t>
+                      </m:r>
+                      <m:r>
+                        <a:rPr kumimoji="1" lang="en-US" altLang="ko-KR" sz="2800" b="0" i="1" smtClean="0">
+                          <a:latin typeface="Cambria Math" charset="0"/>
+                        </a:rPr>
+                        <m:t>(</m:t>
+                      </m:r>
+                      <m:r>
+                        <a:rPr kumimoji="1" lang="en-US" altLang="ko-KR" sz="2800" i="1" smtClean="0">
+                          <a:solidFill>
+                            <a:srgbClr val="FF0000"/>
+                          </a:solidFill>
+                          <a:latin typeface="Cambria Math" charset="0"/>
+                          <a:ea typeface="Cambria Math" charset="0"/>
+                          <a:cs typeface="Cambria Math" charset="0"/>
+                        </a:rPr>
+                        <m:t>𝜃</m:t>
+                      </m:r>
+                      <m:r>
+                        <a:rPr kumimoji="1" lang="en-US" altLang="ko-KR" sz="2800" b="0" i="1" smtClean="0">
+                          <a:latin typeface="Cambria Math" charset="0"/>
+                          <a:ea typeface="Cambria Math" charset="0"/>
+                          <a:cs typeface="Cambria Math" charset="0"/>
+                        </a:rPr>
+                        <m:t>|</m:t>
+                      </m:r>
+                      <m:r>
+                        <a:rPr kumimoji="1" lang="en-US" altLang="ko-KR" sz="2800" b="0" i="1" smtClean="0">
+                          <a:latin typeface="Cambria Math" charset="0"/>
+                          <a:ea typeface="Cambria Math" charset="0"/>
+                          <a:cs typeface="Cambria Math" charset="0"/>
+                        </a:rPr>
+                        <m:t>𝐷</m:t>
+                      </m:r>
+                      <m:r>
+                        <a:rPr kumimoji="1" lang="en-US" altLang="ko-KR" sz="2800" b="0" i="1" smtClean="0">
+                          <a:latin typeface="Cambria Math" charset="0"/>
+                          <a:ea typeface="Cambria Math" charset="0"/>
+                          <a:cs typeface="Cambria Math" charset="0"/>
+                        </a:rPr>
+                        <m:t>)</m:t>
+                      </m:r>
+                    </m:oMath>
+                  </m:oMathPara>
+                </a14:m>
+                <a:endParaRPr kumimoji="1" lang="ko-KR" altLang="en-US" sz="2800" dirty="0"/>
+              </a:p>
+            </p:txBody>
+          </p:sp>
+        </mc:Choice>
+        <mc:Fallback>
+          <p:sp>
+            <p:nvSpPr>
+              <p:cNvPr id="7" name="텍스트 상자 6"/>
+              <p:cNvSpPr txBox="1">
+                <a:spLocks noRot="1" noChangeAspect="1" noMove="1" noResize="1" noEditPoints="1" noAdjustHandles="1" noChangeArrowheads="1" noChangeShapeType="1" noTextEdit="1"/>
+              </p:cNvSpPr>
+              <p:nvPr/>
+            </p:nvSpPr>
+            <p:spPr>
+              <a:xfrm>
+                <a:off x="6658217" y="5342397"/>
+                <a:ext cx="3860480" cy="430887"/>
+              </a:xfrm>
+              <a:prstGeom prst="rect">
+                <a:avLst/>
+              </a:prstGeom>
+              <a:blipFill rotWithShape="0">
+                <a:blip r:embed="rId3"/>
+                <a:stretch>
+                  <a:fillRect/>
+                </a:stretch>
+              </a:blipFill>
+            </p:spPr>
+            <p:txBody>
+              <a:bodyPr/>
+              <a:lstStyle/>
+              <a:p>
+                <a:r>
+                  <a:rPr lang="ko-KR" altLang="en-US">
+                    <a:noFill/>
+                  </a:rPr>
+                  <a:t> </a:t>
+                </a:r>
+              </a:p>
+            </p:txBody>
+          </p:sp>
+        </mc:Fallback>
+      </mc:AlternateContent>
+      <p:sp>
+        <p:nvSpPr>
+          <p:cNvPr id="8" name="왼쪽 화살표[L] 7"/>
+          <p:cNvSpPr/>
+          <p:nvPr/>
+        </p:nvSpPr>
+        <p:spPr>
+          <a:xfrm rot="19795387">
+            <a:off x="9551549" y="2379691"/>
+            <a:ext cx="979365" cy="214371"/>
+          </a:xfrm>
+          <a:prstGeom prst="leftArrow">
+            <a:avLst>
+              <a:gd name="adj1" fmla="val 50000"/>
+              <a:gd name="adj2" fmla="val 142914"/>
+            </a:avLst>
+          </a:prstGeom>
+          <a:solidFill>
+            <a:srgbClr val="FF0000"/>
+          </a:solidFill>
+          <a:ln>
+            <a:solidFill>
+              <a:schemeClr val="tx1"/>
+            </a:solidFill>
+          </a:ln>
+        </p:spPr>
+        <p:style>
+          <a:lnRef idx="2">
+            <a:schemeClr val="accent1">
+              <a:shade val="50000"/>
+            </a:schemeClr>
+          </a:lnRef>
+          <a:fillRef idx="1">
+            <a:schemeClr val="accent1"/>
+          </a:fillRef>
+          <a:effectRef idx="0">
+            <a:schemeClr val="accent1"/>
+          </a:effectRef>
+          <a:fontRef idx="minor">
+            <a:schemeClr val="lt1"/>
+          </a:fontRef>
+        </p:style>
+        <p:txBody>
+          <a:bodyPr rtlCol="0" anchor="ctr"/>
+          <a:lstStyle/>
+          <a:p>
+            <a:pPr algn="ctr"/>
+            <a:endParaRPr kumimoji="1" lang="ko-KR" altLang="en-US"/>
+          </a:p>
+        </p:txBody>
+      </p:sp>
+      <p:sp>
+        <p:nvSpPr>
+          <p:cNvPr id="9" name="텍스트 상자 8"/>
+          <p:cNvSpPr txBox="1"/>
+          <p:nvPr/>
+        </p:nvSpPr>
+        <p:spPr>
+          <a:xfrm>
+            <a:off x="10518697" y="1790477"/>
+            <a:ext cx="1071127" cy="523220"/>
+          </a:xfrm>
+          <a:prstGeom prst="rect">
+            <a:avLst/>
+          </a:prstGeom>
+          <a:noFill/>
+        </p:spPr>
+        <p:txBody>
+          <a:bodyPr wrap="none" rtlCol="0">
+            <a:spAutoFit/>
+          </a:bodyPr>
+          <a:lstStyle/>
+          <a:p>
+            <a:r>
+              <a:rPr kumimoji="1" lang="ko-KR" altLang="en-US" sz="2800" dirty="0" smtClean="0">
+                <a:solidFill>
+                  <a:srgbClr val="FF0000"/>
+                </a:solidFill>
+                <a:latin typeface="Nanum Pen Script" charset="-127"/>
+                <a:ea typeface="Nanum Pen Script" charset="-127"/>
+                <a:cs typeface="Nanum Pen Script" charset="-127"/>
+              </a:rPr>
+              <a:t>이게 중요</a:t>
+            </a:r>
+            <a:endParaRPr kumimoji="1" lang="ko-KR" altLang="en-US" sz="2800" dirty="0">
+              <a:solidFill>
+                <a:srgbClr val="FF0000"/>
+              </a:solidFill>
+              <a:latin typeface="Nanum Pen Script" charset="-127"/>
+              <a:ea typeface="Nanum Pen Script" charset="-127"/>
+              <a:cs typeface="Nanum Pen Script" charset="-127"/>
+            </a:endParaRPr>
+          </a:p>
+        </p:txBody>
+      </p:sp>
+    </p:spTree>
+    <p:extLst>
+      <p:ext uri="{BB962C8B-B14F-4D97-AF65-F5344CB8AC3E}">
+        <p14:creationId xmlns:p14="http://schemas.microsoft.com/office/powerpoint/2010/main" val="677227169"/>
+      </p:ext>
+    </p:extLst>
+  </p:cSld>
+  <p:clrMapOvr>
+    <a:masterClrMapping/>
+  </p:clrMapOvr>
+</p:sld>
+</file>
+
+<file path=ppt/slides/slide13.xml><?xml version="1.0" encoding="utf-8"?>
+<p:sld xmlns:a="http://schemas.openxmlformats.org/drawingml/2006/main" xmlns:r="http://schemas.openxmlformats.org/officeDocument/2006/relationships" xmlns:p="http://schemas.openxmlformats.org/presentationml/2006/main">
+  <p:cSld>
+    <p:spTree>
+      <p:nvGrpSpPr>
+        <p:cNvPr id="1" name=""/>
+        <p:cNvGrpSpPr/>
+        <p:nvPr/>
+      </p:nvGrpSpPr>
+      <p:grpSpPr>
+        <a:xfrm>
+          <a:off x="0" y="0"/>
+          <a:ext cx="0" cy="0"/>
+          <a:chOff x="0" y="0"/>
+          <a:chExt cx="0" cy="0"/>
+        </a:xfrm>
+      </p:grpSpPr>
+      <p:sp>
+        <p:nvSpPr>
+          <p:cNvPr id="2" name="제목 1"/>
+          <p:cNvSpPr>
+            <a:spLocks noGrp="1"/>
+          </p:cNvSpPr>
+          <p:nvPr>
+            <p:ph type="title"/>
+          </p:nvPr>
+        </p:nvSpPr>
+        <p:spPr/>
+        <p:txBody>
+          <a:bodyPr/>
+          <a:lstStyle/>
+          <a:p>
+            <a:r>
               <a:rPr kumimoji="1" lang="en-US" altLang="ko-KR" dirty="0" smtClean="0"/>
               <a:t>Expectation</a:t>
             </a:r>
@@ -6171,7 +7027,7 @@
 </p:sld>
 </file>
 
-<file path=ppt/slides/slide13.xml><?xml version="1.0" encoding="utf-8"?>
+<file path=ppt/slides/slide14.xml><?xml version="1.0" encoding="utf-8"?>
 <p:sld xmlns:a="http://schemas.openxmlformats.org/drawingml/2006/main" xmlns:r="http://schemas.openxmlformats.org/officeDocument/2006/relationships" xmlns:p="http://schemas.openxmlformats.org/presentationml/2006/main">
   <p:cSld>
     <p:spTree>
@@ -6279,7 +7135,7 @@
 </p:sld>
 </file>
 
-<file path=ppt/slides/slide14.xml><?xml version="1.0" encoding="utf-8"?>
+<file path=ppt/slides/slide15.xml><?xml version="1.0" encoding="utf-8"?>
 <p:sld xmlns:a="http://schemas.openxmlformats.org/drawingml/2006/main" xmlns:r="http://schemas.openxmlformats.org/officeDocument/2006/relationships" xmlns:p="http://schemas.openxmlformats.org/presentationml/2006/main">
   <p:cSld>
     <p:spTree>
@@ -6687,7 +7543,7 @@
 </p:sld>
 </file>
 
-<file path=ppt/slides/slide15.xml><?xml version="1.0" encoding="utf-8"?>
+<file path=ppt/slides/slide16.xml><?xml version="1.0" encoding="utf-8"?>
 <p:sld xmlns:a="http://schemas.openxmlformats.org/drawingml/2006/main" xmlns:r="http://schemas.openxmlformats.org/officeDocument/2006/relationships" xmlns:p="http://schemas.openxmlformats.org/presentationml/2006/main">
   <p:cSld>
     <p:spTree>
@@ -7461,7 +8317,7 @@
 </p:sld>
 </file>
 
-<file path=ppt/slides/slide16.xml><?xml version="1.0" encoding="utf-8"?>
+<file path=ppt/slides/slide17.xml><?xml version="1.0" encoding="utf-8"?>
 <p:sld xmlns:a="http://schemas.openxmlformats.org/drawingml/2006/main" xmlns:r="http://schemas.openxmlformats.org/officeDocument/2006/relationships" xmlns:p="http://schemas.openxmlformats.org/presentationml/2006/main">
   <p:cSld>
     <p:spTree>
@@ -8307,7 +9163,7 @@
 </p:sld>
 </file>
 
-<file path=ppt/slides/slide17.xml><?xml version="1.0" encoding="utf-8"?>
+<file path=ppt/slides/slide18.xml><?xml version="1.0" encoding="utf-8"?>
 <p:sld xmlns:a="http://schemas.openxmlformats.org/drawingml/2006/main" xmlns:r="http://schemas.openxmlformats.org/officeDocument/2006/relationships" xmlns:p="http://schemas.openxmlformats.org/presentationml/2006/main">
   <p:cSld>
     <p:spTree>
@@ -8391,7 +9247,7 @@
 </p:sld>
 </file>
 
-<file path=ppt/slides/slide18.xml><?xml version="1.0" encoding="utf-8"?>
+<file path=ppt/slides/slide19.xml><?xml version="1.0" encoding="utf-8"?>
 <p:sld xmlns:a="http://schemas.openxmlformats.org/drawingml/2006/main" xmlns:r="http://schemas.openxmlformats.org/officeDocument/2006/relationships" xmlns:p="http://schemas.openxmlformats.org/presentationml/2006/main">
   <p:cSld>
     <p:spTree>
@@ -8767,7 +9623,163 @@
 </p:sld>
 </file>
 
-<file path=ppt/slides/slide19.xml><?xml version="1.0" encoding="utf-8"?>
+<file path=ppt/slides/slide2.xml><?xml version="1.0" encoding="utf-8"?>
+<p:sld xmlns:a="http://schemas.openxmlformats.org/drawingml/2006/main" xmlns:r="http://schemas.openxmlformats.org/officeDocument/2006/relationships" xmlns:p="http://schemas.openxmlformats.org/presentationml/2006/main">
+  <p:cSld>
+    <p:spTree>
+      <p:nvGrpSpPr>
+        <p:cNvPr id="1" name=""/>
+        <p:cNvGrpSpPr/>
+        <p:nvPr/>
+      </p:nvGrpSpPr>
+      <p:grpSpPr>
+        <a:xfrm>
+          <a:off x="0" y="0"/>
+          <a:ext cx="0" cy="0"/>
+          <a:chOff x="0" y="0"/>
+          <a:chExt cx="0" cy="0"/>
+        </a:xfrm>
+      </p:grpSpPr>
+      <p:sp>
+        <p:nvSpPr>
+          <p:cNvPr id="2" name="제목 1"/>
+          <p:cNvSpPr>
+            <a:spLocks noGrp="1"/>
+          </p:cNvSpPr>
+          <p:nvPr>
+            <p:ph type="title"/>
+          </p:nvPr>
+        </p:nvSpPr>
+        <p:spPr/>
+        <p:txBody>
+          <a:bodyPr/>
+          <a:lstStyle/>
+          <a:p>
+            <a:r>
+              <a:rPr kumimoji="1" lang="en-US" altLang="ko-KR" dirty="0" smtClean="0"/>
+              <a:t>Information</a:t>
+            </a:r>
+            <a:endParaRPr kumimoji="1" lang="ko-KR" altLang="en-US" dirty="0"/>
+          </a:p>
+        </p:txBody>
+      </p:sp>
+      <p:sp>
+        <p:nvSpPr>
+          <p:cNvPr id="3" name="내용 개체 틀 2"/>
+          <p:cNvSpPr>
+            <a:spLocks noGrp="1"/>
+          </p:cNvSpPr>
+          <p:nvPr>
+            <p:ph idx="1"/>
+          </p:nvPr>
+        </p:nvSpPr>
+        <p:spPr/>
+        <p:txBody>
+          <a:bodyPr>
+            <a:normAutofit/>
+          </a:bodyPr>
+          <a:lstStyle/>
+          <a:p>
+            <a:r>
+              <a:rPr kumimoji="1" lang="ko-KR" altLang="en-US" dirty="0" smtClean="0"/>
+              <a:t>아이디어는 간단하다</a:t>
+            </a:r>
+            <a:r>
+              <a:rPr kumimoji="1" lang="en-US" altLang="ko-KR" dirty="0" smtClean="0"/>
+              <a:t>.</a:t>
+            </a:r>
+          </a:p>
+          <a:p>
+            <a:endParaRPr kumimoji="1" lang="en-US" altLang="ko-KR" dirty="0"/>
+          </a:p>
+          <a:p>
+            <a:r>
+              <a:rPr kumimoji="1" lang="ko-KR" altLang="en-US" dirty="0" smtClean="0"/>
+              <a:t>복잡한 분포</a:t>
+            </a:r>
+            <a:r>
+              <a:rPr kumimoji="1" lang="en-US" altLang="ko-KR" dirty="0" smtClean="0"/>
+              <a:t>(distribution)</a:t>
+            </a:r>
+            <a:r>
+              <a:rPr kumimoji="1" lang="ko-KR" altLang="en-US" dirty="0" smtClean="0"/>
+              <a:t>를 좀 더 간단한 형태의 분포로 근사하자는 것</a:t>
+            </a:r>
+            <a:r>
+              <a:rPr kumimoji="1" lang="en-US" altLang="ko-KR" dirty="0" smtClean="0"/>
+              <a:t>.</a:t>
+            </a:r>
+          </a:p>
+          <a:p>
+            <a:endParaRPr kumimoji="1" lang="en-US" altLang="ko-KR" dirty="0"/>
+          </a:p>
+          <a:p>
+            <a:r>
+              <a:rPr kumimoji="1" lang="ko-KR" altLang="en-US" dirty="0" smtClean="0"/>
+              <a:t>물론 근사 분포를 사용하는 모델은 이것 말고도 많다</a:t>
+            </a:r>
+            <a:r>
+              <a:rPr kumimoji="1" lang="en-US" altLang="ko-KR" dirty="0" smtClean="0"/>
+              <a:t>.</a:t>
+            </a:r>
+          </a:p>
+          <a:p>
+            <a:pPr lvl="1"/>
+            <a:r>
+              <a:rPr kumimoji="1" lang="ko-KR" altLang="en-US" dirty="0" smtClean="0"/>
+              <a:t>이런 스타일을 사용하는 모델 중 하나라고 생각하면 된다</a:t>
+            </a:r>
+            <a:r>
+              <a:rPr kumimoji="1" lang="en-US" altLang="ko-KR" dirty="0" smtClean="0"/>
+              <a:t>.</a:t>
+            </a:r>
+          </a:p>
+          <a:p>
+            <a:pPr lvl="1"/>
+            <a:endParaRPr kumimoji="1" lang="en-US" altLang="ko-KR" dirty="0"/>
+          </a:p>
+          <a:p>
+            <a:r>
+              <a:rPr kumimoji="1" lang="en-US" altLang="ko-KR" dirty="0" err="1" smtClean="0"/>
+              <a:t>Variational</a:t>
+            </a:r>
+            <a:r>
+              <a:rPr kumimoji="1" lang="en-US" altLang="ko-KR" dirty="0" smtClean="0"/>
+              <a:t> </a:t>
+            </a:r>
+            <a:r>
+              <a:rPr kumimoji="1" lang="ko-KR" altLang="en-US" dirty="0" smtClean="0"/>
+              <a:t>까지 바로 달려가기 위해 이론들을 최대한 압축하여 설명함</a:t>
+            </a:r>
+            <a:r>
+              <a:rPr kumimoji="1" lang="en-US" altLang="ko-KR" dirty="0" smtClean="0"/>
+              <a:t>.</a:t>
+            </a:r>
+            <a:endParaRPr kumimoji="1" lang="ko-KR" altLang="en-US" dirty="0"/>
+          </a:p>
+        </p:txBody>
+      </p:sp>
+    </p:spTree>
+    <p:extLst>
+      <p:ext uri="{BB962C8B-B14F-4D97-AF65-F5344CB8AC3E}">
+        <p14:creationId xmlns:p14="http://schemas.microsoft.com/office/powerpoint/2010/main" val="1576067671"/>
+      </p:ext>
+    </p:extLst>
+  </p:cSld>
+  <p:clrMapOvr>
+    <a:masterClrMapping/>
+  </p:clrMapOvr>
+  <p:timing>
+    <p:tnLst>
+      <p:par>
+        <p:cTn id="1" dur="indefinite" restart="never" nodeType="tmRoot"/>
+      </p:par>
+    </p:tnLst>
+  </p:timing>
+</p:sld>
+</file>
+
+<file path=ppt/slides/slide20.xml><?xml version="1.0" encoding="utf-8"?>
 <p:sld xmlns:a="http://schemas.openxmlformats.org/drawingml/2006/main" xmlns:r="http://schemas.openxmlformats.org/officeDocument/2006/relationships" xmlns:p="http://schemas.openxmlformats.org/presentationml/2006/main">
   <p:cSld>
     <p:spTree>
@@ -8998,163 +10010,7 @@
 </p:sld>
 </file>
 
-<file path=ppt/slides/slide2.xml><?xml version="1.0" encoding="utf-8"?>
-<p:sld xmlns:a="http://schemas.openxmlformats.org/drawingml/2006/main" xmlns:r="http://schemas.openxmlformats.org/officeDocument/2006/relationships" xmlns:p="http://schemas.openxmlformats.org/presentationml/2006/main">
-  <p:cSld>
-    <p:spTree>
-      <p:nvGrpSpPr>
-        <p:cNvPr id="1" name=""/>
-        <p:cNvGrpSpPr/>
-        <p:nvPr/>
-      </p:nvGrpSpPr>
-      <p:grpSpPr>
-        <a:xfrm>
-          <a:off x="0" y="0"/>
-          <a:ext cx="0" cy="0"/>
-          <a:chOff x="0" y="0"/>
-          <a:chExt cx="0" cy="0"/>
-        </a:xfrm>
-      </p:grpSpPr>
-      <p:sp>
-        <p:nvSpPr>
-          <p:cNvPr id="2" name="제목 1"/>
-          <p:cNvSpPr>
-            <a:spLocks noGrp="1"/>
-          </p:cNvSpPr>
-          <p:nvPr>
-            <p:ph type="title"/>
-          </p:nvPr>
-        </p:nvSpPr>
-        <p:spPr/>
-        <p:txBody>
-          <a:bodyPr/>
-          <a:lstStyle/>
-          <a:p>
-            <a:r>
-              <a:rPr kumimoji="1" lang="en-US" altLang="ko-KR" dirty="0" smtClean="0"/>
-              <a:t>Information</a:t>
-            </a:r>
-            <a:endParaRPr kumimoji="1" lang="ko-KR" altLang="en-US" dirty="0"/>
-          </a:p>
-        </p:txBody>
-      </p:sp>
-      <p:sp>
-        <p:nvSpPr>
-          <p:cNvPr id="3" name="내용 개체 틀 2"/>
-          <p:cNvSpPr>
-            <a:spLocks noGrp="1"/>
-          </p:cNvSpPr>
-          <p:nvPr>
-            <p:ph idx="1"/>
-          </p:nvPr>
-        </p:nvSpPr>
-        <p:spPr/>
-        <p:txBody>
-          <a:bodyPr>
-            <a:normAutofit/>
-          </a:bodyPr>
-          <a:lstStyle/>
-          <a:p>
-            <a:r>
-              <a:rPr kumimoji="1" lang="ko-KR" altLang="en-US" dirty="0" smtClean="0"/>
-              <a:t>아이디어는 간단하다</a:t>
-            </a:r>
-            <a:r>
-              <a:rPr kumimoji="1" lang="en-US" altLang="ko-KR" dirty="0" smtClean="0"/>
-              <a:t>.</a:t>
-            </a:r>
-          </a:p>
-          <a:p>
-            <a:endParaRPr kumimoji="1" lang="en-US" altLang="ko-KR" dirty="0"/>
-          </a:p>
-          <a:p>
-            <a:r>
-              <a:rPr kumimoji="1" lang="ko-KR" altLang="en-US" dirty="0" smtClean="0"/>
-              <a:t>복잡한 분포</a:t>
-            </a:r>
-            <a:r>
-              <a:rPr kumimoji="1" lang="en-US" altLang="ko-KR" dirty="0" smtClean="0"/>
-              <a:t>(distribution)</a:t>
-            </a:r>
-            <a:r>
-              <a:rPr kumimoji="1" lang="ko-KR" altLang="en-US" dirty="0" smtClean="0"/>
-              <a:t>를 좀 더 간단한 형태의 분포로 근사하자는 것</a:t>
-            </a:r>
-            <a:r>
-              <a:rPr kumimoji="1" lang="en-US" altLang="ko-KR" dirty="0" smtClean="0"/>
-              <a:t>.</a:t>
-            </a:r>
-          </a:p>
-          <a:p>
-            <a:endParaRPr kumimoji="1" lang="en-US" altLang="ko-KR" dirty="0"/>
-          </a:p>
-          <a:p>
-            <a:r>
-              <a:rPr kumimoji="1" lang="ko-KR" altLang="en-US" dirty="0" smtClean="0"/>
-              <a:t>물론 근사 분포를 사용하는 모델은 이것 말고도 많다</a:t>
-            </a:r>
-            <a:r>
-              <a:rPr kumimoji="1" lang="en-US" altLang="ko-KR" dirty="0" smtClean="0"/>
-              <a:t>.</a:t>
-            </a:r>
-          </a:p>
-          <a:p>
-            <a:pPr lvl="1"/>
-            <a:r>
-              <a:rPr kumimoji="1" lang="ko-KR" altLang="en-US" dirty="0" smtClean="0"/>
-              <a:t>이런 스타일을 사용하는 모델 중 하나라고 생각하면 된다</a:t>
-            </a:r>
-            <a:r>
-              <a:rPr kumimoji="1" lang="en-US" altLang="ko-KR" dirty="0" smtClean="0"/>
-              <a:t>.</a:t>
-            </a:r>
-          </a:p>
-          <a:p>
-            <a:pPr lvl="1"/>
-            <a:endParaRPr kumimoji="1" lang="en-US" altLang="ko-KR" dirty="0"/>
-          </a:p>
-          <a:p>
-            <a:r>
-              <a:rPr kumimoji="1" lang="en-US" altLang="ko-KR" dirty="0" err="1" smtClean="0"/>
-              <a:t>Variational</a:t>
-            </a:r>
-            <a:r>
-              <a:rPr kumimoji="1" lang="en-US" altLang="ko-KR" dirty="0" smtClean="0"/>
-              <a:t> </a:t>
-            </a:r>
-            <a:r>
-              <a:rPr kumimoji="1" lang="ko-KR" altLang="en-US" dirty="0" smtClean="0"/>
-              <a:t>까지 바로 달려가기 위해 이론들을 최대한 압축하여 설명함</a:t>
-            </a:r>
-            <a:r>
-              <a:rPr kumimoji="1" lang="en-US" altLang="ko-KR" dirty="0" smtClean="0"/>
-              <a:t>.</a:t>
-            </a:r>
-            <a:endParaRPr kumimoji="1" lang="ko-KR" altLang="en-US" dirty="0"/>
-          </a:p>
-        </p:txBody>
-      </p:sp>
-    </p:spTree>
-    <p:extLst>
-      <p:ext uri="{BB962C8B-B14F-4D97-AF65-F5344CB8AC3E}">
-        <p14:creationId xmlns:p14="http://schemas.microsoft.com/office/powerpoint/2010/main" val="1576067671"/>
-      </p:ext>
-    </p:extLst>
-  </p:cSld>
-  <p:clrMapOvr>
-    <a:masterClrMapping/>
-  </p:clrMapOvr>
-  <p:timing>
-    <p:tnLst>
-      <p:par>
-        <p:cTn id="1" dur="indefinite" restart="never" nodeType="tmRoot"/>
-      </p:par>
-    </p:tnLst>
-  </p:timing>
-</p:sld>
-</file>
-
-<file path=ppt/slides/slide20.xml><?xml version="1.0" encoding="utf-8"?>
+<file path=ppt/slides/slide21.xml><?xml version="1.0" encoding="utf-8"?>
 <p:sld xmlns:a="http://schemas.openxmlformats.org/drawingml/2006/main" xmlns:r="http://schemas.openxmlformats.org/officeDocument/2006/relationships" xmlns:p="http://schemas.openxmlformats.org/presentationml/2006/main">
   <p:cSld>
     <p:spTree>
@@ -9280,271 +10136,6 @@
 </p:sld>
 </file>
 
-<file path=ppt/slides/slide21.xml><?xml version="1.0" encoding="utf-8"?>
-<p:sld xmlns:a="http://schemas.openxmlformats.org/drawingml/2006/main" xmlns:r="http://schemas.openxmlformats.org/officeDocument/2006/relationships" xmlns:p="http://schemas.openxmlformats.org/presentationml/2006/main">
-  <p:cSld>
-    <p:spTree>
-      <p:nvGrpSpPr>
-        <p:cNvPr id="1" name=""/>
-        <p:cNvGrpSpPr/>
-        <p:nvPr/>
-      </p:nvGrpSpPr>
-      <p:grpSpPr>
-        <a:xfrm>
-          <a:off x="0" y="0"/>
-          <a:ext cx="0" cy="0"/>
-          <a:chOff x="0" y="0"/>
-          <a:chExt cx="0" cy="0"/>
-        </a:xfrm>
-      </p:grpSpPr>
-      <p:sp>
-        <p:nvSpPr>
-          <p:cNvPr id="2" name="제목 1"/>
-          <p:cNvSpPr>
-            <a:spLocks noGrp="1"/>
-          </p:cNvSpPr>
-          <p:nvPr>
-            <p:ph type="title"/>
-          </p:nvPr>
-        </p:nvSpPr>
-        <p:spPr/>
-        <p:txBody>
-          <a:bodyPr/>
-          <a:lstStyle/>
-          <a:p>
-            <a:r>
-              <a:rPr lang="cs-CZ" altLang="ko-KR" dirty="0"/>
-              <a:t>KL</a:t>
-            </a:r>
-            <a:r>
-              <a:rPr lang="en-US" altLang="ko-KR" dirty="0"/>
-              <a:t>-</a:t>
-            </a:r>
-            <a:r>
-              <a:rPr lang="cs-CZ" altLang="ko-KR" dirty="0"/>
-              <a:t>divergence </a:t>
-            </a:r>
-            <a:r>
-              <a:rPr kumimoji="1" lang="en-US" altLang="ko-KR" dirty="0"/>
-              <a:t>(Cont’d)</a:t>
-            </a:r>
-            <a:endParaRPr kumimoji="1" lang="ko-KR" altLang="en-US" dirty="0"/>
-          </a:p>
-        </p:txBody>
-      </p:sp>
-      <p:sp>
-        <p:nvSpPr>
-          <p:cNvPr id="3" name="내용 개체 틀 2"/>
-          <p:cNvSpPr>
-            <a:spLocks noGrp="1"/>
-          </p:cNvSpPr>
-          <p:nvPr>
-            <p:ph idx="1"/>
-          </p:nvPr>
-        </p:nvSpPr>
-        <p:spPr/>
-        <p:txBody>
-          <a:bodyPr/>
-          <a:lstStyle/>
-          <a:p>
-            <a:r>
-              <a:rPr kumimoji="1" lang="ko-KR" altLang="en-US" dirty="0"/>
-              <a:t>주 용도</a:t>
-            </a:r>
-            <a:r>
-              <a:rPr kumimoji="1" lang="en-US" altLang="ko-KR" dirty="0"/>
-              <a:t>?</a:t>
-            </a:r>
-          </a:p>
-          <a:p>
-            <a:pPr lvl="1"/>
-            <a:r>
-              <a:rPr kumimoji="1" lang="ko-KR" altLang="en-US" dirty="0"/>
-              <a:t>우리가 원래의 분포 </a:t>
-            </a:r>
-            <a:r>
-              <a:rPr kumimoji="1" lang="en-US" altLang="ko-KR" dirty="0"/>
-              <a:t>P </a:t>
-            </a:r>
-            <a:r>
-              <a:rPr kumimoji="1" lang="ko-KR" altLang="en-US" dirty="0"/>
-              <a:t>를 모르는 상태에서 샘플은 </a:t>
-            </a:r>
-            <a:r>
-              <a:rPr kumimoji="1" lang="en-US" altLang="ko-KR" dirty="0"/>
-              <a:t>P </a:t>
-            </a:r>
-            <a:r>
-              <a:rPr kumimoji="1" lang="ko-KR" altLang="en-US" dirty="0"/>
-              <a:t>로부터 얻어진 상황이라면</a:t>
-            </a:r>
-            <a:r>
-              <a:rPr kumimoji="1" lang="en-US" altLang="ko-KR" dirty="0"/>
-              <a:t>,</a:t>
-            </a:r>
-          </a:p>
-          <a:p>
-            <a:pPr lvl="1"/>
-            <a:r>
-              <a:rPr kumimoji="1" lang="ko-KR" altLang="en-US" dirty="0"/>
-              <a:t>어떤 </a:t>
-            </a:r>
-            <a:r>
-              <a:rPr kumimoji="1" lang="en-US" altLang="ko-KR" dirty="0"/>
-              <a:t>Q</a:t>
-            </a:r>
-            <a:r>
-              <a:rPr kumimoji="1" lang="ko-KR" altLang="en-US" dirty="0"/>
-              <a:t>라는 분포 함수를 도입하여 마치 이걸 </a:t>
-            </a:r>
-            <a:r>
-              <a:rPr kumimoji="1" lang="en-US" altLang="ko-KR" dirty="0" smtClean="0"/>
-              <a:t>P </a:t>
-            </a:r>
-            <a:r>
-              <a:rPr kumimoji="1" lang="ko-KR" altLang="en-US" dirty="0" smtClean="0"/>
-              <a:t>인양 </a:t>
-            </a:r>
-            <a:r>
-              <a:rPr kumimoji="1" lang="ko-KR" altLang="en-US" dirty="0"/>
-              <a:t>막 쓴다고 하자</a:t>
-            </a:r>
-            <a:r>
-              <a:rPr kumimoji="1" lang="en-US" altLang="ko-KR" dirty="0"/>
-              <a:t>.</a:t>
-            </a:r>
-          </a:p>
-          <a:p>
-            <a:pPr lvl="1"/>
-            <a:r>
-              <a:rPr kumimoji="1" lang="ko-KR" altLang="en-US" dirty="0"/>
-              <a:t>그럼 이런 상황으로 인해 발생되는 오차율을 </a:t>
-            </a:r>
-            <a:r>
-              <a:rPr kumimoji="1" lang="en-US" altLang="ko-KR" dirty="0"/>
-              <a:t>KL </a:t>
-            </a:r>
-            <a:r>
-              <a:rPr kumimoji="1" lang="ko-KR" altLang="en-US" dirty="0"/>
-              <a:t>값을 이용하여 상대 비교가 가능함</a:t>
-            </a:r>
-            <a:r>
-              <a:rPr kumimoji="1" lang="en-US" altLang="ko-KR" dirty="0"/>
-              <a:t>.</a:t>
-            </a:r>
-          </a:p>
-          <a:p>
-            <a:pPr lvl="1"/>
-            <a:r>
-              <a:rPr kumimoji="1" lang="ko-KR" altLang="en-US" dirty="0"/>
-              <a:t>예를 들어 </a:t>
-            </a:r>
-            <a:r>
-              <a:rPr kumimoji="1" lang="en-US" altLang="ko-KR" dirty="0"/>
-              <a:t>Q1, Q2 </a:t>
-            </a:r>
-            <a:r>
-              <a:rPr kumimoji="1" lang="ko-KR" altLang="en-US" dirty="0"/>
-              <a:t>를 가정하고 각각 </a:t>
-            </a:r>
-            <a:r>
-              <a:rPr kumimoji="1" lang="en-US" altLang="ko-KR" dirty="0"/>
-              <a:t>KL</a:t>
-            </a:r>
-            <a:r>
-              <a:rPr kumimoji="1" lang="ko-KR" altLang="en-US" dirty="0"/>
-              <a:t>을 </a:t>
-            </a:r>
-            <a:r>
-              <a:rPr kumimoji="1" lang="en-US" altLang="ko-KR" dirty="0"/>
-              <a:t>P</a:t>
-            </a:r>
-            <a:r>
-              <a:rPr kumimoji="1" lang="ko-KR" altLang="en-US" dirty="0"/>
-              <a:t>에 대해</a:t>
-            </a:r>
-            <a:r>
-              <a:rPr kumimoji="1" lang="en-US" altLang="ko-KR" dirty="0"/>
-              <a:t> </a:t>
-            </a:r>
-            <a:r>
-              <a:rPr kumimoji="1" lang="ko-KR" altLang="en-US" dirty="0"/>
-              <a:t>구해보니 </a:t>
-            </a:r>
-            <a:r>
-              <a:rPr kumimoji="1" lang="en-US" altLang="ko-KR" dirty="0"/>
-              <a:t>Q1</a:t>
-            </a:r>
-            <a:r>
-              <a:rPr kumimoji="1" lang="ko-KR" altLang="en-US" dirty="0"/>
-              <a:t>이 더 작다</a:t>
-            </a:r>
-            <a:r>
-              <a:rPr kumimoji="1" lang="en-US" altLang="ko-KR" dirty="0"/>
-              <a:t>.</a:t>
-            </a:r>
-          </a:p>
-          <a:p>
-            <a:pPr lvl="1"/>
-            <a:r>
-              <a:rPr kumimoji="1" lang="ko-KR" altLang="en-US" dirty="0"/>
-              <a:t>그러면 </a:t>
-            </a:r>
-            <a:r>
-              <a:rPr kumimoji="1" lang="en-US" altLang="ko-KR" dirty="0"/>
-              <a:t>Q1 </a:t>
-            </a:r>
-            <a:r>
-              <a:rPr kumimoji="1" lang="ko-KR" altLang="en-US" dirty="0"/>
-              <a:t>이 </a:t>
-            </a:r>
-            <a:r>
-              <a:rPr kumimoji="1" lang="en-US" altLang="ko-KR" dirty="0"/>
-              <a:t>Q2 </a:t>
-            </a:r>
-            <a:r>
-              <a:rPr kumimoji="1" lang="ko-KR" altLang="en-US" dirty="0"/>
-              <a:t>보다 </a:t>
-            </a:r>
-            <a:r>
-              <a:rPr kumimoji="1" lang="en-US" altLang="ko-KR" dirty="0"/>
-              <a:t>P</a:t>
-            </a:r>
-            <a:r>
-              <a:rPr kumimoji="1" lang="ko-KR" altLang="en-US" dirty="0"/>
-              <a:t>에 더 가까운 모양이라고 고려할 수 있다</a:t>
-            </a:r>
-            <a:r>
-              <a:rPr kumimoji="1" lang="en-US" altLang="ko-KR" dirty="0" smtClean="0"/>
-              <a:t>.</a:t>
-            </a:r>
-            <a:endParaRPr kumimoji="1" lang="ko-KR" altLang="en-US" dirty="0"/>
-          </a:p>
-          <a:p>
-            <a:endParaRPr kumimoji="1" lang="ko-KR" altLang="en-US" dirty="0"/>
-          </a:p>
-        </p:txBody>
-      </p:sp>
-    </p:spTree>
-    <p:extLst>
-      <p:ext uri="{BB962C8B-B14F-4D97-AF65-F5344CB8AC3E}">
-        <p14:creationId xmlns:p14="http://schemas.microsoft.com/office/powerpoint/2010/main" val="668635321"/>
-      </p:ext>
-    </p:extLst>
-  </p:cSld>
-  <p:clrMapOvr>
-    <a:masterClrMapping/>
-  </p:clrMapOvr>
-  <p:timing>
-    <p:tnLst>
-      <p:par>
-        <p:cTn id="1" dur="indefinite" restart="never" nodeType="tmRoot"/>
-      </p:par>
-    </p:tnLst>
-  </p:timing>
-</p:sld>
-</file>
-
 <file path=ppt/slides/slide22.xml><?xml version="1.0" encoding="utf-8"?>
 <p:sld xmlns:a="http://schemas.openxmlformats.org/drawingml/2006/main" xmlns:r="http://schemas.openxmlformats.org/officeDocument/2006/relationships" xmlns:p="http://schemas.openxmlformats.org/presentationml/2006/main">
   <p:cSld>
@@ -9578,6 +10169,271 @@
           <a:lstStyle/>
           <a:p>
             <a:r>
+              <a:rPr lang="cs-CZ" altLang="ko-KR" dirty="0"/>
+              <a:t>KL</a:t>
+            </a:r>
+            <a:r>
+              <a:rPr lang="en-US" altLang="ko-KR" dirty="0"/>
+              <a:t>-</a:t>
+            </a:r>
+            <a:r>
+              <a:rPr lang="cs-CZ" altLang="ko-KR" dirty="0"/>
+              <a:t>divergence </a:t>
+            </a:r>
+            <a:r>
+              <a:rPr kumimoji="1" lang="en-US" altLang="ko-KR" dirty="0"/>
+              <a:t>(Cont’d)</a:t>
+            </a:r>
+            <a:endParaRPr kumimoji="1" lang="ko-KR" altLang="en-US" dirty="0"/>
+          </a:p>
+        </p:txBody>
+      </p:sp>
+      <p:sp>
+        <p:nvSpPr>
+          <p:cNvPr id="3" name="내용 개체 틀 2"/>
+          <p:cNvSpPr>
+            <a:spLocks noGrp="1"/>
+          </p:cNvSpPr>
+          <p:nvPr>
+            <p:ph idx="1"/>
+          </p:nvPr>
+        </p:nvSpPr>
+        <p:spPr/>
+        <p:txBody>
+          <a:bodyPr/>
+          <a:lstStyle/>
+          <a:p>
+            <a:r>
+              <a:rPr kumimoji="1" lang="ko-KR" altLang="en-US" dirty="0"/>
+              <a:t>주 용도</a:t>
+            </a:r>
+            <a:r>
+              <a:rPr kumimoji="1" lang="en-US" altLang="ko-KR" dirty="0"/>
+              <a:t>?</a:t>
+            </a:r>
+          </a:p>
+          <a:p>
+            <a:pPr lvl="1"/>
+            <a:r>
+              <a:rPr kumimoji="1" lang="ko-KR" altLang="en-US" dirty="0"/>
+              <a:t>우리가 원래의 분포 </a:t>
+            </a:r>
+            <a:r>
+              <a:rPr kumimoji="1" lang="en-US" altLang="ko-KR" dirty="0"/>
+              <a:t>P </a:t>
+            </a:r>
+            <a:r>
+              <a:rPr kumimoji="1" lang="ko-KR" altLang="en-US" dirty="0"/>
+              <a:t>를 모르는 상태에서 샘플은 </a:t>
+            </a:r>
+            <a:r>
+              <a:rPr kumimoji="1" lang="en-US" altLang="ko-KR" dirty="0"/>
+              <a:t>P </a:t>
+            </a:r>
+            <a:r>
+              <a:rPr kumimoji="1" lang="ko-KR" altLang="en-US" dirty="0"/>
+              <a:t>로부터 얻어진 상황이라면</a:t>
+            </a:r>
+            <a:r>
+              <a:rPr kumimoji="1" lang="en-US" altLang="ko-KR" dirty="0"/>
+              <a:t>,</a:t>
+            </a:r>
+          </a:p>
+          <a:p>
+            <a:pPr lvl="1"/>
+            <a:r>
+              <a:rPr kumimoji="1" lang="ko-KR" altLang="en-US" dirty="0"/>
+              <a:t>어떤 </a:t>
+            </a:r>
+            <a:r>
+              <a:rPr kumimoji="1" lang="en-US" altLang="ko-KR" dirty="0"/>
+              <a:t>Q</a:t>
+            </a:r>
+            <a:r>
+              <a:rPr kumimoji="1" lang="ko-KR" altLang="en-US" dirty="0"/>
+              <a:t>라는 분포 함수를 도입하여 마치 이걸 </a:t>
+            </a:r>
+            <a:r>
+              <a:rPr kumimoji="1" lang="en-US" altLang="ko-KR" dirty="0" smtClean="0"/>
+              <a:t>P </a:t>
+            </a:r>
+            <a:r>
+              <a:rPr kumimoji="1" lang="ko-KR" altLang="en-US" dirty="0" smtClean="0"/>
+              <a:t>인양 </a:t>
+            </a:r>
+            <a:r>
+              <a:rPr kumimoji="1" lang="ko-KR" altLang="en-US" dirty="0"/>
+              <a:t>막 쓴다고 하자</a:t>
+            </a:r>
+            <a:r>
+              <a:rPr kumimoji="1" lang="en-US" altLang="ko-KR" dirty="0"/>
+              <a:t>.</a:t>
+            </a:r>
+          </a:p>
+          <a:p>
+            <a:pPr lvl="1"/>
+            <a:r>
+              <a:rPr kumimoji="1" lang="ko-KR" altLang="en-US" dirty="0"/>
+              <a:t>그럼 이런 상황으로 인해 발생되는 오차율을 </a:t>
+            </a:r>
+            <a:r>
+              <a:rPr kumimoji="1" lang="en-US" altLang="ko-KR" dirty="0"/>
+              <a:t>KL </a:t>
+            </a:r>
+            <a:r>
+              <a:rPr kumimoji="1" lang="ko-KR" altLang="en-US" dirty="0"/>
+              <a:t>값을 이용하여 상대 비교가 가능함</a:t>
+            </a:r>
+            <a:r>
+              <a:rPr kumimoji="1" lang="en-US" altLang="ko-KR" dirty="0"/>
+              <a:t>.</a:t>
+            </a:r>
+          </a:p>
+          <a:p>
+            <a:pPr lvl="1"/>
+            <a:r>
+              <a:rPr kumimoji="1" lang="ko-KR" altLang="en-US" dirty="0"/>
+              <a:t>예를 들어 </a:t>
+            </a:r>
+            <a:r>
+              <a:rPr kumimoji="1" lang="en-US" altLang="ko-KR" dirty="0"/>
+              <a:t>Q1, Q2 </a:t>
+            </a:r>
+            <a:r>
+              <a:rPr kumimoji="1" lang="ko-KR" altLang="en-US" dirty="0"/>
+              <a:t>를 가정하고 각각 </a:t>
+            </a:r>
+            <a:r>
+              <a:rPr kumimoji="1" lang="en-US" altLang="ko-KR" dirty="0"/>
+              <a:t>KL</a:t>
+            </a:r>
+            <a:r>
+              <a:rPr kumimoji="1" lang="ko-KR" altLang="en-US" dirty="0"/>
+              <a:t>을 </a:t>
+            </a:r>
+            <a:r>
+              <a:rPr kumimoji="1" lang="en-US" altLang="ko-KR" dirty="0"/>
+              <a:t>P</a:t>
+            </a:r>
+            <a:r>
+              <a:rPr kumimoji="1" lang="ko-KR" altLang="en-US" dirty="0"/>
+              <a:t>에 대해</a:t>
+            </a:r>
+            <a:r>
+              <a:rPr kumimoji="1" lang="en-US" altLang="ko-KR" dirty="0"/>
+              <a:t> </a:t>
+            </a:r>
+            <a:r>
+              <a:rPr kumimoji="1" lang="ko-KR" altLang="en-US" dirty="0"/>
+              <a:t>구해보니 </a:t>
+            </a:r>
+            <a:r>
+              <a:rPr kumimoji="1" lang="en-US" altLang="ko-KR" dirty="0"/>
+              <a:t>Q1</a:t>
+            </a:r>
+            <a:r>
+              <a:rPr kumimoji="1" lang="ko-KR" altLang="en-US" dirty="0"/>
+              <a:t>이 더 작다</a:t>
+            </a:r>
+            <a:r>
+              <a:rPr kumimoji="1" lang="en-US" altLang="ko-KR" dirty="0"/>
+              <a:t>.</a:t>
+            </a:r>
+          </a:p>
+          <a:p>
+            <a:pPr lvl="1"/>
+            <a:r>
+              <a:rPr kumimoji="1" lang="ko-KR" altLang="en-US" dirty="0"/>
+              <a:t>그러면 </a:t>
+            </a:r>
+            <a:r>
+              <a:rPr kumimoji="1" lang="en-US" altLang="ko-KR" dirty="0"/>
+              <a:t>Q1 </a:t>
+            </a:r>
+            <a:r>
+              <a:rPr kumimoji="1" lang="ko-KR" altLang="en-US" dirty="0"/>
+              <a:t>이 </a:t>
+            </a:r>
+            <a:r>
+              <a:rPr kumimoji="1" lang="en-US" altLang="ko-KR" dirty="0"/>
+              <a:t>Q2 </a:t>
+            </a:r>
+            <a:r>
+              <a:rPr kumimoji="1" lang="ko-KR" altLang="en-US" dirty="0"/>
+              <a:t>보다 </a:t>
+            </a:r>
+            <a:r>
+              <a:rPr kumimoji="1" lang="en-US" altLang="ko-KR" dirty="0"/>
+              <a:t>P</a:t>
+            </a:r>
+            <a:r>
+              <a:rPr kumimoji="1" lang="ko-KR" altLang="en-US" dirty="0"/>
+              <a:t>에 더 가까운 모양이라고 고려할 수 있다</a:t>
+            </a:r>
+            <a:r>
+              <a:rPr kumimoji="1" lang="en-US" altLang="ko-KR" dirty="0" smtClean="0"/>
+              <a:t>.</a:t>
+            </a:r>
+            <a:endParaRPr kumimoji="1" lang="ko-KR" altLang="en-US" dirty="0"/>
+          </a:p>
+          <a:p>
+            <a:endParaRPr kumimoji="1" lang="ko-KR" altLang="en-US" dirty="0"/>
+          </a:p>
+        </p:txBody>
+      </p:sp>
+    </p:spTree>
+    <p:extLst>
+      <p:ext uri="{BB962C8B-B14F-4D97-AF65-F5344CB8AC3E}">
+        <p14:creationId xmlns:p14="http://schemas.microsoft.com/office/powerpoint/2010/main" val="668635321"/>
+      </p:ext>
+    </p:extLst>
+  </p:cSld>
+  <p:clrMapOvr>
+    <a:masterClrMapping/>
+  </p:clrMapOvr>
+  <p:timing>
+    <p:tnLst>
+      <p:par>
+        <p:cTn id="1" dur="indefinite" restart="never" nodeType="tmRoot"/>
+      </p:par>
+    </p:tnLst>
+  </p:timing>
+</p:sld>
+</file>
+
+<file path=ppt/slides/slide23.xml><?xml version="1.0" encoding="utf-8"?>
+<p:sld xmlns:a="http://schemas.openxmlformats.org/drawingml/2006/main" xmlns:r="http://schemas.openxmlformats.org/officeDocument/2006/relationships" xmlns:p="http://schemas.openxmlformats.org/presentationml/2006/main">
+  <p:cSld>
+    <p:spTree>
+      <p:nvGrpSpPr>
+        <p:cNvPr id="1" name=""/>
+        <p:cNvGrpSpPr/>
+        <p:nvPr/>
+      </p:nvGrpSpPr>
+      <p:grpSpPr>
+        <a:xfrm>
+          <a:off x="0" y="0"/>
+          <a:ext cx="0" cy="0"/>
+          <a:chOff x="0" y="0"/>
+          <a:chExt cx="0" cy="0"/>
+        </a:xfrm>
+      </p:grpSpPr>
+      <p:sp>
+        <p:nvSpPr>
+          <p:cNvPr id="2" name="제목 1"/>
+          <p:cNvSpPr>
+            <a:spLocks noGrp="1"/>
+          </p:cNvSpPr>
+          <p:nvPr>
+            <p:ph type="title"/>
+          </p:nvPr>
+        </p:nvSpPr>
+        <p:spPr/>
+        <p:txBody>
+          <a:bodyPr/>
+          <a:lstStyle/>
+          <a:p>
+            <a:r>
               <a:rPr kumimoji="1" lang="en-US" altLang="ko-KR" dirty="0" smtClean="0"/>
               <a:t>EM (</a:t>
             </a:r>
@@ -9652,7 +10508,7 @@
 </p:sld>
 </file>
 
-<file path=ppt/slides/slide23.xml><?xml version="1.0" encoding="utf-8"?>
+<file path=ppt/slides/slide24.xml><?xml version="1.0" encoding="utf-8"?>
 <p:sld xmlns:a="http://schemas.openxmlformats.org/drawingml/2006/main" xmlns:r="http://schemas.openxmlformats.org/officeDocument/2006/relationships" xmlns:p="http://schemas.openxmlformats.org/presentationml/2006/main">
   <p:cSld>
     <p:spTree>
@@ -9940,7 +10796,7 @@
 </p:sld>
 </file>
 
-<file path=ppt/slides/slide24.xml><?xml version="1.0" encoding="utf-8"?>
+<file path=ppt/slides/slide25.xml><?xml version="1.0" encoding="utf-8"?>
 <p:sld xmlns:a="http://schemas.openxmlformats.org/drawingml/2006/main" xmlns:r="http://schemas.openxmlformats.org/officeDocument/2006/relationships" xmlns:p="http://schemas.openxmlformats.org/presentationml/2006/main">
   <p:cSld>
     <p:spTree>
@@ -10770,7 +11626,7 @@
 </p:sld>
 </file>
 
-<file path=ppt/slides/slide25.xml><?xml version="1.0" encoding="utf-8"?>
+<file path=ppt/slides/slide26.xml><?xml version="1.0" encoding="utf-8"?>
 <p:sld xmlns:a="http://schemas.openxmlformats.org/drawingml/2006/main" xmlns:r="http://schemas.openxmlformats.org/officeDocument/2006/relationships" xmlns:p="http://schemas.openxmlformats.org/presentationml/2006/main">
   <p:cSld>
     <p:spTree>
@@ -11490,7 +12346,7 @@
 </p:sld>
 </file>
 
-<file path=ppt/slides/slide26.xml><?xml version="1.0" encoding="utf-8"?>
+<file path=ppt/slides/slide27.xml><?xml version="1.0" encoding="utf-8"?>
 <p:sld xmlns:a="http://schemas.openxmlformats.org/drawingml/2006/main" xmlns:r="http://schemas.openxmlformats.org/officeDocument/2006/relationships" xmlns:p="http://schemas.openxmlformats.org/presentationml/2006/main">
   <p:cSld>
     <p:spTree>
@@ -11756,7 +12612,7 @@
 </p:sld>
 </file>
 
-<file path=ppt/slides/slide27.xml><?xml version="1.0" encoding="utf-8"?>
+<file path=ppt/slides/slide28.xml><?xml version="1.0" encoding="utf-8"?>
 <p:sld xmlns:a="http://schemas.openxmlformats.org/drawingml/2006/main" xmlns:r="http://schemas.openxmlformats.org/officeDocument/2006/relationships" xmlns:p="http://schemas.openxmlformats.org/presentationml/2006/main">
   <p:cSld>
     <p:spTree>
@@ -12234,7 +13090,7 @@
 </p:sld>
 </file>
 
-<file path=ppt/slides/slide28.xml><?xml version="1.0" encoding="utf-8"?>
+<file path=ppt/slides/slide29.xml><?xml version="1.0" encoding="utf-8"?>
 <p:sld xmlns:a="http://schemas.openxmlformats.org/drawingml/2006/main" xmlns:r="http://schemas.openxmlformats.org/officeDocument/2006/relationships" xmlns:p="http://schemas.openxmlformats.org/presentationml/2006/main">
   <p:cSld>
     <p:spTree>
@@ -12394,7 +13250,67 @@
 </p:sld>
 </file>
 
-<file path=ppt/slides/slide29.xml><?xml version="1.0" encoding="utf-8"?>
+<file path=ppt/slides/slide3.xml><?xml version="1.0" encoding="utf-8"?>
+<p:sld xmlns:a="http://schemas.openxmlformats.org/drawingml/2006/main" xmlns:r="http://schemas.openxmlformats.org/officeDocument/2006/relationships" xmlns:p="http://schemas.openxmlformats.org/presentationml/2006/main">
+  <p:cSld>
+    <p:spTree>
+      <p:nvGrpSpPr>
+        <p:cNvPr id="1" name=""/>
+        <p:cNvGrpSpPr/>
+        <p:nvPr/>
+      </p:nvGrpSpPr>
+      <p:grpSpPr>
+        <a:xfrm>
+          <a:off x="0" y="0"/>
+          <a:ext cx="0" cy="0"/>
+          <a:chOff x="0" y="0"/>
+          <a:chExt cx="0" cy="0"/>
+        </a:xfrm>
+      </p:grpSpPr>
+      <p:sp>
+        <p:nvSpPr>
+          <p:cNvPr id="4" name="제목 3"/>
+          <p:cNvSpPr>
+            <a:spLocks noGrp="1"/>
+          </p:cNvSpPr>
+          <p:nvPr>
+            <p:ph type="title"/>
+          </p:nvPr>
+        </p:nvSpPr>
+        <p:spPr/>
+        <p:txBody>
+          <a:bodyPr/>
+          <a:lstStyle/>
+          <a:p>
+            <a:r>
+              <a:rPr kumimoji="1" lang="en-US" altLang="ko-KR" dirty="0" smtClean="0"/>
+              <a:t>Basic Theory</a:t>
+            </a:r>
+            <a:endParaRPr kumimoji="1" lang="ko-KR" altLang="en-US" dirty="0"/>
+          </a:p>
+        </p:txBody>
+      </p:sp>
+    </p:spTree>
+    <p:extLst>
+      <p:ext uri="{BB962C8B-B14F-4D97-AF65-F5344CB8AC3E}">
+        <p14:creationId xmlns:p14="http://schemas.microsoft.com/office/powerpoint/2010/main" val="861093238"/>
+      </p:ext>
+    </p:extLst>
+  </p:cSld>
+  <p:clrMapOvr>
+    <a:masterClrMapping/>
+  </p:clrMapOvr>
+  <p:timing>
+    <p:tnLst>
+      <p:par>
+        <p:cTn id="1" dur="indefinite" restart="never" nodeType="tmRoot"/>
+      </p:par>
+    </p:tnLst>
+  </p:timing>
+</p:sld>
+</file>
+
+<file path=ppt/slides/slide30.xml><?xml version="1.0" encoding="utf-8"?>
 <p:sld xmlns:a="http://schemas.openxmlformats.org/drawingml/2006/main" xmlns:r="http://schemas.openxmlformats.org/officeDocument/2006/relationships" xmlns:p="http://schemas.openxmlformats.org/presentationml/2006/main">
   <p:cSld>
     <p:spTree>
@@ -12714,67 +13630,7 @@
 </p:sld>
 </file>
 
-<file path=ppt/slides/slide3.xml><?xml version="1.0" encoding="utf-8"?>
-<p:sld xmlns:a="http://schemas.openxmlformats.org/drawingml/2006/main" xmlns:r="http://schemas.openxmlformats.org/officeDocument/2006/relationships" xmlns:p="http://schemas.openxmlformats.org/presentationml/2006/main">
-  <p:cSld>
-    <p:spTree>
-      <p:nvGrpSpPr>
-        <p:cNvPr id="1" name=""/>
-        <p:cNvGrpSpPr/>
-        <p:nvPr/>
-      </p:nvGrpSpPr>
-      <p:grpSpPr>
-        <a:xfrm>
-          <a:off x="0" y="0"/>
-          <a:ext cx="0" cy="0"/>
-          <a:chOff x="0" y="0"/>
-          <a:chExt cx="0" cy="0"/>
-        </a:xfrm>
-      </p:grpSpPr>
-      <p:sp>
-        <p:nvSpPr>
-          <p:cNvPr id="4" name="제목 3"/>
-          <p:cNvSpPr>
-            <a:spLocks noGrp="1"/>
-          </p:cNvSpPr>
-          <p:nvPr>
-            <p:ph type="title"/>
-          </p:nvPr>
-        </p:nvSpPr>
-        <p:spPr/>
-        <p:txBody>
-          <a:bodyPr/>
-          <a:lstStyle/>
-          <a:p>
-            <a:r>
-              <a:rPr kumimoji="1" lang="en-US" altLang="ko-KR" dirty="0" smtClean="0"/>
-              <a:t>Basic Theory</a:t>
-            </a:r>
-            <a:endParaRPr kumimoji="1" lang="ko-KR" altLang="en-US" dirty="0"/>
-          </a:p>
-        </p:txBody>
-      </p:sp>
-    </p:spTree>
-    <p:extLst>
-      <p:ext uri="{BB962C8B-B14F-4D97-AF65-F5344CB8AC3E}">
-        <p14:creationId xmlns:p14="http://schemas.microsoft.com/office/powerpoint/2010/main" val="861093238"/>
-      </p:ext>
-    </p:extLst>
-  </p:cSld>
-  <p:clrMapOvr>
-    <a:masterClrMapping/>
-  </p:clrMapOvr>
-  <p:timing>
-    <p:tnLst>
-      <p:par>
-        <p:cTn id="1" dur="indefinite" restart="never" nodeType="tmRoot"/>
-      </p:par>
-    </p:tnLst>
-  </p:timing>
-</p:sld>
-</file>
-
-<file path=ppt/slides/slide30.xml><?xml version="1.0" encoding="utf-8"?>
+<file path=ppt/slides/slide31.xml><?xml version="1.0" encoding="utf-8"?>
 <p:sld xmlns:a="http://schemas.openxmlformats.org/drawingml/2006/main" xmlns:r="http://schemas.openxmlformats.org/officeDocument/2006/relationships" xmlns:p="http://schemas.openxmlformats.org/presentationml/2006/main">
   <p:cSld>
     <p:spTree>
@@ -13036,7 +13892,7 @@
 </p:sld>
 </file>
 
-<file path=ppt/slides/slide31.xml><?xml version="1.0" encoding="utf-8"?>
+<file path=ppt/slides/slide32.xml><?xml version="1.0" encoding="utf-8"?>
 <p:sld xmlns:a="http://schemas.openxmlformats.org/drawingml/2006/main" xmlns:r="http://schemas.openxmlformats.org/officeDocument/2006/relationships" xmlns:p="http://schemas.openxmlformats.org/presentationml/2006/main">
   <p:cSld>
     <p:spTree>
@@ -13416,7 +14272,7 @@
 </p:sld>
 </file>
 
-<file path=ppt/slides/slide32.xml><?xml version="1.0" encoding="utf-8"?>
+<file path=ppt/slides/slide33.xml><?xml version="1.0" encoding="utf-8"?>
 <p:sld xmlns:a="http://schemas.openxmlformats.org/drawingml/2006/main" xmlns:r="http://schemas.openxmlformats.org/officeDocument/2006/relationships" xmlns:p="http://schemas.openxmlformats.org/presentationml/2006/main">
   <p:cSld>
     <p:spTree>
@@ -13634,7 +14490,7 @@
 </p:sld>
 </file>
 
-<file path=ppt/slides/slide33.xml><?xml version="1.0" encoding="utf-8"?>
+<file path=ppt/slides/slide34.xml><?xml version="1.0" encoding="utf-8"?>
 <p:sld xmlns:a="http://schemas.openxmlformats.org/drawingml/2006/main" xmlns:r="http://schemas.openxmlformats.org/officeDocument/2006/relationships" xmlns:p="http://schemas.openxmlformats.org/presentationml/2006/main">
   <p:cSld>
     <p:spTree>
@@ -13939,7 +14795,7 @@
 </p:sld>
 </file>
 
-<file path=ppt/slides/slide34.xml><?xml version="1.0" encoding="utf-8"?>
+<file path=ppt/slides/slide35.xml><?xml version="1.0" encoding="utf-8"?>
 <p:sld xmlns:a="http://schemas.openxmlformats.org/drawingml/2006/main" xmlns:r="http://schemas.openxmlformats.org/officeDocument/2006/relationships" xmlns:p="http://schemas.openxmlformats.org/presentationml/2006/main">
   <p:cSld>
     <p:spTree>
@@ -14016,235 +14872,6 @@
 </p:sld>
 </file>
 
-<file path=ppt/slides/slide35.xml><?xml version="1.0" encoding="utf-8"?>
-<p:sld xmlns:a="http://schemas.openxmlformats.org/drawingml/2006/main" xmlns:r="http://schemas.openxmlformats.org/officeDocument/2006/relationships" xmlns:p="http://schemas.openxmlformats.org/presentationml/2006/main">
-  <p:cSld>
-    <p:spTree>
-      <p:nvGrpSpPr>
-        <p:cNvPr id="1" name=""/>
-        <p:cNvGrpSpPr/>
-        <p:nvPr/>
-      </p:nvGrpSpPr>
-      <p:grpSpPr>
-        <a:xfrm>
-          <a:off x="0" y="0"/>
-          <a:ext cx="0" cy="0"/>
-          <a:chOff x="0" y="0"/>
-          <a:chExt cx="0" cy="0"/>
-        </a:xfrm>
-      </p:grpSpPr>
-      <p:sp>
-        <p:nvSpPr>
-          <p:cNvPr id="2" name="제목 1"/>
-          <p:cNvSpPr>
-            <a:spLocks noGrp="1"/>
-          </p:cNvSpPr>
-          <p:nvPr>
-            <p:ph type="title"/>
-          </p:nvPr>
-        </p:nvSpPr>
-        <p:spPr/>
-        <p:txBody>
-          <a:bodyPr/>
-          <a:lstStyle/>
-          <a:p>
-            <a:r>
-              <a:rPr kumimoji="1" lang="en-US" altLang="ko-KR" dirty="0" smtClean="0"/>
-              <a:t>EM </a:t>
-            </a:r>
-            <a:r>
-              <a:rPr kumimoji="1" lang="ko-KR" altLang="en-US" dirty="0" smtClean="0"/>
-              <a:t>을 사용할 수 있는 경우란</a:t>
-            </a:r>
-            <a:r>
-              <a:rPr kumimoji="1" lang="en-US" altLang="ko-KR" dirty="0" smtClean="0"/>
-              <a:t>?</a:t>
-            </a:r>
-            <a:endParaRPr kumimoji="1" lang="ko-KR" altLang="en-US" dirty="0"/>
-          </a:p>
-        </p:txBody>
-      </p:sp>
-      <p:sp>
-        <p:nvSpPr>
-          <p:cNvPr id="3" name="내용 개체 틀 2"/>
-          <p:cNvSpPr>
-            <a:spLocks noGrp="1"/>
-          </p:cNvSpPr>
-          <p:nvPr>
-            <p:ph idx="1"/>
-          </p:nvPr>
-        </p:nvSpPr>
-        <p:spPr>
-          <a:xfrm>
-            <a:off x="838200" y="1905801"/>
-            <a:ext cx="10515600" cy="3445132"/>
-          </a:xfrm>
-        </p:spPr>
-        <p:txBody>
-          <a:bodyPr>
-            <a:normAutofit/>
-          </a:bodyPr>
-          <a:lstStyle/>
-          <a:p>
-            <a:r>
-              <a:rPr kumimoji="1" lang="ko-KR" altLang="en-US" dirty="0" smtClean="0"/>
-              <a:t>조건이 충족되어어야 </a:t>
-            </a:r>
-            <a:r>
-              <a:rPr kumimoji="1" lang="en-US" altLang="ko-KR" dirty="0" smtClean="0"/>
-              <a:t>EM </a:t>
-            </a:r>
-            <a:r>
-              <a:rPr kumimoji="1" lang="ko-KR" altLang="en-US" dirty="0" smtClean="0"/>
-              <a:t>사용이 가능</a:t>
-            </a:r>
-            <a:r>
-              <a:rPr kumimoji="1" lang="en-US" altLang="ko-KR" dirty="0" smtClean="0"/>
-              <a:t>.</a:t>
-            </a:r>
-          </a:p>
-          <a:p>
-            <a:pPr lvl="1"/>
-            <a:r>
-              <a:rPr kumimoji="1" lang="ko-KR" altLang="en-US" dirty="0" smtClean="0"/>
-              <a:t>일단 잠재 변수 </a:t>
-            </a:r>
-            <a:r>
-              <a:rPr kumimoji="1" lang="en-US" altLang="ko-KR" dirty="0" smtClean="0"/>
-              <a:t>z  </a:t>
-            </a:r>
-            <a:r>
-              <a:rPr kumimoji="1" lang="ko-KR" altLang="en-US" dirty="0" smtClean="0"/>
-              <a:t>를 도입할 수 있는 모델이어야 한다</a:t>
-            </a:r>
-            <a:r>
-              <a:rPr kumimoji="1" lang="en-US" altLang="ko-KR" dirty="0" smtClean="0"/>
-              <a:t>.</a:t>
-            </a:r>
-          </a:p>
-          <a:p>
-            <a:pPr lvl="1"/>
-            <a:r>
-              <a:rPr kumimoji="1" lang="ko-KR" altLang="en-US" dirty="0" smtClean="0"/>
-              <a:t>잠재 변수 </a:t>
-            </a:r>
-            <a:r>
-              <a:rPr kumimoji="1" lang="en-US" altLang="ko-KR" dirty="0" smtClean="0"/>
-              <a:t>z</a:t>
-            </a:r>
-            <a:r>
-              <a:rPr kumimoji="1" lang="ko-KR" altLang="en-US" dirty="0" smtClean="0"/>
-              <a:t> 도입 전에는 문제 풀이에 어려움을 겪지만</a:t>
-            </a:r>
-            <a:r>
-              <a:rPr kumimoji="1" lang="en-US" altLang="ko-KR" dirty="0" smtClean="0"/>
-              <a:t>,</a:t>
-            </a:r>
-          </a:p>
-          <a:p>
-            <a:pPr lvl="1"/>
-            <a:r>
-              <a:rPr kumimoji="1" lang="en-US" altLang="ko-KR" dirty="0" smtClean="0"/>
-              <a:t>z </a:t>
-            </a:r>
-            <a:r>
-              <a:rPr kumimoji="1" lang="ko-KR" altLang="en-US" dirty="0" smtClean="0"/>
-              <a:t>를 도입하고 나면 문제 풀이가 가능한 경우에만 사용할 수 있다</a:t>
-            </a:r>
-            <a:r>
-              <a:rPr kumimoji="1" lang="en-US" altLang="ko-KR" dirty="0" smtClean="0"/>
-              <a:t>.</a:t>
-            </a:r>
-          </a:p>
-          <a:p>
-            <a:pPr lvl="2"/>
-            <a:r>
-              <a:rPr kumimoji="1" lang="ko-KR" altLang="en-US" dirty="0" smtClean="0"/>
-              <a:t>즉</a:t>
-            </a:r>
-            <a:r>
-              <a:rPr kumimoji="1" lang="en-US" altLang="ko-KR" dirty="0" smtClean="0"/>
-              <a:t>,</a:t>
-            </a:r>
-            <a:r>
-              <a:rPr kumimoji="1" lang="ko-KR" altLang="en-US" dirty="0" smtClean="0"/>
-              <a:t> 어떤 모델을 설계할 때 </a:t>
-            </a:r>
-            <a:r>
-              <a:rPr kumimoji="1" lang="en-US" altLang="ko-KR" dirty="0" smtClean="0"/>
-              <a:t>Z </a:t>
-            </a:r>
-            <a:r>
-              <a:rPr kumimoji="1" lang="ko-KR" altLang="en-US" dirty="0" smtClean="0"/>
-              <a:t>가 알려지는 경우 우리가 잘 아는 분포로 도식화 가능하다고 생각되는 모델을 도입하게 된다</a:t>
-            </a:r>
-            <a:r>
-              <a:rPr kumimoji="1" lang="en-US" altLang="ko-KR" dirty="0" smtClean="0"/>
-              <a:t>.</a:t>
-            </a:r>
-            <a:r>
-              <a:rPr kumimoji="1" lang="ko-KR" altLang="en-US" dirty="0" smtClean="0"/>
-              <a:t> </a:t>
-            </a:r>
-            <a:r>
-              <a:rPr kumimoji="1" lang="en-US" altLang="ko-KR" dirty="0" smtClean="0"/>
-              <a:t>(GMM</a:t>
-            </a:r>
-            <a:r>
-              <a:rPr kumimoji="1" lang="ko-KR" altLang="en-US" dirty="0" smtClean="0"/>
-              <a:t>같은</a:t>
-            </a:r>
-            <a:r>
-              <a:rPr kumimoji="1" lang="en-US" altLang="ko-KR" dirty="0" smtClean="0"/>
-              <a:t>)</a:t>
-            </a:r>
-          </a:p>
-        </p:txBody>
-      </p:sp>
-      <p:pic>
-        <p:nvPicPr>
-          <p:cNvPr id="4" name="그림 3"/>
-          <p:cNvPicPr>
-            <a:picLocks noChangeAspect="1"/>
-          </p:cNvPicPr>
-          <p:nvPr/>
-        </p:nvPicPr>
-        <p:blipFill>
-          <a:blip r:embed="rId2"/>
-          <a:stretch>
-            <a:fillRect/>
-          </a:stretch>
-        </p:blipFill>
-        <p:spPr>
-          <a:xfrm>
-            <a:off x="4324280" y="5613063"/>
-            <a:ext cx="2629676" cy="855968"/>
-          </a:xfrm>
-          <a:prstGeom prst="rect">
-            <a:avLst/>
-          </a:prstGeom>
-        </p:spPr>
-      </p:pic>
-    </p:spTree>
-    <p:extLst>
-      <p:ext uri="{BB962C8B-B14F-4D97-AF65-F5344CB8AC3E}">
-        <p14:creationId xmlns:p14="http://schemas.microsoft.com/office/powerpoint/2010/main" val="2040354725"/>
-      </p:ext>
-    </p:extLst>
-  </p:cSld>
-  <p:clrMapOvr>
-    <a:masterClrMapping/>
-  </p:clrMapOvr>
-  <p:timing>
-    <p:tnLst>
-      <p:par>
-        <p:cTn id="1" dur="indefinite" restart="never" nodeType="tmRoot"/>
-      </p:par>
-    </p:tnLst>
-  </p:timing>
-</p:sld>
-</file>
-
 <file path=ppt/slides/slide36.xml><?xml version="1.0" encoding="utf-8"?>
 <p:sld xmlns:a="http://schemas.openxmlformats.org/drawingml/2006/main" xmlns:r="http://schemas.openxmlformats.org/officeDocument/2006/relationships" xmlns:p="http://schemas.openxmlformats.org/presentationml/2006/main">
   <p:cSld>
@@ -14283,11 +14910,11 @@
             </a:r>
             <a:r>
               <a:rPr kumimoji="1" lang="ko-KR" altLang="en-US" dirty="0" smtClean="0"/>
-              <a:t>알고리즘 정리</a:t>
-            </a:r>
-            <a:r>
-              <a:rPr kumimoji="1" lang="en-US" altLang="ko-KR" dirty="0" smtClean="0"/>
-              <a:t>.</a:t>
+              <a:t>을 사용할 수 있는 경우란</a:t>
+            </a:r>
+            <a:r>
+              <a:rPr kumimoji="1" lang="en-US" altLang="ko-KR" dirty="0" smtClean="0"/>
+              <a:t>?</a:t>
             </a:r>
             <a:endParaRPr kumimoji="1" lang="ko-KR" altLang="en-US" dirty="0"/>
           </a:p>
@@ -14303,14 +14930,21 @@
             <p:ph idx="1"/>
           </p:nvPr>
         </p:nvSpPr>
-        <p:spPr/>
+        <p:spPr>
+          <a:xfrm>
+            <a:off x="838200" y="1905801"/>
+            <a:ext cx="10515600" cy="3445132"/>
+          </a:xfrm>
+        </p:spPr>
         <p:txBody>
-          <a:bodyPr/>
+          <a:bodyPr>
+            <a:normAutofit/>
+          </a:bodyPr>
           <a:lstStyle/>
           <a:p>
             <a:r>
               <a:rPr kumimoji="1" lang="ko-KR" altLang="en-US" dirty="0" smtClean="0"/>
-              <a:t>사실은 </a:t>
+              <a:t>조건이 충족되어어야 </a:t>
             </a:r>
             <a:r>
               <a:rPr kumimoji="1" lang="en-US" altLang="ko-KR" dirty="0" smtClean="0"/>
@@ -14318,7 +14952,7 @@
             </a:r>
             <a:r>
               <a:rPr kumimoji="1" lang="ko-KR" altLang="en-US" dirty="0" smtClean="0"/>
-              <a:t>알고리즘에 대한 충분한 이해가 선행되어야 한다</a:t>
+              <a:t>사용이 가능</a:t>
             </a:r>
             <a:r>
               <a:rPr kumimoji="1" lang="en-US" altLang="ko-KR" dirty="0" smtClean="0"/>
@@ -14328,20 +14962,16 @@
           <a:p>
             <a:pPr lvl="1"/>
             <a:r>
-              <a:rPr kumimoji="1" lang="en-US" altLang="ko-KR" dirty="0" smtClean="0"/>
-              <a:t>MLE</a:t>
-            </a:r>
-            <a:r>
-              <a:rPr kumimoji="1" lang="ko-KR" altLang="en-US" dirty="0" smtClean="0"/>
-              <a:t> 문제도 좀 풀어보고 응용도 좀 풀어보고 해야 </a:t>
-            </a:r>
-            <a:r>
-              <a:rPr kumimoji="1" lang="en-US" altLang="ko-KR" dirty="0" smtClean="0"/>
-              <a:t>EM </a:t>
-            </a:r>
-            <a:r>
-              <a:rPr kumimoji="1" lang="ko-KR" altLang="en-US" dirty="0" smtClean="0"/>
-              <a:t>스타일에 적응할 수 있다</a:t>
+              <a:rPr kumimoji="1" lang="ko-KR" altLang="en-US" dirty="0" smtClean="0"/>
+              <a:t>일단 잠재 변수 </a:t>
+            </a:r>
+            <a:r>
+              <a:rPr kumimoji="1" lang="en-US" altLang="ko-KR" dirty="0" smtClean="0"/>
+              <a:t>z  </a:t>
+            </a:r>
+            <a:r>
+              <a:rPr kumimoji="1" lang="ko-KR" altLang="en-US" dirty="0" smtClean="0"/>
+              <a:t>를 도입할 수 있는 모델이어야 한다</a:t>
             </a:r>
             <a:r>
               <a:rPr kumimoji="1" lang="en-US" altLang="ko-KR" dirty="0" smtClean="0"/>
@@ -14350,20 +14980,32 @@
           </a:p>
           <a:p>
             <a:pPr lvl="1"/>
-            <a:endParaRPr kumimoji="1" lang="en-US" altLang="ko-KR" dirty="0" smtClean="0"/>
-          </a:p>
-          <a:p>
-            <a:r>
-              <a:rPr kumimoji="1" lang="ko-KR" altLang="en-US" dirty="0" smtClean="0"/>
-              <a:t>하지만 여기서 그런 것을 다룰 수는 없지 않는가</a:t>
-            </a:r>
-            <a:r>
-              <a:rPr kumimoji="1" lang="en-US" altLang="ko-KR" dirty="0" smtClean="0"/>
-              <a:t>!!!</a:t>
-            </a:r>
-            <a:r>
-              <a:rPr kumimoji="1" lang="ko-KR" altLang="en-US" dirty="0" smtClean="0"/>
-              <a:t> 다음만 기억하자</a:t>
+            <a:r>
+              <a:rPr kumimoji="1" lang="ko-KR" altLang="en-US" dirty="0" smtClean="0"/>
+              <a:t>잠재 변수 </a:t>
+            </a:r>
+            <a:r>
+              <a:rPr kumimoji="1" lang="en-US" altLang="ko-KR" dirty="0" smtClean="0"/>
+              <a:t>z</a:t>
+            </a:r>
+            <a:r>
+              <a:rPr kumimoji="1" lang="ko-KR" altLang="en-US" dirty="0" smtClean="0"/>
+              <a:t> 도입 전에는 문제 풀이에 어려움을 겪지만</a:t>
+            </a:r>
+            <a:r>
+              <a:rPr kumimoji="1" lang="en-US" altLang="ko-KR" dirty="0" smtClean="0"/>
+              <a:t>,</a:t>
+            </a:r>
+          </a:p>
+          <a:p>
+            <a:pPr lvl="1"/>
+            <a:r>
+              <a:rPr kumimoji="1" lang="en-US" altLang="ko-KR" dirty="0" smtClean="0"/>
+              <a:t>z </a:t>
+            </a:r>
+            <a:r>
+              <a:rPr kumimoji="1" lang="ko-KR" altLang="en-US" dirty="0" smtClean="0"/>
+              <a:t>를 도입하고 나면 문제 풀이가 가능한 경우에만 사용할 수 있다</a:t>
             </a:r>
             <a:r>
               <a:rPr kumimoji="1" lang="en-US" altLang="ko-KR" dirty="0" smtClean="0"/>
@@ -14371,65 +15013,78 @@
             </a:r>
           </a:p>
           <a:p>
-            <a:pPr lvl="1"/>
-            <a:r>
-              <a:rPr kumimoji="1" lang="ko-KR" altLang="en-US" dirty="0" smtClean="0"/>
-              <a:t>일단 </a:t>
-            </a:r>
-            <a:r>
-              <a:rPr kumimoji="1" lang="en-US" altLang="ko-KR" dirty="0" smtClean="0"/>
-              <a:t>z </a:t>
-            </a:r>
-            <a:r>
-              <a:rPr kumimoji="1" lang="ko-KR" altLang="en-US" dirty="0" smtClean="0"/>
-              <a:t>를 알게되면 문제를 풀 수 있는 모델을 도입</a:t>
+            <a:pPr lvl="2"/>
+            <a:r>
+              <a:rPr kumimoji="1" lang="ko-KR" altLang="en-US" dirty="0" smtClean="0"/>
+              <a:t>즉</a:t>
+            </a:r>
+            <a:r>
+              <a:rPr kumimoji="1" lang="en-US" altLang="ko-KR" dirty="0" smtClean="0"/>
+              <a:t>,</a:t>
+            </a:r>
+            <a:r>
+              <a:rPr kumimoji="1" lang="ko-KR" altLang="en-US" dirty="0" smtClean="0"/>
+              <a:t> 어떤 모델을 설계할 때 </a:t>
+            </a:r>
+            <a:r>
+              <a:rPr kumimoji="1" lang="en-US" altLang="ko-KR" dirty="0" smtClean="0"/>
+              <a:t>Z </a:t>
+            </a:r>
+            <a:r>
+              <a:rPr kumimoji="1" lang="ko-KR" altLang="en-US" dirty="0" smtClean="0"/>
+              <a:t>가 알려지는 경우 우리가 잘 아는 분포로 도식화 가능하다고 생각되는 모델을 도입하게 된다</a:t>
             </a:r>
             <a:r>
               <a:rPr kumimoji="1" lang="en-US" altLang="ko-KR" dirty="0" smtClean="0"/>
               <a:t>.</a:t>
             </a:r>
-          </a:p>
-          <a:p>
-            <a:pPr lvl="1"/>
-            <a:r>
-              <a:rPr kumimoji="1" lang="ko-KR" altLang="en-US" dirty="0" smtClean="0"/>
-              <a:t>하지만 실제로 </a:t>
-            </a:r>
-            <a:r>
-              <a:rPr kumimoji="1" lang="en-US" altLang="ko-KR" dirty="0" smtClean="0"/>
-              <a:t>z </a:t>
-            </a:r>
-            <a:r>
-              <a:rPr kumimoji="1" lang="ko-KR" altLang="en-US" dirty="0" smtClean="0"/>
-              <a:t>를 알 방법은 없음</a:t>
-            </a:r>
-            <a:r>
-              <a:rPr kumimoji="1" lang="en-US" altLang="ko-KR" dirty="0" smtClean="0"/>
-              <a:t>.</a:t>
-            </a:r>
-          </a:p>
-          <a:p>
-            <a:pPr lvl="1"/>
-            <a:r>
-              <a:rPr kumimoji="1" lang="ko-KR" altLang="en-US" dirty="0" smtClean="0"/>
-              <a:t>그래서 적당한 </a:t>
-            </a:r>
-            <a:r>
-              <a:rPr kumimoji="1" lang="en-US" altLang="ko-KR" dirty="0" smtClean="0"/>
-              <a:t>z</a:t>
-            </a:r>
-            <a:r>
-              <a:rPr kumimoji="1" lang="ko-KR" altLang="en-US" dirty="0" smtClean="0"/>
-              <a:t>를 추정하는 문제로 하여 반복하여 에러를 최소화하는 문제로 풀이</a:t>
-            </a:r>
-            <a:endParaRPr kumimoji="1" lang="ko-KR" altLang="en-US" dirty="0"/>
+            <a:r>
+              <a:rPr kumimoji="1" lang="ko-KR" altLang="en-US" dirty="0" smtClean="0"/>
+              <a:t> </a:t>
+            </a:r>
+            <a:r>
+              <a:rPr kumimoji="1" lang="en-US" altLang="ko-KR" dirty="0" smtClean="0"/>
+              <a:t>(GMM</a:t>
+            </a:r>
+            <a:r>
+              <a:rPr kumimoji="1" lang="ko-KR" altLang="en-US" dirty="0" smtClean="0"/>
+              <a:t>같은</a:t>
+            </a:r>
+            <a:r>
+              <a:rPr kumimoji="1" lang="en-US" altLang="ko-KR" dirty="0" smtClean="0"/>
+              <a:t>)</a:t>
+            </a:r>
           </a:p>
         </p:txBody>
       </p:sp>
+      <p:pic>
+        <p:nvPicPr>
+          <p:cNvPr id="4" name="그림 3"/>
+          <p:cNvPicPr>
+            <a:picLocks noChangeAspect="1"/>
+          </p:cNvPicPr>
+          <p:nvPr/>
+        </p:nvPicPr>
+        <p:blipFill>
+          <a:blip r:embed="rId2"/>
+          <a:stretch>
+            <a:fillRect/>
+          </a:stretch>
+        </p:blipFill>
+        <p:spPr>
+          <a:xfrm>
+            <a:off x="4324280" y="5613063"/>
+            <a:ext cx="2629676" cy="855968"/>
+          </a:xfrm>
+          <a:prstGeom prst="rect">
+            <a:avLst/>
+          </a:prstGeom>
+        </p:spPr>
+      </p:pic>
     </p:spTree>
     <p:extLst>
       <p:ext uri="{BB962C8B-B14F-4D97-AF65-F5344CB8AC3E}">
-        <p14:creationId xmlns:p14="http://schemas.microsoft.com/office/powerpoint/2010/main" val="245353059"/>
+        <p14:creationId xmlns:p14="http://schemas.microsoft.com/office/powerpoint/2010/main" val="2040354725"/>
       </p:ext>
     </p:extLst>
   </p:cSld>
@@ -14479,6 +15134,207 @@
           <a:lstStyle/>
           <a:p>
             <a:r>
+              <a:rPr kumimoji="1" lang="en-US" altLang="ko-KR" dirty="0" smtClean="0"/>
+              <a:t>EM </a:t>
+            </a:r>
+            <a:r>
+              <a:rPr kumimoji="1" lang="ko-KR" altLang="en-US" dirty="0" smtClean="0"/>
+              <a:t>알고리즘 정리</a:t>
+            </a:r>
+            <a:r>
+              <a:rPr kumimoji="1" lang="en-US" altLang="ko-KR" dirty="0" smtClean="0"/>
+              <a:t>.</a:t>
+            </a:r>
+            <a:endParaRPr kumimoji="1" lang="ko-KR" altLang="en-US" dirty="0"/>
+          </a:p>
+        </p:txBody>
+      </p:sp>
+      <p:sp>
+        <p:nvSpPr>
+          <p:cNvPr id="3" name="내용 개체 틀 2"/>
+          <p:cNvSpPr>
+            <a:spLocks noGrp="1"/>
+          </p:cNvSpPr>
+          <p:nvPr>
+            <p:ph idx="1"/>
+          </p:nvPr>
+        </p:nvSpPr>
+        <p:spPr/>
+        <p:txBody>
+          <a:bodyPr/>
+          <a:lstStyle/>
+          <a:p>
+            <a:r>
+              <a:rPr kumimoji="1" lang="ko-KR" altLang="en-US" dirty="0" smtClean="0"/>
+              <a:t>사실은 </a:t>
+            </a:r>
+            <a:r>
+              <a:rPr kumimoji="1" lang="en-US" altLang="ko-KR" dirty="0" smtClean="0"/>
+              <a:t>EM </a:t>
+            </a:r>
+            <a:r>
+              <a:rPr kumimoji="1" lang="ko-KR" altLang="en-US" dirty="0" smtClean="0"/>
+              <a:t>알고리즘에 대한 충분한 이해가 선행되어야 한다</a:t>
+            </a:r>
+            <a:r>
+              <a:rPr kumimoji="1" lang="en-US" altLang="ko-KR" dirty="0" smtClean="0"/>
+              <a:t>.</a:t>
+            </a:r>
+          </a:p>
+          <a:p>
+            <a:pPr lvl="1"/>
+            <a:r>
+              <a:rPr kumimoji="1" lang="en-US" altLang="ko-KR" dirty="0" smtClean="0"/>
+              <a:t>MLE</a:t>
+            </a:r>
+            <a:r>
+              <a:rPr kumimoji="1" lang="ko-KR" altLang="en-US" dirty="0" smtClean="0"/>
+              <a:t> 문제도 좀 풀어보고 응용도 좀 풀어보고 해야 </a:t>
+            </a:r>
+            <a:r>
+              <a:rPr kumimoji="1" lang="en-US" altLang="ko-KR" dirty="0" smtClean="0"/>
+              <a:t>EM </a:t>
+            </a:r>
+            <a:r>
+              <a:rPr kumimoji="1" lang="ko-KR" altLang="en-US" dirty="0" smtClean="0"/>
+              <a:t>스타일에 적응할 수 있다</a:t>
+            </a:r>
+            <a:r>
+              <a:rPr kumimoji="1" lang="en-US" altLang="ko-KR" dirty="0" smtClean="0"/>
+              <a:t>.</a:t>
+            </a:r>
+          </a:p>
+          <a:p>
+            <a:pPr lvl="1"/>
+            <a:endParaRPr kumimoji="1" lang="en-US" altLang="ko-KR" dirty="0" smtClean="0"/>
+          </a:p>
+          <a:p>
+            <a:r>
+              <a:rPr kumimoji="1" lang="ko-KR" altLang="en-US" dirty="0" smtClean="0"/>
+              <a:t>하지만 여기서 그런 것을 다룰 수는 없지 않는가</a:t>
+            </a:r>
+            <a:r>
+              <a:rPr kumimoji="1" lang="en-US" altLang="ko-KR" dirty="0" smtClean="0"/>
+              <a:t>!!!</a:t>
+            </a:r>
+            <a:r>
+              <a:rPr kumimoji="1" lang="ko-KR" altLang="en-US" dirty="0" smtClean="0"/>
+              <a:t> 다음만 기억하자</a:t>
+            </a:r>
+            <a:r>
+              <a:rPr kumimoji="1" lang="en-US" altLang="ko-KR" dirty="0" smtClean="0"/>
+              <a:t>.</a:t>
+            </a:r>
+          </a:p>
+          <a:p>
+            <a:pPr lvl="1"/>
+            <a:r>
+              <a:rPr kumimoji="1" lang="ko-KR" altLang="en-US" dirty="0" smtClean="0"/>
+              <a:t>일단 </a:t>
+            </a:r>
+            <a:r>
+              <a:rPr kumimoji="1" lang="en-US" altLang="ko-KR" dirty="0" smtClean="0"/>
+              <a:t>z </a:t>
+            </a:r>
+            <a:r>
+              <a:rPr kumimoji="1" lang="ko-KR" altLang="en-US" dirty="0" smtClean="0"/>
+              <a:t>를 알게되면 문제를 풀 수 있는 모델을 도입</a:t>
+            </a:r>
+            <a:r>
+              <a:rPr kumimoji="1" lang="en-US" altLang="ko-KR" dirty="0" smtClean="0"/>
+              <a:t>.</a:t>
+            </a:r>
+          </a:p>
+          <a:p>
+            <a:pPr lvl="1"/>
+            <a:r>
+              <a:rPr kumimoji="1" lang="ko-KR" altLang="en-US" dirty="0" smtClean="0"/>
+              <a:t>하지만 실제로 </a:t>
+            </a:r>
+            <a:r>
+              <a:rPr kumimoji="1" lang="en-US" altLang="ko-KR" dirty="0" smtClean="0"/>
+              <a:t>z </a:t>
+            </a:r>
+            <a:r>
+              <a:rPr kumimoji="1" lang="ko-KR" altLang="en-US" dirty="0" smtClean="0"/>
+              <a:t>를 알 방법은 없음</a:t>
+            </a:r>
+            <a:r>
+              <a:rPr kumimoji="1" lang="en-US" altLang="ko-KR" dirty="0" smtClean="0"/>
+              <a:t>.</a:t>
+            </a:r>
+          </a:p>
+          <a:p>
+            <a:pPr lvl="1"/>
+            <a:r>
+              <a:rPr kumimoji="1" lang="ko-KR" altLang="en-US" dirty="0" smtClean="0"/>
+              <a:t>그래서 적당한 </a:t>
+            </a:r>
+            <a:r>
+              <a:rPr kumimoji="1" lang="en-US" altLang="ko-KR" dirty="0" smtClean="0"/>
+              <a:t>z</a:t>
+            </a:r>
+            <a:r>
+              <a:rPr kumimoji="1" lang="ko-KR" altLang="en-US" dirty="0" smtClean="0"/>
+              <a:t>를 추정하는 문제로 하여 반복하여 에러를 최소화하는 문제로 풀이</a:t>
+            </a:r>
+            <a:endParaRPr kumimoji="1" lang="ko-KR" altLang="en-US" dirty="0"/>
+          </a:p>
+        </p:txBody>
+      </p:sp>
+    </p:spTree>
+    <p:extLst>
+      <p:ext uri="{BB962C8B-B14F-4D97-AF65-F5344CB8AC3E}">
+        <p14:creationId xmlns:p14="http://schemas.microsoft.com/office/powerpoint/2010/main" val="245353059"/>
+      </p:ext>
+    </p:extLst>
+  </p:cSld>
+  <p:clrMapOvr>
+    <a:masterClrMapping/>
+  </p:clrMapOvr>
+  <p:timing>
+    <p:tnLst>
+      <p:par>
+        <p:cTn id="1" dur="indefinite" restart="never" nodeType="tmRoot"/>
+      </p:par>
+    </p:tnLst>
+  </p:timing>
+</p:sld>
+</file>
+
+<file path=ppt/slides/slide38.xml><?xml version="1.0" encoding="utf-8"?>
+<p:sld xmlns:a="http://schemas.openxmlformats.org/drawingml/2006/main" xmlns:r="http://schemas.openxmlformats.org/officeDocument/2006/relationships" xmlns:p="http://schemas.openxmlformats.org/presentationml/2006/main">
+  <p:cSld>
+    <p:spTree>
+      <p:nvGrpSpPr>
+        <p:cNvPr id="1" name=""/>
+        <p:cNvGrpSpPr/>
+        <p:nvPr/>
+      </p:nvGrpSpPr>
+      <p:grpSpPr>
+        <a:xfrm>
+          <a:off x="0" y="0"/>
+          <a:ext cx="0" cy="0"/>
+          <a:chOff x="0" y="0"/>
+          <a:chExt cx="0" cy="0"/>
+        </a:xfrm>
+      </p:grpSpPr>
+      <p:sp>
+        <p:nvSpPr>
+          <p:cNvPr id="2" name="제목 1"/>
+          <p:cNvSpPr>
+            <a:spLocks noGrp="1"/>
+          </p:cNvSpPr>
+          <p:nvPr>
+            <p:ph type="title"/>
+          </p:nvPr>
+        </p:nvSpPr>
+        <p:spPr/>
+        <p:txBody>
+          <a:bodyPr/>
+          <a:lstStyle/>
+          <a:p>
+            <a:r>
               <a:rPr kumimoji="1" lang="en-US" altLang="ko-KR" dirty="0"/>
               <a:t>EM </a:t>
             </a:r>
@@ -14779,7 +15635,7 @@
 </p:sld>
 </file>
 
-<file path=ppt/slides/slide38.xml><?xml version="1.0" encoding="utf-8"?>
+<file path=ppt/slides/slide39.xml><?xml version="1.0" encoding="utf-8"?>
 <p:sld xmlns:a="http://schemas.openxmlformats.org/drawingml/2006/main" xmlns:r="http://schemas.openxmlformats.org/officeDocument/2006/relationships" xmlns:p="http://schemas.openxmlformats.org/presentationml/2006/main">
   <p:cSld>
     <p:spTree>
@@ -14823,243 +15679,6 @@
     <p:extLst>
       <p:ext uri="{BB962C8B-B14F-4D97-AF65-F5344CB8AC3E}">
         <p14:creationId xmlns:p14="http://schemas.microsoft.com/office/powerpoint/2010/main" val="1466048721"/>
-      </p:ext>
-    </p:extLst>
-  </p:cSld>
-  <p:clrMapOvr>
-    <a:masterClrMapping/>
-  </p:clrMapOvr>
-</p:sld>
-</file>
-
-<file path=ppt/slides/slide39.xml><?xml version="1.0" encoding="utf-8"?>
-<p:sld xmlns:a="http://schemas.openxmlformats.org/drawingml/2006/main" xmlns:r="http://schemas.openxmlformats.org/officeDocument/2006/relationships" xmlns:p="http://schemas.openxmlformats.org/presentationml/2006/main">
-  <p:cSld>
-    <p:spTree>
-      <p:nvGrpSpPr>
-        <p:cNvPr id="1" name=""/>
-        <p:cNvGrpSpPr/>
-        <p:nvPr/>
-      </p:nvGrpSpPr>
-      <p:grpSpPr>
-        <a:xfrm>
-          <a:off x="0" y="0"/>
-          <a:ext cx="0" cy="0"/>
-          <a:chOff x="0" y="0"/>
-          <a:chExt cx="0" cy="0"/>
-        </a:xfrm>
-      </p:grpSpPr>
-      <p:sp>
-        <p:nvSpPr>
-          <p:cNvPr id="2" name="제목 1"/>
-          <p:cNvSpPr>
-            <a:spLocks noGrp="1"/>
-          </p:cNvSpPr>
-          <p:nvPr>
-            <p:ph type="title"/>
-          </p:nvPr>
-        </p:nvSpPr>
-        <p:spPr/>
-        <p:txBody>
-          <a:bodyPr/>
-          <a:lstStyle/>
-          <a:p>
-            <a:r>
-              <a:rPr kumimoji="1" lang="en-US" altLang="ko-KR" dirty="0" smtClean="0"/>
-              <a:t>q(z)</a:t>
-            </a:r>
-            <a:r>
-              <a:rPr kumimoji="1" lang="ko-KR" altLang="en-US" dirty="0" smtClean="0"/>
-              <a:t>의 도입</a:t>
-            </a:r>
-            <a:endParaRPr kumimoji="1" lang="ko-KR" altLang="en-US" dirty="0"/>
-          </a:p>
-        </p:txBody>
-      </p:sp>
-      <p:sp>
-        <p:nvSpPr>
-          <p:cNvPr id="3" name="내용 개체 틀 2"/>
-          <p:cNvSpPr>
-            <a:spLocks noGrp="1"/>
-          </p:cNvSpPr>
-          <p:nvPr>
-            <p:ph idx="1"/>
-          </p:nvPr>
-        </p:nvSpPr>
-        <p:spPr>
-          <a:xfrm>
-            <a:off x="838200" y="1905801"/>
-            <a:ext cx="10515600" cy="1932421"/>
-          </a:xfrm>
-        </p:spPr>
-        <p:txBody>
-          <a:bodyPr>
-            <a:normAutofit fontScale="77500" lnSpcReduction="20000"/>
-          </a:bodyPr>
-          <a:lstStyle/>
-          <a:p>
-            <a:r>
-              <a:rPr kumimoji="1" lang="ko-KR" altLang="en-US" dirty="0" smtClean="0"/>
-              <a:t>이제 </a:t>
-            </a:r>
-            <a:r>
-              <a:rPr kumimoji="1" lang="en-US" altLang="ko-KR" dirty="0" smtClean="0"/>
-              <a:t>VI </a:t>
-            </a:r>
-            <a:r>
-              <a:rPr kumimoji="1" lang="ko-KR" altLang="en-US" dirty="0" smtClean="0"/>
-              <a:t>에서 무척이나 자주 등장하는 </a:t>
-            </a:r>
-            <a:r>
-              <a:rPr kumimoji="1" lang="en-US" altLang="ko-KR" dirty="0" smtClean="0"/>
-              <a:t>q(z)</a:t>
-            </a:r>
-            <a:r>
-              <a:rPr kumimoji="1" lang="ko-KR" altLang="en-US" dirty="0" smtClean="0"/>
-              <a:t>를 살펴보자</a:t>
-            </a:r>
-            <a:r>
-              <a:rPr kumimoji="1" lang="en-US" altLang="ko-KR" dirty="0" smtClean="0"/>
-              <a:t>.</a:t>
-            </a:r>
-          </a:p>
-          <a:p>
-            <a:endParaRPr kumimoji="1" lang="en-US" altLang="ko-KR" dirty="0"/>
-          </a:p>
-          <a:p>
-            <a:r>
-              <a:rPr kumimoji="1" lang="ko-KR" altLang="en-US" dirty="0" smtClean="0"/>
-              <a:t>정의는 그냥 너무 황당한데 앞서 보았던 </a:t>
-            </a:r>
-            <a:r>
-              <a:rPr kumimoji="1" lang="en-US" altLang="ko-KR" dirty="0" smtClean="0"/>
-              <a:t>z </a:t>
-            </a:r>
-            <a:r>
-              <a:rPr kumimoji="1" lang="ko-KR" altLang="en-US" dirty="0" smtClean="0"/>
-              <a:t>와 관련된 그냥 어떤 함수 </a:t>
-            </a:r>
-            <a:r>
-              <a:rPr kumimoji="1" lang="en-US" altLang="ko-KR" dirty="0" smtClean="0"/>
-              <a:t>q() </a:t>
-            </a:r>
-            <a:r>
-              <a:rPr kumimoji="1" lang="ko-KR" altLang="en-US" dirty="0" smtClean="0"/>
-              <a:t>다</a:t>
-            </a:r>
-            <a:r>
-              <a:rPr kumimoji="1" lang="en-US" altLang="ko-KR" dirty="0" smtClean="0"/>
-              <a:t>.</a:t>
-            </a:r>
-          </a:p>
-          <a:p>
-            <a:endParaRPr kumimoji="1" lang="en-US" altLang="ko-KR" dirty="0"/>
-          </a:p>
-          <a:p>
-            <a:r>
-              <a:rPr kumimoji="1" lang="ko-KR" altLang="en-US" dirty="0" smtClean="0"/>
-              <a:t>그냥 </a:t>
-            </a:r>
-            <a:r>
-              <a:rPr kumimoji="1" lang="en-US" altLang="ko-KR" dirty="0" smtClean="0"/>
-              <a:t>z</a:t>
-            </a:r>
-            <a:r>
-              <a:rPr kumimoji="1" lang="ko-KR" altLang="en-US" dirty="0" smtClean="0"/>
-              <a:t>와 관련된 어떤 함수가 </a:t>
-            </a:r>
-            <a:r>
-              <a:rPr kumimoji="1" lang="en-US" altLang="ko-KR" dirty="0" smtClean="0"/>
-              <a:t>q(z)</a:t>
-            </a:r>
-            <a:r>
-              <a:rPr kumimoji="1" lang="ko-KR" altLang="en-US" dirty="0" smtClean="0"/>
-              <a:t>가 존재한다고 할 때 앞선 식을 다음과 같이 전개 가능하다</a:t>
-            </a:r>
-            <a:r>
-              <a:rPr kumimoji="1" lang="en-US" altLang="ko-KR" dirty="0" smtClean="0"/>
-              <a:t>.</a:t>
-            </a:r>
-            <a:endParaRPr kumimoji="1" lang="ko-KR" altLang="en-US" dirty="0"/>
-          </a:p>
-        </p:txBody>
-      </p:sp>
-      <p:pic>
-        <p:nvPicPr>
-          <p:cNvPr id="4" name="그림 3"/>
-          <p:cNvPicPr>
-            <a:picLocks noChangeAspect="1"/>
-          </p:cNvPicPr>
-          <p:nvPr/>
-        </p:nvPicPr>
-        <p:blipFill>
-          <a:blip r:embed="rId2"/>
-          <a:stretch>
-            <a:fillRect/>
-          </a:stretch>
-        </p:blipFill>
-        <p:spPr>
-          <a:xfrm>
-            <a:off x="7679619" y="4721089"/>
-            <a:ext cx="2780756" cy="907405"/>
-          </a:xfrm>
-          <a:prstGeom prst="rect">
-            <a:avLst/>
-          </a:prstGeom>
-        </p:spPr>
-      </p:pic>
-      <p:pic>
-        <p:nvPicPr>
-          <p:cNvPr id="5" name="그림 4"/>
-          <p:cNvPicPr>
-            <a:picLocks noChangeAspect="1"/>
-          </p:cNvPicPr>
-          <p:nvPr/>
-        </p:nvPicPr>
-        <p:blipFill>
-          <a:blip r:embed="rId3"/>
-          <a:stretch>
-            <a:fillRect/>
-          </a:stretch>
-        </p:blipFill>
-        <p:spPr>
-          <a:xfrm>
-            <a:off x="1313244" y="3977435"/>
-            <a:ext cx="4023119" cy="593743"/>
-          </a:xfrm>
-          <a:prstGeom prst="rect">
-            <a:avLst/>
-          </a:prstGeom>
-        </p:spPr>
-      </p:pic>
-      <p:pic>
-        <p:nvPicPr>
-          <p:cNvPr id="6" name="그림 5"/>
-          <p:cNvPicPr>
-            <a:picLocks noChangeAspect="1"/>
-          </p:cNvPicPr>
-          <p:nvPr/>
-        </p:nvPicPr>
-        <p:blipFill>
-          <a:blip r:embed="rId4"/>
-          <a:stretch>
-            <a:fillRect/>
-          </a:stretch>
-        </p:blipFill>
-        <p:spPr>
-          <a:xfrm>
-            <a:off x="1776088" y="4721089"/>
-            <a:ext cx="3957584" cy="1548620"/>
-          </a:xfrm>
-          <a:prstGeom prst="rect">
-            <a:avLst/>
-          </a:prstGeom>
-        </p:spPr>
-      </p:pic>
-    </p:spTree>
-    <p:extLst>
-      <p:ext uri="{BB962C8B-B14F-4D97-AF65-F5344CB8AC3E}">
-        <p14:creationId xmlns:p14="http://schemas.microsoft.com/office/powerpoint/2010/main" val="1944541516"/>
       </p:ext>
     </p:extLst>
   </p:cSld>
@@ -15433,6 +16052,243 @@
 </file>
 
 <file path=ppt/slides/slide40.xml><?xml version="1.0" encoding="utf-8"?>
+<p:sld xmlns:a="http://schemas.openxmlformats.org/drawingml/2006/main" xmlns:r="http://schemas.openxmlformats.org/officeDocument/2006/relationships" xmlns:p="http://schemas.openxmlformats.org/presentationml/2006/main">
+  <p:cSld>
+    <p:spTree>
+      <p:nvGrpSpPr>
+        <p:cNvPr id="1" name=""/>
+        <p:cNvGrpSpPr/>
+        <p:nvPr/>
+      </p:nvGrpSpPr>
+      <p:grpSpPr>
+        <a:xfrm>
+          <a:off x="0" y="0"/>
+          <a:ext cx="0" cy="0"/>
+          <a:chOff x="0" y="0"/>
+          <a:chExt cx="0" cy="0"/>
+        </a:xfrm>
+      </p:grpSpPr>
+      <p:sp>
+        <p:nvSpPr>
+          <p:cNvPr id="2" name="제목 1"/>
+          <p:cNvSpPr>
+            <a:spLocks noGrp="1"/>
+          </p:cNvSpPr>
+          <p:nvPr>
+            <p:ph type="title"/>
+          </p:nvPr>
+        </p:nvSpPr>
+        <p:spPr/>
+        <p:txBody>
+          <a:bodyPr/>
+          <a:lstStyle/>
+          <a:p>
+            <a:r>
+              <a:rPr kumimoji="1" lang="en-US" altLang="ko-KR" dirty="0" smtClean="0"/>
+              <a:t>q(z)</a:t>
+            </a:r>
+            <a:r>
+              <a:rPr kumimoji="1" lang="ko-KR" altLang="en-US" dirty="0" smtClean="0"/>
+              <a:t>의 도입</a:t>
+            </a:r>
+            <a:endParaRPr kumimoji="1" lang="ko-KR" altLang="en-US" dirty="0"/>
+          </a:p>
+        </p:txBody>
+      </p:sp>
+      <p:sp>
+        <p:nvSpPr>
+          <p:cNvPr id="3" name="내용 개체 틀 2"/>
+          <p:cNvSpPr>
+            <a:spLocks noGrp="1"/>
+          </p:cNvSpPr>
+          <p:nvPr>
+            <p:ph idx="1"/>
+          </p:nvPr>
+        </p:nvSpPr>
+        <p:spPr>
+          <a:xfrm>
+            <a:off x="838200" y="1905801"/>
+            <a:ext cx="10515600" cy="1932421"/>
+          </a:xfrm>
+        </p:spPr>
+        <p:txBody>
+          <a:bodyPr>
+            <a:normAutofit fontScale="77500" lnSpcReduction="20000"/>
+          </a:bodyPr>
+          <a:lstStyle/>
+          <a:p>
+            <a:r>
+              <a:rPr kumimoji="1" lang="ko-KR" altLang="en-US" dirty="0" smtClean="0"/>
+              <a:t>이제 </a:t>
+            </a:r>
+            <a:r>
+              <a:rPr kumimoji="1" lang="en-US" altLang="ko-KR" dirty="0" smtClean="0"/>
+              <a:t>VI </a:t>
+            </a:r>
+            <a:r>
+              <a:rPr kumimoji="1" lang="ko-KR" altLang="en-US" dirty="0" smtClean="0"/>
+              <a:t>에서 무척이나 자주 등장하는 </a:t>
+            </a:r>
+            <a:r>
+              <a:rPr kumimoji="1" lang="en-US" altLang="ko-KR" dirty="0" smtClean="0"/>
+              <a:t>q(z)</a:t>
+            </a:r>
+            <a:r>
+              <a:rPr kumimoji="1" lang="ko-KR" altLang="en-US" dirty="0" smtClean="0"/>
+              <a:t>를 살펴보자</a:t>
+            </a:r>
+            <a:r>
+              <a:rPr kumimoji="1" lang="en-US" altLang="ko-KR" dirty="0" smtClean="0"/>
+              <a:t>.</a:t>
+            </a:r>
+          </a:p>
+          <a:p>
+            <a:endParaRPr kumimoji="1" lang="en-US" altLang="ko-KR" dirty="0"/>
+          </a:p>
+          <a:p>
+            <a:r>
+              <a:rPr kumimoji="1" lang="ko-KR" altLang="en-US" dirty="0" smtClean="0"/>
+              <a:t>정의는 그냥 너무 황당한데 앞서 보았던 </a:t>
+            </a:r>
+            <a:r>
+              <a:rPr kumimoji="1" lang="en-US" altLang="ko-KR" dirty="0" smtClean="0"/>
+              <a:t>z </a:t>
+            </a:r>
+            <a:r>
+              <a:rPr kumimoji="1" lang="ko-KR" altLang="en-US" dirty="0" smtClean="0"/>
+              <a:t>와 관련된 그냥 어떤 함수 </a:t>
+            </a:r>
+            <a:r>
+              <a:rPr kumimoji="1" lang="en-US" altLang="ko-KR" dirty="0" smtClean="0"/>
+              <a:t>q() </a:t>
+            </a:r>
+            <a:r>
+              <a:rPr kumimoji="1" lang="ko-KR" altLang="en-US" dirty="0" smtClean="0"/>
+              <a:t>다</a:t>
+            </a:r>
+            <a:r>
+              <a:rPr kumimoji="1" lang="en-US" altLang="ko-KR" dirty="0" smtClean="0"/>
+              <a:t>.</a:t>
+            </a:r>
+          </a:p>
+          <a:p>
+            <a:endParaRPr kumimoji="1" lang="en-US" altLang="ko-KR" dirty="0"/>
+          </a:p>
+          <a:p>
+            <a:r>
+              <a:rPr kumimoji="1" lang="ko-KR" altLang="en-US" dirty="0" smtClean="0"/>
+              <a:t>그냥 </a:t>
+            </a:r>
+            <a:r>
+              <a:rPr kumimoji="1" lang="en-US" altLang="ko-KR" dirty="0" smtClean="0"/>
+              <a:t>z</a:t>
+            </a:r>
+            <a:r>
+              <a:rPr kumimoji="1" lang="ko-KR" altLang="en-US" dirty="0" smtClean="0"/>
+              <a:t>와 관련된 어떤 함수가 </a:t>
+            </a:r>
+            <a:r>
+              <a:rPr kumimoji="1" lang="en-US" altLang="ko-KR" dirty="0" smtClean="0"/>
+              <a:t>q(z)</a:t>
+            </a:r>
+            <a:r>
+              <a:rPr kumimoji="1" lang="ko-KR" altLang="en-US" dirty="0" smtClean="0"/>
+              <a:t>가 존재한다고 할 때 앞선 식을 다음과 같이 전개 가능하다</a:t>
+            </a:r>
+            <a:r>
+              <a:rPr kumimoji="1" lang="en-US" altLang="ko-KR" dirty="0" smtClean="0"/>
+              <a:t>.</a:t>
+            </a:r>
+            <a:endParaRPr kumimoji="1" lang="ko-KR" altLang="en-US" dirty="0"/>
+          </a:p>
+        </p:txBody>
+      </p:sp>
+      <p:pic>
+        <p:nvPicPr>
+          <p:cNvPr id="4" name="그림 3"/>
+          <p:cNvPicPr>
+            <a:picLocks noChangeAspect="1"/>
+          </p:cNvPicPr>
+          <p:nvPr/>
+        </p:nvPicPr>
+        <p:blipFill>
+          <a:blip r:embed="rId2"/>
+          <a:stretch>
+            <a:fillRect/>
+          </a:stretch>
+        </p:blipFill>
+        <p:spPr>
+          <a:xfrm>
+            <a:off x="7679619" y="4721089"/>
+            <a:ext cx="2780756" cy="907405"/>
+          </a:xfrm>
+          <a:prstGeom prst="rect">
+            <a:avLst/>
+          </a:prstGeom>
+        </p:spPr>
+      </p:pic>
+      <p:pic>
+        <p:nvPicPr>
+          <p:cNvPr id="5" name="그림 4"/>
+          <p:cNvPicPr>
+            <a:picLocks noChangeAspect="1"/>
+          </p:cNvPicPr>
+          <p:nvPr/>
+        </p:nvPicPr>
+        <p:blipFill>
+          <a:blip r:embed="rId3"/>
+          <a:stretch>
+            <a:fillRect/>
+          </a:stretch>
+        </p:blipFill>
+        <p:spPr>
+          <a:xfrm>
+            <a:off x="1313244" y="3977435"/>
+            <a:ext cx="4023119" cy="593743"/>
+          </a:xfrm>
+          <a:prstGeom prst="rect">
+            <a:avLst/>
+          </a:prstGeom>
+        </p:spPr>
+      </p:pic>
+      <p:pic>
+        <p:nvPicPr>
+          <p:cNvPr id="6" name="그림 5"/>
+          <p:cNvPicPr>
+            <a:picLocks noChangeAspect="1"/>
+          </p:cNvPicPr>
+          <p:nvPr/>
+        </p:nvPicPr>
+        <p:blipFill>
+          <a:blip r:embed="rId4"/>
+          <a:stretch>
+            <a:fillRect/>
+          </a:stretch>
+        </p:blipFill>
+        <p:spPr>
+          <a:xfrm>
+            <a:off x="1776088" y="4721089"/>
+            <a:ext cx="3957584" cy="1548620"/>
+          </a:xfrm>
+          <a:prstGeom prst="rect">
+            <a:avLst/>
+          </a:prstGeom>
+        </p:spPr>
+      </p:pic>
+    </p:spTree>
+    <p:extLst>
+      <p:ext uri="{BB962C8B-B14F-4D97-AF65-F5344CB8AC3E}">
+        <p14:creationId xmlns:p14="http://schemas.microsoft.com/office/powerpoint/2010/main" val="1944541516"/>
+      </p:ext>
+    </p:extLst>
+  </p:cSld>
+  <p:clrMapOvr>
+    <a:masterClrMapping/>
+  </p:clrMapOvr>
+</p:sld>
+</file>
+
+<file path=ppt/slides/slide41.xml><?xml version="1.0" encoding="utf-8"?>
 <p:sld xmlns:a="http://schemas.openxmlformats.org/drawingml/2006/main" xmlns:r="http://schemas.openxmlformats.org/officeDocument/2006/relationships" xmlns:p="http://schemas.openxmlformats.org/presentationml/2006/main">
   <p:cSld>
     <p:spTree>
@@ -16190,7 +17046,7 @@
 </p:sld>
 </file>
 
-<file path=ppt/slides/slide41.xml><?xml version="1.0" encoding="utf-8"?>
+<file path=ppt/slides/slide42.xml><?xml version="1.0" encoding="utf-8"?>
 <p:sld xmlns:a="http://schemas.openxmlformats.org/drawingml/2006/main" xmlns:r="http://schemas.openxmlformats.org/officeDocument/2006/relationships" xmlns:p="http://schemas.openxmlformats.org/presentationml/2006/main">
   <p:cSld>
     <p:spTree>
@@ -16484,7 +17340,7 @@
 </p:sld>
 </file>
 
-<file path=ppt/slides/slide42.xml><?xml version="1.0" encoding="utf-8"?>
+<file path=ppt/slides/slide43.xml><?xml version="1.0" encoding="utf-8"?>
 <p:sld xmlns:a="http://schemas.openxmlformats.org/drawingml/2006/main" xmlns:r="http://schemas.openxmlformats.org/officeDocument/2006/relationships" xmlns:p="http://schemas.openxmlformats.org/presentationml/2006/main">
   <p:cSld>
     <p:spTree>
@@ -16854,7 +17710,7 @@
 </p:sld>
 </file>
 
-<file path=ppt/slides/slide43.xml><?xml version="1.0" encoding="utf-8"?>
+<file path=ppt/slides/slide44.xml><?xml version="1.0" encoding="utf-8"?>
 <p:sld xmlns:a="http://schemas.openxmlformats.org/drawingml/2006/main" xmlns:r="http://schemas.openxmlformats.org/officeDocument/2006/relationships" xmlns:p="http://schemas.openxmlformats.org/presentationml/2006/main">
   <p:cSld>
     <p:spTree>
@@ -16966,7 +17822,7 @@
 </p:sld>
 </file>
 
-<file path=ppt/slides/slide44.xml><?xml version="1.0" encoding="utf-8"?>
+<file path=ppt/slides/slide45.xml><?xml version="1.0" encoding="utf-8"?>
 <p:sld xmlns:a="http://schemas.openxmlformats.org/drawingml/2006/main" xmlns:r="http://schemas.openxmlformats.org/officeDocument/2006/relationships" xmlns:p="http://schemas.openxmlformats.org/presentationml/2006/main">
   <p:cSld>
     <p:spTree>
@@ -17621,7 +18477,7 @@
 </p:sld>
 </file>
 
-<file path=ppt/slides/slide45.xml><?xml version="1.0" encoding="utf-8"?>
+<file path=ppt/slides/slide46.xml><?xml version="1.0" encoding="utf-8"?>
 <p:sld xmlns:a="http://schemas.openxmlformats.org/drawingml/2006/main" xmlns:r="http://schemas.openxmlformats.org/officeDocument/2006/relationships" xmlns:p="http://schemas.openxmlformats.org/presentationml/2006/main">
   <p:cSld>
     <p:spTree>
@@ -17911,7 +18767,7 @@
 </p:sld>
 </file>
 
-<file path=ppt/slides/slide46.xml><?xml version="1.0" encoding="utf-8"?>
+<file path=ppt/slides/slide47.xml><?xml version="1.0" encoding="utf-8"?>
 <p:sld xmlns:a="http://schemas.openxmlformats.org/drawingml/2006/main" xmlns:r="http://schemas.openxmlformats.org/officeDocument/2006/relationships" xmlns:p="http://schemas.openxmlformats.org/presentationml/2006/main">
   <p:cSld>
     <p:spTree>
@@ -18353,7 +19209,7 @@
 </p:sld>
 </file>
 
-<file path=ppt/slides/slide47.xml><?xml version="1.0" encoding="utf-8"?>
+<file path=ppt/slides/slide48.xml><?xml version="1.0" encoding="utf-8"?>
 <p:sld xmlns:a="http://schemas.openxmlformats.org/drawingml/2006/main" xmlns:r="http://schemas.openxmlformats.org/officeDocument/2006/relationships" xmlns:p="http://schemas.openxmlformats.org/presentationml/2006/main">
   <p:cSld>
     <p:spTree>
@@ -18896,7 +19752,7 @@
 </p:sld>
 </file>
 
-<file path=ppt/slides/slide48.xml><?xml version="1.0" encoding="utf-8"?>
+<file path=ppt/slides/slide49.xml><?xml version="1.0" encoding="utf-8"?>
 <p:sld xmlns:a="http://schemas.openxmlformats.org/drawingml/2006/main" xmlns:r="http://schemas.openxmlformats.org/officeDocument/2006/relationships" xmlns:p="http://schemas.openxmlformats.org/presentationml/2006/main">
   <p:cSld>
     <p:spTree>
@@ -18957,7 +19813,7 @@
           <a:p>
             <a:r>
               <a:rPr kumimoji="1" lang="ko-KR" altLang="en-US" dirty="0" smtClean="0"/>
-              <a:t>이제 시작입니다</a:t>
+              <a:t>이제 진짜 시작입니다</a:t>
             </a:r>
             <a:r>
               <a:rPr kumimoji="1" lang="en-US" altLang="ko-KR" dirty="0" smtClean="0"/>
@@ -18971,202 +19827,6 @@
     <p:extLst>
       <p:ext uri="{BB962C8B-B14F-4D97-AF65-F5344CB8AC3E}">
         <p14:creationId xmlns:p14="http://schemas.microsoft.com/office/powerpoint/2010/main" val="884040754"/>
-      </p:ext>
-    </p:extLst>
-  </p:cSld>
-  <p:clrMapOvr>
-    <a:masterClrMapping/>
-  </p:clrMapOvr>
-</p:sld>
-</file>
-
-<file path=ppt/slides/slide49.xml><?xml version="1.0" encoding="utf-8"?>
-<p:sld xmlns:a="http://schemas.openxmlformats.org/drawingml/2006/main" xmlns:r="http://schemas.openxmlformats.org/officeDocument/2006/relationships" xmlns:p="http://schemas.openxmlformats.org/presentationml/2006/main">
-  <p:cSld>
-    <p:spTree>
-      <p:nvGrpSpPr>
-        <p:cNvPr id="1" name=""/>
-        <p:cNvGrpSpPr/>
-        <p:nvPr/>
-      </p:nvGrpSpPr>
-      <p:grpSpPr>
-        <a:xfrm>
-          <a:off x="0" y="0"/>
-          <a:ext cx="0" cy="0"/>
-          <a:chOff x="0" y="0"/>
-          <a:chExt cx="0" cy="0"/>
-        </a:xfrm>
-      </p:grpSpPr>
-      <p:sp>
-        <p:nvSpPr>
-          <p:cNvPr id="4" name="제목 3"/>
-          <p:cNvSpPr>
-            <a:spLocks noGrp="1"/>
-          </p:cNvSpPr>
-          <p:nvPr>
-            <p:ph type="title"/>
-          </p:nvPr>
-        </p:nvSpPr>
-        <p:spPr/>
-        <p:txBody>
-          <a:bodyPr/>
-          <a:lstStyle/>
-          <a:p>
-            <a:r>
-              <a:rPr kumimoji="1" lang="ko-KR" altLang="en-US" dirty="0" smtClean="0"/>
-              <a:t>변분법 </a:t>
-            </a:r>
-            <a:r>
-              <a:rPr kumimoji="1" lang="en-US" altLang="ko-KR" dirty="0" smtClean="0"/>
-              <a:t>(</a:t>
-            </a:r>
-            <a:r>
-              <a:rPr kumimoji="1" lang="en-US" altLang="ko-KR" dirty="0" err="1" smtClean="0"/>
-              <a:t>Variational</a:t>
-            </a:r>
-            <a:r>
-              <a:rPr kumimoji="1" lang="en-US" altLang="ko-KR" dirty="0" smtClean="0"/>
-              <a:t> Method)</a:t>
-            </a:r>
-            <a:endParaRPr kumimoji="1" lang="ko-KR" altLang="en-US" dirty="0"/>
-          </a:p>
-        </p:txBody>
-      </p:sp>
-      <p:sp>
-        <p:nvSpPr>
-          <p:cNvPr id="5" name="내용 개체 틀 4"/>
-          <p:cNvSpPr>
-            <a:spLocks noGrp="1"/>
-          </p:cNvSpPr>
-          <p:nvPr>
-            <p:ph idx="1"/>
-          </p:nvPr>
-        </p:nvSpPr>
-        <p:spPr/>
-        <p:txBody>
-          <a:bodyPr>
-            <a:normAutofit fontScale="92500" lnSpcReduction="20000"/>
-          </a:bodyPr>
-          <a:lstStyle/>
-          <a:p>
-            <a:r>
-              <a:rPr kumimoji="1" lang="ko-KR" altLang="en-US" dirty="0" smtClean="0"/>
-              <a:t>변분법은 오일러와 라그랑지안의 변분 이론에서 출발</a:t>
-            </a:r>
-            <a:endParaRPr kumimoji="1" lang="en-US" altLang="ko-KR" dirty="0" smtClean="0"/>
-          </a:p>
-          <a:p>
-            <a:pPr lvl="1"/>
-            <a:r>
-              <a:rPr kumimoji="1" lang="ko-KR" altLang="en-US" dirty="0" smtClean="0"/>
-              <a:t>보통 함수는 실수를 입력받아 실수를 반환하게 되는데</a:t>
-            </a:r>
-            <a:r>
-              <a:rPr kumimoji="1" lang="en-US" altLang="ko-KR" dirty="0" smtClean="0"/>
-              <a:t>,</a:t>
-            </a:r>
-          </a:p>
-          <a:p>
-            <a:pPr lvl="1"/>
-            <a:r>
-              <a:rPr kumimoji="1" lang="ko-KR" altLang="en-US" dirty="0" smtClean="0"/>
-              <a:t>범함수</a:t>
-            </a:r>
-            <a:r>
-              <a:rPr kumimoji="1" lang="en-US" altLang="ko-KR" dirty="0" smtClean="0"/>
-              <a:t>(functional)</a:t>
-            </a:r>
-            <a:r>
-              <a:rPr kumimoji="1" lang="ko-KR" altLang="en-US" dirty="0" smtClean="0"/>
-              <a:t>는 함수를 입력받아 실수를 내어준다</a:t>
-            </a:r>
-            <a:r>
-              <a:rPr kumimoji="1" lang="en-US" altLang="ko-KR" dirty="0" smtClean="0"/>
-              <a:t>.</a:t>
-            </a:r>
-          </a:p>
-          <a:p>
-            <a:pPr lvl="1"/>
-            <a:r>
-              <a:rPr kumimoji="1" lang="ko-KR" altLang="en-US" dirty="0" smtClean="0"/>
-              <a:t>이 때 범함수를 최소화하는 입력 함수를 결정짓는 문제</a:t>
-            </a:r>
-            <a:endParaRPr kumimoji="1" lang="en-US" altLang="ko-KR" dirty="0" smtClean="0"/>
-          </a:p>
-          <a:p>
-            <a:pPr lvl="1"/>
-            <a:endParaRPr kumimoji="1" lang="en-US" altLang="ko-KR" dirty="0" smtClean="0"/>
-          </a:p>
-          <a:p>
-            <a:r>
-              <a:rPr kumimoji="1" lang="ko-KR" altLang="en-US" dirty="0" smtClean="0"/>
-              <a:t>변분법 자체는 근사 기법이 아니다</a:t>
-            </a:r>
-            <a:r>
-              <a:rPr kumimoji="1" lang="en-US" altLang="ko-KR" dirty="0" smtClean="0"/>
-              <a:t>.</a:t>
-            </a:r>
-          </a:p>
-          <a:p>
-            <a:pPr lvl="1"/>
-            <a:r>
-              <a:rPr kumimoji="1" lang="ko-KR" altLang="en-US" dirty="0" smtClean="0"/>
-              <a:t>하지만 </a:t>
-            </a:r>
-            <a:r>
-              <a:rPr kumimoji="1" lang="en-US" altLang="ko-KR" dirty="0" smtClean="0"/>
-              <a:t>VI </a:t>
-            </a:r>
-            <a:r>
-              <a:rPr kumimoji="1" lang="ko-KR" altLang="en-US" dirty="0" smtClean="0"/>
-              <a:t>에서는 이런 함수를 고정된 형태로 제한하여 종국엔 함수를 근사하도록 함</a:t>
-            </a:r>
-            <a:r>
-              <a:rPr kumimoji="1" lang="en-US" altLang="ko-KR" dirty="0" smtClean="0"/>
-              <a:t>.</a:t>
-            </a:r>
-          </a:p>
-          <a:p>
-            <a:pPr lvl="1"/>
-            <a:r>
-              <a:rPr kumimoji="1" lang="ko-KR" altLang="en-US" dirty="0" smtClean="0"/>
-              <a:t>제한하는 함수 형태란</a:t>
-            </a:r>
-            <a:r>
-              <a:rPr kumimoji="1" lang="en-US" altLang="ko-KR" dirty="0" smtClean="0"/>
-              <a:t>?</a:t>
-            </a:r>
-          </a:p>
-          <a:p>
-            <a:pPr lvl="2"/>
-            <a:r>
-              <a:rPr kumimoji="1" lang="ko-KR" altLang="en-US" dirty="0" smtClean="0"/>
-              <a:t>이차함수</a:t>
-            </a:r>
-            <a:r>
-              <a:rPr kumimoji="1" lang="en-US" altLang="ko-KR" dirty="0" smtClean="0"/>
-              <a:t>(quadratic) or </a:t>
-            </a:r>
-            <a:r>
-              <a:rPr kumimoji="1" lang="ko-KR" altLang="en-US" dirty="0" smtClean="0"/>
-              <a:t>기저 함수를 포함한 선형 결합 </a:t>
-            </a:r>
-            <a:r>
-              <a:rPr kumimoji="1" lang="en-US" altLang="ko-KR" dirty="0" smtClean="0"/>
-              <a:t>or </a:t>
-            </a:r>
-            <a:r>
-              <a:rPr kumimoji="1" lang="ko-KR" altLang="en-US" dirty="0" smtClean="0"/>
-              <a:t>인수 분해</a:t>
-            </a:r>
-            <a:endParaRPr kumimoji="1" lang="ko-KR" altLang="en-US" dirty="0"/>
-          </a:p>
-        </p:txBody>
-      </p:sp>
-    </p:spTree>
-    <p:extLst>
-      <p:ext uri="{BB962C8B-B14F-4D97-AF65-F5344CB8AC3E}">
-        <p14:creationId xmlns:p14="http://schemas.microsoft.com/office/powerpoint/2010/main" val="2024787698"/>
       </p:ext>
     </p:extLst>
   </p:cSld>
@@ -19557,6 +20217,574 @@
       </p:grpSpPr>
       <p:sp>
         <p:nvSpPr>
+          <p:cNvPr id="4" name="제목 3"/>
+          <p:cNvSpPr>
+            <a:spLocks noGrp="1"/>
+          </p:cNvSpPr>
+          <p:nvPr>
+            <p:ph type="title"/>
+          </p:nvPr>
+        </p:nvSpPr>
+        <p:spPr/>
+        <p:txBody>
+          <a:bodyPr/>
+          <a:lstStyle/>
+          <a:p>
+            <a:r>
+              <a:rPr kumimoji="1" lang="ko-KR" altLang="en-US" dirty="0" smtClean="0"/>
+              <a:t>변분법 </a:t>
+            </a:r>
+            <a:r>
+              <a:rPr kumimoji="1" lang="en-US" altLang="ko-KR" dirty="0" smtClean="0"/>
+              <a:t>(</a:t>
+            </a:r>
+            <a:r>
+              <a:rPr kumimoji="1" lang="en-US" altLang="ko-KR" dirty="0" err="1" smtClean="0"/>
+              <a:t>Variational</a:t>
+            </a:r>
+            <a:r>
+              <a:rPr kumimoji="1" lang="en-US" altLang="ko-KR" dirty="0" smtClean="0"/>
+              <a:t> Method)</a:t>
+            </a:r>
+            <a:endParaRPr kumimoji="1" lang="ko-KR" altLang="en-US" dirty="0"/>
+          </a:p>
+        </p:txBody>
+      </p:sp>
+      <p:sp>
+        <p:nvSpPr>
+          <p:cNvPr id="5" name="내용 개체 틀 4"/>
+          <p:cNvSpPr>
+            <a:spLocks noGrp="1"/>
+          </p:cNvSpPr>
+          <p:nvPr>
+            <p:ph idx="1"/>
+          </p:nvPr>
+        </p:nvSpPr>
+        <p:spPr/>
+        <p:txBody>
+          <a:bodyPr>
+            <a:normAutofit fontScale="85000" lnSpcReduction="20000"/>
+          </a:bodyPr>
+          <a:lstStyle/>
+          <a:p>
+            <a:r>
+              <a:rPr kumimoji="1" lang="ko-KR" altLang="en-US" dirty="0" smtClean="0"/>
+              <a:t>변분법은 오일러와 라그랑지안의 변분 이론에서 출발</a:t>
+            </a:r>
+            <a:endParaRPr kumimoji="1" lang="en-US" altLang="ko-KR" dirty="0" smtClean="0"/>
+          </a:p>
+          <a:p>
+            <a:pPr lvl="1"/>
+            <a:r>
+              <a:rPr kumimoji="1" lang="ko-KR" altLang="en-US" dirty="0" smtClean="0"/>
+              <a:t>보통 함수는 실수를 입력받아 실수를 반환하게 되는데</a:t>
+            </a:r>
+            <a:r>
+              <a:rPr kumimoji="1" lang="en-US" altLang="ko-KR" dirty="0" smtClean="0"/>
+              <a:t>,</a:t>
+            </a:r>
+          </a:p>
+          <a:p>
+            <a:pPr lvl="1"/>
+            <a:r>
+              <a:rPr kumimoji="1" lang="ko-KR" altLang="en-US" dirty="0" smtClean="0"/>
+              <a:t>함수를 입력으로 받는 함수도 생각할 수 있다</a:t>
+            </a:r>
+            <a:r>
+              <a:rPr kumimoji="1" lang="en-US" altLang="ko-KR" dirty="0" smtClean="0"/>
+              <a:t>.</a:t>
+            </a:r>
+            <a:r>
+              <a:rPr kumimoji="1" lang="ko-KR" altLang="en-US" dirty="0" smtClean="0"/>
+              <a:t> </a:t>
+            </a:r>
+            <a:r>
+              <a:rPr kumimoji="1" lang="en-US" altLang="ko-KR" dirty="0" smtClean="0"/>
+              <a:t>:</a:t>
+            </a:r>
+            <a:r>
+              <a:rPr kumimoji="1" lang="ko-KR" altLang="en-US" dirty="0" smtClean="0"/>
+              <a:t> 이게 바로 범함수</a:t>
+            </a:r>
+            <a:r>
+              <a:rPr kumimoji="1" lang="en-US" altLang="ko-KR" dirty="0" smtClean="0"/>
+              <a:t>(functional).</a:t>
+            </a:r>
+          </a:p>
+          <a:p>
+            <a:pPr lvl="1"/>
+            <a:r>
+              <a:rPr kumimoji="1" lang="ko-KR" altLang="en-US" dirty="0" smtClean="0"/>
+              <a:t>범함수를 함수로 미분하는 문제</a:t>
+            </a:r>
+            <a:r>
+              <a:rPr kumimoji="1" lang="en-US" altLang="ko-KR" dirty="0" smtClean="0"/>
+              <a:t>.</a:t>
+            </a:r>
+          </a:p>
+          <a:p>
+            <a:pPr lvl="2"/>
+            <a:r>
+              <a:rPr kumimoji="1" lang="ko-KR" altLang="en-US" dirty="0" smtClean="0"/>
+              <a:t>입력으로 사용되는 함수를 조금 바꿀 때 함수의 출력값의 변화량을 측정</a:t>
+            </a:r>
+            <a:r>
+              <a:rPr kumimoji="1" lang="en-US" altLang="ko-KR" dirty="0" smtClean="0"/>
+              <a:t>.</a:t>
+            </a:r>
+          </a:p>
+          <a:p>
+            <a:pPr lvl="2"/>
+            <a:endParaRPr kumimoji="1" lang="en-US" altLang="ko-KR" dirty="0" smtClean="0"/>
+          </a:p>
+          <a:p>
+            <a:r>
+              <a:rPr kumimoji="1" lang="ko-KR" altLang="en-US" dirty="0" smtClean="0"/>
+              <a:t>변분법 자체는 근사 기법이 아니다</a:t>
+            </a:r>
+            <a:r>
+              <a:rPr kumimoji="1" lang="en-US" altLang="ko-KR" dirty="0" smtClean="0"/>
+              <a:t>.</a:t>
+            </a:r>
+          </a:p>
+          <a:p>
+            <a:pPr lvl="1"/>
+            <a:r>
+              <a:rPr kumimoji="1" lang="ko-KR" altLang="en-US" dirty="0" smtClean="0"/>
+              <a:t>하지만 </a:t>
+            </a:r>
+            <a:r>
+              <a:rPr kumimoji="1" lang="en-US" altLang="ko-KR" dirty="0" smtClean="0"/>
+              <a:t>VI </a:t>
+            </a:r>
+            <a:r>
+              <a:rPr kumimoji="1" lang="ko-KR" altLang="en-US" dirty="0" smtClean="0"/>
+              <a:t>에서는 이런 함수를 고정된 형태로 제한하여 결국엔 함수를 근사하도록 함</a:t>
+            </a:r>
+            <a:r>
+              <a:rPr kumimoji="1" lang="en-US" altLang="ko-KR" dirty="0" smtClean="0"/>
+              <a:t>.</a:t>
+            </a:r>
+          </a:p>
+          <a:p>
+            <a:pPr lvl="1"/>
+            <a:r>
+              <a:rPr kumimoji="1" lang="ko-KR" altLang="en-US" dirty="0" smtClean="0"/>
+              <a:t>제한하는 함수 형태란</a:t>
+            </a:r>
+            <a:r>
+              <a:rPr kumimoji="1" lang="en-US" altLang="ko-KR" dirty="0" smtClean="0"/>
+              <a:t>?</a:t>
+            </a:r>
+          </a:p>
+          <a:p>
+            <a:pPr lvl="2"/>
+            <a:r>
+              <a:rPr kumimoji="1" lang="ko-KR" altLang="en-US" dirty="0" smtClean="0"/>
+              <a:t>이차함수</a:t>
+            </a:r>
+            <a:r>
+              <a:rPr kumimoji="1" lang="en-US" altLang="ko-KR" dirty="0" smtClean="0"/>
+              <a:t>(quadratic) or </a:t>
+            </a:r>
+            <a:r>
+              <a:rPr kumimoji="1" lang="ko-KR" altLang="en-US" dirty="0" smtClean="0"/>
+              <a:t>기저 함수를 포함한 선형 결합 </a:t>
+            </a:r>
+            <a:r>
+              <a:rPr kumimoji="1" lang="en-US" altLang="ko-KR" dirty="0" smtClean="0"/>
+              <a:t>or </a:t>
+            </a:r>
+            <a:r>
+              <a:rPr kumimoji="1" lang="ko-KR" altLang="en-US" dirty="0" smtClean="0"/>
+              <a:t>인수 분해</a:t>
+            </a:r>
+            <a:endParaRPr kumimoji="1" lang="ko-KR" altLang="en-US" dirty="0"/>
+          </a:p>
+        </p:txBody>
+      </p:sp>
+    </p:spTree>
+    <p:extLst>
+      <p:ext uri="{BB962C8B-B14F-4D97-AF65-F5344CB8AC3E}">
+        <p14:creationId xmlns:p14="http://schemas.microsoft.com/office/powerpoint/2010/main" val="2024787698"/>
+      </p:ext>
+    </p:extLst>
+  </p:cSld>
+  <p:clrMapOvr>
+    <a:masterClrMapping/>
+  </p:clrMapOvr>
+</p:sld>
+</file>
+
+<file path=ppt/slides/slide51.xml><?xml version="1.0" encoding="utf-8"?>
+<p:sld xmlns:a="http://schemas.openxmlformats.org/drawingml/2006/main" xmlns:r="http://schemas.openxmlformats.org/officeDocument/2006/relationships" xmlns:p="http://schemas.openxmlformats.org/presentationml/2006/main">
+  <p:cSld>
+    <p:spTree>
+      <p:nvGrpSpPr>
+        <p:cNvPr id="1" name=""/>
+        <p:cNvGrpSpPr/>
+        <p:nvPr/>
+      </p:nvGrpSpPr>
+      <p:grpSpPr>
+        <a:xfrm>
+          <a:off x="0" y="0"/>
+          <a:ext cx="0" cy="0"/>
+          <a:chOff x="0" y="0"/>
+          <a:chExt cx="0" cy="0"/>
+        </a:xfrm>
+      </p:grpSpPr>
+      <p:sp>
+        <p:nvSpPr>
+          <p:cNvPr id="2" name="제목 1"/>
+          <p:cNvSpPr>
+            <a:spLocks noGrp="1"/>
+          </p:cNvSpPr>
+          <p:nvPr>
+            <p:ph type="title"/>
+          </p:nvPr>
+        </p:nvSpPr>
+        <p:spPr/>
+        <p:txBody>
+          <a:bodyPr/>
+          <a:lstStyle/>
+          <a:p>
+            <a:r>
+              <a:rPr kumimoji="1" lang="en-US" altLang="ko-KR" dirty="0" smtClean="0"/>
+              <a:t>VI </a:t>
+            </a:r>
+            <a:r>
+              <a:rPr kumimoji="1" lang="ko-KR" altLang="en-US" dirty="0" smtClean="0"/>
+              <a:t>모델의 가정</a:t>
+            </a:r>
+            <a:endParaRPr kumimoji="1" lang="ko-KR" altLang="en-US" dirty="0"/>
+          </a:p>
+        </p:txBody>
+      </p:sp>
+      <mc:AlternateContent xmlns:mc="http://schemas.openxmlformats.org/markup-compatibility/2006" xmlns:a14="http://schemas.microsoft.com/office/drawing/2010/main">
+        <mc:Choice Requires="a14">
+          <p:sp>
+            <p:nvSpPr>
+              <p:cNvPr id="3" name="내용 개체 틀 2"/>
+              <p:cNvSpPr>
+                <a:spLocks noGrp="1"/>
+              </p:cNvSpPr>
+              <p:nvPr>
+                <p:ph idx="1"/>
+              </p:nvPr>
+            </p:nvSpPr>
+            <p:spPr/>
+            <p:txBody>
+              <a:bodyPr>
+                <a:normAutofit fontScale="92500" lnSpcReduction="20000"/>
+              </a:bodyPr>
+              <a:lstStyle/>
+              <a:p>
+                <a:r>
+                  <a:rPr kumimoji="1" lang="en-US" altLang="ko-KR" dirty="0"/>
+                  <a:t>VI </a:t>
+                </a:r>
+                <a:r>
+                  <a:rPr kumimoji="1" lang="ko-KR" altLang="en-US" dirty="0"/>
+                  <a:t>는 추론에 있어 모든 파라미터가 사전 분포를 가진다고 가정</a:t>
+                </a:r>
+                <a:r>
+                  <a:rPr kumimoji="1" lang="en-US" altLang="ko-KR" dirty="0"/>
+                  <a:t>.</a:t>
+                </a:r>
+              </a:p>
+              <a:p>
+                <a:pPr lvl="1"/>
+                <a:r>
+                  <a:rPr kumimoji="1" lang="ko-KR" altLang="en-US" dirty="0"/>
+                  <a:t>즉</a:t>
+                </a:r>
+                <a:r>
+                  <a:rPr kumimoji="1" lang="en-US" altLang="ko-KR" dirty="0"/>
+                  <a:t>,</a:t>
+                </a:r>
+                <a:r>
+                  <a:rPr kumimoji="1" lang="ko-KR" altLang="en-US" dirty="0"/>
+                  <a:t> </a:t>
+                </a:r>
+                <a:r>
+                  <a:rPr kumimoji="1" lang="en-US" altLang="ko-KR" dirty="0"/>
+                  <a:t>Full Bayesian </a:t>
+                </a:r>
+                <a:r>
+                  <a:rPr kumimoji="1" lang="ko-KR" altLang="en-US" dirty="0"/>
+                  <a:t>모델이 된다</a:t>
+                </a:r>
+                <a:r>
+                  <a:rPr kumimoji="1" lang="en-US" altLang="ko-KR" dirty="0"/>
+                  <a:t>.</a:t>
+                </a:r>
+              </a:p>
+              <a:p>
+                <a:pPr lvl="1"/>
+                <a:r>
+                  <a:rPr kumimoji="1" lang="ko-KR" altLang="en-US" dirty="0"/>
+                  <a:t>그리고 이러한 모든 파라미터를 변수 </a:t>
+                </a:r>
+                <a:r>
+                  <a:rPr kumimoji="1" lang="en-US" altLang="ko-KR" dirty="0"/>
+                  <a:t>Z </a:t>
+                </a:r>
+                <a:r>
+                  <a:rPr kumimoji="1" lang="ko-KR" altLang="en-US" dirty="0"/>
+                  <a:t>에 포함한다</a:t>
+                </a:r>
+                <a:r>
+                  <a:rPr kumimoji="1" lang="en-US" altLang="ko-KR" dirty="0"/>
+                  <a:t>.</a:t>
+                </a:r>
+              </a:p>
+              <a:p>
+                <a:pPr lvl="1"/>
+                <a:r>
+                  <a:rPr kumimoji="1" lang="ko-KR" altLang="en-US" dirty="0"/>
+                  <a:t>따라서 사용되는 모든 파라미터 또한 </a:t>
+                </a:r>
+                <a:r>
+                  <a:rPr kumimoji="1" lang="en-US" altLang="ko-KR" dirty="0"/>
+                  <a:t>latent variable </a:t>
+                </a:r>
+                <a:r>
+                  <a:rPr kumimoji="1" lang="ko-KR" altLang="en-US" dirty="0"/>
+                  <a:t>로 간주된다</a:t>
+                </a:r>
+                <a:r>
+                  <a:rPr kumimoji="1" lang="en-US" altLang="ko-KR" dirty="0"/>
+                  <a:t>.</a:t>
+                </a:r>
+              </a:p>
+              <a:p>
+                <a:pPr lvl="1"/>
+                <a:r>
+                  <a:rPr kumimoji="1" lang="ko-KR" altLang="en-US" dirty="0"/>
+                  <a:t>일단 모든 </a:t>
+                </a:r>
+                <a:r>
+                  <a:rPr kumimoji="1" lang="en-US" altLang="ko-KR" dirty="0"/>
+                  <a:t>latent variable </a:t>
+                </a:r>
+                <a:r>
+                  <a:rPr kumimoji="1" lang="ko-KR" altLang="en-US" dirty="0"/>
+                  <a:t>은 연속형 변수</a:t>
+                </a:r>
+                <a:r>
+                  <a:rPr kumimoji="1" lang="en-US" altLang="ko-KR" dirty="0"/>
+                  <a:t>(continuous random variable)</a:t>
+                </a:r>
+                <a:r>
+                  <a:rPr kumimoji="1" lang="ko-KR" altLang="en-US" dirty="0"/>
+                  <a:t>로 취급한다</a:t>
+                </a:r>
+                <a:r>
+                  <a:rPr kumimoji="1" lang="en-US" altLang="ko-KR" dirty="0"/>
+                  <a:t>.</a:t>
+                </a:r>
+              </a:p>
+              <a:p>
+                <a:pPr lvl="2"/>
+                <a:r>
+                  <a:rPr kumimoji="1" lang="ko-KR" altLang="en-US" dirty="0"/>
+                  <a:t>이후 이산 변수로의 변환이 필요하면 적절하게 적분을 합산으로 변경하면 된다</a:t>
+                </a:r>
+                <a:r>
+                  <a:rPr kumimoji="1" lang="en-US" altLang="ko-KR" dirty="0"/>
+                  <a:t>.</a:t>
+                </a:r>
+              </a:p>
+              <a:p>
+                <a:pPr lvl="1"/>
+                <a:endParaRPr kumimoji="1" lang="en-US" altLang="ko-KR" dirty="0"/>
+              </a:p>
+              <a:p>
+                <a:r>
+                  <a:rPr kumimoji="1" lang="ko-KR" altLang="en-US" dirty="0"/>
+                  <a:t>목표</a:t>
+                </a:r>
+                <a:endParaRPr kumimoji="1" lang="en-US" altLang="ko-KR" dirty="0"/>
+              </a:p>
+              <a:p>
+                <a:pPr lvl="1"/>
+                <a:r>
+                  <a:rPr kumimoji="1" lang="ko-KR" altLang="en-US" dirty="0"/>
+                  <a:t>모델 </a:t>
+                </a:r>
+                <a14:m>
+                  <m:oMath xmlns:m="http://schemas.openxmlformats.org/officeDocument/2006/math">
+                    <m:r>
+                      <a:rPr kumimoji="1" lang="en-US" altLang="ko-KR" i="1">
+                        <a:latin typeface="Cambria Math" charset="0"/>
+                      </a:rPr>
+                      <m:t>𝑝</m:t>
+                    </m:r>
+                    <m:r>
+                      <a:rPr kumimoji="1" lang="en-US" altLang="ko-KR" i="1">
+                        <a:latin typeface="Cambria Math" charset="0"/>
+                      </a:rPr>
+                      <m:t>(</m:t>
+                    </m:r>
+                    <m:r>
+                      <a:rPr kumimoji="1" lang="en-US" altLang="ko-KR" i="1">
+                        <a:latin typeface="Cambria Math" charset="0"/>
+                      </a:rPr>
+                      <m:t>𝑥</m:t>
+                    </m:r>
+                    <m:r>
+                      <a:rPr kumimoji="1" lang="en-US" altLang="ko-KR" i="1">
+                        <a:latin typeface="Cambria Math" charset="0"/>
+                      </a:rPr>
+                      <m:t>)</m:t>
+                    </m:r>
+                  </m:oMath>
+                </a14:m>
+                <a:r>
+                  <a:rPr kumimoji="1" lang="en-US" altLang="ko-KR" dirty="0"/>
+                  <a:t> </a:t>
+                </a:r>
+                <a:r>
+                  <a:rPr kumimoji="1" lang="ko-KR" altLang="en-US" dirty="0"/>
+                  <a:t>와 사후 분포 </a:t>
+                </a:r>
+                <a14:m>
+                  <m:oMath xmlns:m="http://schemas.openxmlformats.org/officeDocument/2006/math">
+                    <m:r>
+                      <a:rPr kumimoji="1" lang="en-US" altLang="ko-KR" i="1">
+                        <a:latin typeface="Cambria Math" charset="0"/>
+                      </a:rPr>
+                      <m:t>𝑝</m:t>
+                    </m:r>
+                    <m:r>
+                      <a:rPr kumimoji="1" lang="en-US" altLang="ko-KR" i="1">
+                        <a:latin typeface="Cambria Math" charset="0"/>
+                      </a:rPr>
+                      <m:t>(</m:t>
+                    </m:r>
+                    <m:r>
+                      <a:rPr kumimoji="1" lang="en-US" altLang="ko-KR" i="1">
+                        <a:latin typeface="Cambria Math" charset="0"/>
+                      </a:rPr>
+                      <m:t>𝑧</m:t>
+                    </m:r>
+                    <m:r>
+                      <a:rPr kumimoji="1" lang="en-US" altLang="ko-KR" i="1">
+                        <a:latin typeface="Cambria Math" charset="0"/>
+                      </a:rPr>
+                      <m:t>|</m:t>
+                    </m:r>
+                    <m:r>
+                      <a:rPr kumimoji="1" lang="en-US" altLang="ko-KR" i="1">
+                        <a:latin typeface="Cambria Math" charset="0"/>
+                      </a:rPr>
+                      <m:t>𝑥</m:t>
+                    </m:r>
+                    <m:r>
+                      <a:rPr kumimoji="1" lang="en-US" altLang="ko-KR" i="1">
+                        <a:latin typeface="Cambria Math" charset="0"/>
+                      </a:rPr>
+                      <m:t>)</m:t>
+                    </m:r>
+                  </m:oMath>
+                </a14:m>
+                <a:r>
+                  <a:rPr kumimoji="1" lang="en-US" altLang="ko-KR" dirty="0"/>
+                  <a:t> </a:t>
+                </a:r>
+                <a:r>
+                  <a:rPr kumimoji="1" lang="ko-KR" altLang="en-US" dirty="0"/>
+                  <a:t>를 위한 최적의 </a:t>
+                </a:r>
+                <a:r>
+                  <a:rPr kumimoji="1" lang="ko-KR" altLang="en-US" dirty="0">
+                    <a:solidFill>
+                      <a:srgbClr val="FF0000"/>
+                    </a:solidFill>
+                  </a:rPr>
+                  <a:t>근사</a:t>
+                </a:r>
+                <a:r>
+                  <a:rPr kumimoji="1" lang="ko-KR" altLang="en-US" dirty="0"/>
+                  <a:t> 함수를 찾는 것</a:t>
+                </a:r>
+                <a:r>
+                  <a:rPr kumimoji="1" lang="en-US" altLang="ko-KR" dirty="0"/>
+                  <a:t>.</a:t>
+                </a:r>
+              </a:p>
+              <a:p>
+                <a:endParaRPr kumimoji="1" lang="ko-KR" altLang="en-US" dirty="0"/>
+              </a:p>
+            </p:txBody>
+          </p:sp>
+        </mc:Choice>
+        <mc:Fallback xmlns="">
+          <p:sp>
+            <p:nvSpPr>
+              <p:cNvPr id="3" name="내용 개체 틀 2"/>
+              <p:cNvSpPr>
+                <a:spLocks noGrp="1" noRot="1" noChangeAspect="1" noMove="1" noResize="1" noEditPoints="1" noAdjustHandles="1" noChangeArrowheads="1" noChangeShapeType="1" noTextEdit="1"/>
+              </p:cNvSpPr>
+              <p:nvPr>
+                <p:ph idx="1"/>
+              </p:nvPr>
+            </p:nvSpPr>
+            <p:spPr>
+              <a:blipFill rotWithShape="0">
+                <a:blip r:embed="rId2"/>
+                <a:stretch>
+                  <a:fillRect l="-928" t="-3571" b="-1000"/>
+                </a:stretch>
+              </a:blipFill>
+            </p:spPr>
+            <p:txBody>
+              <a:bodyPr/>
+              <a:lstStyle/>
+              <a:p>
+                <a:r>
+                  <a:rPr lang="ko-KR" altLang="en-US">
+                    <a:noFill/>
+                  </a:rPr>
+                  <a:t> </a:t>
+                </a:r>
+              </a:p>
+            </p:txBody>
+          </p:sp>
+        </mc:Fallback>
+      </mc:AlternateContent>
+    </p:spTree>
+    <p:extLst>
+      <p:ext uri="{BB962C8B-B14F-4D97-AF65-F5344CB8AC3E}">
+        <p14:creationId xmlns:p14="http://schemas.microsoft.com/office/powerpoint/2010/main" val="1602896117"/>
+      </p:ext>
+    </p:extLst>
+  </p:cSld>
+  <p:clrMapOvr>
+    <a:masterClrMapping/>
+  </p:clrMapOvr>
+</p:sld>
+</file>
+
+<file path=ppt/slides/slide52.xml><?xml version="1.0" encoding="utf-8"?>
+<p:sld xmlns:a="http://schemas.openxmlformats.org/drawingml/2006/main" xmlns:r="http://schemas.openxmlformats.org/officeDocument/2006/relationships" xmlns:p="http://schemas.openxmlformats.org/presentationml/2006/main">
+  <p:cSld>
+    <p:spTree>
+      <p:nvGrpSpPr>
+        <p:cNvPr id="1" name=""/>
+        <p:cNvGrpSpPr/>
+        <p:nvPr/>
+      </p:nvGrpSpPr>
+      <p:grpSpPr>
+        <a:xfrm>
+          <a:off x="0" y="0"/>
+          <a:ext cx="0" cy="0"/>
+          <a:chOff x="0" y="0"/>
+          <a:chExt cx="0" cy="0"/>
+        </a:xfrm>
+      </p:grpSpPr>
+      <p:sp>
+        <p:nvSpPr>
           <p:cNvPr id="2" name="제목 1"/>
           <p:cNvSpPr>
             <a:spLocks noGrp="1"/>
@@ -19594,19 +20822,19 @@
         </p:nvSpPr>
         <p:spPr>
           <a:xfrm>
-            <a:off x="838200" y="3962401"/>
-            <a:ext cx="10515600" cy="2468880"/>
+            <a:off x="838200" y="4083029"/>
+            <a:ext cx="10515600" cy="2348251"/>
           </a:xfrm>
         </p:spPr>
         <p:txBody>
           <a:bodyPr>
-            <a:normAutofit fontScale="92500" lnSpcReduction="10000"/>
+            <a:normAutofit fontScale="92500" lnSpcReduction="20000"/>
           </a:bodyPr>
           <a:lstStyle/>
           <a:p>
             <a:r>
               <a:rPr kumimoji="1" lang="ko-KR" altLang="en-US" dirty="0" smtClean="0"/>
-              <a:t>사용되던 파라미터들을 모두 잠재 변수로 통합</a:t>
+              <a:t>위 식을 보면 사용되던 파라미터들을 모두 잠재 변수로 통합되었다</a:t>
             </a:r>
             <a:r>
               <a:rPr kumimoji="1" lang="en-US" altLang="ko-KR" dirty="0" smtClean="0"/>
@@ -19617,15 +20845,7 @@
             <a:pPr lvl="1"/>
             <a:r>
               <a:rPr kumimoji="1" lang="ko-KR" altLang="en-US" dirty="0" smtClean="0"/>
-              <a:t>즉</a:t>
-            </a:r>
-            <a:r>
-              <a:rPr kumimoji="1" lang="en-US" altLang="ko-KR" dirty="0" smtClean="0"/>
-              <a:t>,</a:t>
-            </a:r>
-            <a:r>
-              <a:rPr kumimoji="1" lang="ko-KR" altLang="en-US" dirty="0" smtClean="0"/>
-              <a:t> 모든 파라미터를 랜덤 변수로 취급하는 </a:t>
+              <a:t>앞서 설명한 대로 모든 파라미터를 랜덤 변수로 취급하는 </a:t>
             </a:r>
             <a:r>
               <a:rPr kumimoji="1" lang="en-US" altLang="ko-KR" dirty="0" smtClean="0"/>
@@ -19725,7 +20945,7 @@
 </p:sld>
 </file>
 
-<file path=ppt/slides/slide51.xml><?xml version="1.0" encoding="utf-8"?>
+<file path=ppt/slides/slide53.xml><?xml version="1.0" encoding="utf-8"?>
 <p:sld xmlns:a="http://schemas.openxmlformats.org/drawingml/2006/main" xmlns:r="http://schemas.openxmlformats.org/officeDocument/2006/relationships" xmlns:p="http://schemas.openxmlformats.org/presentationml/2006/main">
   <p:cSld>
     <p:spTree>
@@ -19758,15 +20978,267 @@
           <a:lstStyle/>
           <a:p>
             <a:r>
-              <a:rPr kumimoji="1" lang="en-US" altLang="ko-KR" dirty="0" smtClean="0"/>
-              <a:t>Factorized distributions</a:t>
+              <a:rPr kumimoji="1" lang="ko-KR" altLang="en-US" dirty="0"/>
+              <a:t>베이지언 모델로의 통합</a:t>
+            </a:r>
+            <a:r>
+              <a:rPr kumimoji="1" lang="en-US" altLang="ko-KR" dirty="0" smtClean="0"/>
+              <a:t>.</a:t>
+            </a:r>
+            <a:r>
+              <a:rPr kumimoji="1" lang="ko-KR" altLang="en-US" dirty="0" smtClean="0"/>
+              <a:t> </a:t>
+            </a:r>
+            <a:r>
+              <a:rPr kumimoji="1" lang="en-US" altLang="ko-KR" smtClean="0"/>
+              <a:t>(Cont’d)</a:t>
             </a:r>
             <a:endParaRPr kumimoji="1" lang="ko-KR" altLang="en-US" dirty="0"/>
           </a:p>
         </p:txBody>
       </p:sp>
-      <mc:AlternateContent xmlns:mc="http://schemas.openxmlformats.org/markup-compatibility/2006">
-        <mc:Choice xmlns:a14="http://schemas.microsoft.com/office/drawing/2010/main" Requires="a14">
+      <mc:AlternateContent xmlns:mc="http://schemas.openxmlformats.org/markup-compatibility/2006" xmlns:a14="http://schemas.microsoft.com/office/drawing/2010/main">
+        <mc:Choice Requires="a14">
+          <p:sp>
+            <p:nvSpPr>
+              <p:cNvPr id="3" name="내용 개체 틀 2"/>
+              <p:cNvSpPr>
+                <a:spLocks noGrp="1"/>
+              </p:cNvSpPr>
+              <p:nvPr>
+                <p:ph idx="1"/>
+              </p:nvPr>
+            </p:nvSpPr>
+            <p:spPr/>
+            <p:txBody>
+              <a:bodyPr>
+                <a:normAutofit lnSpcReduction="10000"/>
+              </a:bodyPr>
+              <a:lstStyle/>
+              <a:p>
+                <a:r>
+                  <a:rPr kumimoji="1" lang="ko-KR" altLang="en-US" dirty="0"/>
+                  <a:t>모든 </a:t>
+                </a:r>
+                <a:r>
+                  <a:rPr kumimoji="1" lang="en-US" altLang="ko-KR" dirty="0"/>
+                  <a:t>Z </a:t>
+                </a:r>
+                <a:r>
+                  <a:rPr kumimoji="1" lang="ko-KR" altLang="en-US" dirty="0"/>
+                  <a:t>에 대해 제한적인 계열</a:t>
+                </a:r>
+                <a:r>
+                  <a:rPr kumimoji="1" lang="en-US" altLang="ko-KR" dirty="0"/>
+                  <a:t>(family) </a:t>
+                </a:r>
+                <a:r>
+                  <a:rPr kumimoji="1" lang="ko-KR" altLang="en-US" dirty="0"/>
+                  <a:t>의 분포를 가정</a:t>
+                </a:r>
+                <a:r>
+                  <a:rPr kumimoji="1" lang="en-US" altLang="ko-KR" dirty="0"/>
+                  <a:t>.</a:t>
+                </a:r>
+              </a:p>
+              <a:p>
+                <a:endParaRPr kumimoji="1" lang="en-US" altLang="ko-KR" dirty="0"/>
+              </a:p>
+              <a:p>
+                <a:r>
+                  <a:rPr kumimoji="1" lang="en-US" altLang="ko-KR" dirty="0"/>
+                  <a:t>KL</a:t>
+                </a:r>
+                <a:r>
+                  <a:rPr kumimoji="1" lang="ko-KR" altLang="en-US" dirty="0"/>
+                  <a:t>을 최소화하기 위한 파라미터 값을 추정</a:t>
+                </a:r>
+                <a:endParaRPr kumimoji="1" lang="en-US" altLang="ko-KR" dirty="0"/>
+              </a:p>
+              <a:p>
+                <a:endParaRPr kumimoji="1" lang="en-US" altLang="ko-KR" dirty="0"/>
+              </a:p>
+              <a:p>
+                <a:r>
+                  <a:rPr kumimoji="1" lang="ko-KR" altLang="en-US" dirty="0"/>
+                  <a:t>근사 분포 정하기</a:t>
+                </a:r>
+                <a:endParaRPr kumimoji="1" lang="en-US" altLang="ko-KR" dirty="0"/>
+              </a:p>
+              <a:p>
+                <a:pPr lvl="1"/>
+                <a:r>
+                  <a:rPr kumimoji="1" lang="ko-KR" altLang="en-US" dirty="0"/>
+                  <a:t>파라미터를 사용하는 분포 도입 </a:t>
+                </a:r>
+                <a:r>
+                  <a:rPr kumimoji="1" lang="en-US" altLang="ko-KR" dirty="0"/>
+                  <a:t>:</a:t>
+                </a:r>
+                <a:r>
+                  <a:rPr kumimoji="1" lang="ko-KR" altLang="en-US" dirty="0"/>
+                  <a:t> </a:t>
+                </a:r>
+                <a14:m>
+                  <m:oMath xmlns:m="http://schemas.openxmlformats.org/officeDocument/2006/math">
+                    <m:r>
+                      <a:rPr kumimoji="1" lang="en-US" altLang="ko-KR" i="1">
+                        <a:latin typeface="Cambria Math" charset="0"/>
+                      </a:rPr>
+                      <m:t>𝑞</m:t>
+                    </m:r>
+                    <m:r>
+                      <a:rPr kumimoji="1" lang="en-US" altLang="ko-KR" i="1">
+                        <a:latin typeface="Cambria Math" charset="0"/>
+                      </a:rPr>
+                      <m:t>(</m:t>
+                    </m:r>
+                    <m:r>
+                      <a:rPr kumimoji="1" lang="en-US" altLang="ko-KR" i="1">
+                        <a:latin typeface="Cambria Math" charset="0"/>
+                      </a:rPr>
+                      <m:t>𝑧</m:t>
+                    </m:r>
+                    <m:r>
+                      <a:rPr kumimoji="1" lang="en-US" altLang="ko-KR" i="1">
+                        <a:latin typeface="Cambria Math" charset="0"/>
+                      </a:rPr>
+                      <m:t>;</m:t>
+                    </m:r>
+                    <m:r>
+                      <a:rPr kumimoji="1" lang="en-US" altLang="ko-KR" i="1">
+                        <a:latin typeface="Cambria Math" charset="0"/>
+                      </a:rPr>
+                      <m:t>𝑤</m:t>
+                    </m:r>
+                    <m:r>
+                      <a:rPr kumimoji="1" lang="en-US" altLang="ko-KR" i="1">
+                        <a:latin typeface="Cambria Math" charset="0"/>
+                      </a:rPr>
+                      <m:t>)</m:t>
+                    </m:r>
+                  </m:oMath>
+                </a14:m>
+                <a:endParaRPr kumimoji="1" lang="en-US" altLang="ko-KR" dirty="0"/>
+              </a:p>
+              <a:p>
+                <a:pPr lvl="1"/>
+                <a:r>
+                  <a:rPr kumimoji="1" lang="ko-KR" altLang="en-US" dirty="0"/>
+                  <a:t>분포 계열 제한</a:t>
+                </a:r>
+                <a:r>
+                  <a:rPr kumimoji="1" lang="en-US" altLang="ko-KR" dirty="0" smtClean="0"/>
+                  <a:t>.</a:t>
+                </a:r>
+              </a:p>
+              <a:p>
+                <a:pPr lvl="1"/>
+                <a:r>
+                  <a:rPr kumimoji="1" lang="en-US" altLang="ko-KR" dirty="0" smtClean="0"/>
+                  <a:t>Factorized distributions</a:t>
+                </a:r>
+                <a:r>
+                  <a:rPr kumimoji="1" lang="ko-KR" altLang="en-US" dirty="0" smtClean="0"/>
+                  <a:t> </a:t>
+                </a:r>
+                <a:endParaRPr kumimoji="1" lang="ko-KR" altLang="en-US" dirty="0"/>
+              </a:p>
+              <a:p>
+                <a:endParaRPr kumimoji="1" lang="ko-KR" altLang="en-US" dirty="0"/>
+              </a:p>
+            </p:txBody>
+          </p:sp>
+        </mc:Choice>
+        <mc:Fallback xmlns="">
+          <p:sp>
+            <p:nvSpPr>
+              <p:cNvPr id="3" name="내용 개체 틀 2"/>
+              <p:cNvSpPr>
+                <a:spLocks noGrp="1" noRot="1" noChangeAspect="1" noMove="1" noResize="1" noEditPoints="1" noAdjustHandles="1" noChangeArrowheads="1" noChangeShapeType="1" noTextEdit="1"/>
+              </p:cNvSpPr>
+              <p:nvPr>
+                <p:ph idx="1"/>
+              </p:nvPr>
+            </p:nvSpPr>
+            <p:spPr>
+              <a:blipFill rotWithShape="0">
+                <a:blip r:embed="rId2"/>
+                <a:stretch>
+                  <a:fillRect l="-1043" t="-3143"/>
+                </a:stretch>
+              </a:blipFill>
+            </p:spPr>
+            <p:txBody>
+              <a:bodyPr/>
+              <a:lstStyle/>
+              <a:p>
+                <a:r>
+                  <a:rPr lang="ko-KR" altLang="en-US">
+                    <a:noFill/>
+                  </a:rPr>
+                  <a:t> </a:t>
+                </a:r>
+              </a:p>
+            </p:txBody>
+          </p:sp>
+        </mc:Fallback>
+      </mc:AlternateContent>
+    </p:spTree>
+    <p:extLst>
+      <p:ext uri="{BB962C8B-B14F-4D97-AF65-F5344CB8AC3E}">
+        <p14:creationId xmlns:p14="http://schemas.microsoft.com/office/powerpoint/2010/main" val="185404585"/>
+      </p:ext>
+    </p:extLst>
+  </p:cSld>
+  <p:clrMapOvr>
+    <a:masterClrMapping/>
+  </p:clrMapOvr>
+</p:sld>
+</file>
+
+<file path=ppt/slides/slide54.xml><?xml version="1.0" encoding="utf-8"?>
+<p:sld xmlns:a="http://schemas.openxmlformats.org/drawingml/2006/main" xmlns:r="http://schemas.openxmlformats.org/officeDocument/2006/relationships" xmlns:p="http://schemas.openxmlformats.org/presentationml/2006/main">
+  <p:cSld>
+    <p:spTree>
+      <p:nvGrpSpPr>
+        <p:cNvPr id="1" name=""/>
+        <p:cNvGrpSpPr/>
+        <p:nvPr/>
+      </p:nvGrpSpPr>
+      <p:grpSpPr>
+        <a:xfrm>
+          <a:off x="0" y="0"/>
+          <a:ext cx="0" cy="0"/>
+          <a:chOff x="0" y="0"/>
+          <a:chExt cx="0" cy="0"/>
+        </a:xfrm>
+      </p:grpSpPr>
+      <p:sp>
+        <p:nvSpPr>
+          <p:cNvPr id="2" name="제목 1"/>
+          <p:cNvSpPr>
+            <a:spLocks noGrp="1"/>
+          </p:cNvSpPr>
+          <p:nvPr>
+            <p:ph type="title"/>
+          </p:nvPr>
+        </p:nvSpPr>
+        <p:spPr/>
+        <p:txBody>
+          <a:bodyPr/>
+          <a:lstStyle/>
+          <a:p>
+            <a:r>
+              <a:rPr kumimoji="1" lang="en-US" altLang="ko-KR" dirty="0" smtClean="0"/>
+              <a:t>Factorized distributions</a:t>
+            </a:r>
+            <a:endParaRPr kumimoji="1" lang="ko-KR" altLang="en-US" dirty="0"/>
+          </a:p>
+        </p:txBody>
+      </p:sp>
+      <mc:AlternateContent xmlns:mc="http://schemas.openxmlformats.org/markup-compatibility/2006" xmlns:a14="http://schemas.microsoft.com/office/drawing/2010/main">
+        <mc:Choice Requires="a14">
           <p:sp>
             <p:nvSpPr>
               <p:cNvPr id="3" name="내용 개체 틀 2"/>
@@ -19961,7 +21433,7 @@
             </p:txBody>
           </p:sp>
         </mc:Choice>
-        <mc:Fallback>
+        <mc:Fallback xmlns="">
           <p:sp>
             <p:nvSpPr>
               <p:cNvPr id="3" name="내용 개체 틀 2"/>
@@ -20036,7 +21508,7 @@
 </p:sld>
 </file>
 
-<file path=ppt/slides/slide52.xml><?xml version="1.0" encoding="utf-8"?>
+<file path=ppt/slides/slide55.xml><?xml version="1.0" encoding="utf-8"?>
 <p:sld xmlns:a="http://schemas.openxmlformats.org/drawingml/2006/main" xmlns:r="http://schemas.openxmlformats.org/officeDocument/2006/relationships" xmlns:p="http://schemas.openxmlformats.org/presentationml/2006/main">
   <p:cSld>
     <p:spTree>
@@ -20194,7 +21666,6 @@
               <a:rPr lang="ko-KR" altLang="en-US" dirty="0"/>
               <a:t>평균 상호 작용으로 취급하는 것</a:t>
             </a:r>
-            <a:endParaRPr lang="ko-KR" altLang="en-US" dirty="0"/>
           </a:p>
         </p:txBody>
       </p:sp>
@@ -20211,7 +21682,7 @@
 </p:sld>
 </file>
 
-<file path=ppt/slides/slide53.xml><?xml version="1.0" encoding="utf-8"?>
+<file path=ppt/slides/slide56.xml><?xml version="1.0" encoding="utf-8"?>
 <p:sld xmlns:a="http://schemas.openxmlformats.org/drawingml/2006/main" xmlns:r="http://schemas.openxmlformats.org/officeDocument/2006/relationships" xmlns:p="http://schemas.openxmlformats.org/presentationml/2006/main">
   <p:cSld>
     <p:spTree>

--- a/vi.pptx
+++ b/vi.pptx
@@ -5,7 +5,7 @@
     <p:sldMasterId id="2147483648" r:id="rId1"/>
   </p:sldMasterIdLst>
   <p:notesMasterIdLst>
-    <p:notesMasterId r:id="rId58"/>
+    <p:notesMasterId r:id="rId59"/>
   </p:notesMasterIdLst>
   <p:sldIdLst>
     <p:sldId id="256" r:id="rId2"/>
@@ -28,42 +28,43 @@
     <p:sldId id="265" r:id="rId19"/>
     <p:sldId id="264" r:id="rId20"/>
     <p:sldId id="266" r:id="rId21"/>
-    <p:sldId id="289" r:id="rId22"/>
-    <p:sldId id="267" r:id="rId23"/>
-    <p:sldId id="269" r:id="rId24"/>
-    <p:sldId id="273" r:id="rId25"/>
-    <p:sldId id="272" r:id="rId26"/>
-    <p:sldId id="297" r:id="rId27"/>
-    <p:sldId id="274" r:id="rId28"/>
-    <p:sldId id="275" r:id="rId29"/>
-    <p:sldId id="276" r:id="rId30"/>
-    <p:sldId id="277" r:id="rId31"/>
-    <p:sldId id="278" r:id="rId32"/>
-    <p:sldId id="279" r:id="rId33"/>
-    <p:sldId id="280" r:id="rId34"/>
-    <p:sldId id="302" r:id="rId35"/>
-    <p:sldId id="303" r:id="rId36"/>
-    <p:sldId id="281" r:id="rId37"/>
-    <p:sldId id="282" r:id="rId38"/>
-    <p:sldId id="300" r:id="rId39"/>
-    <p:sldId id="298" r:id="rId40"/>
-    <p:sldId id="301" r:id="rId41"/>
-    <p:sldId id="307" r:id="rId42"/>
-    <p:sldId id="284" r:id="rId43"/>
-    <p:sldId id="285" r:id="rId44"/>
-    <p:sldId id="286" r:id="rId45"/>
-    <p:sldId id="305" r:id="rId46"/>
-    <p:sldId id="304" r:id="rId47"/>
-    <p:sldId id="306" r:id="rId48"/>
-    <p:sldId id="308" r:id="rId49"/>
-    <p:sldId id="309" r:id="rId50"/>
-    <p:sldId id="310" r:id="rId51"/>
-    <p:sldId id="316" r:id="rId52"/>
-    <p:sldId id="311" r:id="rId53"/>
-    <p:sldId id="317" r:id="rId54"/>
-    <p:sldId id="313" r:id="rId55"/>
-    <p:sldId id="314" r:id="rId56"/>
-    <p:sldId id="315" r:id="rId57"/>
+    <p:sldId id="319" r:id="rId22"/>
+    <p:sldId id="289" r:id="rId23"/>
+    <p:sldId id="267" r:id="rId24"/>
+    <p:sldId id="269" r:id="rId25"/>
+    <p:sldId id="273" r:id="rId26"/>
+    <p:sldId id="272" r:id="rId27"/>
+    <p:sldId id="297" r:id="rId28"/>
+    <p:sldId id="274" r:id="rId29"/>
+    <p:sldId id="275" r:id="rId30"/>
+    <p:sldId id="276" r:id="rId31"/>
+    <p:sldId id="277" r:id="rId32"/>
+    <p:sldId id="278" r:id="rId33"/>
+    <p:sldId id="279" r:id="rId34"/>
+    <p:sldId id="280" r:id="rId35"/>
+    <p:sldId id="302" r:id="rId36"/>
+    <p:sldId id="303" r:id="rId37"/>
+    <p:sldId id="281" r:id="rId38"/>
+    <p:sldId id="282" r:id="rId39"/>
+    <p:sldId id="300" r:id="rId40"/>
+    <p:sldId id="298" r:id="rId41"/>
+    <p:sldId id="301" r:id="rId42"/>
+    <p:sldId id="307" r:id="rId43"/>
+    <p:sldId id="284" r:id="rId44"/>
+    <p:sldId id="285" r:id="rId45"/>
+    <p:sldId id="286" r:id="rId46"/>
+    <p:sldId id="305" r:id="rId47"/>
+    <p:sldId id="304" r:id="rId48"/>
+    <p:sldId id="306" r:id="rId49"/>
+    <p:sldId id="308" r:id="rId50"/>
+    <p:sldId id="309" r:id="rId51"/>
+    <p:sldId id="310" r:id="rId52"/>
+    <p:sldId id="316" r:id="rId53"/>
+    <p:sldId id="311" r:id="rId54"/>
+    <p:sldId id="317" r:id="rId55"/>
+    <p:sldId id="313" r:id="rId56"/>
+    <p:sldId id="314" r:id="rId57"/>
+    <p:sldId id="315" r:id="rId58"/>
   </p:sldIdLst>
   <p:sldSz cx="12192000" cy="6858000"/>
   <p:notesSz cx="6858000" cy="9144000"/>
@@ -252,7 +253,7 @@
           <a:p>
             <a:fld id="{6347DB5A-9175-8242-AC70-6B1527B184C1}" type="datetimeFigureOut">
               <a:rPr kumimoji="1" lang="ko-KR" altLang="en-US" smtClean="0"/>
-              <a:t>2017. 2. 13.</a:t>
+              <a:t>2017. 2. 23.</a:t>
             </a:fld>
             <a:endParaRPr kumimoji="1" lang="ko-KR" altLang="en-US"/>
           </a:p>
@@ -903,7 +904,7 @@
           <a:p>
             <a:fld id="{FC6F441D-1AB8-9E4D-8D62-C080E7801396}" type="datetimeFigureOut">
               <a:rPr kumimoji="1" lang="ko-KR" altLang="en-US" smtClean="0"/>
-              <a:t>2017. 2. 13.</a:t>
+              <a:t>2017. 2. 23.</a:t>
             </a:fld>
             <a:endParaRPr kumimoji="1" lang="ko-KR" altLang="en-US"/>
           </a:p>
@@ -1080,7 +1081,7 @@
           <a:p>
             <a:fld id="{FC6F441D-1AB8-9E4D-8D62-C080E7801396}" type="datetimeFigureOut">
               <a:rPr kumimoji="1" lang="ko-KR" altLang="en-US" smtClean="0"/>
-              <a:t>2017. 2. 13.</a:t>
+              <a:t>2017. 2. 23.</a:t>
             </a:fld>
             <a:endParaRPr kumimoji="1" lang="ko-KR" altLang="en-US"/>
           </a:p>
@@ -1260,7 +1261,7 @@
           <a:p>
             <a:fld id="{FC6F441D-1AB8-9E4D-8D62-C080E7801396}" type="datetimeFigureOut">
               <a:rPr kumimoji="1" lang="ko-KR" altLang="en-US" smtClean="0"/>
-              <a:t>2017. 2. 13.</a:t>
+              <a:t>2017. 2. 23.</a:t>
             </a:fld>
             <a:endParaRPr kumimoji="1" lang="ko-KR" altLang="en-US"/>
           </a:p>
@@ -1453,7 +1454,7 @@
           <a:p>
             <a:fld id="{FC6F441D-1AB8-9E4D-8D62-C080E7801396}" type="datetimeFigureOut">
               <a:rPr kumimoji="1" lang="ko-KR" altLang="en-US" smtClean="0"/>
-              <a:t>2017. 2. 13.</a:t>
+              <a:t>2017. 2. 23.</a:t>
             </a:fld>
             <a:endParaRPr kumimoji="1" lang="ko-KR" altLang="en-US"/>
           </a:p>
@@ -1741,7 +1742,7 @@
           <a:p>
             <a:fld id="{FC6F441D-1AB8-9E4D-8D62-C080E7801396}" type="datetimeFigureOut">
               <a:rPr kumimoji="1" lang="ko-KR" altLang="en-US" smtClean="0"/>
-              <a:t>2017. 2. 13.</a:t>
+              <a:t>2017. 2. 23.</a:t>
             </a:fld>
             <a:endParaRPr kumimoji="1" lang="ko-KR" altLang="en-US"/>
           </a:p>
@@ -1973,7 +1974,7 @@
           <a:p>
             <a:fld id="{FC6F441D-1AB8-9E4D-8D62-C080E7801396}" type="datetimeFigureOut">
               <a:rPr kumimoji="1" lang="ko-KR" altLang="en-US" smtClean="0"/>
-              <a:t>2017. 2. 13.</a:t>
+              <a:t>2017. 2. 23.</a:t>
             </a:fld>
             <a:endParaRPr kumimoji="1" lang="ko-KR" altLang="en-US"/>
           </a:p>
@@ -2340,7 +2341,7 @@
           <a:p>
             <a:fld id="{FC6F441D-1AB8-9E4D-8D62-C080E7801396}" type="datetimeFigureOut">
               <a:rPr kumimoji="1" lang="ko-KR" altLang="en-US" smtClean="0"/>
-              <a:t>2017. 2. 13.</a:t>
+              <a:t>2017. 2. 23.</a:t>
             </a:fld>
             <a:endParaRPr kumimoji="1" lang="ko-KR" altLang="en-US"/>
           </a:p>
@@ -2458,7 +2459,7 @@
           <a:p>
             <a:fld id="{FC6F441D-1AB8-9E4D-8D62-C080E7801396}" type="datetimeFigureOut">
               <a:rPr kumimoji="1" lang="ko-KR" altLang="en-US" smtClean="0"/>
-              <a:t>2017. 2. 13.</a:t>
+              <a:t>2017. 2. 23.</a:t>
             </a:fld>
             <a:endParaRPr kumimoji="1" lang="ko-KR" altLang="en-US"/>
           </a:p>
@@ -2553,7 +2554,7 @@
           <a:p>
             <a:fld id="{FC6F441D-1AB8-9E4D-8D62-C080E7801396}" type="datetimeFigureOut">
               <a:rPr kumimoji="1" lang="ko-KR" altLang="en-US" smtClean="0"/>
-              <a:t>2017. 2. 13.</a:t>
+              <a:t>2017. 2. 23.</a:t>
             </a:fld>
             <a:endParaRPr kumimoji="1" lang="ko-KR" altLang="en-US"/>
           </a:p>
@@ -2830,7 +2831,7 @@
           <a:p>
             <a:fld id="{FC6F441D-1AB8-9E4D-8D62-C080E7801396}" type="datetimeFigureOut">
               <a:rPr kumimoji="1" lang="ko-KR" altLang="en-US" smtClean="0"/>
-              <a:t>2017. 2. 13.</a:t>
+              <a:t>2017. 2. 23.</a:t>
             </a:fld>
             <a:endParaRPr kumimoji="1" lang="ko-KR" altLang="en-US"/>
           </a:p>
@@ -3083,7 +3084,7 @@
           <a:p>
             <a:fld id="{FC6F441D-1AB8-9E4D-8D62-C080E7801396}" type="datetimeFigureOut">
               <a:rPr kumimoji="1" lang="ko-KR" altLang="en-US" smtClean="0"/>
-              <a:t>2017. 2. 13.</a:t>
+              <a:t>2017. 2. 23.</a:t>
             </a:fld>
             <a:endParaRPr kumimoji="1" lang="ko-KR" altLang="en-US"/>
           </a:p>
@@ -3296,7 +3297,7 @@
           <a:p>
             <a:fld id="{FC6F441D-1AB8-9E4D-8D62-C080E7801396}" type="datetimeFigureOut">
               <a:rPr kumimoji="1" lang="ko-KR" altLang="en-US" smtClean="0"/>
-              <a:t>2017. 2. 13.</a:t>
+              <a:t>2017. 2. 23.</a:t>
             </a:fld>
             <a:endParaRPr kumimoji="1" lang="ko-KR" altLang="en-US"/>
           </a:p>
@@ -5656,11 +5657,7 @@
             </a:r>
             <a:r>
               <a:rPr kumimoji="1" lang="ko-KR" altLang="en-US" dirty="0" smtClean="0"/>
-              <a:t> 빈도로 주어지는 </a:t>
-            </a:r>
-            <a:r>
-              <a:rPr kumimoji="1" lang="ko-KR" altLang="en-US" dirty="0" smtClean="0"/>
-              <a:t>확률</a:t>
+              <a:t> 빈도로 주어지는 확률</a:t>
             </a:r>
             <a:endParaRPr kumimoji="1" lang="en-US" altLang="ko-KR" dirty="0"/>
           </a:p>
@@ -5668,11 +5665,7 @@
             <a:pPr lvl="1"/>
             <a:r>
               <a:rPr kumimoji="1" lang="ko-KR" altLang="en-US" dirty="0" smtClean="0"/>
-              <a:t>파라미터는 알지 못하지만 고정된 </a:t>
-            </a:r>
-            <a:r>
-              <a:rPr kumimoji="1" lang="ko-KR" altLang="en-US" dirty="0" smtClean="0"/>
-              <a:t>상수</a:t>
+              <a:t>파라미터는 알지 못하지만 고정된 상수</a:t>
             </a:r>
             <a:endParaRPr kumimoji="1" lang="en-US" altLang="ko-KR" dirty="0" smtClean="0"/>
           </a:p>
@@ -5680,13 +5673,8 @@
             <a:pPr lvl="2"/>
             <a:r>
               <a:rPr kumimoji="1" lang="en-US" altLang="ko-KR" dirty="0" smtClean="0"/>
-              <a:t>(unknown but fixed</a:t>
-            </a:r>
-            <a:r>
-              <a:rPr kumimoji="1" lang="en-US" altLang="ko-KR" dirty="0" smtClean="0"/>
-              <a:t>)</a:t>
-            </a:r>
-            <a:endParaRPr kumimoji="1" lang="en-US" altLang="ko-KR" dirty="0" smtClean="0"/>
+              <a:t>(unknown but fixed)</a:t>
+            </a:r>
           </a:p>
           <a:p>
             <a:pPr lvl="1"/>
@@ -5945,8 +5933,8 @@
           </a:p>
         </p:txBody>
       </p:sp>
-      <mc:AlternateContent xmlns:mc="http://schemas.openxmlformats.org/markup-compatibility/2006">
-        <mc:Choice xmlns:a14="http://schemas.microsoft.com/office/drawing/2010/main" Requires="a14">
+      <mc:AlternateContent xmlns:mc="http://schemas.openxmlformats.org/markup-compatibility/2006" xmlns:a14="http://schemas.microsoft.com/office/drawing/2010/main">
+        <mc:Choice Requires="a14">
           <p:sp>
             <p:nvSpPr>
               <p:cNvPr id="6" name="텍스트 상자 5"/>
@@ -6091,7 +6079,7 @@
             </p:txBody>
           </p:sp>
         </mc:Choice>
-        <mc:Fallback>
+        <mc:Fallback xmlns="">
           <p:sp>
             <p:nvSpPr>
               <p:cNvPr id="6" name="텍스트 상자 5"/>
@@ -6130,8 +6118,8 @@
           </p:sp>
         </mc:Fallback>
       </mc:AlternateContent>
-      <mc:AlternateContent xmlns:mc="http://schemas.openxmlformats.org/markup-compatibility/2006">
-        <mc:Choice xmlns:a14="http://schemas.microsoft.com/office/drawing/2010/main" Requires="a14">
+      <mc:AlternateContent xmlns:mc="http://schemas.openxmlformats.org/markup-compatibility/2006" xmlns:a14="http://schemas.microsoft.com/office/drawing/2010/main">
+        <mc:Choice Requires="a14">
           <p:sp>
             <p:nvSpPr>
               <p:cNvPr id="7" name="텍스트 상자 6"/>
@@ -6280,7 +6268,7 @@
             </p:txBody>
           </p:sp>
         </mc:Choice>
-        <mc:Fallback>
+        <mc:Fallback xmlns="">
           <p:sp>
             <p:nvSpPr>
               <p:cNvPr id="7" name="텍스트 상자 6"/>
@@ -7187,8 +7175,8 @@
         </p:nvSpPr>
         <p:spPr>
           <a:xfrm>
-            <a:off x="838200" y="1905800"/>
-            <a:ext cx="10515600" cy="3863170"/>
+            <a:off x="838200" y="1795730"/>
+            <a:ext cx="10515600" cy="4029333"/>
           </a:xfrm>
         </p:spPr>
         <p:txBody>
@@ -7307,6 +7295,31 @@
               <a:rPr lang="en-US" altLang="ko-KR" dirty="0" smtClean="0"/>
               <a:t>.</a:t>
             </a:r>
+            <a:endParaRPr lang="en-US" altLang="ko-KR" dirty="0"/>
+          </a:p>
+          <a:p>
+            <a:pPr lvl="2"/>
+            <a:r>
+              <a:rPr lang="ko-KR" altLang="en-US" dirty="0" smtClean="0"/>
+              <a:t>물론 통계 역학적 관점에서 정보 이론이 볼츠만 이론과 연결되는 것이고</a:t>
+            </a:r>
+            <a:r>
+              <a:rPr lang="en-US" altLang="ko-KR" dirty="0" smtClean="0"/>
+              <a:t>,</a:t>
+            </a:r>
+            <a:r>
+              <a:rPr lang="ko-KR" altLang="en-US" dirty="0" smtClean="0"/>
+              <a:t> 볼츠만 아재가 </a:t>
+            </a:r>
+            <a:r>
+              <a:rPr lang="ko-KR" altLang="en-US" dirty="0" smtClean="0"/>
+              <a:t>쉐논 엉아보다 훨씬 오래 전에 살았던 사람</a:t>
+            </a:r>
+            <a:r>
+              <a:rPr lang="en-US" altLang="ko-KR" dirty="0" smtClean="0"/>
+              <a:t>.</a:t>
+            </a:r>
+            <a:endParaRPr lang="en-US" altLang="ko-KR" dirty="0" smtClean="0"/>
           </a:p>
           <a:p>
             <a:pPr lvl="1"/>
@@ -7333,8 +7346,8 @@
           </a:p>
         </p:txBody>
       </p:sp>
-      <mc:AlternateContent xmlns:mc="http://schemas.openxmlformats.org/markup-compatibility/2006" xmlns:a14="http://schemas.microsoft.com/office/drawing/2010/main">
-        <mc:Choice Requires="a14">
+      <mc:AlternateContent xmlns:mc="http://schemas.openxmlformats.org/markup-compatibility/2006">
+        <mc:Choice xmlns:a14="http://schemas.microsoft.com/office/drawing/2010/main" Requires="a14">
           <p:sp>
             <p:nvSpPr>
               <p:cNvPr id="5" name="텍스트 상자 4"/>
@@ -7343,7 +7356,7 @@
             </p:nvSpPr>
             <p:spPr>
               <a:xfrm>
-                <a:off x="3924727" y="5768970"/>
+                <a:off x="3873927" y="5935132"/>
                 <a:ext cx="3729520" cy="492443"/>
               </a:xfrm>
               <a:prstGeom prst="rect">
@@ -7460,7 +7473,7 @@
             </p:txBody>
           </p:sp>
         </mc:Choice>
-        <mc:Fallback xmlns="">
+        <mc:Fallback>
           <p:sp>
             <p:nvSpPr>
               <p:cNvPr id="5" name="텍스트 상자 4"/>
@@ -7471,7 +7484,7 @@
             </p:nvSpPr>
             <p:spPr>
               <a:xfrm>
-                <a:off x="3924727" y="5768970"/>
+                <a:off x="3873927" y="5935132"/>
                 <a:ext cx="3729520" cy="492443"/>
               </a:xfrm>
               <a:prstGeom prst="rect">
@@ -7515,8 +7528,8 @@
         </p:blipFill>
         <p:spPr>
           <a:xfrm>
-            <a:off x="9110133" y="0"/>
-            <a:ext cx="3081867" cy="2791546"/>
+            <a:off x="10583332" y="0"/>
+            <a:ext cx="1608667" cy="1457126"/>
           </a:xfrm>
           <a:prstGeom prst="rect">
             <a:avLst/>
@@ -7699,8 +7712,8 @@
           </a:p>
         </p:txBody>
       </p:sp>
-      <mc:AlternateContent xmlns:mc="http://schemas.openxmlformats.org/markup-compatibility/2006" xmlns:a14="http://schemas.microsoft.com/office/drawing/2010/main">
-        <mc:Choice Requires="a14">
+      <mc:AlternateContent xmlns:mc="http://schemas.openxmlformats.org/markup-compatibility/2006">
+        <mc:Choice xmlns:a14="http://schemas.microsoft.com/office/drawing/2010/main" Requires="a14">
           <p:sp>
             <p:nvSpPr>
               <p:cNvPr id="7" name="텍스트 상자 6"/>
@@ -7709,7 +7722,7 @@
             </p:nvSpPr>
             <p:spPr>
               <a:xfrm>
-                <a:off x="6632852" y="2259394"/>
+                <a:off x="7182707" y="2259394"/>
                 <a:ext cx="4358501" cy="732958"/>
               </a:xfrm>
               <a:prstGeom prst="rect">
@@ -7860,7 +7873,7 @@
             </p:txBody>
           </p:sp>
         </mc:Choice>
-        <mc:Fallback xmlns="">
+        <mc:Fallback>
           <p:sp>
             <p:nvSpPr>
               <p:cNvPr id="7" name="텍스트 상자 6"/>
@@ -7871,7 +7884,7 @@
             </p:nvSpPr>
             <p:spPr>
               <a:xfrm>
-                <a:off x="6632852" y="2259394"/>
+                <a:off x="7182707" y="2259394"/>
                 <a:ext cx="4358501" cy="732958"/>
               </a:xfrm>
               <a:prstGeom prst="rect">
@@ -7899,8 +7912,8 @@
           </p:sp>
         </mc:Fallback>
       </mc:AlternateContent>
-      <mc:AlternateContent xmlns:mc="http://schemas.openxmlformats.org/markup-compatibility/2006" xmlns:a14="http://schemas.microsoft.com/office/drawing/2010/main">
-        <mc:Choice Requires="a14">
+      <mc:AlternateContent xmlns:mc="http://schemas.openxmlformats.org/markup-compatibility/2006">
+        <mc:Choice xmlns:a14="http://schemas.microsoft.com/office/drawing/2010/main" Requires="a14">
           <p:sp>
             <p:nvSpPr>
               <p:cNvPr id="8" name="텍스트 상자 7"/>
@@ -7909,8 +7922,8 @@
             </p:nvSpPr>
             <p:spPr>
               <a:xfrm>
-                <a:off x="7861585" y="3807957"/>
-                <a:ext cx="3213957" cy="701731"/>
+                <a:off x="7182707" y="3816423"/>
+                <a:ext cx="3446393" cy="701731"/>
               </a:xfrm>
               <a:prstGeom prst="rect">
                 <a:avLst/>
@@ -8050,7 +8063,7 @@
                           <a:ea typeface="Cambria Math" charset="0"/>
                           <a:cs typeface="Cambria Math" charset="0"/>
                         </a:rPr>
-                        <m:t>2</m:t>
+                        <m:t>5.5</m:t>
                       </m:r>
                     </m:oMath>
                   </m:oMathPara>
@@ -8060,7 +8073,7 @@
             </p:txBody>
           </p:sp>
         </mc:Choice>
-        <mc:Fallback xmlns="">
+        <mc:Fallback>
           <p:sp>
             <p:nvSpPr>
               <p:cNvPr id="8" name="텍스트 상자 7"/>
@@ -8071,8 +8084,8 @@
             </p:nvSpPr>
             <p:spPr>
               <a:xfrm>
-                <a:off x="7861585" y="3807957"/>
-                <a:ext cx="3213957" cy="701731"/>
+                <a:off x="7182707" y="3816423"/>
+                <a:ext cx="3446393" cy="701731"/>
               </a:xfrm>
               <a:prstGeom prst="rect">
                 <a:avLst/>
@@ -8099,8 +8112,8 @@
           </p:sp>
         </mc:Fallback>
       </mc:AlternateContent>
-      <mc:AlternateContent xmlns:mc="http://schemas.openxmlformats.org/markup-compatibility/2006" xmlns:a14="http://schemas.microsoft.com/office/drawing/2010/main">
-        <mc:Choice Requires="a14">
+      <mc:AlternateContent xmlns:mc="http://schemas.openxmlformats.org/markup-compatibility/2006">
+        <mc:Choice xmlns:a14="http://schemas.microsoft.com/office/drawing/2010/main" Requires="a14">
           <p:sp>
             <p:nvSpPr>
               <p:cNvPr id="9" name="텍스트 상자 8"/>
@@ -8109,7 +8122,7 @@
             </p:nvSpPr>
             <p:spPr>
               <a:xfrm>
-                <a:off x="7861585" y="5591107"/>
+                <a:off x="7182707" y="5624247"/>
                 <a:ext cx="3129768" cy="552715"/>
               </a:xfrm>
               <a:prstGeom prst="rect">
@@ -8258,7 +8271,7 @@
             </p:txBody>
           </p:sp>
         </mc:Choice>
-        <mc:Fallback xmlns="">
+        <mc:Fallback>
           <p:sp>
             <p:nvSpPr>
               <p:cNvPr id="9" name="텍스트 상자 8"/>
@@ -8269,7 +8282,7 @@
             </p:nvSpPr>
             <p:spPr>
               <a:xfrm>
-                <a:off x="7861585" y="5591107"/>
+                <a:off x="7182707" y="5624247"/>
                 <a:ext cx="3129768" cy="552715"/>
               </a:xfrm>
               <a:prstGeom prst="rect">
@@ -8278,7 +8291,7 @@
               <a:blipFill rotWithShape="0">
                 <a:blip r:embed="rId4"/>
                 <a:stretch>
-                  <a:fillRect t="-1099" r="-5068" b="-15385"/>
+                  <a:fillRect t="-2222" r="-5058" b="-15556"/>
                 </a:stretch>
               </a:blipFill>
             </p:spPr>
@@ -9327,11 +9340,23 @@
             </a:r>
             <a:r>
               <a:rPr kumimoji="1" lang="en-US" altLang="ko-KR" dirty="0" smtClean="0"/>
-              <a:t>. (</a:t>
-            </a:r>
-            <a:r>
-              <a:rPr kumimoji="1" lang="ko-KR" altLang="en-US" dirty="0" smtClean="0"/>
-              <a:t>발표자도 잘 모름</a:t>
+              <a:t>. </a:t>
+            </a:r>
+            <a:r>
+              <a:rPr kumimoji="1" lang="en-US" altLang="ko-KR" dirty="0" smtClean="0"/>
+              <a:t>(</a:t>
+            </a:r>
+            <a:r>
+              <a:rPr kumimoji="1" lang="ko-KR" altLang="en-US" dirty="0" smtClean="0"/>
+              <a:t>근데 </a:t>
+            </a:r>
+            <a:r>
+              <a:rPr kumimoji="1" lang="ko-KR" altLang="en-US" dirty="0" smtClean="0"/>
+              <a:t>발표자도 </a:t>
+            </a:r>
+            <a:r>
+              <a:rPr kumimoji="1" lang="ko-KR" altLang="en-US" dirty="0" smtClean="0"/>
+              <a:t>잘 모름</a:t>
             </a:r>
             <a:r>
               <a:rPr kumimoji="1" lang="en-US" altLang="ko-KR" dirty="0" smtClean="0"/>
@@ -9398,10 +9423,14 @@
             </a:r>
             <a:r>
               <a:rPr kumimoji="1" lang="ko-KR" altLang="en-US" dirty="0" smtClean="0"/>
-              <a:t> 역시 어렵다</a:t>
-            </a:r>
-            <a:r>
-              <a:rPr kumimoji="1" lang="en-US" altLang="ko-KR" dirty="0" smtClean="0"/>
+              <a:t> </a:t>
+            </a:r>
+            <a:r>
+              <a:rPr kumimoji="1" lang="ko-KR" altLang="en-US" i="1" dirty="0" smtClean="0"/>
+              <a:t>역시 어렵다</a:t>
+            </a:r>
+            <a:r>
+              <a:rPr kumimoji="1" lang="en-US" altLang="ko-KR" i="1" dirty="0" smtClean="0"/>
               <a:t>.</a:t>
             </a:r>
           </a:p>
@@ -10062,6 +10091,475 @@
           </a:p>
         </p:txBody>
       </p:sp>
+      <p:sp>
+        <p:nvSpPr>
+          <p:cNvPr id="3" name="내용 개체 틀 2"/>
+          <p:cNvSpPr>
+            <a:spLocks noGrp="1"/>
+          </p:cNvSpPr>
+          <p:nvPr>
+            <p:ph idx="1"/>
+          </p:nvPr>
+        </p:nvSpPr>
+        <p:spPr>
+          <a:xfrm>
+            <a:off x="838200" y="1905802"/>
+            <a:ext cx="10515600" cy="642666"/>
+          </a:xfrm>
+        </p:spPr>
+        <p:txBody>
+          <a:bodyPr>
+            <a:normAutofit fontScale="92500"/>
+          </a:bodyPr>
+          <a:lstStyle/>
+          <a:p>
+            <a:r>
+              <a:rPr kumimoji="1" lang="ko-KR" altLang="en-US" dirty="0" smtClean="0"/>
+              <a:t>왜 원래 확률 함수가 아닌 다른 확률함수를 선택하게 되면 </a:t>
+            </a:r>
+            <a:r>
+              <a:rPr kumimoji="1" lang="en-US" altLang="ko-KR" dirty="0" smtClean="0"/>
+              <a:t>0</a:t>
+            </a:r>
+            <a:r>
+              <a:rPr kumimoji="1" lang="ko-KR" altLang="en-US" dirty="0" smtClean="0"/>
+              <a:t>보다 크게 될까</a:t>
+            </a:r>
+            <a:r>
+              <a:rPr kumimoji="1" lang="en-US" altLang="ko-KR" dirty="0" smtClean="0"/>
+              <a:t>?</a:t>
+            </a:r>
+            <a:endParaRPr kumimoji="1" lang="ko-KR" altLang="en-US" dirty="0"/>
+          </a:p>
+        </p:txBody>
+      </p:sp>
+      <p:pic>
+        <p:nvPicPr>
+          <p:cNvPr id="4" name="그림 3"/>
+          <p:cNvPicPr>
+            <a:picLocks noChangeAspect="1"/>
+          </p:cNvPicPr>
+          <p:nvPr/>
+        </p:nvPicPr>
+        <p:blipFill>
+          <a:blip r:embed="rId2"/>
+          <a:stretch>
+            <a:fillRect/>
+          </a:stretch>
+        </p:blipFill>
+        <p:spPr>
+          <a:xfrm>
+            <a:off x="612930" y="3353981"/>
+            <a:ext cx="4835994" cy="2253731"/>
+          </a:xfrm>
+          <a:prstGeom prst="rect">
+            <a:avLst/>
+          </a:prstGeom>
+        </p:spPr>
+      </p:pic>
+      <p:sp>
+        <p:nvSpPr>
+          <p:cNvPr id="5" name="타원 4"/>
+          <p:cNvSpPr/>
+          <p:nvPr/>
+        </p:nvSpPr>
+        <p:spPr>
+          <a:xfrm>
+            <a:off x="1715604" y="3662598"/>
+            <a:ext cx="667833" cy="684550"/>
+          </a:xfrm>
+          <a:prstGeom prst="ellipse">
+            <a:avLst/>
+          </a:prstGeom>
+          <a:noFill/>
+          <a:ln w="28575">
+            <a:solidFill>
+              <a:srgbClr val="FF0000"/>
+            </a:solidFill>
+          </a:ln>
+        </p:spPr>
+        <p:style>
+          <a:lnRef idx="2">
+            <a:schemeClr val="accent1">
+              <a:shade val="50000"/>
+            </a:schemeClr>
+          </a:lnRef>
+          <a:fillRef idx="1">
+            <a:schemeClr val="accent1"/>
+          </a:fillRef>
+          <a:effectRef idx="0">
+            <a:schemeClr val="accent1"/>
+          </a:effectRef>
+          <a:fontRef idx="minor">
+            <a:schemeClr val="lt1"/>
+          </a:fontRef>
+        </p:style>
+        <p:txBody>
+          <a:bodyPr rtlCol="0" anchor="ctr"/>
+          <a:lstStyle/>
+          <a:p>
+            <a:pPr algn="ctr"/>
+            <a:endParaRPr kumimoji="1" lang="ko-KR" altLang="en-US"/>
+          </a:p>
+        </p:txBody>
+      </p:sp>
+      <p:sp>
+        <p:nvSpPr>
+          <p:cNvPr id="6" name="타원 5"/>
+          <p:cNvSpPr/>
+          <p:nvPr/>
+        </p:nvSpPr>
+        <p:spPr>
+          <a:xfrm>
+            <a:off x="4154004" y="4480846"/>
+            <a:ext cx="667833" cy="684550"/>
+          </a:xfrm>
+          <a:prstGeom prst="ellipse">
+            <a:avLst/>
+          </a:prstGeom>
+          <a:noFill/>
+          <a:ln w="28575">
+            <a:solidFill>
+              <a:srgbClr val="FF0000"/>
+            </a:solidFill>
+          </a:ln>
+        </p:spPr>
+        <p:style>
+          <a:lnRef idx="2">
+            <a:schemeClr val="accent1">
+              <a:shade val="50000"/>
+            </a:schemeClr>
+          </a:lnRef>
+          <a:fillRef idx="1">
+            <a:schemeClr val="accent1"/>
+          </a:fillRef>
+          <a:effectRef idx="0">
+            <a:schemeClr val="accent1"/>
+          </a:effectRef>
+          <a:fontRef idx="minor">
+            <a:schemeClr val="lt1"/>
+          </a:fontRef>
+        </p:style>
+        <p:txBody>
+          <a:bodyPr rtlCol="0" anchor="ctr"/>
+          <a:lstStyle/>
+          <a:p>
+            <a:pPr algn="ctr"/>
+            <a:endParaRPr kumimoji="1" lang="ko-KR" altLang="en-US"/>
+          </a:p>
+        </p:txBody>
+      </p:sp>
+      <p:sp>
+        <p:nvSpPr>
+          <p:cNvPr id="7" name="내용 개체 틀 2"/>
+          <p:cNvSpPr txBox="1">
+            <a:spLocks/>
+          </p:cNvSpPr>
+          <p:nvPr/>
+        </p:nvSpPr>
+        <p:spPr>
+          <a:xfrm>
+            <a:off x="6096000" y="3600373"/>
+            <a:ext cx="5026702" cy="2448158"/>
+          </a:xfrm>
+          <a:prstGeom prst="rect">
+            <a:avLst/>
+          </a:prstGeom>
+        </p:spPr>
+        <p:txBody>
+          <a:bodyPr vert="horz" lIns="91440" tIns="45720" rIns="91440" bIns="45720" rtlCol="0">
+            <a:normAutofit fontScale="55000" lnSpcReduction="20000"/>
+          </a:bodyPr>
+          <a:lstStyle>
+            <a:lvl1pPr marL="228600" indent="-228600" algn="l" defTabSz="914400" rtl="0" eaLnBrk="1" latinLnBrk="1" hangingPunct="1">
+              <a:lnSpc>
+                <a:spcPct val="90000"/>
+              </a:lnSpc>
+              <a:spcBef>
+                <a:spcPts val="1000"/>
+              </a:spcBef>
+              <a:buFont typeface="Arial"/>
+              <a:buChar char="•"/>
+              <a:defRPr sz="2800" kern="1200">
+                <a:solidFill>
+                  <a:schemeClr val="tx1"/>
+                </a:solidFill>
+                <a:latin typeface="Apple SD Gothic Neo" charset="-127"/>
+                <a:ea typeface="Apple SD Gothic Neo" charset="-127"/>
+                <a:cs typeface="Apple SD Gothic Neo" charset="-127"/>
+              </a:defRPr>
+            </a:lvl1pPr>
+            <a:lvl2pPr marL="685800" indent="-228600" algn="l" defTabSz="914400" rtl="0" eaLnBrk="1" latinLnBrk="1" hangingPunct="1">
+              <a:lnSpc>
+                <a:spcPct val="150000"/>
+              </a:lnSpc>
+              <a:spcBef>
+                <a:spcPts val="500"/>
+              </a:spcBef>
+              <a:buFont typeface="Arial"/>
+              <a:buChar char="•"/>
+              <a:defRPr sz="2400" kern="1200">
+                <a:solidFill>
+                  <a:schemeClr val="tx1"/>
+                </a:solidFill>
+                <a:latin typeface="Apple SD Gothic Neo" charset="-127"/>
+                <a:ea typeface="Apple SD Gothic Neo" charset="-127"/>
+                <a:cs typeface="Apple SD Gothic Neo" charset="-127"/>
+              </a:defRPr>
+            </a:lvl2pPr>
+            <a:lvl3pPr marL="1143000" indent="-228600" algn="l" defTabSz="914400" rtl="0" eaLnBrk="1" latinLnBrk="1" hangingPunct="1">
+              <a:lnSpc>
+                <a:spcPct val="150000"/>
+              </a:lnSpc>
+              <a:spcBef>
+                <a:spcPts val="500"/>
+              </a:spcBef>
+              <a:buFont typeface="Arial"/>
+              <a:buChar char="•"/>
+              <a:defRPr sz="2000" kern="1200">
+                <a:solidFill>
+                  <a:schemeClr val="tx1"/>
+                </a:solidFill>
+                <a:latin typeface="Apple SD Gothic Neo" charset="-127"/>
+                <a:ea typeface="Apple SD Gothic Neo" charset="-127"/>
+                <a:cs typeface="Apple SD Gothic Neo" charset="-127"/>
+              </a:defRPr>
+            </a:lvl3pPr>
+            <a:lvl4pPr marL="1600200" indent="-228600" algn="l" defTabSz="914400" rtl="0" eaLnBrk="1" latinLnBrk="1" hangingPunct="1">
+              <a:lnSpc>
+                <a:spcPct val="90000"/>
+              </a:lnSpc>
+              <a:spcBef>
+                <a:spcPts val="500"/>
+              </a:spcBef>
+              <a:buFont typeface="Arial"/>
+              <a:buChar char="•"/>
+              <a:defRPr sz="1800" kern="1200">
+                <a:solidFill>
+                  <a:schemeClr val="tx1"/>
+                </a:solidFill>
+                <a:latin typeface="Apple SD Gothic Neo" charset="-127"/>
+                <a:ea typeface="Apple SD Gothic Neo" charset="-127"/>
+                <a:cs typeface="Apple SD Gothic Neo" charset="-127"/>
+              </a:defRPr>
+            </a:lvl4pPr>
+            <a:lvl5pPr marL="2057400" indent="-228600" algn="l" defTabSz="914400" rtl="0" eaLnBrk="1" latinLnBrk="1" hangingPunct="1">
+              <a:lnSpc>
+                <a:spcPct val="90000"/>
+              </a:lnSpc>
+              <a:spcBef>
+                <a:spcPts val="500"/>
+              </a:spcBef>
+              <a:buFont typeface="Arial"/>
+              <a:buChar char="•"/>
+              <a:defRPr sz="1800" kern="1200">
+                <a:solidFill>
+                  <a:schemeClr val="tx1"/>
+                </a:solidFill>
+                <a:latin typeface="Apple SD Gothic Neo" charset="-127"/>
+                <a:ea typeface="Apple SD Gothic Neo" charset="-127"/>
+                <a:cs typeface="Apple SD Gothic Neo" charset="-127"/>
+              </a:defRPr>
+            </a:lvl5pPr>
+            <a:lvl6pPr marL="2514600" indent="-228600" algn="l" defTabSz="914400" rtl="0" eaLnBrk="1" latinLnBrk="1" hangingPunct="1">
+              <a:lnSpc>
+                <a:spcPct val="90000"/>
+              </a:lnSpc>
+              <a:spcBef>
+                <a:spcPts val="500"/>
+              </a:spcBef>
+              <a:buFont typeface="Arial"/>
+              <a:buChar char="•"/>
+              <a:defRPr sz="1800" kern="1200">
+                <a:solidFill>
+                  <a:schemeClr val="tx1"/>
+                </a:solidFill>
+                <a:latin typeface="+mn-lt"/>
+                <a:ea typeface="+mn-ea"/>
+                <a:cs typeface="+mn-cs"/>
+              </a:defRPr>
+            </a:lvl6pPr>
+            <a:lvl7pPr marL="2971800" indent="-228600" algn="l" defTabSz="914400" rtl="0" eaLnBrk="1" latinLnBrk="1" hangingPunct="1">
+              <a:lnSpc>
+                <a:spcPct val="90000"/>
+              </a:lnSpc>
+              <a:spcBef>
+                <a:spcPts val="500"/>
+              </a:spcBef>
+              <a:buFont typeface="Arial"/>
+              <a:buChar char="•"/>
+              <a:defRPr sz="1800" kern="1200">
+                <a:solidFill>
+                  <a:schemeClr val="tx1"/>
+                </a:solidFill>
+                <a:latin typeface="+mn-lt"/>
+                <a:ea typeface="+mn-ea"/>
+                <a:cs typeface="+mn-cs"/>
+              </a:defRPr>
+            </a:lvl7pPr>
+            <a:lvl8pPr marL="3429000" indent="-228600" algn="l" defTabSz="914400" rtl="0" eaLnBrk="1" latinLnBrk="1" hangingPunct="1">
+              <a:lnSpc>
+                <a:spcPct val="90000"/>
+              </a:lnSpc>
+              <a:spcBef>
+                <a:spcPts val="500"/>
+              </a:spcBef>
+              <a:buFont typeface="Arial"/>
+              <a:buChar char="•"/>
+              <a:defRPr sz="1800" kern="1200">
+                <a:solidFill>
+                  <a:schemeClr val="tx1"/>
+                </a:solidFill>
+                <a:latin typeface="+mn-lt"/>
+                <a:ea typeface="+mn-ea"/>
+                <a:cs typeface="+mn-cs"/>
+              </a:defRPr>
+            </a:lvl8pPr>
+            <a:lvl9pPr marL="3886200" indent="-228600" algn="l" defTabSz="914400" rtl="0" eaLnBrk="1" latinLnBrk="1" hangingPunct="1">
+              <a:lnSpc>
+                <a:spcPct val="90000"/>
+              </a:lnSpc>
+              <a:spcBef>
+                <a:spcPts val="500"/>
+              </a:spcBef>
+              <a:buFont typeface="Arial"/>
+              <a:buChar char="•"/>
+              <a:defRPr sz="1800" kern="1200">
+                <a:solidFill>
+                  <a:schemeClr val="tx1"/>
+                </a:solidFill>
+                <a:latin typeface="+mn-lt"/>
+                <a:ea typeface="+mn-ea"/>
+                <a:cs typeface="+mn-cs"/>
+              </a:defRPr>
+            </a:lvl9pPr>
+          </a:lstStyle>
+          <a:p>
+            <a:pPr>
+              <a:lnSpc>
+                <a:spcPct val="170000"/>
+              </a:lnSpc>
+            </a:pPr>
+            <a:r>
+              <a:rPr kumimoji="1" lang="ko-KR" altLang="en-US" dirty="0" smtClean="0"/>
+              <a:t>대충 느낌만 알자면 높은 확률을 가지는 위치는 낮은 정보량을 가지기 때문에 곱을 하는 순간 값이 낮아짐</a:t>
+            </a:r>
+            <a:r>
+              <a:rPr kumimoji="1" lang="en-US" altLang="ko-KR" dirty="0" smtClean="0"/>
+              <a:t>.</a:t>
+            </a:r>
+          </a:p>
+          <a:p>
+            <a:pPr>
+              <a:lnSpc>
+                <a:spcPct val="170000"/>
+              </a:lnSpc>
+            </a:pPr>
+            <a:endParaRPr kumimoji="1" lang="en-US" altLang="ko-KR" dirty="0" smtClean="0"/>
+          </a:p>
+          <a:p>
+            <a:pPr>
+              <a:lnSpc>
+                <a:spcPct val="170000"/>
+              </a:lnSpc>
+            </a:pPr>
+            <a:r>
+              <a:rPr kumimoji="1" lang="ko-KR" altLang="en-US" dirty="0" smtClean="0"/>
+              <a:t>이런 이유로 실제 확률 함수에 대한 정보량을 이용하여 계산한 엔트로피가 가장 최적의 </a:t>
+            </a:r>
+            <a:r>
+              <a:rPr kumimoji="1" lang="en-US" altLang="ko-KR" dirty="0" smtClean="0"/>
+              <a:t>(</a:t>
+            </a:r>
+            <a:r>
+              <a:rPr kumimoji="1" lang="ko-KR" altLang="en-US" dirty="0" smtClean="0"/>
+              <a:t>가작 작은</a:t>
+            </a:r>
+            <a:r>
+              <a:rPr kumimoji="1" lang="en-US" altLang="ko-KR" dirty="0" smtClean="0"/>
+              <a:t>)</a:t>
+            </a:r>
+            <a:r>
+              <a:rPr kumimoji="1" lang="ko-KR" altLang="en-US" dirty="0" smtClean="0"/>
+              <a:t> 엔트로피 값이 된다</a:t>
+            </a:r>
+            <a:r>
+              <a:rPr kumimoji="1" lang="en-US" altLang="ko-KR" dirty="0" smtClean="0"/>
+              <a:t>.</a:t>
+            </a:r>
+            <a:r>
+              <a:rPr kumimoji="1" lang="ko-KR" altLang="en-US" dirty="0" smtClean="0"/>
+              <a:t> </a:t>
+            </a:r>
+            <a:endParaRPr kumimoji="1" lang="ko-KR" altLang="en-US" dirty="0"/>
+          </a:p>
+        </p:txBody>
+      </p:sp>
+    </p:spTree>
+    <p:extLst>
+      <p:ext uri="{BB962C8B-B14F-4D97-AF65-F5344CB8AC3E}">
+        <p14:creationId xmlns:p14="http://schemas.microsoft.com/office/powerpoint/2010/main" val="768537477"/>
+      </p:ext>
+    </p:extLst>
+  </p:cSld>
+  <p:clrMapOvr>
+    <a:masterClrMapping/>
+  </p:clrMapOvr>
+</p:sld>
+</file>
+
+<file path=ppt/slides/slide22.xml><?xml version="1.0" encoding="utf-8"?>
+<p:sld xmlns:a="http://schemas.openxmlformats.org/drawingml/2006/main" xmlns:r="http://schemas.openxmlformats.org/officeDocument/2006/relationships" xmlns:p="http://schemas.openxmlformats.org/presentationml/2006/main">
+  <p:cSld>
+    <p:spTree>
+      <p:nvGrpSpPr>
+        <p:cNvPr id="1" name=""/>
+        <p:cNvGrpSpPr/>
+        <p:nvPr/>
+      </p:nvGrpSpPr>
+      <p:grpSpPr>
+        <a:xfrm>
+          <a:off x="0" y="0"/>
+          <a:ext cx="0" cy="0"/>
+          <a:chOff x="0" y="0"/>
+          <a:chExt cx="0" cy="0"/>
+        </a:xfrm>
+      </p:grpSpPr>
+      <p:sp>
+        <p:nvSpPr>
+          <p:cNvPr id="2" name="제목 1"/>
+          <p:cNvSpPr>
+            <a:spLocks noGrp="1"/>
+          </p:cNvSpPr>
+          <p:nvPr>
+            <p:ph type="title"/>
+          </p:nvPr>
+        </p:nvSpPr>
+        <p:spPr/>
+        <p:txBody>
+          <a:bodyPr/>
+          <a:lstStyle/>
+          <a:p>
+            <a:r>
+              <a:rPr lang="cs-CZ" altLang="ko-KR" dirty="0"/>
+              <a:t>KL</a:t>
+            </a:r>
+            <a:r>
+              <a:rPr lang="en-US" altLang="ko-KR" dirty="0"/>
+              <a:t>-</a:t>
+            </a:r>
+            <a:r>
+              <a:rPr lang="cs-CZ" altLang="ko-KR" dirty="0"/>
+              <a:t>divergence </a:t>
+            </a:r>
+            <a:r>
+              <a:rPr kumimoji="1" lang="en-US" altLang="ko-KR" dirty="0"/>
+              <a:t>(Cont’d)</a:t>
+            </a:r>
+            <a:endParaRPr kumimoji="1" lang="ko-KR" altLang="en-US" dirty="0"/>
+          </a:p>
+        </p:txBody>
+      </p:sp>
       <p:pic>
         <p:nvPicPr>
           <p:cNvPr id="4" name="그림 3"/>
@@ -10120,271 +10618,6 @@
     <p:extLst>
       <p:ext uri="{BB962C8B-B14F-4D97-AF65-F5344CB8AC3E}">
         <p14:creationId xmlns:p14="http://schemas.microsoft.com/office/powerpoint/2010/main" val="1304589196"/>
-      </p:ext>
-    </p:extLst>
-  </p:cSld>
-  <p:clrMapOvr>
-    <a:masterClrMapping/>
-  </p:clrMapOvr>
-  <p:timing>
-    <p:tnLst>
-      <p:par>
-        <p:cTn id="1" dur="indefinite" restart="never" nodeType="tmRoot"/>
-      </p:par>
-    </p:tnLst>
-  </p:timing>
-</p:sld>
-</file>
-
-<file path=ppt/slides/slide22.xml><?xml version="1.0" encoding="utf-8"?>
-<p:sld xmlns:a="http://schemas.openxmlformats.org/drawingml/2006/main" xmlns:r="http://schemas.openxmlformats.org/officeDocument/2006/relationships" xmlns:p="http://schemas.openxmlformats.org/presentationml/2006/main">
-  <p:cSld>
-    <p:spTree>
-      <p:nvGrpSpPr>
-        <p:cNvPr id="1" name=""/>
-        <p:cNvGrpSpPr/>
-        <p:nvPr/>
-      </p:nvGrpSpPr>
-      <p:grpSpPr>
-        <a:xfrm>
-          <a:off x="0" y="0"/>
-          <a:ext cx="0" cy="0"/>
-          <a:chOff x="0" y="0"/>
-          <a:chExt cx="0" cy="0"/>
-        </a:xfrm>
-      </p:grpSpPr>
-      <p:sp>
-        <p:nvSpPr>
-          <p:cNvPr id="2" name="제목 1"/>
-          <p:cNvSpPr>
-            <a:spLocks noGrp="1"/>
-          </p:cNvSpPr>
-          <p:nvPr>
-            <p:ph type="title"/>
-          </p:nvPr>
-        </p:nvSpPr>
-        <p:spPr/>
-        <p:txBody>
-          <a:bodyPr/>
-          <a:lstStyle/>
-          <a:p>
-            <a:r>
-              <a:rPr lang="cs-CZ" altLang="ko-KR" dirty="0"/>
-              <a:t>KL</a:t>
-            </a:r>
-            <a:r>
-              <a:rPr lang="en-US" altLang="ko-KR" dirty="0"/>
-              <a:t>-</a:t>
-            </a:r>
-            <a:r>
-              <a:rPr lang="cs-CZ" altLang="ko-KR" dirty="0"/>
-              <a:t>divergence </a:t>
-            </a:r>
-            <a:r>
-              <a:rPr kumimoji="1" lang="en-US" altLang="ko-KR" dirty="0"/>
-              <a:t>(Cont’d)</a:t>
-            </a:r>
-            <a:endParaRPr kumimoji="1" lang="ko-KR" altLang="en-US" dirty="0"/>
-          </a:p>
-        </p:txBody>
-      </p:sp>
-      <p:sp>
-        <p:nvSpPr>
-          <p:cNvPr id="3" name="내용 개체 틀 2"/>
-          <p:cNvSpPr>
-            <a:spLocks noGrp="1"/>
-          </p:cNvSpPr>
-          <p:nvPr>
-            <p:ph idx="1"/>
-          </p:nvPr>
-        </p:nvSpPr>
-        <p:spPr/>
-        <p:txBody>
-          <a:bodyPr/>
-          <a:lstStyle/>
-          <a:p>
-            <a:r>
-              <a:rPr kumimoji="1" lang="ko-KR" altLang="en-US" dirty="0"/>
-              <a:t>주 용도</a:t>
-            </a:r>
-            <a:r>
-              <a:rPr kumimoji="1" lang="en-US" altLang="ko-KR" dirty="0"/>
-              <a:t>?</a:t>
-            </a:r>
-          </a:p>
-          <a:p>
-            <a:pPr lvl="1"/>
-            <a:r>
-              <a:rPr kumimoji="1" lang="ko-KR" altLang="en-US" dirty="0"/>
-              <a:t>우리가 원래의 분포 </a:t>
-            </a:r>
-            <a:r>
-              <a:rPr kumimoji="1" lang="en-US" altLang="ko-KR" dirty="0"/>
-              <a:t>P </a:t>
-            </a:r>
-            <a:r>
-              <a:rPr kumimoji="1" lang="ko-KR" altLang="en-US" dirty="0"/>
-              <a:t>를 모르는 상태에서 샘플은 </a:t>
-            </a:r>
-            <a:r>
-              <a:rPr kumimoji="1" lang="en-US" altLang="ko-KR" dirty="0"/>
-              <a:t>P </a:t>
-            </a:r>
-            <a:r>
-              <a:rPr kumimoji="1" lang="ko-KR" altLang="en-US" dirty="0"/>
-              <a:t>로부터 얻어진 상황이라면</a:t>
-            </a:r>
-            <a:r>
-              <a:rPr kumimoji="1" lang="en-US" altLang="ko-KR" dirty="0"/>
-              <a:t>,</a:t>
-            </a:r>
-          </a:p>
-          <a:p>
-            <a:pPr lvl="1"/>
-            <a:r>
-              <a:rPr kumimoji="1" lang="ko-KR" altLang="en-US" dirty="0"/>
-              <a:t>어떤 </a:t>
-            </a:r>
-            <a:r>
-              <a:rPr kumimoji="1" lang="en-US" altLang="ko-KR" dirty="0"/>
-              <a:t>Q</a:t>
-            </a:r>
-            <a:r>
-              <a:rPr kumimoji="1" lang="ko-KR" altLang="en-US" dirty="0"/>
-              <a:t>라는 분포 함수를 도입하여 마치 이걸 </a:t>
-            </a:r>
-            <a:r>
-              <a:rPr kumimoji="1" lang="en-US" altLang="ko-KR" dirty="0" smtClean="0"/>
-              <a:t>P </a:t>
-            </a:r>
-            <a:r>
-              <a:rPr kumimoji="1" lang="ko-KR" altLang="en-US" dirty="0" smtClean="0"/>
-              <a:t>인양 </a:t>
-            </a:r>
-            <a:r>
-              <a:rPr kumimoji="1" lang="ko-KR" altLang="en-US" dirty="0"/>
-              <a:t>막 쓴다고 하자</a:t>
-            </a:r>
-            <a:r>
-              <a:rPr kumimoji="1" lang="en-US" altLang="ko-KR" dirty="0"/>
-              <a:t>.</a:t>
-            </a:r>
-          </a:p>
-          <a:p>
-            <a:pPr lvl="1"/>
-            <a:r>
-              <a:rPr kumimoji="1" lang="ko-KR" altLang="en-US" dirty="0"/>
-              <a:t>그럼 이런 상황으로 인해 발생되는 오차율을 </a:t>
-            </a:r>
-            <a:r>
-              <a:rPr kumimoji="1" lang="en-US" altLang="ko-KR" dirty="0"/>
-              <a:t>KL </a:t>
-            </a:r>
-            <a:r>
-              <a:rPr kumimoji="1" lang="ko-KR" altLang="en-US" dirty="0"/>
-              <a:t>값을 이용하여 상대 비교가 가능함</a:t>
-            </a:r>
-            <a:r>
-              <a:rPr kumimoji="1" lang="en-US" altLang="ko-KR" dirty="0"/>
-              <a:t>.</a:t>
-            </a:r>
-          </a:p>
-          <a:p>
-            <a:pPr lvl="1"/>
-            <a:r>
-              <a:rPr kumimoji="1" lang="ko-KR" altLang="en-US" dirty="0"/>
-              <a:t>예를 들어 </a:t>
-            </a:r>
-            <a:r>
-              <a:rPr kumimoji="1" lang="en-US" altLang="ko-KR" dirty="0"/>
-              <a:t>Q1, Q2 </a:t>
-            </a:r>
-            <a:r>
-              <a:rPr kumimoji="1" lang="ko-KR" altLang="en-US" dirty="0"/>
-              <a:t>를 가정하고 각각 </a:t>
-            </a:r>
-            <a:r>
-              <a:rPr kumimoji="1" lang="en-US" altLang="ko-KR" dirty="0"/>
-              <a:t>KL</a:t>
-            </a:r>
-            <a:r>
-              <a:rPr kumimoji="1" lang="ko-KR" altLang="en-US" dirty="0"/>
-              <a:t>을 </a:t>
-            </a:r>
-            <a:r>
-              <a:rPr kumimoji="1" lang="en-US" altLang="ko-KR" dirty="0"/>
-              <a:t>P</a:t>
-            </a:r>
-            <a:r>
-              <a:rPr kumimoji="1" lang="ko-KR" altLang="en-US" dirty="0"/>
-              <a:t>에 대해</a:t>
-            </a:r>
-            <a:r>
-              <a:rPr kumimoji="1" lang="en-US" altLang="ko-KR" dirty="0"/>
-              <a:t> </a:t>
-            </a:r>
-            <a:r>
-              <a:rPr kumimoji="1" lang="ko-KR" altLang="en-US" dirty="0"/>
-              <a:t>구해보니 </a:t>
-            </a:r>
-            <a:r>
-              <a:rPr kumimoji="1" lang="en-US" altLang="ko-KR" dirty="0"/>
-              <a:t>Q1</a:t>
-            </a:r>
-            <a:r>
-              <a:rPr kumimoji="1" lang="ko-KR" altLang="en-US" dirty="0"/>
-              <a:t>이 더 작다</a:t>
-            </a:r>
-            <a:r>
-              <a:rPr kumimoji="1" lang="en-US" altLang="ko-KR" dirty="0"/>
-              <a:t>.</a:t>
-            </a:r>
-          </a:p>
-          <a:p>
-            <a:pPr lvl="1"/>
-            <a:r>
-              <a:rPr kumimoji="1" lang="ko-KR" altLang="en-US" dirty="0"/>
-              <a:t>그러면 </a:t>
-            </a:r>
-            <a:r>
-              <a:rPr kumimoji="1" lang="en-US" altLang="ko-KR" dirty="0"/>
-              <a:t>Q1 </a:t>
-            </a:r>
-            <a:r>
-              <a:rPr kumimoji="1" lang="ko-KR" altLang="en-US" dirty="0"/>
-              <a:t>이 </a:t>
-            </a:r>
-            <a:r>
-              <a:rPr kumimoji="1" lang="en-US" altLang="ko-KR" dirty="0"/>
-              <a:t>Q2 </a:t>
-            </a:r>
-            <a:r>
-              <a:rPr kumimoji="1" lang="ko-KR" altLang="en-US" dirty="0"/>
-              <a:t>보다 </a:t>
-            </a:r>
-            <a:r>
-              <a:rPr kumimoji="1" lang="en-US" altLang="ko-KR" dirty="0"/>
-              <a:t>P</a:t>
-            </a:r>
-            <a:r>
-              <a:rPr kumimoji="1" lang="ko-KR" altLang="en-US" dirty="0"/>
-              <a:t>에 더 가까운 모양이라고 고려할 수 있다</a:t>
-            </a:r>
-            <a:r>
-              <a:rPr kumimoji="1" lang="en-US" altLang="ko-KR" dirty="0" smtClean="0"/>
-              <a:t>.</a:t>
-            </a:r>
-            <a:endParaRPr kumimoji="1" lang="ko-KR" altLang="en-US" dirty="0"/>
-          </a:p>
-          <a:p>
-            <a:endParaRPr kumimoji="1" lang="ko-KR" altLang="en-US" dirty="0"/>
-          </a:p>
-        </p:txBody>
-      </p:sp>
-    </p:spTree>
-    <p:extLst>
-      <p:ext uri="{BB962C8B-B14F-4D97-AF65-F5344CB8AC3E}">
-        <p14:creationId xmlns:p14="http://schemas.microsoft.com/office/powerpoint/2010/main" val="668635321"/>
       </p:ext>
     </p:extLst>
   </p:cSld>
@@ -10434,6 +10667,342 @@
           <a:lstStyle/>
           <a:p>
             <a:r>
+              <a:rPr lang="cs-CZ" altLang="ko-KR" dirty="0"/>
+              <a:t>KL</a:t>
+            </a:r>
+            <a:r>
+              <a:rPr lang="en-US" altLang="ko-KR" dirty="0"/>
+              <a:t>-</a:t>
+            </a:r>
+            <a:r>
+              <a:rPr lang="cs-CZ" altLang="ko-KR" dirty="0"/>
+              <a:t>divergence </a:t>
+            </a:r>
+            <a:r>
+              <a:rPr kumimoji="1" lang="en-US" altLang="ko-KR" dirty="0"/>
+              <a:t>(Cont’d)</a:t>
+            </a:r>
+            <a:endParaRPr kumimoji="1" lang="ko-KR" altLang="en-US" dirty="0"/>
+          </a:p>
+        </p:txBody>
+      </p:sp>
+      <p:sp>
+        <p:nvSpPr>
+          <p:cNvPr id="3" name="내용 개체 틀 2"/>
+          <p:cNvSpPr>
+            <a:spLocks noGrp="1"/>
+          </p:cNvSpPr>
+          <p:nvPr>
+            <p:ph idx="1"/>
+          </p:nvPr>
+        </p:nvSpPr>
+        <p:spPr/>
+        <p:txBody>
+          <a:bodyPr>
+            <a:normAutofit fontScale="70000" lnSpcReduction="20000"/>
+          </a:bodyPr>
+          <a:lstStyle/>
+          <a:p>
+            <a:r>
+              <a:rPr kumimoji="1" lang="ko-KR" altLang="en-US" dirty="0" smtClean="0"/>
+              <a:t>이걸 어디다 쓸까</a:t>
+            </a:r>
+            <a:r>
+              <a:rPr kumimoji="1" lang="en-US" altLang="ko-KR" dirty="0" smtClean="0"/>
+              <a:t>?</a:t>
+            </a:r>
+            <a:endParaRPr kumimoji="1" lang="en-US" altLang="ko-KR" dirty="0"/>
+          </a:p>
+          <a:p>
+            <a:pPr lvl="1"/>
+            <a:r>
+              <a:rPr kumimoji="1" lang="ko-KR" altLang="en-US" dirty="0"/>
+              <a:t>우리가 원래의 분포 </a:t>
+            </a:r>
+            <a:r>
+              <a:rPr kumimoji="1" lang="en-US" altLang="ko-KR" dirty="0"/>
+              <a:t>P </a:t>
+            </a:r>
+            <a:r>
+              <a:rPr kumimoji="1" lang="ko-KR" altLang="en-US" dirty="0"/>
+              <a:t>를 모르는 상태에서 샘플은 </a:t>
+            </a:r>
+            <a:r>
+              <a:rPr kumimoji="1" lang="en-US" altLang="ko-KR" dirty="0"/>
+              <a:t>P </a:t>
+            </a:r>
+            <a:r>
+              <a:rPr kumimoji="1" lang="ko-KR" altLang="en-US" dirty="0"/>
+              <a:t>로부터 얻어진 상황이라면</a:t>
+            </a:r>
+            <a:r>
+              <a:rPr kumimoji="1" lang="en-US" altLang="ko-KR" dirty="0"/>
+              <a:t>,</a:t>
+            </a:r>
+          </a:p>
+          <a:p>
+            <a:pPr lvl="1"/>
+            <a:r>
+              <a:rPr kumimoji="1" lang="ko-KR" altLang="en-US" dirty="0"/>
+              <a:t>어떤 </a:t>
+            </a:r>
+            <a:r>
+              <a:rPr kumimoji="1" lang="en-US" altLang="ko-KR" dirty="0"/>
+              <a:t>Q</a:t>
+            </a:r>
+            <a:r>
+              <a:rPr kumimoji="1" lang="ko-KR" altLang="en-US" dirty="0"/>
+              <a:t>라는 분포 함수를 도입하여 마치 이걸 </a:t>
+            </a:r>
+            <a:r>
+              <a:rPr kumimoji="1" lang="en-US" altLang="ko-KR" dirty="0" smtClean="0"/>
+              <a:t>P </a:t>
+            </a:r>
+            <a:r>
+              <a:rPr kumimoji="1" lang="ko-KR" altLang="en-US" dirty="0" smtClean="0"/>
+              <a:t>인양 </a:t>
+            </a:r>
+            <a:r>
+              <a:rPr kumimoji="1" lang="ko-KR" altLang="en-US" dirty="0"/>
+              <a:t>막 쓴다고 하자</a:t>
+            </a:r>
+            <a:r>
+              <a:rPr kumimoji="1" lang="en-US" altLang="ko-KR" dirty="0"/>
+              <a:t>.</a:t>
+            </a:r>
+          </a:p>
+          <a:p>
+            <a:pPr lvl="1"/>
+            <a:r>
+              <a:rPr kumimoji="1" lang="ko-KR" altLang="en-US" dirty="0"/>
+              <a:t>그럼 이런 상황으로 인해 발생되는 오차율을 </a:t>
+            </a:r>
+            <a:r>
+              <a:rPr kumimoji="1" lang="en-US" altLang="ko-KR" dirty="0"/>
+              <a:t>KL </a:t>
+            </a:r>
+            <a:r>
+              <a:rPr kumimoji="1" lang="ko-KR" altLang="en-US" dirty="0"/>
+              <a:t>값을 이용하여 상대 비교가 가능함</a:t>
+            </a:r>
+            <a:r>
+              <a:rPr kumimoji="1" lang="en-US" altLang="ko-KR" dirty="0"/>
+              <a:t>.</a:t>
+            </a:r>
+          </a:p>
+          <a:p>
+            <a:pPr lvl="1"/>
+            <a:r>
+              <a:rPr kumimoji="1" lang="ko-KR" altLang="en-US" dirty="0"/>
+              <a:t>예를 들어 </a:t>
+            </a:r>
+            <a:r>
+              <a:rPr kumimoji="1" lang="en-US" altLang="ko-KR" dirty="0"/>
+              <a:t>Q1, Q2 </a:t>
+            </a:r>
+            <a:r>
+              <a:rPr kumimoji="1" lang="ko-KR" altLang="en-US" dirty="0"/>
+              <a:t>를 가정하고 각각 </a:t>
+            </a:r>
+            <a:r>
+              <a:rPr kumimoji="1" lang="en-US" altLang="ko-KR" dirty="0"/>
+              <a:t>KL</a:t>
+            </a:r>
+            <a:r>
+              <a:rPr kumimoji="1" lang="ko-KR" altLang="en-US" dirty="0"/>
+              <a:t>을 </a:t>
+            </a:r>
+            <a:r>
+              <a:rPr kumimoji="1" lang="en-US" altLang="ko-KR" dirty="0"/>
+              <a:t>P</a:t>
+            </a:r>
+            <a:r>
+              <a:rPr kumimoji="1" lang="ko-KR" altLang="en-US" dirty="0"/>
+              <a:t>에 대해</a:t>
+            </a:r>
+            <a:r>
+              <a:rPr kumimoji="1" lang="en-US" altLang="ko-KR" dirty="0"/>
+              <a:t> </a:t>
+            </a:r>
+            <a:r>
+              <a:rPr kumimoji="1" lang="ko-KR" altLang="en-US" dirty="0"/>
+              <a:t>구해보니 </a:t>
+            </a:r>
+            <a:r>
+              <a:rPr kumimoji="1" lang="en-US" altLang="ko-KR" dirty="0"/>
+              <a:t>Q1</a:t>
+            </a:r>
+            <a:r>
+              <a:rPr kumimoji="1" lang="ko-KR" altLang="en-US" dirty="0"/>
+              <a:t>이 더 작다</a:t>
+            </a:r>
+            <a:r>
+              <a:rPr kumimoji="1" lang="en-US" altLang="ko-KR" dirty="0"/>
+              <a:t>.</a:t>
+            </a:r>
+          </a:p>
+          <a:p>
+            <a:pPr lvl="1"/>
+            <a:r>
+              <a:rPr kumimoji="1" lang="ko-KR" altLang="en-US" dirty="0"/>
+              <a:t>그러면 </a:t>
+            </a:r>
+            <a:r>
+              <a:rPr kumimoji="1" lang="en-US" altLang="ko-KR" dirty="0"/>
+              <a:t>Q1 </a:t>
+            </a:r>
+            <a:r>
+              <a:rPr kumimoji="1" lang="ko-KR" altLang="en-US" dirty="0"/>
+              <a:t>이 </a:t>
+            </a:r>
+            <a:r>
+              <a:rPr kumimoji="1" lang="en-US" altLang="ko-KR" dirty="0"/>
+              <a:t>Q2 </a:t>
+            </a:r>
+            <a:r>
+              <a:rPr kumimoji="1" lang="ko-KR" altLang="en-US" dirty="0"/>
+              <a:t>보다 </a:t>
+            </a:r>
+            <a:r>
+              <a:rPr kumimoji="1" lang="en-US" altLang="ko-KR" dirty="0"/>
+              <a:t>P</a:t>
+            </a:r>
+            <a:r>
+              <a:rPr kumimoji="1" lang="ko-KR" altLang="en-US" dirty="0"/>
+              <a:t>에 더 가까운 모양이라고 고려할 수 있다</a:t>
+            </a:r>
+            <a:r>
+              <a:rPr kumimoji="1" lang="en-US" altLang="ko-KR" dirty="0" smtClean="0"/>
+              <a:t>.</a:t>
+            </a:r>
+          </a:p>
+          <a:p>
+            <a:pPr lvl="1"/>
+            <a:endParaRPr kumimoji="1" lang="en-US" altLang="ko-KR" dirty="0"/>
+          </a:p>
+          <a:p>
+            <a:r>
+              <a:rPr kumimoji="1" lang="ko-KR" altLang="en-US" dirty="0" smtClean="0"/>
+              <a:t>단순한 면적 비교인가</a:t>
+            </a:r>
+            <a:r>
+              <a:rPr kumimoji="1" lang="en-US" altLang="ko-KR" dirty="0" smtClean="0"/>
+              <a:t>?</a:t>
+            </a:r>
+          </a:p>
+          <a:p>
+            <a:pPr lvl="1"/>
+            <a:r>
+              <a:rPr kumimoji="1" lang="ko-KR" altLang="en-US" dirty="0" smtClean="0"/>
+              <a:t>그건 아니다</a:t>
+            </a:r>
+            <a:r>
+              <a:rPr kumimoji="1" lang="en-US" altLang="ko-KR" dirty="0" smtClean="0"/>
+              <a:t>.</a:t>
+            </a:r>
+            <a:r>
+              <a:rPr kumimoji="1" lang="ko-KR" altLang="en-US" dirty="0" smtClean="0"/>
+              <a:t> 두 함수 사이의 면적차 비율을 최소화하는 방식과는 차이가 있다</a:t>
+            </a:r>
+            <a:r>
+              <a:rPr kumimoji="1" lang="en-US" altLang="ko-KR" dirty="0" smtClean="0"/>
+              <a:t>.</a:t>
+            </a:r>
+          </a:p>
+          <a:p>
+            <a:pPr lvl="1"/>
+            <a:r>
+              <a:rPr kumimoji="1" lang="ko-KR" altLang="en-US" dirty="0" smtClean="0"/>
+              <a:t>시간이 된다면 몇 몇 함수를 도식화해서 확인해보자</a:t>
+            </a:r>
+            <a:r>
+              <a:rPr kumimoji="1" lang="en-US" altLang="ko-KR" dirty="0" smtClean="0"/>
+              <a:t>.</a:t>
+            </a:r>
+            <a:endParaRPr kumimoji="1" lang="en-US" altLang="ko-KR" dirty="0"/>
+          </a:p>
+          <a:p>
+            <a:pPr lvl="1"/>
+            <a:r>
+              <a:rPr kumimoji="1" lang="en-US" altLang="ko-KR" dirty="0" smtClean="0"/>
+              <a:t>P </a:t>
+            </a:r>
+            <a:r>
+              <a:rPr kumimoji="1" lang="ko-KR" altLang="en-US" dirty="0" smtClean="0"/>
+              <a:t>확률 함수에서 높은 확률을 가지는 지점을 잘 근사해야 </a:t>
+            </a:r>
+            <a:r>
+              <a:rPr kumimoji="1" lang="en-US" altLang="ko-KR" dirty="0" smtClean="0"/>
+              <a:t>KL </a:t>
+            </a:r>
+            <a:r>
+              <a:rPr kumimoji="1" lang="ko-KR" altLang="en-US" dirty="0" smtClean="0"/>
+              <a:t>값이 작아진다</a:t>
+            </a:r>
+            <a:r>
+              <a:rPr kumimoji="1" lang="en-US" altLang="ko-KR" dirty="0" smtClean="0"/>
+              <a:t>.</a:t>
+            </a:r>
+            <a:endParaRPr kumimoji="1" lang="ko-KR" altLang="en-US" dirty="0"/>
+          </a:p>
+          <a:p>
+            <a:endParaRPr kumimoji="1" lang="ko-KR" altLang="en-US" dirty="0"/>
+          </a:p>
+        </p:txBody>
+      </p:sp>
+    </p:spTree>
+    <p:extLst>
+      <p:ext uri="{BB962C8B-B14F-4D97-AF65-F5344CB8AC3E}">
+        <p14:creationId xmlns:p14="http://schemas.microsoft.com/office/powerpoint/2010/main" val="668635321"/>
+      </p:ext>
+    </p:extLst>
+  </p:cSld>
+  <p:clrMapOvr>
+    <a:masterClrMapping/>
+  </p:clrMapOvr>
+  <p:timing>
+    <p:tnLst>
+      <p:par>
+        <p:cTn id="1" dur="indefinite" restart="never" nodeType="tmRoot"/>
+      </p:par>
+    </p:tnLst>
+  </p:timing>
+</p:sld>
+</file>
+
+<file path=ppt/slides/slide24.xml><?xml version="1.0" encoding="utf-8"?>
+<p:sld xmlns:a="http://schemas.openxmlformats.org/drawingml/2006/main" xmlns:r="http://schemas.openxmlformats.org/officeDocument/2006/relationships" xmlns:p="http://schemas.openxmlformats.org/presentationml/2006/main">
+  <p:cSld>
+    <p:spTree>
+      <p:nvGrpSpPr>
+        <p:cNvPr id="1" name=""/>
+        <p:cNvGrpSpPr/>
+        <p:nvPr/>
+      </p:nvGrpSpPr>
+      <p:grpSpPr>
+        <a:xfrm>
+          <a:off x="0" y="0"/>
+          <a:ext cx="0" cy="0"/>
+          <a:chOff x="0" y="0"/>
+          <a:chExt cx="0" cy="0"/>
+        </a:xfrm>
+      </p:grpSpPr>
+      <p:sp>
+        <p:nvSpPr>
+          <p:cNvPr id="2" name="제목 1"/>
+          <p:cNvSpPr>
+            <a:spLocks noGrp="1"/>
+          </p:cNvSpPr>
+          <p:nvPr>
+            <p:ph type="title"/>
+          </p:nvPr>
+        </p:nvSpPr>
+        <p:spPr/>
+        <p:txBody>
+          <a:bodyPr/>
+          <a:lstStyle/>
+          <a:p>
+            <a:r>
               <a:rPr kumimoji="1" lang="en-US" altLang="ko-KR" dirty="0" smtClean="0"/>
               <a:t>EM (</a:t>
             </a:r>
@@ -10508,7 +11077,7 @@
 </p:sld>
 </file>
 
-<file path=ppt/slides/slide24.xml><?xml version="1.0" encoding="utf-8"?>
+<file path=ppt/slides/slide25.xml><?xml version="1.0" encoding="utf-8"?>
 <p:sld xmlns:a="http://schemas.openxmlformats.org/drawingml/2006/main" xmlns:r="http://schemas.openxmlformats.org/officeDocument/2006/relationships" xmlns:p="http://schemas.openxmlformats.org/presentationml/2006/main">
   <p:cSld>
     <p:spTree>
@@ -10796,7 +11365,7 @@
 </p:sld>
 </file>
 
-<file path=ppt/slides/slide25.xml><?xml version="1.0" encoding="utf-8"?>
+<file path=ppt/slides/slide26.xml><?xml version="1.0" encoding="utf-8"?>
 <p:sld xmlns:a="http://schemas.openxmlformats.org/drawingml/2006/main" xmlns:r="http://schemas.openxmlformats.org/officeDocument/2006/relationships" xmlns:p="http://schemas.openxmlformats.org/presentationml/2006/main">
   <p:cSld>
     <p:spTree>
@@ -11626,7 +12195,7 @@
 </p:sld>
 </file>
 
-<file path=ppt/slides/slide26.xml><?xml version="1.0" encoding="utf-8"?>
+<file path=ppt/slides/slide27.xml><?xml version="1.0" encoding="utf-8"?>
 <p:sld xmlns:a="http://schemas.openxmlformats.org/drawingml/2006/main" xmlns:r="http://schemas.openxmlformats.org/officeDocument/2006/relationships" xmlns:p="http://schemas.openxmlformats.org/presentationml/2006/main">
   <p:cSld>
     <p:spTree>
@@ -12346,7 +12915,7 @@
 </p:sld>
 </file>
 
-<file path=ppt/slides/slide27.xml><?xml version="1.0" encoding="utf-8"?>
+<file path=ppt/slides/slide28.xml><?xml version="1.0" encoding="utf-8"?>
 <p:sld xmlns:a="http://schemas.openxmlformats.org/drawingml/2006/main" xmlns:r="http://schemas.openxmlformats.org/officeDocument/2006/relationships" xmlns:p="http://schemas.openxmlformats.org/presentationml/2006/main">
   <p:cSld>
     <p:spTree>
@@ -12612,7 +13181,7 @@
 </p:sld>
 </file>
 
-<file path=ppt/slides/slide28.xml><?xml version="1.0" encoding="utf-8"?>
+<file path=ppt/slides/slide29.xml><?xml version="1.0" encoding="utf-8"?>
 <p:sld xmlns:a="http://schemas.openxmlformats.org/drawingml/2006/main" xmlns:r="http://schemas.openxmlformats.org/officeDocument/2006/relationships" xmlns:p="http://schemas.openxmlformats.org/presentationml/2006/main">
   <p:cSld>
     <p:spTree>
@@ -13090,7 +13659,67 @@
 </p:sld>
 </file>
 
-<file path=ppt/slides/slide29.xml><?xml version="1.0" encoding="utf-8"?>
+<file path=ppt/slides/slide3.xml><?xml version="1.0" encoding="utf-8"?>
+<p:sld xmlns:a="http://schemas.openxmlformats.org/drawingml/2006/main" xmlns:r="http://schemas.openxmlformats.org/officeDocument/2006/relationships" xmlns:p="http://schemas.openxmlformats.org/presentationml/2006/main">
+  <p:cSld>
+    <p:spTree>
+      <p:nvGrpSpPr>
+        <p:cNvPr id="1" name=""/>
+        <p:cNvGrpSpPr/>
+        <p:nvPr/>
+      </p:nvGrpSpPr>
+      <p:grpSpPr>
+        <a:xfrm>
+          <a:off x="0" y="0"/>
+          <a:ext cx="0" cy="0"/>
+          <a:chOff x="0" y="0"/>
+          <a:chExt cx="0" cy="0"/>
+        </a:xfrm>
+      </p:grpSpPr>
+      <p:sp>
+        <p:nvSpPr>
+          <p:cNvPr id="4" name="제목 3"/>
+          <p:cNvSpPr>
+            <a:spLocks noGrp="1"/>
+          </p:cNvSpPr>
+          <p:nvPr>
+            <p:ph type="title"/>
+          </p:nvPr>
+        </p:nvSpPr>
+        <p:spPr/>
+        <p:txBody>
+          <a:bodyPr/>
+          <a:lstStyle/>
+          <a:p>
+            <a:r>
+              <a:rPr kumimoji="1" lang="en-US" altLang="ko-KR" dirty="0" smtClean="0"/>
+              <a:t>Basic Theory</a:t>
+            </a:r>
+            <a:endParaRPr kumimoji="1" lang="ko-KR" altLang="en-US" dirty="0"/>
+          </a:p>
+        </p:txBody>
+      </p:sp>
+    </p:spTree>
+    <p:extLst>
+      <p:ext uri="{BB962C8B-B14F-4D97-AF65-F5344CB8AC3E}">
+        <p14:creationId xmlns:p14="http://schemas.microsoft.com/office/powerpoint/2010/main" val="861093238"/>
+      </p:ext>
+    </p:extLst>
+  </p:cSld>
+  <p:clrMapOvr>
+    <a:masterClrMapping/>
+  </p:clrMapOvr>
+  <p:timing>
+    <p:tnLst>
+      <p:par>
+        <p:cTn id="1" dur="indefinite" restart="never" nodeType="tmRoot"/>
+      </p:par>
+    </p:tnLst>
+  </p:timing>
+</p:sld>
+</file>
+
+<file path=ppt/slides/slide30.xml><?xml version="1.0" encoding="utf-8"?>
 <p:sld xmlns:a="http://schemas.openxmlformats.org/drawingml/2006/main" xmlns:r="http://schemas.openxmlformats.org/officeDocument/2006/relationships" xmlns:p="http://schemas.openxmlformats.org/presentationml/2006/main">
   <p:cSld>
     <p:spTree>
@@ -13250,67 +13879,7 @@
 </p:sld>
 </file>
 
-<file path=ppt/slides/slide3.xml><?xml version="1.0" encoding="utf-8"?>
-<p:sld xmlns:a="http://schemas.openxmlformats.org/drawingml/2006/main" xmlns:r="http://schemas.openxmlformats.org/officeDocument/2006/relationships" xmlns:p="http://schemas.openxmlformats.org/presentationml/2006/main">
-  <p:cSld>
-    <p:spTree>
-      <p:nvGrpSpPr>
-        <p:cNvPr id="1" name=""/>
-        <p:cNvGrpSpPr/>
-        <p:nvPr/>
-      </p:nvGrpSpPr>
-      <p:grpSpPr>
-        <a:xfrm>
-          <a:off x="0" y="0"/>
-          <a:ext cx="0" cy="0"/>
-          <a:chOff x="0" y="0"/>
-          <a:chExt cx="0" cy="0"/>
-        </a:xfrm>
-      </p:grpSpPr>
-      <p:sp>
-        <p:nvSpPr>
-          <p:cNvPr id="4" name="제목 3"/>
-          <p:cNvSpPr>
-            <a:spLocks noGrp="1"/>
-          </p:cNvSpPr>
-          <p:nvPr>
-            <p:ph type="title"/>
-          </p:nvPr>
-        </p:nvSpPr>
-        <p:spPr/>
-        <p:txBody>
-          <a:bodyPr/>
-          <a:lstStyle/>
-          <a:p>
-            <a:r>
-              <a:rPr kumimoji="1" lang="en-US" altLang="ko-KR" dirty="0" smtClean="0"/>
-              <a:t>Basic Theory</a:t>
-            </a:r>
-            <a:endParaRPr kumimoji="1" lang="ko-KR" altLang="en-US" dirty="0"/>
-          </a:p>
-        </p:txBody>
-      </p:sp>
-    </p:spTree>
-    <p:extLst>
-      <p:ext uri="{BB962C8B-B14F-4D97-AF65-F5344CB8AC3E}">
-        <p14:creationId xmlns:p14="http://schemas.microsoft.com/office/powerpoint/2010/main" val="861093238"/>
-      </p:ext>
-    </p:extLst>
-  </p:cSld>
-  <p:clrMapOvr>
-    <a:masterClrMapping/>
-  </p:clrMapOvr>
-  <p:timing>
-    <p:tnLst>
-      <p:par>
-        <p:cTn id="1" dur="indefinite" restart="never" nodeType="tmRoot"/>
-      </p:par>
-    </p:tnLst>
-  </p:timing>
-</p:sld>
-</file>
-
-<file path=ppt/slides/slide30.xml><?xml version="1.0" encoding="utf-8"?>
+<file path=ppt/slides/slide31.xml><?xml version="1.0" encoding="utf-8"?>
 <p:sld xmlns:a="http://schemas.openxmlformats.org/drawingml/2006/main" xmlns:r="http://schemas.openxmlformats.org/officeDocument/2006/relationships" xmlns:p="http://schemas.openxmlformats.org/presentationml/2006/main">
   <p:cSld>
     <p:spTree>
@@ -13630,7 +14199,7 @@
 </p:sld>
 </file>
 
-<file path=ppt/slides/slide31.xml><?xml version="1.0" encoding="utf-8"?>
+<file path=ppt/slides/slide32.xml><?xml version="1.0" encoding="utf-8"?>
 <p:sld xmlns:a="http://schemas.openxmlformats.org/drawingml/2006/main" xmlns:r="http://schemas.openxmlformats.org/officeDocument/2006/relationships" xmlns:p="http://schemas.openxmlformats.org/presentationml/2006/main">
   <p:cSld>
     <p:spTree>
@@ -13892,7 +14461,7 @@
 </p:sld>
 </file>
 
-<file path=ppt/slides/slide32.xml><?xml version="1.0" encoding="utf-8"?>
+<file path=ppt/slides/slide33.xml><?xml version="1.0" encoding="utf-8"?>
 <p:sld xmlns:a="http://schemas.openxmlformats.org/drawingml/2006/main" xmlns:r="http://schemas.openxmlformats.org/officeDocument/2006/relationships" xmlns:p="http://schemas.openxmlformats.org/presentationml/2006/main">
   <p:cSld>
     <p:spTree>
@@ -14272,7 +14841,7 @@
 </p:sld>
 </file>
 
-<file path=ppt/slides/slide33.xml><?xml version="1.0" encoding="utf-8"?>
+<file path=ppt/slides/slide34.xml><?xml version="1.0" encoding="utf-8"?>
 <p:sld xmlns:a="http://schemas.openxmlformats.org/drawingml/2006/main" xmlns:r="http://schemas.openxmlformats.org/officeDocument/2006/relationships" xmlns:p="http://schemas.openxmlformats.org/presentationml/2006/main">
   <p:cSld>
     <p:spTree>
@@ -14490,7 +15059,7 @@
 </p:sld>
 </file>
 
-<file path=ppt/slides/slide34.xml><?xml version="1.0" encoding="utf-8"?>
+<file path=ppt/slides/slide35.xml><?xml version="1.0" encoding="utf-8"?>
 <p:sld xmlns:a="http://schemas.openxmlformats.org/drawingml/2006/main" xmlns:r="http://schemas.openxmlformats.org/officeDocument/2006/relationships" xmlns:p="http://schemas.openxmlformats.org/presentationml/2006/main">
   <p:cSld>
     <p:spTree>
@@ -14746,7 +15315,7 @@
         </p:nvSpPr>
         <p:spPr>
           <a:xfrm rot="20462878">
-            <a:off x="7795511" y="1742136"/>
+            <a:off x="7482596" y="1892905"/>
             <a:ext cx="1914307" cy="461665"/>
           </a:xfrm>
           <a:prstGeom prst="rect">
@@ -14786,83 +15355,6 @@
     <p:extLst>
       <p:ext uri="{BB962C8B-B14F-4D97-AF65-F5344CB8AC3E}">
         <p14:creationId xmlns:p14="http://schemas.microsoft.com/office/powerpoint/2010/main" val="1678855772"/>
-      </p:ext>
-    </p:extLst>
-  </p:cSld>
-  <p:clrMapOvr>
-    <a:masterClrMapping/>
-  </p:clrMapOvr>
-</p:sld>
-</file>
-
-<file path=ppt/slides/slide35.xml><?xml version="1.0" encoding="utf-8"?>
-<p:sld xmlns:a="http://schemas.openxmlformats.org/drawingml/2006/main" xmlns:r="http://schemas.openxmlformats.org/officeDocument/2006/relationships" xmlns:p="http://schemas.openxmlformats.org/presentationml/2006/main">
-  <p:cSld>
-    <p:spTree>
-      <p:nvGrpSpPr>
-        <p:cNvPr id="1" name=""/>
-        <p:cNvGrpSpPr/>
-        <p:nvPr/>
-      </p:nvGrpSpPr>
-      <p:grpSpPr>
-        <a:xfrm>
-          <a:off x="0" y="0"/>
-          <a:ext cx="0" cy="0"/>
-          <a:chOff x="0" y="0"/>
-          <a:chExt cx="0" cy="0"/>
-        </a:xfrm>
-      </p:grpSpPr>
-      <p:sp>
-        <p:nvSpPr>
-          <p:cNvPr id="2" name="제목 1"/>
-          <p:cNvSpPr>
-            <a:spLocks noGrp="1"/>
-          </p:cNvSpPr>
-          <p:nvPr>
-            <p:ph type="title"/>
-          </p:nvPr>
-        </p:nvSpPr>
-        <p:spPr/>
-        <p:txBody>
-          <a:bodyPr/>
-          <a:lstStyle/>
-          <a:p>
-            <a:r>
-              <a:rPr kumimoji="1" lang="en-US" altLang="ko-KR" dirty="0" smtClean="0"/>
-              <a:t>General EM Algorithm</a:t>
-            </a:r>
-            <a:endParaRPr kumimoji="1" lang="ko-KR" altLang="en-US" dirty="0"/>
-          </a:p>
-        </p:txBody>
-      </p:sp>
-      <p:pic>
-        <p:nvPicPr>
-          <p:cNvPr id="4" name="그림 3"/>
-          <p:cNvPicPr>
-            <a:picLocks noChangeAspect="1"/>
-          </p:cNvPicPr>
-          <p:nvPr/>
-        </p:nvPicPr>
-        <p:blipFill>
-          <a:blip r:embed="rId2"/>
-          <a:stretch>
-            <a:fillRect/>
-          </a:stretch>
-        </p:blipFill>
-        <p:spPr>
-          <a:xfrm>
-            <a:off x="2823132" y="1788369"/>
-            <a:ext cx="6545736" cy="4733737"/>
-          </a:xfrm>
-          <a:prstGeom prst="rect">
-            <a:avLst/>
-          </a:prstGeom>
-        </p:spPr>
-      </p:pic>
-    </p:spTree>
-    <p:extLst>
-      <p:ext uri="{BB962C8B-B14F-4D97-AF65-F5344CB8AC3E}">
-        <p14:creationId xmlns:p14="http://schemas.microsoft.com/office/powerpoint/2010/main" val="741322071"/>
       </p:ext>
     </p:extLst>
   </p:cSld>
@@ -14906,154 +15398,9 @@
           <a:p>
             <a:r>
               <a:rPr kumimoji="1" lang="en-US" altLang="ko-KR" dirty="0" smtClean="0"/>
-              <a:t>EM </a:t>
-            </a:r>
-            <a:r>
-              <a:rPr kumimoji="1" lang="ko-KR" altLang="en-US" dirty="0" smtClean="0"/>
-              <a:t>을 사용할 수 있는 경우란</a:t>
-            </a:r>
-            <a:r>
-              <a:rPr kumimoji="1" lang="en-US" altLang="ko-KR" dirty="0" smtClean="0"/>
-              <a:t>?</a:t>
+              <a:t>General EM Algorithm</a:t>
             </a:r>
             <a:endParaRPr kumimoji="1" lang="ko-KR" altLang="en-US" dirty="0"/>
-          </a:p>
-        </p:txBody>
-      </p:sp>
-      <p:sp>
-        <p:nvSpPr>
-          <p:cNvPr id="3" name="내용 개체 틀 2"/>
-          <p:cNvSpPr>
-            <a:spLocks noGrp="1"/>
-          </p:cNvSpPr>
-          <p:nvPr>
-            <p:ph idx="1"/>
-          </p:nvPr>
-        </p:nvSpPr>
-        <p:spPr>
-          <a:xfrm>
-            <a:off x="838200" y="1905801"/>
-            <a:ext cx="10515600" cy="3445132"/>
-          </a:xfrm>
-        </p:spPr>
-        <p:txBody>
-          <a:bodyPr>
-            <a:normAutofit/>
-          </a:bodyPr>
-          <a:lstStyle/>
-          <a:p>
-            <a:r>
-              <a:rPr kumimoji="1" lang="ko-KR" altLang="en-US" dirty="0" smtClean="0"/>
-              <a:t>조건이 충족되어어야 </a:t>
-            </a:r>
-            <a:r>
-              <a:rPr kumimoji="1" lang="en-US" altLang="ko-KR" dirty="0" smtClean="0"/>
-              <a:t>EM </a:t>
-            </a:r>
-            <a:r>
-              <a:rPr kumimoji="1" lang="ko-KR" altLang="en-US" dirty="0" smtClean="0"/>
-              <a:t>사용이 가능</a:t>
-            </a:r>
-            <a:r>
-              <a:rPr kumimoji="1" lang="en-US" altLang="ko-KR" dirty="0" smtClean="0"/>
-              <a:t>.</a:t>
-            </a:r>
-          </a:p>
-          <a:p>
-            <a:pPr lvl="1"/>
-            <a:r>
-              <a:rPr kumimoji="1" lang="ko-KR" altLang="en-US" dirty="0" smtClean="0"/>
-              <a:t>일단 잠재 변수 </a:t>
-            </a:r>
-            <a:r>
-              <a:rPr kumimoji="1" lang="en-US" altLang="ko-KR" dirty="0" smtClean="0"/>
-              <a:t>z  </a:t>
-            </a:r>
-            <a:r>
-              <a:rPr kumimoji="1" lang="ko-KR" altLang="en-US" dirty="0" smtClean="0"/>
-              <a:t>를 도입할 수 있는 모델이어야 한다</a:t>
-            </a:r>
-            <a:r>
-              <a:rPr kumimoji="1" lang="en-US" altLang="ko-KR" dirty="0" smtClean="0"/>
-              <a:t>.</a:t>
-            </a:r>
-          </a:p>
-          <a:p>
-            <a:pPr lvl="1"/>
-            <a:r>
-              <a:rPr kumimoji="1" lang="ko-KR" altLang="en-US" dirty="0" smtClean="0"/>
-              <a:t>잠재 변수 </a:t>
-            </a:r>
-            <a:r>
-              <a:rPr kumimoji="1" lang="en-US" altLang="ko-KR" dirty="0" smtClean="0"/>
-              <a:t>z</a:t>
-            </a:r>
-            <a:r>
-              <a:rPr kumimoji="1" lang="ko-KR" altLang="en-US" dirty="0" smtClean="0"/>
-              <a:t> 도입 전에는 문제 풀이에 어려움을 겪지만</a:t>
-            </a:r>
-            <a:r>
-              <a:rPr kumimoji="1" lang="en-US" altLang="ko-KR" dirty="0" smtClean="0"/>
-              <a:t>,</a:t>
-            </a:r>
-          </a:p>
-          <a:p>
-            <a:pPr lvl="1"/>
-            <a:r>
-              <a:rPr kumimoji="1" lang="en-US" altLang="ko-KR" dirty="0" smtClean="0"/>
-              <a:t>z </a:t>
-            </a:r>
-            <a:r>
-              <a:rPr kumimoji="1" lang="ko-KR" altLang="en-US" dirty="0" smtClean="0"/>
-              <a:t>를 도입하고 나면 문제 풀이가 가능한 경우에만 사용할 수 있다</a:t>
-            </a:r>
-            <a:r>
-              <a:rPr kumimoji="1" lang="en-US" altLang="ko-KR" dirty="0" smtClean="0"/>
-              <a:t>.</a:t>
-            </a:r>
-          </a:p>
-          <a:p>
-            <a:pPr lvl="2"/>
-            <a:r>
-              <a:rPr kumimoji="1" lang="ko-KR" altLang="en-US" dirty="0" smtClean="0"/>
-              <a:t>즉</a:t>
-            </a:r>
-            <a:r>
-              <a:rPr kumimoji="1" lang="en-US" altLang="ko-KR" dirty="0" smtClean="0"/>
-              <a:t>,</a:t>
-            </a:r>
-            <a:r>
-              <a:rPr kumimoji="1" lang="ko-KR" altLang="en-US" dirty="0" smtClean="0"/>
-              <a:t> 어떤 모델을 설계할 때 </a:t>
-            </a:r>
-            <a:r>
-              <a:rPr kumimoji="1" lang="en-US" altLang="ko-KR" dirty="0" smtClean="0"/>
-              <a:t>Z </a:t>
-            </a:r>
-            <a:r>
-              <a:rPr kumimoji="1" lang="ko-KR" altLang="en-US" dirty="0" smtClean="0"/>
-              <a:t>가 알려지는 경우 우리가 잘 아는 분포로 도식화 가능하다고 생각되는 모델을 도입하게 된다</a:t>
-            </a:r>
-            <a:r>
-              <a:rPr kumimoji="1" lang="en-US" altLang="ko-KR" dirty="0" smtClean="0"/>
-              <a:t>.</a:t>
-            </a:r>
-            <a:r>
-              <a:rPr kumimoji="1" lang="ko-KR" altLang="en-US" dirty="0" smtClean="0"/>
-              <a:t> </a:t>
-            </a:r>
-            <a:r>
-              <a:rPr kumimoji="1" lang="en-US" altLang="ko-KR" dirty="0" smtClean="0"/>
-              <a:t>(GMM</a:t>
-            </a:r>
-            <a:r>
-              <a:rPr kumimoji="1" lang="ko-KR" altLang="en-US" dirty="0" smtClean="0"/>
-              <a:t>같은</a:t>
-            </a:r>
-            <a:r>
-              <a:rPr kumimoji="1" lang="en-US" altLang="ko-KR" dirty="0" smtClean="0"/>
-              <a:t>)</a:t>
-            </a:r>
           </a:p>
         </p:txBody>
       </p:sp>
@@ -15073,8 +15420,8 @@
         </p:blipFill>
         <p:spPr>
           <a:xfrm>
-            <a:off x="4324280" y="5613063"/>
-            <a:ext cx="2629676" cy="855968"/>
+            <a:off x="2845617" y="2080678"/>
+            <a:ext cx="5766232" cy="4170016"/>
           </a:xfrm>
           <a:prstGeom prst="rect">
             <a:avLst/>
@@ -15084,20 +15431,13 @@
     </p:spTree>
     <p:extLst>
       <p:ext uri="{BB962C8B-B14F-4D97-AF65-F5344CB8AC3E}">
-        <p14:creationId xmlns:p14="http://schemas.microsoft.com/office/powerpoint/2010/main" val="2040354725"/>
+        <p14:creationId xmlns:p14="http://schemas.microsoft.com/office/powerpoint/2010/main" val="741322071"/>
       </p:ext>
     </p:extLst>
   </p:cSld>
   <p:clrMapOvr>
     <a:masterClrMapping/>
   </p:clrMapOvr>
-  <p:timing>
-    <p:tnLst>
-      <p:par>
-        <p:cTn id="1" dur="indefinite" restart="never" nodeType="tmRoot"/>
-      </p:par>
-    </p:tnLst>
-  </p:timing>
 </p:sld>
 </file>
 
@@ -15139,11 +15479,11 @@
             </a:r>
             <a:r>
               <a:rPr kumimoji="1" lang="ko-KR" altLang="en-US" dirty="0" smtClean="0"/>
-              <a:t>알고리즘 정리</a:t>
-            </a:r>
-            <a:r>
-              <a:rPr kumimoji="1" lang="en-US" altLang="ko-KR" dirty="0" smtClean="0"/>
-              <a:t>.</a:t>
+              <a:t>을 사용할 수 있는 경우란</a:t>
+            </a:r>
+            <a:r>
+              <a:rPr kumimoji="1" lang="en-US" altLang="ko-KR" dirty="0" smtClean="0"/>
+              <a:t>?</a:t>
             </a:r>
             <a:endParaRPr kumimoji="1" lang="ko-KR" altLang="en-US" dirty="0"/>
           </a:p>
@@ -15159,14 +15499,21 @@
             <p:ph idx="1"/>
           </p:nvPr>
         </p:nvSpPr>
-        <p:spPr/>
+        <p:spPr>
+          <a:xfrm>
+            <a:off x="838200" y="1905801"/>
+            <a:ext cx="10515600" cy="3445132"/>
+          </a:xfrm>
+        </p:spPr>
         <p:txBody>
-          <a:bodyPr/>
+          <a:bodyPr>
+            <a:normAutofit/>
+          </a:bodyPr>
           <a:lstStyle/>
           <a:p>
             <a:r>
               <a:rPr kumimoji="1" lang="ko-KR" altLang="en-US" dirty="0" smtClean="0"/>
-              <a:t>사실은 </a:t>
+              <a:t>조건이 충족되어어야 </a:t>
             </a:r>
             <a:r>
               <a:rPr kumimoji="1" lang="en-US" altLang="ko-KR" dirty="0" smtClean="0"/>
@@ -15174,7 +15521,7 @@
             </a:r>
             <a:r>
               <a:rPr kumimoji="1" lang="ko-KR" altLang="en-US" dirty="0" smtClean="0"/>
-              <a:t>알고리즘에 대한 충분한 이해가 선행되어야 한다</a:t>
+              <a:t>사용이 가능</a:t>
             </a:r>
             <a:r>
               <a:rPr kumimoji="1" lang="en-US" altLang="ko-KR" dirty="0" smtClean="0"/>
@@ -15184,20 +15531,16 @@
           <a:p>
             <a:pPr lvl="1"/>
             <a:r>
-              <a:rPr kumimoji="1" lang="en-US" altLang="ko-KR" dirty="0" smtClean="0"/>
-              <a:t>MLE</a:t>
-            </a:r>
-            <a:r>
-              <a:rPr kumimoji="1" lang="ko-KR" altLang="en-US" dirty="0" smtClean="0"/>
-              <a:t> 문제도 좀 풀어보고 응용도 좀 풀어보고 해야 </a:t>
-            </a:r>
-            <a:r>
-              <a:rPr kumimoji="1" lang="en-US" altLang="ko-KR" dirty="0" smtClean="0"/>
-              <a:t>EM </a:t>
-            </a:r>
-            <a:r>
-              <a:rPr kumimoji="1" lang="ko-KR" altLang="en-US" dirty="0" smtClean="0"/>
-              <a:t>스타일에 적응할 수 있다</a:t>
+              <a:rPr kumimoji="1" lang="ko-KR" altLang="en-US" dirty="0" smtClean="0"/>
+              <a:t>일단 잠재 변수 </a:t>
+            </a:r>
+            <a:r>
+              <a:rPr kumimoji="1" lang="en-US" altLang="ko-KR" dirty="0" smtClean="0"/>
+              <a:t>z  </a:t>
+            </a:r>
+            <a:r>
+              <a:rPr kumimoji="1" lang="ko-KR" altLang="en-US" dirty="0" smtClean="0"/>
+              <a:t>를 도입할 수 있는 모델이어야 한다</a:t>
             </a:r>
             <a:r>
               <a:rPr kumimoji="1" lang="en-US" altLang="ko-KR" dirty="0" smtClean="0"/>
@@ -15206,20 +15549,32 @@
           </a:p>
           <a:p>
             <a:pPr lvl="1"/>
-            <a:endParaRPr kumimoji="1" lang="en-US" altLang="ko-KR" dirty="0" smtClean="0"/>
-          </a:p>
-          <a:p>
-            <a:r>
-              <a:rPr kumimoji="1" lang="ko-KR" altLang="en-US" dirty="0" smtClean="0"/>
-              <a:t>하지만 여기서 그런 것을 다룰 수는 없지 않는가</a:t>
-            </a:r>
-            <a:r>
-              <a:rPr kumimoji="1" lang="en-US" altLang="ko-KR" dirty="0" smtClean="0"/>
-              <a:t>!!!</a:t>
-            </a:r>
-            <a:r>
-              <a:rPr kumimoji="1" lang="ko-KR" altLang="en-US" dirty="0" smtClean="0"/>
-              <a:t> 다음만 기억하자</a:t>
+            <a:r>
+              <a:rPr kumimoji="1" lang="ko-KR" altLang="en-US" dirty="0" smtClean="0"/>
+              <a:t>잠재 변수 </a:t>
+            </a:r>
+            <a:r>
+              <a:rPr kumimoji="1" lang="en-US" altLang="ko-KR" dirty="0" smtClean="0"/>
+              <a:t>z</a:t>
+            </a:r>
+            <a:r>
+              <a:rPr kumimoji="1" lang="ko-KR" altLang="en-US" dirty="0" smtClean="0"/>
+              <a:t> 도입 전에는 문제 풀이에 어려움을 겪지만</a:t>
+            </a:r>
+            <a:r>
+              <a:rPr kumimoji="1" lang="en-US" altLang="ko-KR" dirty="0" smtClean="0"/>
+              <a:t>,</a:t>
+            </a:r>
+          </a:p>
+          <a:p>
+            <a:pPr lvl="1"/>
+            <a:r>
+              <a:rPr kumimoji="1" lang="en-US" altLang="ko-KR" dirty="0" smtClean="0"/>
+              <a:t>z </a:t>
+            </a:r>
+            <a:r>
+              <a:rPr kumimoji="1" lang="ko-KR" altLang="en-US" dirty="0" smtClean="0"/>
+              <a:t>를 도입하고 나면 문제 풀이가 가능한 경우에만 사용할 수 있다</a:t>
             </a:r>
             <a:r>
               <a:rPr kumimoji="1" lang="en-US" altLang="ko-KR" dirty="0" smtClean="0"/>
@@ -15227,65 +15582,78 @@
             </a:r>
           </a:p>
           <a:p>
-            <a:pPr lvl="1"/>
-            <a:r>
-              <a:rPr kumimoji="1" lang="ko-KR" altLang="en-US" dirty="0" smtClean="0"/>
-              <a:t>일단 </a:t>
-            </a:r>
-            <a:r>
-              <a:rPr kumimoji="1" lang="en-US" altLang="ko-KR" dirty="0" smtClean="0"/>
-              <a:t>z </a:t>
-            </a:r>
-            <a:r>
-              <a:rPr kumimoji="1" lang="ko-KR" altLang="en-US" dirty="0" smtClean="0"/>
-              <a:t>를 알게되면 문제를 풀 수 있는 모델을 도입</a:t>
+            <a:pPr lvl="2"/>
+            <a:r>
+              <a:rPr kumimoji="1" lang="ko-KR" altLang="en-US" dirty="0" smtClean="0"/>
+              <a:t>즉</a:t>
+            </a:r>
+            <a:r>
+              <a:rPr kumimoji="1" lang="en-US" altLang="ko-KR" dirty="0" smtClean="0"/>
+              <a:t>,</a:t>
+            </a:r>
+            <a:r>
+              <a:rPr kumimoji="1" lang="ko-KR" altLang="en-US" dirty="0" smtClean="0"/>
+              <a:t> 어떤 모델을 설계할 때 </a:t>
+            </a:r>
+            <a:r>
+              <a:rPr kumimoji="1" lang="en-US" altLang="ko-KR" dirty="0" smtClean="0"/>
+              <a:t>Z </a:t>
+            </a:r>
+            <a:r>
+              <a:rPr kumimoji="1" lang="ko-KR" altLang="en-US" dirty="0" smtClean="0"/>
+              <a:t>가 알려지는 경우 우리가 잘 아는 분포로 도식화 가능하다고 생각되는 모델을 도입하게 된다</a:t>
             </a:r>
             <a:r>
               <a:rPr kumimoji="1" lang="en-US" altLang="ko-KR" dirty="0" smtClean="0"/>
               <a:t>.</a:t>
             </a:r>
-          </a:p>
-          <a:p>
-            <a:pPr lvl="1"/>
-            <a:r>
-              <a:rPr kumimoji="1" lang="ko-KR" altLang="en-US" dirty="0" smtClean="0"/>
-              <a:t>하지만 실제로 </a:t>
-            </a:r>
-            <a:r>
-              <a:rPr kumimoji="1" lang="en-US" altLang="ko-KR" dirty="0" smtClean="0"/>
-              <a:t>z </a:t>
-            </a:r>
-            <a:r>
-              <a:rPr kumimoji="1" lang="ko-KR" altLang="en-US" dirty="0" smtClean="0"/>
-              <a:t>를 알 방법은 없음</a:t>
-            </a:r>
-            <a:r>
-              <a:rPr kumimoji="1" lang="en-US" altLang="ko-KR" dirty="0" smtClean="0"/>
-              <a:t>.</a:t>
-            </a:r>
-          </a:p>
-          <a:p>
-            <a:pPr lvl="1"/>
-            <a:r>
-              <a:rPr kumimoji="1" lang="ko-KR" altLang="en-US" dirty="0" smtClean="0"/>
-              <a:t>그래서 적당한 </a:t>
-            </a:r>
-            <a:r>
-              <a:rPr kumimoji="1" lang="en-US" altLang="ko-KR" dirty="0" smtClean="0"/>
-              <a:t>z</a:t>
-            </a:r>
-            <a:r>
-              <a:rPr kumimoji="1" lang="ko-KR" altLang="en-US" dirty="0" smtClean="0"/>
-              <a:t>를 추정하는 문제로 하여 반복하여 에러를 최소화하는 문제로 풀이</a:t>
-            </a:r>
-            <a:endParaRPr kumimoji="1" lang="ko-KR" altLang="en-US" dirty="0"/>
+            <a:r>
+              <a:rPr kumimoji="1" lang="ko-KR" altLang="en-US" dirty="0" smtClean="0"/>
+              <a:t> </a:t>
+            </a:r>
+            <a:r>
+              <a:rPr kumimoji="1" lang="en-US" altLang="ko-KR" dirty="0" smtClean="0"/>
+              <a:t>(GMM</a:t>
+            </a:r>
+            <a:r>
+              <a:rPr kumimoji="1" lang="ko-KR" altLang="en-US" dirty="0" smtClean="0"/>
+              <a:t>같은</a:t>
+            </a:r>
+            <a:r>
+              <a:rPr kumimoji="1" lang="en-US" altLang="ko-KR" dirty="0" smtClean="0"/>
+              <a:t>)</a:t>
+            </a:r>
           </a:p>
         </p:txBody>
       </p:sp>
+      <p:pic>
+        <p:nvPicPr>
+          <p:cNvPr id="4" name="그림 3"/>
+          <p:cNvPicPr>
+            <a:picLocks noChangeAspect="1"/>
+          </p:cNvPicPr>
+          <p:nvPr/>
+        </p:nvPicPr>
+        <p:blipFill>
+          <a:blip r:embed="rId2"/>
+          <a:stretch>
+            <a:fillRect/>
+          </a:stretch>
+        </p:blipFill>
+        <p:spPr>
+          <a:xfrm>
+            <a:off x="4324280" y="5613063"/>
+            <a:ext cx="2629676" cy="855968"/>
+          </a:xfrm>
+          <a:prstGeom prst="rect">
+            <a:avLst/>
+          </a:prstGeom>
+        </p:spPr>
+      </p:pic>
     </p:spTree>
     <p:extLst>
       <p:ext uri="{BB962C8B-B14F-4D97-AF65-F5344CB8AC3E}">
-        <p14:creationId xmlns:p14="http://schemas.microsoft.com/office/powerpoint/2010/main" val="245353059"/>
+        <p14:creationId xmlns:p14="http://schemas.microsoft.com/office/powerpoint/2010/main" val="2040354725"/>
       </p:ext>
     </p:extLst>
   </p:cSld>
@@ -15335,6 +15703,207 @@
           <a:lstStyle/>
           <a:p>
             <a:r>
+              <a:rPr kumimoji="1" lang="en-US" altLang="ko-KR" dirty="0" smtClean="0"/>
+              <a:t>EM </a:t>
+            </a:r>
+            <a:r>
+              <a:rPr kumimoji="1" lang="ko-KR" altLang="en-US" dirty="0" smtClean="0"/>
+              <a:t>알고리즘 정리</a:t>
+            </a:r>
+            <a:r>
+              <a:rPr kumimoji="1" lang="en-US" altLang="ko-KR" dirty="0" smtClean="0"/>
+              <a:t>.</a:t>
+            </a:r>
+            <a:endParaRPr kumimoji="1" lang="ko-KR" altLang="en-US" dirty="0"/>
+          </a:p>
+        </p:txBody>
+      </p:sp>
+      <p:sp>
+        <p:nvSpPr>
+          <p:cNvPr id="3" name="내용 개체 틀 2"/>
+          <p:cNvSpPr>
+            <a:spLocks noGrp="1"/>
+          </p:cNvSpPr>
+          <p:nvPr>
+            <p:ph idx="1"/>
+          </p:nvPr>
+        </p:nvSpPr>
+        <p:spPr/>
+        <p:txBody>
+          <a:bodyPr/>
+          <a:lstStyle/>
+          <a:p>
+            <a:r>
+              <a:rPr kumimoji="1" lang="ko-KR" altLang="en-US" dirty="0" smtClean="0"/>
+              <a:t>사실은 </a:t>
+            </a:r>
+            <a:r>
+              <a:rPr kumimoji="1" lang="en-US" altLang="ko-KR" dirty="0" smtClean="0"/>
+              <a:t>EM </a:t>
+            </a:r>
+            <a:r>
+              <a:rPr kumimoji="1" lang="ko-KR" altLang="en-US" dirty="0" smtClean="0"/>
+              <a:t>알고리즘에 대한 충분한 이해가 선행되어야 한다</a:t>
+            </a:r>
+            <a:r>
+              <a:rPr kumimoji="1" lang="en-US" altLang="ko-KR" dirty="0" smtClean="0"/>
+              <a:t>.</a:t>
+            </a:r>
+          </a:p>
+          <a:p>
+            <a:pPr lvl="1"/>
+            <a:r>
+              <a:rPr kumimoji="1" lang="en-US" altLang="ko-KR" dirty="0" smtClean="0"/>
+              <a:t>MLE</a:t>
+            </a:r>
+            <a:r>
+              <a:rPr kumimoji="1" lang="ko-KR" altLang="en-US" dirty="0" smtClean="0"/>
+              <a:t> 문제도 좀 풀어보고 응용도 좀 풀어보고 해야 </a:t>
+            </a:r>
+            <a:r>
+              <a:rPr kumimoji="1" lang="en-US" altLang="ko-KR" dirty="0" smtClean="0"/>
+              <a:t>EM </a:t>
+            </a:r>
+            <a:r>
+              <a:rPr kumimoji="1" lang="ko-KR" altLang="en-US" dirty="0" smtClean="0"/>
+              <a:t>스타일에 적응할 수 있다</a:t>
+            </a:r>
+            <a:r>
+              <a:rPr kumimoji="1" lang="en-US" altLang="ko-KR" dirty="0" smtClean="0"/>
+              <a:t>.</a:t>
+            </a:r>
+          </a:p>
+          <a:p>
+            <a:pPr lvl="1"/>
+            <a:endParaRPr kumimoji="1" lang="en-US" altLang="ko-KR" dirty="0" smtClean="0"/>
+          </a:p>
+          <a:p>
+            <a:r>
+              <a:rPr kumimoji="1" lang="ko-KR" altLang="en-US" dirty="0" smtClean="0"/>
+              <a:t>하지만 여기서 그런 것을 다룰 수는 없지 않는가</a:t>
+            </a:r>
+            <a:r>
+              <a:rPr kumimoji="1" lang="en-US" altLang="ko-KR" dirty="0" smtClean="0"/>
+              <a:t>!!!</a:t>
+            </a:r>
+            <a:r>
+              <a:rPr kumimoji="1" lang="ko-KR" altLang="en-US" dirty="0" smtClean="0"/>
+              <a:t> 다음만 기억하자</a:t>
+            </a:r>
+            <a:r>
+              <a:rPr kumimoji="1" lang="en-US" altLang="ko-KR" dirty="0" smtClean="0"/>
+              <a:t>.</a:t>
+            </a:r>
+          </a:p>
+          <a:p>
+            <a:pPr lvl="1"/>
+            <a:r>
+              <a:rPr kumimoji="1" lang="ko-KR" altLang="en-US" dirty="0" smtClean="0"/>
+              <a:t>일단 </a:t>
+            </a:r>
+            <a:r>
+              <a:rPr kumimoji="1" lang="en-US" altLang="ko-KR" dirty="0" smtClean="0"/>
+              <a:t>z </a:t>
+            </a:r>
+            <a:r>
+              <a:rPr kumimoji="1" lang="ko-KR" altLang="en-US" dirty="0" smtClean="0"/>
+              <a:t>를 알게되면 문제를 풀 수 있는 모델을 도입</a:t>
+            </a:r>
+            <a:r>
+              <a:rPr kumimoji="1" lang="en-US" altLang="ko-KR" dirty="0" smtClean="0"/>
+              <a:t>.</a:t>
+            </a:r>
+          </a:p>
+          <a:p>
+            <a:pPr lvl="1"/>
+            <a:r>
+              <a:rPr kumimoji="1" lang="ko-KR" altLang="en-US" dirty="0" smtClean="0"/>
+              <a:t>하지만 실제로 </a:t>
+            </a:r>
+            <a:r>
+              <a:rPr kumimoji="1" lang="en-US" altLang="ko-KR" dirty="0" smtClean="0"/>
+              <a:t>z </a:t>
+            </a:r>
+            <a:r>
+              <a:rPr kumimoji="1" lang="ko-KR" altLang="en-US" dirty="0" smtClean="0"/>
+              <a:t>를 알 방법은 없음</a:t>
+            </a:r>
+            <a:r>
+              <a:rPr kumimoji="1" lang="en-US" altLang="ko-KR" dirty="0" smtClean="0"/>
+              <a:t>.</a:t>
+            </a:r>
+          </a:p>
+          <a:p>
+            <a:pPr lvl="1"/>
+            <a:r>
+              <a:rPr kumimoji="1" lang="ko-KR" altLang="en-US" dirty="0" smtClean="0"/>
+              <a:t>그래서 적당한 </a:t>
+            </a:r>
+            <a:r>
+              <a:rPr kumimoji="1" lang="en-US" altLang="ko-KR" dirty="0" smtClean="0"/>
+              <a:t>z</a:t>
+            </a:r>
+            <a:r>
+              <a:rPr kumimoji="1" lang="ko-KR" altLang="en-US" dirty="0" smtClean="0"/>
+              <a:t>를 추정하는 문제로 하여 반복하여 에러를 최소화하는 문제로 풀이</a:t>
+            </a:r>
+            <a:endParaRPr kumimoji="1" lang="ko-KR" altLang="en-US" dirty="0"/>
+          </a:p>
+        </p:txBody>
+      </p:sp>
+    </p:spTree>
+    <p:extLst>
+      <p:ext uri="{BB962C8B-B14F-4D97-AF65-F5344CB8AC3E}">
+        <p14:creationId xmlns:p14="http://schemas.microsoft.com/office/powerpoint/2010/main" val="245353059"/>
+      </p:ext>
+    </p:extLst>
+  </p:cSld>
+  <p:clrMapOvr>
+    <a:masterClrMapping/>
+  </p:clrMapOvr>
+  <p:timing>
+    <p:tnLst>
+      <p:par>
+        <p:cTn id="1" dur="indefinite" restart="never" nodeType="tmRoot"/>
+      </p:par>
+    </p:tnLst>
+  </p:timing>
+</p:sld>
+</file>
+
+<file path=ppt/slides/slide39.xml><?xml version="1.0" encoding="utf-8"?>
+<p:sld xmlns:a="http://schemas.openxmlformats.org/drawingml/2006/main" xmlns:r="http://schemas.openxmlformats.org/officeDocument/2006/relationships" xmlns:p="http://schemas.openxmlformats.org/presentationml/2006/main">
+  <p:cSld>
+    <p:spTree>
+      <p:nvGrpSpPr>
+        <p:cNvPr id="1" name=""/>
+        <p:cNvGrpSpPr/>
+        <p:nvPr/>
+      </p:nvGrpSpPr>
+      <p:grpSpPr>
+        <a:xfrm>
+          <a:off x="0" y="0"/>
+          <a:ext cx="0" cy="0"/>
+          <a:chOff x="0" y="0"/>
+          <a:chExt cx="0" cy="0"/>
+        </a:xfrm>
+      </p:grpSpPr>
+      <p:sp>
+        <p:nvSpPr>
+          <p:cNvPr id="2" name="제목 1"/>
+          <p:cNvSpPr>
+            <a:spLocks noGrp="1"/>
+          </p:cNvSpPr>
+          <p:nvPr>
+            <p:ph type="title"/>
+          </p:nvPr>
+        </p:nvSpPr>
+        <p:spPr/>
+        <p:txBody>
+          <a:bodyPr/>
+          <a:lstStyle/>
+          <a:p>
+            <a:r>
               <a:rPr kumimoji="1" lang="en-US" altLang="ko-KR" dirty="0"/>
               <a:t>EM </a:t>
             </a:r>
@@ -15592,9 +16161,21 @@
             </a:r>
             <a:r>
               <a:rPr kumimoji="1" lang="en-US" altLang="ko-KR" dirty="0" smtClean="0"/>
-              <a:t>-&gt; VI</a:t>
-            </a:r>
-            <a:endParaRPr kumimoji="1" lang="ko-KR" altLang="en-US" dirty="0"/>
+              <a:t>-&gt; </a:t>
+            </a:r>
+            <a:r>
+              <a:rPr kumimoji="1" lang="en-US" altLang="ko-KR" b="1" dirty="0" smtClean="0">
+                <a:solidFill>
+                  <a:srgbClr val="FF0000"/>
+                </a:solidFill>
+              </a:rPr>
+              <a:t>VI</a:t>
+            </a:r>
+            <a:endParaRPr kumimoji="1" lang="ko-KR" altLang="en-US" b="1" dirty="0">
+              <a:solidFill>
+                <a:srgbClr val="FF0000"/>
+              </a:solidFill>
+            </a:endParaRPr>
           </a:p>
         </p:txBody>
       </p:sp>
@@ -15626,59 +16207,6 @@
     <p:extLst>
       <p:ext uri="{BB962C8B-B14F-4D97-AF65-F5344CB8AC3E}">
         <p14:creationId xmlns:p14="http://schemas.microsoft.com/office/powerpoint/2010/main" val="1963431226"/>
-      </p:ext>
-    </p:extLst>
-  </p:cSld>
-  <p:clrMapOvr>
-    <a:masterClrMapping/>
-  </p:clrMapOvr>
-</p:sld>
-</file>
-
-<file path=ppt/slides/slide39.xml><?xml version="1.0" encoding="utf-8"?>
-<p:sld xmlns:a="http://schemas.openxmlformats.org/drawingml/2006/main" xmlns:r="http://schemas.openxmlformats.org/officeDocument/2006/relationships" xmlns:p="http://schemas.openxmlformats.org/presentationml/2006/main">
-  <p:cSld>
-    <p:spTree>
-      <p:nvGrpSpPr>
-        <p:cNvPr id="1" name=""/>
-        <p:cNvGrpSpPr/>
-        <p:nvPr/>
-      </p:nvGrpSpPr>
-      <p:grpSpPr>
-        <a:xfrm>
-          <a:off x="0" y="0"/>
-          <a:ext cx="0" cy="0"/>
-          <a:chOff x="0" y="0"/>
-          <a:chExt cx="0" cy="0"/>
-        </a:xfrm>
-      </p:grpSpPr>
-      <p:sp>
-        <p:nvSpPr>
-          <p:cNvPr id="4" name="제목 3"/>
-          <p:cNvSpPr>
-            <a:spLocks noGrp="1"/>
-          </p:cNvSpPr>
-          <p:nvPr>
-            <p:ph type="title"/>
-          </p:nvPr>
-        </p:nvSpPr>
-        <p:spPr/>
-        <p:txBody>
-          <a:bodyPr/>
-          <a:lstStyle/>
-          <a:p>
-            <a:r>
-              <a:rPr kumimoji="1" lang="en-US" altLang="ko-KR" dirty="0" smtClean="0"/>
-              <a:t>General EM Algorithm</a:t>
-            </a:r>
-            <a:endParaRPr kumimoji="1" lang="ko-KR" altLang="en-US" dirty="0"/>
-          </a:p>
-        </p:txBody>
-      </p:sp>
-    </p:spTree>
-    <p:extLst>
-      <p:ext uri="{BB962C8B-B14F-4D97-AF65-F5344CB8AC3E}">
-        <p14:creationId xmlns:p14="http://schemas.microsoft.com/office/powerpoint/2010/main" val="1466048721"/>
       </p:ext>
     </p:extLst>
   </p:cSld>
@@ -16070,6 +16598,59 @@
       </p:grpSpPr>
       <p:sp>
         <p:nvSpPr>
+          <p:cNvPr id="4" name="제목 3"/>
+          <p:cNvSpPr>
+            <a:spLocks noGrp="1"/>
+          </p:cNvSpPr>
+          <p:nvPr>
+            <p:ph type="title"/>
+          </p:nvPr>
+        </p:nvSpPr>
+        <p:spPr/>
+        <p:txBody>
+          <a:bodyPr/>
+          <a:lstStyle/>
+          <a:p>
+            <a:r>
+              <a:rPr kumimoji="1" lang="en-US" altLang="ko-KR" dirty="0" smtClean="0"/>
+              <a:t>General EM Algorithm</a:t>
+            </a:r>
+            <a:endParaRPr kumimoji="1" lang="ko-KR" altLang="en-US" dirty="0"/>
+          </a:p>
+        </p:txBody>
+      </p:sp>
+    </p:spTree>
+    <p:extLst>
+      <p:ext uri="{BB962C8B-B14F-4D97-AF65-F5344CB8AC3E}">
+        <p14:creationId xmlns:p14="http://schemas.microsoft.com/office/powerpoint/2010/main" val="1466048721"/>
+      </p:ext>
+    </p:extLst>
+  </p:cSld>
+  <p:clrMapOvr>
+    <a:masterClrMapping/>
+  </p:clrMapOvr>
+</p:sld>
+</file>
+
+<file path=ppt/slides/slide41.xml><?xml version="1.0" encoding="utf-8"?>
+<p:sld xmlns:a="http://schemas.openxmlformats.org/drawingml/2006/main" xmlns:r="http://schemas.openxmlformats.org/officeDocument/2006/relationships" xmlns:p="http://schemas.openxmlformats.org/presentationml/2006/main">
+  <p:cSld>
+    <p:spTree>
+      <p:nvGrpSpPr>
+        <p:cNvPr id="1" name=""/>
+        <p:cNvGrpSpPr/>
+        <p:nvPr/>
+      </p:nvGrpSpPr>
+      <p:grpSpPr>
+        <a:xfrm>
+          <a:off x="0" y="0"/>
+          <a:ext cx="0" cy="0"/>
+          <a:chOff x="0" y="0"/>
+          <a:chExt cx="0" cy="0"/>
+        </a:xfrm>
+      </p:grpSpPr>
+      <p:sp>
+        <p:nvSpPr>
           <p:cNvPr id="2" name="제목 1"/>
           <p:cNvSpPr>
             <a:spLocks noGrp="1"/>
@@ -16113,7 +16694,7 @@
         </p:spPr>
         <p:txBody>
           <a:bodyPr>
-            <a:normAutofit fontScale="77500" lnSpcReduction="20000"/>
+            <a:normAutofit fontScale="70000" lnSpcReduction="20000"/>
           </a:bodyPr>
           <a:lstStyle/>
           <a:p>
@@ -16156,11 +16737,27 @@
             </a:r>
             <a:r>
               <a:rPr kumimoji="1" lang="ko-KR" altLang="en-US" dirty="0" smtClean="0"/>
-              <a:t>와 관련된 그냥 어떤 함수 </a:t>
-            </a:r>
-            <a:r>
-              <a:rPr kumimoji="1" lang="en-US" altLang="ko-KR" dirty="0" smtClean="0"/>
-              <a:t>q() </a:t>
+              <a:t>와 관련된 그냥 어떤 </a:t>
+            </a:r>
+            <a:r>
+              <a:rPr kumimoji="1" lang="ko-KR" altLang="en-US" dirty="0" smtClean="0">
+                <a:solidFill>
+                  <a:srgbClr val="FF0000"/>
+                </a:solidFill>
+              </a:rPr>
+              <a:t>확률</a:t>
+            </a:r>
+            <a:r>
+              <a:rPr kumimoji="1" lang="ko-KR" altLang="en-US" dirty="0" smtClean="0"/>
+              <a:t> 함수 </a:t>
+            </a:r>
+            <a:r>
+              <a:rPr kumimoji="1" lang="en-US" altLang="ko-KR" dirty="0" smtClean="0"/>
+              <a:t>q</a:t>
+            </a:r>
+            <a:r>
+              <a:rPr kumimoji="1" lang="en-US" altLang="ko-KR" dirty="0" smtClean="0"/>
+              <a:t>() </a:t>
             </a:r>
             <a:r>
               <a:rPr kumimoji="1" lang="ko-KR" altLang="en-US" dirty="0" smtClean="0"/>
@@ -16185,7 +16782,11 @@
             </a:r>
             <a:r>
               <a:rPr kumimoji="1" lang="ko-KR" altLang="en-US" dirty="0" smtClean="0"/>
-              <a:t>와 관련된 어떤 함수가 </a:t>
+              <a:t>와 관련된 어떤 </a:t>
+            </a:r>
+            <a:r>
+              <a:rPr kumimoji="1" lang="ko-KR" altLang="en-US" dirty="0" smtClean="0"/>
+              <a:t>확률 함수 </a:t>
             </a:r>
             <a:r>
               <a:rPr kumimoji="1" lang="en-US" altLang="ko-KR" dirty="0" smtClean="0"/>
@@ -16275,6 +16876,61 @@
           </a:prstGeom>
         </p:spPr>
       </p:pic>
+      <p:sp>
+        <p:nvSpPr>
+          <p:cNvPr id="7" name="텍스트 상자 6"/>
+          <p:cNvSpPr txBox="1"/>
+          <p:nvPr/>
+        </p:nvSpPr>
+        <p:spPr>
+          <a:xfrm rot="20982772">
+            <a:off x="7302411" y="1819150"/>
+            <a:ext cx="2709396" cy="369332"/>
+          </a:xfrm>
+          <a:prstGeom prst="rect">
+            <a:avLst/>
+          </a:prstGeom>
+          <a:noFill/>
+        </p:spPr>
+        <p:txBody>
+          <a:bodyPr wrap="none" rtlCol="0">
+            <a:spAutoFit/>
+          </a:bodyPr>
+          <a:lstStyle/>
+          <a:p>
+            <a:r>
+              <a:rPr kumimoji="1" lang="ko-KR" altLang="en-US" dirty="0" smtClean="0">
+                <a:solidFill>
+                  <a:srgbClr val="FF0000"/>
+                </a:solidFill>
+                <a:latin typeface="Nanum Pen Script" charset="-127"/>
+                <a:ea typeface="Nanum Pen Script" charset="-127"/>
+                <a:cs typeface="Nanum Pen Script" charset="-127"/>
+              </a:rPr>
+              <a:t>따라서 확률적 제약을 만족해야 한다</a:t>
+            </a:r>
+            <a:r>
+              <a:rPr kumimoji="1" lang="en-US" altLang="ko-KR" dirty="0" smtClean="0">
+                <a:solidFill>
+                  <a:srgbClr val="FF0000"/>
+                </a:solidFill>
+                <a:latin typeface="Nanum Pen Script" charset="-127"/>
+                <a:ea typeface="Nanum Pen Script" charset="-127"/>
+                <a:cs typeface="Nanum Pen Script" charset="-127"/>
+              </a:rPr>
+              <a:t>.</a:t>
+            </a:r>
+            <a:endParaRPr kumimoji="1" lang="ko-KR" altLang="en-US" dirty="0">
+              <a:solidFill>
+                <a:srgbClr val="FF0000"/>
+              </a:solidFill>
+              <a:latin typeface="Nanum Pen Script" charset="-127"/>
+              <a:ea typeface="Nanum Pen Script" charset="-127"/>
+              <a:cs typeface="Nanum Pen Script" charset="-127"/>
+            </a:endParaRPr>
+          </a:p>
+        </p:txBody>
+      </p:sp>
     </p:spTree>
     <p:extLst>
       <p:ext uri="{BB962C8B-B14F-4D97-AF65-F5344CB8AC3E}">
@@ -16288,7 +16944,7 @@
 </p:sld>
 </file>
 
-<file path=ppt/slides/slide41.xml><?xml version="1.0" encoding="utf-8"?>
+<file path=ppt/slides/slide42.xml><?xml version="1.0" encoding="utf-8"?>
 <p:sld xmlns:a="http://schemas.openxmlformats.org/drawingml/2006/main" xmlns:r="http://schemas.openxmlformats.org/officeDocument/2006/relationships" xmlns:p="http://schemas.openxmlformats.org/presentationml/2006/main">
   <p:cSld>
     <p:spTree>
@@ -17046,7 +17702,7 @@
 </p:sld>
 </file>
 
-<file path=ppt/slides/slide42.xml><?xml version="1.0" encoding="utf-8"?>
+<file path=ppt/slides/slide43.xml><?xml version="1.0" encoding="utf-8"?>
 <p:sld xmlns:a="http://schemas.openxmlformats.org/drawingml/2006/main" xmlns:r="http://schemas.openxmlformats.org/officeDocument/2006/relationships" xmlns:p="http://schemas.openxmlformats.org/presentationml/2006/main">
   <p:cSld>
     <p:spTree>
@@ -17281,7 +17937,7 @@
           <p:nvPr/>
         </p:nvPicPr>
         <p:blipFill>
-          <a:blip r:embed="rId3"/>
+          <a:blip r:embed="rId2"/>
           <a:stretch>
             <a:fillRect/>
           </a:stretch>
@@ -17305,7 +17961,7 @@
           <p:nvPr/>
         </p:nvPicPr>
         <p:blipFill>
-          <a:blip r:embed="rId4"/>
+          <a:blip r:embed="rId3"/>
           <a:stretch>
             <a:fillRect/>
           </a:stretch>
@@ -17340,7 +17996,7 @@
 </p:sld>
 </file>
 
-<file path=ppt/slides/slide43.xml><?xml version="1.0" encoding="utf-8"?>
+<file path=ppt/slides/slide44.xml><?xml version="1.0" encoding="utf-8"?>
 <p:sld xmlns:a="http://schemas.openxmlformats.org/drawingml/2006/main" xmlns:r="http://schemas.openxmlformats.org/officeDocument/2006/relationships" xmlns:p="http://schemas.openxmlformats.org/presentationml/2006/main">
   <p:cSld>
     <p:spTree>
@@ -17451,8 +18107,16 @@
               <a:t> 가 </a:t>
             </a:r>
             <a:r>
+              <a:rPr lang="en-US" altLang="ko-KR" i="1" dirty="0" smtClean="0">
+                <a:latin typeface="Cambria Math" charset="0"/>
+                <a:ea typeface="Cambria Math" charset="0"/>
+                <a:cs typeface="Cambria Math" charset="0"/>
+              </a:rPr>
+              <a:t>convex</a:t>
+            </a:r>
+            <a:r>
               <a:rPr lang="en-US" altLang="ko-KR" dirty="0" smtClean="0"/>
-              <a:t>convex </a:t>
+              <a:t> </a:t>
             </a:r>
             <a:r>
               <a:rPr lang="ko-KR" altLang="en-US" dirty="0" smtClean="0"/>
@@ -17631,9 +18295,9 @@
           <p:nvPr/>
         </p:nvSpPr>
         <p:spPr>
-          <a:xfrm>
-            <a:off x="7536794" y="3129727"/>
-            <a:ext cx="3249608" cy="461665"/>
+          <a:xfrm rot="20998623">
+            <a:off x="6964800" y="3239978"/>
+            <a:ext cx="3289555" cy="461665"/>
           </a:xfrm>
           <a:prstGeom prst="rect">
             <a:avLst/>
@@ -17658,7 +18322,18 @@
               <a:t>참고로 </a:t>
             </a:r>
             <a:r>
-              <a:rPr kumimoji="1" lang="en-US" altLang="ko-KR" sz="2400" dirty="0" smtClean="0">
+              <a:rPr kumimoji="1" lang="en-US" altLang="ko-KR" sz="2000" dirty="0" smtClean="0">
+                <a:solidFill>
+                  <a:srgbClr val="FF0000"/>
+                </a:solidFill>
+                <a:latin typeface="Cambria Math" charset="0"/>
+                <a:ea typeface="Cambria Math" charset="0"/>
+                <a:cs typeface="Cambria Math" charset="0"/>
+              </a:rPr>
+              <a:t>concave</a:t>
+            </a:r>
+            <a:r>
+              <a:rPr kumimoji="1" lang="en-US" altLang="ko-KR" sz="2000" dirty="0" smtClean="0">
                 <a:solidFill>
                   <a:srgbClr val="FF0000"/>
                 </a:solidFill>
@@ -17666,7 +18341,7 @@
                 <a:ea typeface="Nanum Pen Script" charset="-127"/>
                 <a:cs typeface="Nanum Pen Script" charset="-127"/>
               </a:rPr>
-              <a:t>concave </a:t>
+              <a:t> </a:t>
             </a:r>
             <a:r>
               <a:rPr kumimoji="1" lang="ko-KR" altLang="en-US" sz="2400" dirty="0" smtClean="0">
@@ -17710,7 +18385,7 @@
 </p:sld>
 </file>
 
-<file path=ppt/slides/slide44.xml><?xml version="1.0" encoding="utf-8"?>
+<file path=ppt/slides/slide45.xml><?xml version="1.0" encoding="utf-8"?>
 <p:sld xmlns:a="http://schemas.openxmlformats.org/drawingml/2006/main" xmlns:r="http://schemas.openxmlformats.org/officeDocument/2006/relationships" xmlns:p="http://schemas.openxmlformats.org/presentationml/2006/main">
   <p:cSld>
     <p:spTree>
@@ -17822,7 +18497,7 @@
 </p:sld>
 </file>
 
-<file path=ppt/slides/slide45.xml><?xml version="1.0" encoding="utf-8"?>
+<file path=ppt/slides/slide46.xml><?xml version="1.0" encoding="utf-8"?>
 <p:sld xmlns:a="http://schemas.openxmlformats.org/drawingml/2006/main" xmlns:r="http://schemas.openxmlformats.org/officeDocument/2006/relationships" xmlns:p="http://schemas.openxmlformats.org/presentationml/2006/main">
   <p:cSld>
     <p:spTree>
@@ -18477,7 +19152,7 @@
 </p:sld>
 </file>
 
-<file path=ppt/slides/slide46.xml><?xml version="1.0" encoding="utf-8"?>
+<file path=ppt/slides/slide47.xml><?xml version="1.0" encoding="utf-8"?>
 <p:sld xmlns:a="http://schemas.openxmlformats.org/drawingml/2006/main" xmlns:r="http://schemas.openxmlformats.org/officeDocument/2006/relationships" xmlns:p="http://schemas.openxmlformats.org/presentationml/2006/main">
   <p:cSld>
     <p:spTree>
@@ -18767,7 +19442,7 @@
 </p:sld>
 </file>
 
-<file path=ppt/slides/slide47.xml><?xml version="1.0" encoding="utf-8"?>
+<file path=ppt/slides/slide48.xml><?xml version="1.0" encoding="utf-8"?>
 <p:sld xmlns:a="http://schemas.openxmlformats.org/drawingml/2006/main" xmlns:r="http://schemas.openxmlformats.org/officeDocument/2006/relationships" xmlns:p="http://schemas.openxmlformats.org/presentationml/2006/main">
   <p:cSld>
     <p:spTree>
@@ -19209,7 +19884,7 @@
 </p:sld>
 </file>
 
-<file path=ppt/slides/slide48.xml><?xml version="1.0" encoding="utf-8"?>
+<file path=ppt/slides/slide49.xml><?xml version="1.0" encoding="utf-8"?>
 <p:sld xmlns:a="http://schemas.openxmlformats.org/drawingml/2006/main" xmlns:r="http://schemas.openxmlformats.org/officeDocument/2006/relationships" xmlns:p="http://schemas.openxmlformats.org/presentationml/2006/main">
   <p:cSld>
     <p:spTree>
@@ -19752,90 +20427,6 @@
 </p:sld>
 </file>
 
-<file path=ppt/slides/slide49.xml><?xml version="1.0" encoding="utf-8"?>
-<p:sld xmlns:a="http://schemas.openxmlformats.org/drawingml/2006/main" xmlns:r="http://schemas.openxmlformats.org/officeDocument/2006/relationships" xmlns:p="http://schemas.openxmlformats.org/presentationml/2006/main">
-  <p:cSld>
-    <p:spTree>
-      <p:nvGrpSpPr>
-        <p:cNvPr id="1" name=""/>
-        <p:cNvGrpSpPr/>
-        <p:nvPr/>
-      </p:nvGrpSpPr>
-      <p:grpSpPr>
-        <a:xfrm>
-          <a:off x="0" y="0"/>
-          <a:ext cx="0" cy="0"/>
-          <a:chOff x="0" y="0"/>
-          <a:chExt cx="0" cy="0"/>
-        </a:xfrm>
-      </p:grpSpPr>
-      <p:sp>
-        <p:nvSpPr>
-          <p:cNvPr id="8" name="제목 7"/>
-          <p:cNvSpPr>
-            <a:spLocks noGrp="1"/>
-          </p:cNvSpPr>
-          <p:nvPr>
-            <p:ph type="title"/>
-          </p:nvPr>
-        </p:nvSpPr>
-        <p:spPr/>
-        <p:txBody>
-          <a:bodyPr/>
-          <a:lstStyle/>
-          <a:p>
-            <a:r>
-              <a:rPr kumimoji="1" lang="en-US" altLang="ko-KR" dirty="0" err="1" smtClean="0"/>
-              <a:t>Variational</a:t>
-            </a:r>
-            <a:r>
-              <a:rPr kumimoji="1" lang="en-US" altLang="ko-KR" dirty="0" smtClean="0"/>
-              <a:t> Inference</a:t>
-            </a:r>
-            <a:endParaRPr kumimoji="1" lang="ko-KR" altLang="en-US" dirty="0"/>
-          </a:p>
-        </p:txBody>
-      </p:sp>
-      <p:sp>
-        <p:nvSpPr>
-          <p:cNvPr id="9" name="텍스트 개체 틀 8"/>
-          <p:cNvSpPr>
-            <a:spLocks noGrp="1"/>
-          </p:cNvSpPr>
-          <p:nvPr>
-            <p:ph type="body" idx="1"/>
-          </p:nvPr>
-        </p:nvSpPr>
-        <p:spPr/>
-        <p:txBody>
-          <a:bodyPr/>
-          <a:lstStyle/>
-          <a:p>
-            <a:r>
-              <a:rPr kumimoji="1" lang="ko-KR" altLang="en-US" dirty="0" smtClean="0"/>
-              <a:t>이제 진짜 시작입니다</a:t>
-            </a:r>
-            <a:r>
-              <a:rPr kumimoji="1" lang="en-US" altLang="ko-KR" dirty="0" smtClean="0"/>
-              <a:t>.</a:t>
-            </a:r>
-            <a:endParaRPr kumimoji="1" lang="ko-KR" altLang="en-US" dirty="0"/>
-          </a:p>
-        </p:txBody>
-      </p:sp>
-    </p:spTree>
-    <p:extLst>
-      <p:ext uri="{BB962C8B-B14F-4D97-AF65-F5344CB8AC3E}">
-        <p14:creationId xmlns:p14="http://schemas.microsoft.com/office/powerpoint/2010/main" val="884040754"/>
-      </p:ext>
-    </p:extLst>
-  </p:cSld>
-  <p:clrMapOvr>
-    <a:masterClrMapping/>
-  </p:clrMapOvr>
-</p:sld>
-</file>
-
 <file path=ppt/slides/slide5.xml><?xml version="1.0" encoding="utf-8"?>
 <p:sld xmlns:a="http://schemas.openxmlformats.org/drawingml/2006/main" xmlns:r="http://schemas.openxmlformats.org/officeDocument/2006/relationships" xmlns:p="http://schemas.openxmlformats.org/presentationml/2006/main">
   <p:cSld>
@@ -20217,6 +20808,94 @@
       </p:grpSpPr>
       <p:sp>
         <p:nvSpPr>
+          <p:cNvPr id="8" name="제목 7"/>
+          <p:cNvSpPr>
+            <a:spLocks noGrp="1"/>
+          </p:cNvSpPr>
+          <p:nvPr>
+            <p:ph type="title"/>
+          </p:nvPr>
+        </p:nvSpPr>
+        <p:spPr/>
+        <p:txBody>
+          <a:bodyPr/>
+          <a:lstStyle/>
+          <a:p>
+            <a:r>
+              <a:rPr kumimoji="1" lang="en-US" altLang="ko-KR" dirty="0" smtClean="0"/>
+              <a:t>VI (</a:t>
+            </a:r>
+            <a:r>
+              <a:rPr kumimoji="1" lang="en-US" altLang="ko-KR" dirty="0" err="1" smtClean="0"/>
+              <a:t>Variational</a:t>
+            </a:r>
+            <a:r>
+              <a:rPr kumimoji="1" lang="en-US" altLang="ko-KR" dirty="0" smtClean="0"/>
+              <a:t> Inference)</a:t>
+            </a:r>
+            <a:endParaRPr kumimoji="1" lang="ko-KR" altLang="en-US" dirty="0"/>
+          </a:p>
+        </p:txBody>
+      </p:sp>
+      <p:sp>
+        <p:nvSpPr>
+          <p:cNvPr id="9" name="텍스트 개체 틀 8"/>
+          <p:cNvSpPr>
+            <a:spLocks noGrp="1"/>
+          </p:cNvSpPr>
+          <p:nvPr>
+            <p:ph type="body" idx="1"/>
+          </p:nvPr>
+        </p:nvSpPr>
+        <p:spPr/>
+        <p:txBody>
+          <a:bodyPr/>
+          <a:lstStyle/>
+          <a:p>
+            <a:r>
+              <a:rPr kumimoji="1" lang="ko-KR" altLang="en-US" dirty="0" smtClean="0"/>
+              <a:t>이제 진짜 시작입니다</a:t>
+            </a:r>
+            <a:r>
+              <a:rPr kumimoji="1" lang="en-US" altLang="ko-KR" dirty="0" smtClean="0"/>
+              <a:t>.</a:t>
+            </a:r>
+            <a:endParaRPr kumimoji="1" lang="ko-KR" altLang="en-US" dirty="0"/>
+          </a:p>
+        </p:txBody>
+      </p:sp>
+    </p:spTree>
+    <p:extLst>
+      <p:ext uri="{BB962C8B-B14F-4D97-AF65-F5344CB8AC3E}">
+        <p14:creationId xmlns:p14="http://schemas.microsoft.com/office/powerpoint/2010/main" val="884040754"/>
+      </p:ext>
+    </p:extLst>
+  </p:cSld>
+  <p:clrMapOvr>
+    <a:masterClrMapping/>
+  </p:clrMapOvr>
+</p:sld>
+</file>
+
+<file path=ppt/slides/slide51.xml><?xml version="1.0" encoding="utf-8"?>
+<p:sld xmlns:a="http://schemas.openxmlformats.org/drawingml/2006/main" xmlns:r="http://schemas.openxmlformats.org/officeDocument/2006/relationships" xmlns:p="http://schemas.openxmlformats.org/presentationml/2006/main">
+  <p:cSld>
+    <p:spTree>
+      <p:nvGrpSpPr>
+        <p:cNvPr id="1" name=""/>
+        <p:cNvGrpSpPr/>
+        <p:nvPr/>
+      </p:nvGrpSpPr>
+      <p:grpSpPr>
+        <a:xfrm>
+          <a:off x="0" y="0"/>
+          <a:ext cx="0" cy="0"/>
+          <a:chOff x="0" y="0"/>
+          <a:chExt cx="0" cy="0"/>
+        </a:xfrm>
+      </p:grpSpPr>
+      <p:sp>
+        <p:nvSpPr>
           <p:cNvPr id="4" name="제목 3"/>
           <p:cNvSpPr>
             <a:spLocks noGrp="1"/>
@@ -20416,7 +21095,7 @@
 </p:sld>
 </file>
 
-<file path=ppt/slides/slide51.xml><?xml version="1.0" encoding="utf-8"?>
+<file path=ppt/slides/slide52.xml><?xml version="1.0" encoding="utf-8"?>
 <p:sld xmlns:a="http://schemas.openxmlformats.org/drawingml/2006/main" xmlns:r="http://schemas.openxmlformats.org/officeDocument/2006/relationships" xmlns:p="http://schemas.openxmlformats.org/presentationml/2006/main">
   <p:cSld>
     <p:spTree>
@@ -20766,7 +21445,7 @@
 </p:sld>
 </file>
 
-<file path=ppt/slides/slide52.xml><?xml version="1.0" encoding="utf-8"?>
+<file path=ppt/slides/slide53.xml><?xml version="1.0" encoding="utf-8"?>
 <p:sld xmlns:a="http://schemas.openxmlformats.org/drawingml/2006/main" xmlns:r="http://schemas.openxmlformats.org/officeDocument/2006/relationships" xmlns:p="http://schemas.openxmlformats.org/presentationml/2006/main">
   <p:cSld>
     <p:spTree>
@@ -20945,7 +21624,7 @@
 </p:sld>
 </file>
 
-<file path=ppt/slides/slide53.xml><?xml version="1.0" encoding="utf-8"?>
+<file path=ppt/slides/slide54.xml><?xml version="1.0" encoding="utf-8"?>
 <p:sld xmlns:a="http://schemas.openxmlformats.org/drawingml/2006/main" xmlns:r="http://schemas.openxmlformats.org/officeDocument/2006/relationships" xmlns:p="http://schemas.openxmlformats.org/presentationml/2006/main">
   <p:cSld>
     <p:spTree>
@@ -21197,7 +21876,7 @@
 </p:sld>
 </file>
 
-<file path=ppt/slides/slide54.xml><?xml version="1.0" encoding="utf-8"?>
+<file path=ppt/slides/slide55.xml><?xml version="1.0" encoding="utf-8"?>
 <p:sld xmlns:a="http://schemas.openxmlformats.org/drawingml/2006/main" xmlns:r="http://schemas.openxmlformats.org/officeDocument/2006/relationships" xmlns:p="http://schemas.openxmlformats.org/presentationml/2006/main">
   <p:cSld>
     <p:spTree>
@@ -21237,8 +21916,8 @@
           </a:p>
         </p:txBody>
       </p:sp>
-      <mc:AlternateContent xmlns:mc="http://schemas.openxmlformats.org/markup-compatibility/2006" xmlns:a14="http://schemas.microsoft.com/office/drawing/2010/main">
-        <mc:Choice Requires="a14">
+      <mc:AlternateContent xmlns:mc="http://schemas.openxmlformats.org/markup-compatibility/2006">
+        <mc:Choice xmlns:a14="http://schemas.microsoft.com/office/drawing/2010/main" Requires="a14">
           <p:sp>
             <p:nvSpPr>
               <p:cNvPr id="3" name="내용 개체 틀 2"/>
@@ -21257,13 +21936,25 @@
             </p:spPr>
             <p:txBody>
               <a:bodyPr>
-                <a:normAutofit fontScale="92500" lnSpcReduction="10000"/>
+                <a:normAutofit fontScale="92500" lnSpcReduction="20000"/>
               </a:bodyPr>
               <a:lstStyle/>
               <a:p>
                 <a:r>
+                  <a:rPr kumimoji="1" lang="en-US" altLang="ko-KR" dirty="0" smtClean="0"/>
+                  <a:t>[</a:t>
+                </a:r>
+                <a:r>
                   <a:rPr kumimoji="1" lang="ko-KR" altLang="en-US" dirty="0" smtClean="0"/>
-                  <a:t>각각의 </a:t>
+                  <a:t>가정</a:t>
+                </a:r>
+                <a:r>
+                  <a:rPr kumimoji="1" lang="en-US" altLang="ko-KR" dirty="0" smtClean="0"/>
+                  <a:t>]</a:t>
+                </a:r>
+                <a:r>
+                  <a:rPr kumimoji="1" lang="ko-KR" altLang="en-US" dirty="0" smtClean="0"/>
+                  <a:t> 각각의 </a:t>
                 </a:r>
                 <a14:m>
                   <m:oMath xmlns:m="http://schemas.openxmlformats.org/officeDocument/2006/math">
@@ -21310,6 +22001,7 @@
                 <a:endParaRPr kumimoji="1" lang="en-US" altLang="ko-KR" dirty="0" smtClean="0"/>
               </a:p>
               <a:p>
+                <a:pPr lvl="1"/>
                 <a:r>
                   <a:rPr kumimoji="1" lang="ko-KR" altLang="en-US" dirty="0" smtClean="0"/>
                   <a:t>즉</a:t>
@@ -21349,6 +22041,7 @@
                 <a:endParaRPr kumimoji="1" lang="en-US" altLang="ko-KR" dirty="0"/>
               </a:p>
               <a:p>
+                <a:pPr lvl="1"/>
                 <a:r>
                   <a:rPr kumimoji="1" lang="ko-KR" altLang="en-US" dirty="0" smtClean="0"/>
                   <a:t>이런 가정 하에서 </a:t>
@@ -21412,6 +22105,7 @@
                 <a:endParaRPr kumimoji="1" lang="en-US" altLang="ko-KR" dirty="0" smtClean="0"/>
               </a:p>
               <a:p>
+                <a:pPr lvl="1"/>
                 <a:r>
                   <a:rPr kumimoji="1" lang="ko-KR" altLang="en-US" dirty="0" smtClean="0"/>
                   <a:t>이러한 기법을 평균장 이론 </a:t>
@@ -21433,7 +22127,7 @@
             </p:txBody>
           </p:sp>
         </mc:Choice>
-        <mc:Fallback xmlns="">
+        <mc:Fallback>
           <p:sp>
             <p:nvSpPr>
               <p:cNvPr id="3" name="내용 개체 틀 2"/>
@@ -21452,7 +22146,7 @@
               <a:blipFill rotWithShape="0">
                 <a:blip r:embed="rId2"/>
                 <a:stretch>
-                  <a:fillRect l="-928" t="-3876" b="-3101"/>
+                  <a:fillRect l="-928" t="-4845" b="-969"/>
                 </a:stretch>
               </a:blipFill>
             </p:spPr>
@@ -21508,180 +22202,6 @@
 </p:sld>
 </file>
 
-<file path=ppt/slides/slide55.xml><?xml version="1.0" encoding="utf-8"?>
-<p:sld xmlns:a="http://schemas.openxmlformats.org/drawingml/2006/main" xmlns:r="http://schemas.openxmlformats.org/officeDocument/2006/relationships" xmlns:p="http://schemas.openxmlformats.org/presentationml/2006/main">
-  <p:cSld>
-    <p:spTree>
-      <p:nvGrpSpPr>
-        <p:cNvPr id="1" name=""/>
-        <p:cNvGrpSpPr/>
-        <p:nvPr/>
-      </p:nvGrpSpPr>
-      <p:grpSpPr>
-        <a:xfrm>
-          <a:off x="0" y="0"/>
-          <a:ext cx="0" cy="0"/>
-          <a:chOff x="0" y="0"/>
-          <a:chExt cx="0" cy="0"/>
-        </a:xfrm>
-      </p:grpSpPr>
-      <p:sp>
-        <p:nvSpPr>
-          <p:cNvPr id="2" name="제목 1"/>
-          <p:cNvSpPr>
-            <a:spLocks noGrp="1"/>
-          </p:cNvSpPr>
-          <p:nvPr>
-            <p:ph type="title"/>
-          </p:nvPr>
-        </p:nvSpPr>
-        <p:spPr/>
-        <p:txBody>
-          <a:bodyPr/>
-          <a:lstStyle/>
-          <a:p>
-            <a:r>
-              <a:rPr kumimoji="1" lang="ko-KR" altLang="en-US" dirty="0" smtClean="0"/>
-              <a:t>평균장 이론</a:t>
-            </a:r>
-            <a:endParaRPr kumimoji="1" lang="ko-KR" altLang="en-US" dirty="0"/>
-          </a:p>
-        </p:txBody>
-      </p:sp>
-      <p:sp>
-        <p:nvSpPr>
-          <p:cNvPr id="3" name="내용 개체 틀 2"/>
-          <p:cNvSpPr>
-            <a:spLocks noGrp="1"/>
-          </p:cNvSpPr>
-          <p:nvPr>
-            <p:ph idx="1"/>
-          </p:nvPr>
-        </p:nvSpPr>
-        <p:spPr>
-          <a:xfrm>
-            <a:off x="838200" y="1905801"/>
-            <a:ext cx="10515600" cy="3113239"/>
-          </a:xfrm>
-        </p:spPr>
-        <p:txBody>
-          <a:bodyPr>
-            <a:normAutofit fontScale="77500" lnSpcReduction="20000"/>
-          </a:bodyPr>
-          <a:lstStyle/>
-          <a:p>
-            <a:r>
-              <a:rPr lang="ko-KR" altLang="en-US" dirty="0"/>
-              <a:t>평균장 이론물리학에서 개발된 근사 프레임워크로 자기 모순 없는 장 </a:t>
-            </a:r>
-            <a:r>
-              <a:rPr lang="ko-KR" altLang="en-US" dirty="0" smtClean="0"/>
-              <a:t>이론</a:t>
-            </a:r>
-            <a:r>
-              <a:rPr lang="en-US" altLang="ko-KR" dirty="0" smtClean="0"/>
-              <a:t>.</a:t>
-            </a:r>
-          </a:p>
-          <a:p>
-            <a:pPr lvl="1"/>
-            <a:r>
-              <a:rPr lang="en-US" altLang="ko-KR" dirty="0" smtClean="0"/>
-              <a:t>(</a:t>
-            </a:r>
-            <a:r>
-              <a:rPr lang="en-US" altLang="ko-KR" dirty="0"/>
-              <a:t>self-consistent field theory)</a:t>
-            </a:r>
-            <a:r>
-              <a:rPr lang="ko-KR" altLang="en-US" dirty="0"/>
-              <a:t>라고도 함</a:t>
-            </a:r>
-          </a:p>
-          <a:p>
-            <a:pPr>
-              <a:lnSpc>
-                <a:spcPct val="170000"/>
-              </a:lnSpc>
-            </a:pPr>
-            <a:r>
-              <a:rPr lang="ko-KR" altLang="en-US" dirty="0"/>
-              <a:t>다수의 상호작용이 있는 복잡한</a:t>
-            </a:r>
-            <a:r>
-              <a:rPr lang="en-US" altLang="ko-KR" dirty="0"/>
-              <a:t>(many-body) </a:t>
-            </a:r>
-            <a:r>
-              <a:rPr lang="ko-KR" altLang="en-US" dirty="0"/>
-              <a:t>문제를 </a:t>
-            </a:r>
-            <a:r>
-              <a:rPr lang="en-US" altLang="ko-KR" dirty="0" smtClean="0"/>
-              <a:t/>
-            </a:r>
-            <a:br>
-              <a:rPr lang="en-US" altLang="ko-KR" dirty="0" smtClean="0"/>
-            </a:br>
-            <a:r>
-              <a:rPr lang="ko-KR" altLang="en-US" dirty="0" smtClean="0"/>
-              <a:t>단순한 </a:t>
-            </a:r>
-            <a:r>
-              <a:rPr lang="ko-KR" altLang="en-US" dirty="0"/>
-              <a:t>하나의 상호작용</a:t>
-            </a:r>
-            <a:r>
-              <a:rPr lang="en-US" altLang="ko-KR" dirty="0"/>
-              <a:t>(one-body)</a:t>
-            </a:r>
-            <a:r>
-              <a:rPr lang="ko-KR" altLang="en-US" dirty="0"/>
-              <a:t>의 단순 모델로 표현하는 </a:t>
-            </a:r>
-            <a:r>
-              <a:rPr lang="ko-KR" altLang="en-US" dirty="0" smtClean="0"/>
-              <a:t>방법</a:t>
-            </a:r>
-            <a:endParaRPr lang="en-US" altLang="ko-KR" dirty="0" smtClean="0"/>
-          </a:p>
-          <a:p>
-            <a:pPr>
-              <a:lnSpc>
-                <a:spcPct val="170000"/>
-              </a:lnSpc>
-            </a:pPr>
-            <a:endParaRPr lang="ko-KR" altLang="en-US" dirty="0"/>
-          </a:p>
-          <a:p>
-            <a:r>
-              <a:rPr lang="ko-KR" altLang="en-US" dirty="0"/>
-              <a:t>각각의 요소에 대한 상호작용을 이해하고 계산하기 어려우니</a:t>
-            </a:r>
-            <a:r>
-              <a:rPr lang="en-US" altLang="ko-KR" dirty="0"/>
-              <a:t>, </a:t>
-            </a:r>
-            <a:r>
-              <a:rPr lang="ko-KR" altLang="en-US" dirty="0"/>
-              <a:t>평균 상호 작용으로 취급하는 것</a:t>
-            </a:r>
-          </a:p>
-        </p:txBody>
-      </p:sp>
-    </p:spTree>
-    <p:extLst>
-      <p:ext uri="{BB962C8B-B14F-4D97-AF65-F5344CB8AC3E}">
-        <p14:creationId xmlns:p14="http://schemas.microsoft.com/office/powerpoint/2010/main" val="264699619"/>
-      </p:ext>
-    </p:extLst>
-  </p:cSld>
-  <p:clrMapOvr>
-    <a:masterClrMapping/>
-  </p:clrMapOvr>
-</p:sld>
-</file>
-
 <file path=ppt/slides/slide56.xml><?xml version="1.0" encoding="utf-8"?>
 <p:sld xmlns:a="http://schemas.openxmlformats.org/drawingml/2006/main" xmlns:r="http://schemas.openxmlformats.org/officeDocument/2006/relationships" xmlns:p="http://schemas.openxmlformats.org/presentationml/2006/main">
   <p:cSld>
@@ -21715,6 +22235,205 @@
           <a:lstStyle/>
           <a:p>
             <a:r>
+              <a:rPr kumimoji="1" lang="ko-KR" altLang="en-US" dirty="0" smtClean="0"/>
+              <a:t>평균장 이론</a:t>
+            </a:r>
+            <a:endParaRPr kumimoji="1" lang="ko-KR" altLang="en-US" dirty="0"/>
+          </a:p>
+        </p:txBody>
+      </p:sp>
+      <p:sp>
+        <p:nvSpPr>
+          <p:cNvPr id="3" name="내용 개체 틀 2"/>
+          <p:cNvSpPr>
+            <a:spLocks noGrp="1"/>
+          </p:cNvSpPr>
+          <p:nvPr>
+            <p:ph idx="1"/>
+          </p:nvPr>
+        </p:nvSpPr>
+        <p:spPr>
+          <a:xfrm>
+            <a:off x="838200" y="1905801"/>
+            <a:ext cx="10515600" cy="3543124"/>
+          </a:xfrm>
+        </p:spPr>
+        <p:txBody>
+          <a:bodyPr>
+            <a:normAutofit fontScale="77500" lnSpcReduction="20000"/>
+          </a:bodyPr>
+          <a:lstStyle/>
+          <a:p>
+            <a:r>
+              <a:rPr lang="ko-KR" altLang="en-US" dirty="0"/>
+              <a:t>평균장 이론물리학에서 개발된 근사 프레임워크로 자기 모순 없는 장 </a:t>
+            </a:r>
+            <a:r>
+              <a:rPr lang="ko-KR" altLang="en-US" dirty="0" smtClean="0"/>
+              <a:t>이론</a:t>
+            </a:r>
+            <a:r>
+              <a:rPr lang="en-US" altLang="ko-KR" dirty="0" smtClean="0"/>
+              <a:t>.</a:t>
+            </a:r>
+          </a:p>
+          <a:p>
+            <a:pPr lvl="1"/>
+            <a:r>
+              <a:rPr lang="en-US" altLang="ko-KR" dirty="0" smtClean="0"/>
+              <a:t>(</a:t>
+            </a:r>
+            <a:r>
+              <a:rPr lang="en-US" altLang="ko-KR" dirty="0"/>
+              <a:t>self-consistent field theory)</a:t>
+            </a:r>
+            <a:r>
+              <a:rPr lang="ko-KR" altLang="en-US" dirty="0"/>
+              <a:t>라고도 </a:t>
+            </a:r>
+            <a:r>
+              <a:rPr lang="ko-KR" altLang="en-US" dirty="0" smtClean="0"/>
+              <a:t>함</a:t>
+            </a:r>
+            <a:r>
+              <a:rPr lang="en-US" altLang="ko-KR" dirty="0" smtClean="0"/>
+              <a:t>.</a:t>
+            </a:r>
+            <a:r>
+              <a:rPr lang="ko-KR" altLang="en-US" dirty="0" smtClean="0"/>
+              <a:t> </a:t>
+            </a:r>
+            <a:r>
+              <a:rPr lang="en-US" altLang="ko-KR" dirty="0" smtClean="0"/>
+              <a:t>(</a:t>
+            </a:r>
+            <a:r>
+              <a:rPr lang="ko-KR" altLang="en-US" dirty="0" smtClean="0"/>
+              <a:t>뭔 말이래</a:t>
+            </a:r>
+            <a:r>
+              <a:rPr lang="en-US" altLang="ko-KR" dirty="0" smtClean="0"/>
+              <a:t>)</a:t>
+            </a:r>
+            <a:endParaRPr lang="ko-KR" altLang="en-US" dirty="0" smtClean="0"/>
+          </a:p>
+          <a:p>
+            <a:pPr>
+              <a:lnSpc>
+                <a:spcPct val="170000"/>
+              </a:lnSpc>
+            </a:pPr>
+            <a:endParaRPr lang="en-US" altLang="ko-KR" dirty="0" smtClean="0"/>
+          </a:p>
+          <a:p>
+            <a:pPr>
+              <a:lnSpc>
+                <a:spcPct val="170000"/>
+              </a:lnSpc>
+            </a:pPr>
+            <a:r>
+              <a:rPr lang="ko-KR" altLang="en-US" dirty="0" smtClean="0"/>
+              <a:t>다수의 상호작용이 있는 복잡한</a:t>
+            </a:r>
+            <a:r>
+              <a:rPr lang="en-US" altLang="ko-KR" dirty="0" smtClean="0"/>
+              <a:t>(many-body) </a:t>
+            </a:r>
+            <a:r>
+              <a:rPr lang="ko-KR" altLang="en-US" dirty="0" smtClean="0"/>
+              <a:t>문제를 </a:t>
+            </a:r>
+            <a:r>
+              <a:rPr lang="en-US" altLang="ko-KR" dirty="0" smtClean="0"/>
+              <a:t/>
+            </a:r>
+            <a:br>
+              <a:rPr lang="en-US" altLang="ko-KR" dirty="0" smtClean="0"/>
+            </a:br>
+            <a:r>
+              <a:rPr lang="ko-KR" altLang="en-US" dirty="0" smtClean="0"/>
+              <a:t>단순한 하나의 상호작용</a:t>
+            </a:r>
+            <a:r>
+              <a:rPr lang="en-US" altLang="ko-KR" dirty="0" smtClean="0"/>
+              <a:t>(one-body)</a:t>
+            </a:r>
+            <a:r>
+              <a:rPr lang="ko-KR" altLang="en-US" dirty="0" smtClean="0"/>
+              <a:t>의 단순 모델로 표현하는 방법</a:t>
+            </a:r>
+            <a:endParaRPr lang="en-US" altLang="ko-KR" dirty="0" smtClean="0"/>
+          </a:p>
+          <a:p>
+            <a:pPr>
+              <a:lnSpc>
+                <a:spcPct val="170000"/>
+              </a:lnSpc>
+            </a:pPr>
+            <a:endParaRPr lang="ko-KR" altLang="en-US" dirty="0"/>
+          </a:p>
+          <a:p>
+            <a:r>
+              <a:rPr lang="ko-KR" altLang="en-US" dirty="0"/>
+              <a:t>각각의 요소에 대한 상호작용을 이해하고 계산하기 어려우니</a:t>
+            </a:r>
+            <a:r>
+              <a:rPr lang="en-US" altLang="ko-KR" dirty="0"/>
+              <a:t>, </a:t>
+            </a:r>
+            <a:r>
+              <a:rPr lang="ko-KR" altLang="en-US" dirty="0"/>
+              <a:t>평균 상호 작용으로 취급하는 것</a:t>
+            </a:r>
+          </a:p>
+        </p:txBody>
+      </p:sp>
+    </p:spTree>
+    <p:extLst>
+      <p:ext uri="{BB962C8B-B14F-4D97-AF65-F5344CB8AC3E}">
+        <p14:creationId xmlns:p14="http://schemas.microsoft.com/office/powerpoint/2010/main" val="264699619"/>
+      </p:ext>
+    </p:extLst>
+  </p:cSld>
+  <p:clrMapOvr>
+    <a:masterClrMapping/>
+  </p:clrMapOvr>
+</p:sld>
+</file>
+
+<file path=ppt/slides/slide57.xml><?xml version="1.0" encoding="utf-8"?>
+<p:sld xmlns:a="http://schemas.openxmlformats.org/drawingml/2006/main" xmlns:r="http://schemas.openxmlformats.org/officeDocument/2006/relationships" xmlns:p="http://schemas.openxmlformats.org/presentationml/2006/main">
+  <p:cSld>
+    <p:spTree>
+      <p:nvGrpSpPr>
+        <p:cNvPr id="1" name=""/>
+        <p:cNvGrpSpPr/>
+        <p:nvPr/>
+      </p:nvGrpSpPr>
+      <p:grpSpPr>
+        <a:xfrm>
+          <a:off x="0" y="0"/>
+          <a:ext cx="0" cy="0"/>
+          <a:chOff x="0" y="0"/>
+          <a:chExt cx="0" cy="0"/>
+        </a:xfrm>
+      </p:grpSpPr>
+      <p:sp>
+        <p:nvSpPr>
+          <p:cNvPr id="2" name="제목 1"/>
+          <p:cNvSpPr>
+            <a:spLocks noGrp="1"/>
+          </p:cNvSpPr>
+          <p:nvPr>
+            <p:ph type="title"/>
+          </p:nvPr>
+        </p:nvSpPr>
+        <p:spPr/>
+        <p:txBody>
+          <a:bodyPr/>
+          <a:lstStyle/>
+          <a:p>
+            <a:r>
               <a:rPr kumimoji="1" lang="en-US" altLang="ko-KR" dirty="0"/>
               <a:t>Factorized </a:t>
             </a:r>
@@ -21750,7 +22469,7 @@
         </p:blipFill>
         <p:spPr>
           <a:xfrm>
-            <a:off x="2929890" y="2384146"/>
+            <a:off x="2922395" y="1934442"/>
             <a:ext cx="6610350" cy="3264813"/>
           </a:xfrm>
           <a:prstGeom prst="rect">
@@ -22982,8 +23701,8 @@
           </a:p>
         </p:txBody>
       </p:sp>
-      <mc:AlternateContent xmlns:mc="http://schemas.openxmlformats.org/markup-compatibility/2006" xmlns:a14="http://schemas.microsoft.com/office/drawing/2010/main">
-        <mc:Choice Requires="a14">
+      <mc:AlternateContent xmlns:mc="http://schemas.openxmlformats.org/markup-compatibility/2006">
+        <mc:Choice xmlns:a14="http://schemas.microsoft.com/office/drawing/2010/main" Requires="a14">
           <p:sp>
             <p:nvSpPr>
               <p:cNvPr id="4" name="텍스트 상자 3"/>
@@ -22992,7 +23711,7 @@
             </p:nvSpPr>
             <p:spPr>
               <a:xfrm>
-                <a:off x="1699437" y="1750545"/>
+                <a:off x="1149103" y="1750545"/>
                 <a:ext cx="1333827" cy="398507"/>
               </a:xfrm>
               <a:prstGeom prst="rect">
@@ -23087,7 +23806,7 @@
             </p:txBody>
           </p:sp>
         </mc:Choice>
-        <mc:Fallback xmlns="">
+        <mc:Fallback>
           <p:sp>
             <p:nvSpPr>
               <p:cNvPr id="4" name="텍스트 상자 3"/>
@@ -23098,7 +23817,7 @@
             </p:nvSpPr>
             <p:spPr>
               <a:xfrm>
-                <a:off x="1699437" y="1750545"/>
+                <a:off x="1149103" y="1750545"/>
                 <a:ext cx="1333827" cy="398507"/>
               </a:xfrm>
               <a:prstGeom prst="rect">
@@ -23107,7 +23826,7 @@
               <a:blipFill rotWithShape="0">
                 <a:blip r:embed="rId2"/>
                 <a:stretch>
-                  <a:fillRect l="-3653" b="-21212"/>
+                  <a:fillRect l="-3670" b="-21212"/>
                 </a:stretch>
               </a:blipFill>
             </p:spPr>
@@ -23142,7 +23861,7 @@
         </p:blipFill>
         <p:spPr>
           <a:xfrm>
-            <a:off x="1699437" y="2352385"/>
+            <a:off x="1821500" y="2509069"/>
             <a:ext cx="2168029" cy="743033"/>
           </a:xfrm>
           <a:prstGeom prst="rect">
@@ -23150,8 +23869,8 @@
           </a:prstGeom>
         </p:spPr>
       </p:pic>
-      <mc:AlternateContent xmlns:mc="http://schemas.openxmlformats.org/markup-compatibility/2006" xmlns:a14="http://schemas.microsoft.com/office/drawing/2010/main">
-        <mc:Choice Requires="a14">
+      <mc:AlternateContent xmlns:mc="http://schemas.openxmlformats.org/markup-compatibility/2006">
+        <mc:Choice xmlns:a14="http://schemas.microsoft.com/office/drawing/2010/main" Requires="a14">
           <p:sp>
             <p:nvSpPr>
               <p:cNvPr id="6" name="텍스트 상자 5"/>
@@ -23160,7 +23879,7 @@
             </p:nvSpPr>
             <p:spPr>
               <a:xfrm>
-                <a:off x="6590414" y="1750545"/>
+                <a:off x="6785148" y="1750545"/>
                 <a:ext cx="3228320" cy="398507"/>
               </a:xfrm>
               <a:prstGeom prst="rect">
@@ -23347,7 +24066,7 @@
             </p:txBody>
           </p:sp>
         </mc:Choice>
-        <mc:Fallback xmlns="">
+        <mc:Fallback>
           <p:sp>
             <p:nvSpPr>
               <p:cNvPr id="6" name="텍스트 상자 5"/>
@@ -23358,7 +24077,7 @@
             </p:nvSpPr>
             <p:spPr>
               <a:xfrm>
-                <a:off x="6590414" y="1750545"/>
+                <a:off x="6785148" y="1750545"/>
                 <a:ext cx="3228320" cy="398507"/>
               </a:xfrm>
               <a:prstGeom prst="rect">
@@ -23394,7 +24113,7 @@
         </p:nvSpPr>
         <p:spPr>
           <a:xfrm>
-            <a:off x="7653669" y="2404097"/>
+            <a:off x="8302125" y="2352385"/>
             <a:ext cx="2483372" cy="523220"/>
           </a:xfrm>
           <a:prstGeom prst="rect">
@@ -23410,6 +24129,9 @@
           <a:p>
             <a:r>
               <a:rPr kumimoji="1" lang="ko-KR" altLang="en-US" sz="2800" dirty="0" smtClean="0">
+                <a:solidFill>
+                  <a:srgbClr val="FF0000"/>
+                </a:solidFill>
                 <a:latin typeface="Nanum Brush Script" charset="-127"/>
                 <a:ea typeface="Nanum Brush Script" charset="-127"/>
                 <a:cs typeface="Nanum Brush Script" charset="-127"/>
@@ -23418,6 +24140,9 @@
             </a:r>
             <a:r>
               <a:rPr kumimoji="1" lang="en-US" altLang="ko-KR" sz="2800" dirty="0" smtClean="0">
+                <a:solidFill>
+                  <a:srgbClr val="FF0000"/>
+                </a:solidFill>
                 <a:latin typeface="Nanum Brush Script" charset="-127"/>
                 <a:ea typeface="Nanum Brush Script" charset="-127"/>
                 <a:cs typeface="Nanum Brush Script" charset="-127"/>
@@ -23426,6 +24151,9 @@
             </a:r>
             <a:r>
               <a:rPr kumimoji="1" lang="ko-KR" altLang="en-US" sz="2800" dirty="0" smtClean="0">
+                <a:solidFill>
+                  <a:srgbClr val="FF0000"/>
+                </a:solidFill>
                 <a:latin typeface="Nanum Brush Script" charset="-127"/>
                 <a:ea typeface="Nanum Brush Script" charset="-127"/>
                 <a:cs typeface="Nanum Brush Script" charset="-127"/>
@@ -23433,6 +24161,9 @@
               <a:t>가 독립인 경우</a:t>
             </a:r>
             <a:endParaRPr kumimoji="1" lang="ko-KR" altLang="en-US" sz="2800" dirty="0">
+              <a:solidFill>
+                <a:srgbClr val="FF0000"/>
+              </a:solidFill>
               <a:latin typeface="Nanum Brush Script" charset="-127"/>
               <a:ea typeface="Nanum Brush Script" charset="-127"/>
               <a:cs typeface="Nanum Brush Script" charset="-127"/>
@@ -23440,8 +24171,8 @@
           </a:p>
         </p:txBody>
       </p:sp>
-      <mc:AlternateContent xmlns:mc="http://schemas.openxmlformats.org/markup-compatibility/2006" xmlns:a14="http://schemas.microsoft.com/office/drawing/2010/main">
-        <mc:Choice Requires="a14">
+      <mc:AlternateContent xmlns:mc="http://schemas.openxmlformats.org/markup-compatibility/2006">
+        <mc:Choice xmlns:a14="http://schemas.microsoft.com/office/drawing/2010/main" Requires="a14">
           <p:sp>
             <p:nvSpPr>
               <p:cNvPr id="8" name="텍스트 상자 7"/>
@@ -23450,7 +24181,7 @@
             </p:nvSpPr>
             <p:spPr>
               <a:xfrm>
-                <a:off x="1699437" y="4004015"/>
+                <a:off x="1149103" y="4004015"/>
                 <a:ext cx="1452449" cy="398507"/>
               </a:xfrm>
               <a:prstGeom prst="rect">
@@ -23557,7 +24288,7 @@
             </p:txBody>
           </p:sp>
         </mc:Choice>
-        <mc:Fallback xmlns="">
+        <mc:Fallback>
           <p:sp>
             <p:nvSpPr>
               <p:cNvPr id="8" name="텍스트 상자 7"/>
@@ -23568,7 +24299,7 @@
             </p:nvSpPr>
             <p:spPr>
               <a:xfrm>
-                <a:off x="1699437" y="4004015"/>
+                <a:off x="1149103" y="4004015"/>
                 <a:ext cx="1452449" cy="398507"/>
               </a:xfrm>
               <a:prstGeom prst="rect">
@@ -23604,7 +24335,7 @@
         </p:nvSpPr>
         <p:spPr>
           <a:xfrm>
-            <a:off x="1699437" y="4603053"/>
+            <a:off x="1149103" y="4603053"/>
             <a:ext cx="3605474" cy="830997"/>
           </a:xfrm>
           <a:prstGeom prst="rect">
@@ -23705,8 +24436,8 @@
           </a:p>
         </p:txBody>
       </p:sp>
-      <mc:AlternateContent xmlns:mc="http://schemas.openxmlformats.org/markup-compatibility/2006" xmlns:a14="http://schemas.microsoft.com/office/drawing/2010/main">
-        <mc:Choice Requires="a14">
+      <mc:AlternateContent xmlns:mc="http://schemas.openxmlformats.org/markup-compatibility/2006">
+        <mc:Choice xmlns:a14="http://schemas.microsoft.com/office/drawing/2010/main" Requires="a14">
           <p:sp>
             <p:nvSpPr>
               <p:cNvPr id="10" name="텍스트 상자 9"/>
@@ -23715,7 +24446,7 @@
             </p:nvSpPr>
             <p:spPr>
               <a:xfrm>
-                <a:off x="6674179" y="3899939"/>
+                <a:off x="6791015" y="3820788"/>
                 <a:ext cx="2869632" cy="782265"/>
               </a:xfrm>
               <a:prstGeom prst="rect">
@@ -23877,7 +24608,7 @@
             </p:txBody>
           </p:sp>
         </mc:Choice>
-        <mc:Fallback xmlns="">
+        <mc:Fallback>
           <p:sp>
             <p:nvSpPr>
               <p:cNvPr id="10" name="텍스트 상자 9"/>
@@ -23888,7 +24619,7 @@
             </p:nvSpPr>
             <p:spPr>
               <a:xfrm>
-                <a:off x="6674179" y="3899939"/>
+                <a:off x="6791015" y="3820788"/>
                 <a:ext cx="2869632" cy="782265"/>
               </a:xfrm>
               <a:prstGeom prst="rect">
@@ -23932,7 +24663,7 @@
         </p:blipFill>
         <p:spPr>
           <a:xfrm>
-            <a:off x="6920323" y="4855296"/>
+            <a:off x="8596723" y="4917770"/>
             <a:ext cx="1188672" cy="1260931"/>
           </a:xfrm>
           <a:prstGeom prst="rect">
@@ -23940,8 +24671,8 @@
           </a:prstGeom>
         </p:spPr>
       </p:pic>
-      <mc:AlternateContent xmlns:mc="http://schemas.openxmlformats.org/markup-compatibility/2006" xmlns:a14="http://schemas.microsoft.com/office/drawing/2010/main">
-        <mc:Choice Requires="a14">
+      <mc:AlternateContent xmlns:mc="http://schemas.openxmlformats.org/markup-compatibility/2006">
+        <mc:Choice xmlns:a14="http://schemas.microsoft.com/office/drawing/2010/main" Requires="a14">
           <p:sp>
             <p:nvSpPr>
               <p:cNvPr id="12" name="텍스트 상자 11"/>
@@ -23950,7 +24681,7 @@
             </p:nvSpPr>
             <p:spPr>
               <a:xfrm>
-                <a:off x="1651090" y="5566187"/>
+                <a:off x="1100756" y="5566187"/>
                 <a:ext cx="1423980" cy="276999"/>
               </a:xfrm>
               <a:prstGeom prst="rect">
@@ -24032,7 +24763,7 @@
             </p:txBody>
           </p:sp>
         </mc:Choice>
-        <mc:Fallback xmlns="">
+        <mc:Fallback>
           <p:sp>
             <p:nvSpPr>
               <p:cNvPr id="12" name="텍스트 상자 11"/>
@@ -24043,7 +24774,7 @@
             </p:nvSpPr>
             <p:spPr>
               <a:xfrm>
-                <a:off x="1651090" y="5566187"/>
+                <a:off x="1100756" y="5566187"/>
                 <a:ext cx="1423980" cy="276999"/>
               </a:xfrm>
               <a:prstGeom prst="rect">
@@ -24071,8 +24802,8 @@
           </p:sp>
         </mc:Fallback>
       </mc:AlternateContent>
-      <mc:AlternateContent xmlns:mc="http://schemas.openxmlformats.org/markup-compatibility/2006" xmlns:a14="http://schemas.microsoft.com/office/drawing/2010/main">
-        <mc:Choice Requires="a14">
+      <mc:AlternateContent xmlns:mc="http://schemas.openxmlformats.org/markup-compatibility/2006">
+        <mc:Choice xmlns:a14="http://schemas.microsoft.com/office/drawing/2010/main" Requires="a14">
           <p:sp>
             <p:nvSpPr>
               <p:cNvPr id="13" name="텍스트 상자 12"/>
@@ -24081,7 +24812,7 @@
             </p:nvSpPr>
             <p:spPr>
               <a:xfrm>
-                <a:off x="3151886" y="5566186"/>
+                <a:off x="2601552" y="5566186"/>
                 <a:ext cx="1829540" cy="276999"/>
               </a:xfrm>
               <a:prstGeom prst="rect">
@@ -24169,7 +24900,7 @@
             </p:txBody>
           </p:sp>
         </mc:Choice>
-        <mc:Fallback xmlns="">
+        <mc:Fallback>
           <p:sp>
             <p:nvSpPr>
               <p:cNvPr id="13" name="텍스트 상자 12"/>
@@ -24180,7 +24911,7 @@
             </p:nvSpPr>
             <p:spPr>
               <a:xfrm>
-                <a:off x="3151886" y="5566186"/>
+                <a:off x="2601552" y="5566186"/>
                 <a:ext cx="1829540" cy="276999"/>
               </a:xfrm>
               <a:prstGeom prst="rect">
@@ -24189,7 +24920,7 @@
               <a:blipFill rotWithShape="0">
                 <a:blip r:embed="rId9"/>
                 <a:stretch>
-                  <a:fillRect l="-3667" t="-139130" b="-180435"/>
+                  <a:fillRect l="-4000" t="-139130" b="-180435"/>
                 </a:stretch>
               </a:blipFill>
             </p:spPr>
@@ -24208,8 +24939,8 @@
           </p:sp>
         </mc:Fallback>
       </mc:AlternateContent>
-      <mc:AlternateContent xmlns:mc="http://schemas.openxmlformats.org/markup-compatibility/2006" xmlns:a14="http://schemas.microsoft.com/office/drawing/2010/main">
-        <mc:Choice Requires="a14">
+      <mc:AlternateContent xmlns:mc="http://schemas.openxmlformats.org/markup-compatibility/2006">
+        <mc:Choice xmlns:a14="http://schemas.microsoft.com/office/drawing/2010/main" Requires="a14">
           <p:sp>
             <p:nvSpPr>
               <p:cNvPr id="14" name="텍스트 상자 13"/>
@@ -24218,7 +24949,7 @@
             </p:nvSpPr>
             <p:spPr>
               <a:xfrm>
-                <a:off x="3151886" y="6026124"/>
+                <a:off x="2601552" y="6026124"/>
                 <a:ext cx="1829540" cy="276999"/>
               </a:xfrm>
               <a:prstGeom prst="rect">
@@ -24306,7 +25037,7 @@
             </p:txBody>
           </p:sp>
         </mc:Choice>
-        <mc:Fallback xmlns="">
+        <mc:Fallback>
           <p:sp>
             <p:nvSpPr>
               <p:cNvPr id="14" name="텍스트 상자 13"/>
@@ -24317,7 +25048,7 @@
             </p:nvSpPr>
             <p:spPr>
               <a:xfrm>
-                <a:off x="3151886" y="6026124"/>
+                <a:off x="2601552" y="6026124"/>
                 <a:ext cx="1829540" cy="276999"/>
               </a:xfrm>
               <a:prstGeom prst="rect">
@@ -24326,7 +25057,7 @@
               <a:blipFill rotWithShape="0">
                 <a:blip r:embed="rId10"/>
                 <a:stretch>
-                  <a:fillRect l="-3667" t="-144444" b="-184444"/>
+                  <a:fillRect l="-4000" t="-144444" b="-184444"/>
                 </a:stretch>
               </a:blipFill>
             </p:spPr>
@@ -24345,8 +25076,8 @@
           </p:sp>
         </mc:Fallback>
       </mc:AlternateContent>
-      <mc:AlternateContent xmlns:mc="http://schemas.openxmlformats.org/markup-compatibility/2006" xmlns:a14="http://schemas.microsoft.com/office/drawing/2010/main">
-        <mc:Choice Requires="a14">
+      <mc:AlternateContent xmlns:mc="http://schemas.openxmlformats.org/markup-compatibility/2006">
+        <mc:Choice xmlns:a14="http://schemas.microsoft.com/office/drawing/2010/main" Requires="a14">
           <p:sp>
             <p:nvSpPr>
               <p:cNvPr id="15" name="텍스트 상자 14"/>
@@ -24355,7 +25086,7 @@
             </p:nvSpPr>
             <p:spPr>
               <a:xfrm>
-                <a:off x="1651090" y="5994451"/>
+                <a:off x="1100756" y="5994451"/>
                 <a:ext cx="1327286" cy="276999"/>
               </a:xfrm>
               <a:prstGeom prst="rect">
@@ -24450,7 +25181,7 @@
             </p:txBody>
           </p:sp>
         </mc:Choice>
-        <mc:Fallback xmlns="">
+        <mc:Fallback>
           <p:sp>
             <p:nvSpPr>
               <p:cNvPr id="15" name="텍스트 상자 14"/>
@@ -24461,7 +25192,7 @@
             </p:nvSpPr>
             <p:spPr>
               <a:xfrm>
-                <a:off x="1651090" y="5994451"/>
+                <a:off x="1100756" y="5994451"/>
                 <a:ext cx="1327286" cy="276999"/>
               </a:xfrm>
               <a:prstGeom prst="rect">
@@ -24470,7 +25201,7 @@
               <a:blipFill rotWithShape="0">
                 <a:blip r:embed="rId11"/>
                 <a:stretch>
-                  <a:fillRect l="-4587" t="-139130" b="-180435"/>
+                  <a:fillRect l="-4608" t="-139130" b="-180435"/>
                 </a:stretch>
               </a:blipFill>
             </p:spPr>
@@ -24489,6 +25220,82 @@
           </p:sp>
         </mc:Fallback>
       </mc:AlternateContent>
+      <p:sp>
+        <p:nvSpPr>
+          <p:cNvPr id="16" name="텍스트 상자 15"/>
+          <p:cNvSpPr txBox="1"/>
+          <p:nvPr/>
+        </p:nvSpPr>
+        <p:spPr>
+          <a:xfrm rot="20547201">
+            <a:off x="4413968" y="5406922"/>
+            <a:ext cx="2005677" cy="646331"/>
+          </a:xfrm>
+          <a:prstGeom prst="rect">
+            <a:avLst/>
+          </a:prstGeom>
+          <a:noFill/>
+        </p:spPr>
+        <p:txBody>
+          <a:bodyPr wrap="none" rtlCol="0">
+            <a:spAutoFit/>
+          </a:bodyPr>
+          <a:lstStyle/>
+          <a:p>
+            <a:r>
+              <a:rPr kumimoji="1" lang="ko-KR" altLang="en-US" dirty="0" smtClean="0">
+                <a:solidFill>
+                  <a:srgbClr val="FF0000"/>
+                </a:solidFill>
+                <a:latin typeface="Nanum Brush Script" charset="-127"/>
+                <a:ea typeface="Nanum Brush Script" charset="-127"/>
+                <a:cs typeface="Nanum Brush Script" charset="-127"/>
+              </a:rPr>
+              <a:t>이 차이들을 이해하면</a:t>
+            </a:r>
+            <a:endParaRPr kumimoji="1" lang="en-US" altLang="ko-KR" dirty="0" smtClean="0">
+              <a:solidFill>
+                <a:srgbClr val="FF0000"/>
+              </a:solidFill>
+              <a:latin typeface="Nanum Brush Script" charset="-127"/>
+              <a:ea typeface="Nanum Brush Script" charset="-127"/>
+              <a:cs typeface="Nanum Brush Script" charset="-127"/>
+            </a:endParaRPr>
+          </a:p>
+          <a:p>
+            <a:r>
+              <a:rPr kumimoji="1" lang="ko-KR" altLang="en-US" dirty="0" smtClean="0">
+                <a:solidFill>
+                  <a:srgbClr val="FF0000"/>
+                </a:solidFill>
+                <a:latin typeface="Nanum Brush Script" charset="-127"/>
+                <a:ea typeface="Nanum Brush Script" charset="-127"/>
+                <a:cs typeface="Nanum Brush Script" charset="-127"/>
+              </a:rPr>
+              <a:t>조건부 확률을 이해하는 것임</a:t>
+            </a:r>
+            <a:r>
+              <a:rPr kumimoji="1" lang="en-US" altLang="ko-KR" dirty="0" smtClean="0">
+                <a:solidFill>
+                  <a:srgbClr val="FF0000"/>
+                </a:solidFill>
+                <a:latin typeface="Nanum Brush Script" charset="-127"/>
+                <a:ea typeface="Nanum Brush Script" charset="-127"/>
+                <a:cs typeface="Nanum Brush Script" charset="-127"/>
+              </a:rPr>
+              <a:t>.</a:t>
+            </a:r>
+            <a:endParaRPr kumimoji="1" lang="ko-KR" altLang="en-US" dirty="0">
+              <a:solidFill>
+                <a:srgbClr val="FF0000"/>
+              </a:solidFill>
+              <a:latin typeface="Nanum Brush Script" charset="-127"/>
+              <a:ea typeface="Nanum Brush Script" charset="-127"/>
+              <a:cs typeface="Nanum Brush Script" charset="-127"/>
+            </a:endParaRPr>
+          </a:p>
+        </p:txBody>
+      </p:sp>
     </p:spTree>
     <p:extLst>
       <p:ext uri="{BB962C8B-B14F-4D97-AF65-F5344CB8AC3E}">
@@ -24543,14 +25350,22 @@
           <a:p>
             <a:r>
               <a:rPr kumimoji="1" lang="ko-KR" altLang="en-US" dirty="0" smtClean="0"/>
-              <a:t>조건부 분포</a:t>
+              <a:t>조건부 </a:t>
+            </a:r>
+            <a:r>
+              <a:rPr kumimoji="1" lang="ko-KR" altLang="en-US" dirty="0" smtClean="0"/>
+              <a:t>분포 </a:t>
+            </a:r>
+            <a:r>
+              <a:rPr kumimoji="1" lang="en-US" altLang="ko-KR" dirty="0" smtClean="0"/>
+              <a:t>??</a:t>
             </a:r>
             <a:endParaRPr kumimoji="1" lang="ko-KR" altLang="en-US" dirty="0"/>
           </a:p>
         </p:txBody>
       </p:sp>
-      <mc:AlternateContent xmlns:mc="http://schemas.openxmlformats.org/markup-compatibility/2006" xmlns:a14="http://schemas.microsoft.com/office/drawing/2010/main">
-        <mc:Choice Requires="a14">
+      <mc:AlternateContent xmlns:mc="http://schemas.openxmlformats.org/markup-compatibility/2006">
+        <mc:Choice xmlns:a14="http://schemas.microsoft.com/office/drawing/2010/main" Requires="a14">
           <p:sp>
             <p:nvSpPr>
               <p:cNvPr id="4" name="텍스트 상자 3"/>
@@ -24559,7 +25374,7 @@
             </p:nvSpPr>
             <p:spPr>
               <a:xfrm>
-                <a:off x="2553087" y="2347012"/>
+                <a:off x="2476887" y="2161215"/>
                 <a:ext cx="1479892" cy="553998"/>
               </a:xfrm>
               <a:prstGeom prst="rect">
@@ -24625,7 +25440,7 @@
             </p:txBody>
           </p:sp>
         </mc:Choice>
-        <mc:Fallback xmlns="">
+        <mc:Fallback>
           <p:sp>
             <p:nvSpPr>
               <p:cNvPr id="4" name="텍스트 상자 3"/>
@@ -24636,7 +25451,7 @@
             </p:nvSpPr>
             <p:spPr>
               <a:xfrm>
-                <a:off x="2553087" y="2347012"/>
+                <a:off x="2476887" y="2161215"/>
                 <a:ext cx="1479892" cy="553998"/>
               </a:xfrm>
               <a:prstGeom prst="rect">
@@ -25260,6 +26075,104 @@
           </p:sp>
         </mc:Fallback>
       </mc:AlternateContent>
+      <p:sp>
+        <p:nvSpPr>
+          <p:cNvPr id="5" name="텍스트 상자 4"/>
+          <p:cNvSpPr txBox="1"/>
+          <p:nvPr/>
+        </p:nvSpPr>
+        <p:spPr>
+          <a:xfrm rot="20547201">
+            <a:off x="6463859" y="5317094"/>
+            <a:ext cx="3384260" cy="646331"/>
+          </a:xfrm>
+          <a:prstGeom prst="rect">
+            <a:avLst/>
+          </a:prstGeom>
+          <a:noFill/>
+        </p:spPr>
+        <p:txBody>
+          <a:bodyPr wrap="none" rtlCol="0">
+            <a:spAutoFit/>
+          </a:bodyPr>
+          <a:lstStyle/>
+          <a:p>
+            <a:r>
+              <a:rPr kumimoji="1" lang="ko-KR" altLang="en-US" dirty="0" smtClean="0">
+                <a:solidFill>
+                  <a:srgbClr val="FF0000"/>
+                </a:solidFill>
+                <a:latin typeface="Nanum Brush Script" charset="-127"/>
+                <a:ea typeface="Nanum Brush Script" charset="-127"/>
+                <a:cs typeface="Nanum Brush Script" charset="-127"/>
+              </a:rPr>
+              <a:t>파라미터를 기술할 때에는 </a:t>
+            </a:r>
+            <a:r>
+              <a:rPr kumimoji="1" lang="en-US" altLang="ko-KR" dirty="0" smtClean="0">
+                <a:solidFill>
+                  <a:srgbClr val="FF0000"/>
+                </a:solidFill>
+                <a:latin typeface="Nanum Brush Script" charset="-127"/>
+                <a:ea typeface="Nanum Brush Script" charset="-127"/>
+                <a:cs typeface="Nanum Brush Script" charset="-127"/>
+              </a:rPr>
+              <a:t>‘;’</a:t>
+            </a:r>
+            <a:r>
+              <a:rPr kumimoji="1" lang="ko-KR" altLang="en-US" dirty="0" smtClean="0">
+                <a:solidFill>
+                  <a:srgbClr val="FF0000"/>
+                </a:solidFill>
+                <a:latin typeface="Nanum Brush Script" charset="-127"/>
+                <a:ea typeface="Nanum Brush Script" charset="-127"/>
+                <a:cs typeface="Nanum Brush Script" charset="-127"/>
+              </a:rPr>
+              <a:t> 를 선호</a:t>
+            </a:r>
+            <a:endParaRPr kumimoji="1" lang="en-US" altLang="ko-KR" dirty="0" smtClean="0">
+              <a:solidFill>
+                <a:srgbClr val="FF0000"/>
+              </a:solidFill>
+              <a:latin typeface="Nanum Brush Script" charset="-127"/>
+              <a:ea typeface="Nanum Brush Script" charset="-127"/>
+              <a:cs typeface="Nanum Brush Script" charset="-127"/>
+            </a:endParaRPr>
+          </a:p>
+          <a:p>
+            <a:r>
+              <a:rPr kumimoji="1" lang="ko-KR" altLang="en-US" dirty="0" smtClean="0">
+                <a:solidFill>
+                  <a:srgbClr val="FF0000"/>
+                </a:solidFill>
+                <a:latin typeface="Nanum Brush Script" charset="-127"/>
+                <a:ea typeface="Nanum Brush Script" charset="-127"/>
+                <a:cs typeface="Nanum Brush Script" charset="-127"/>
+              </a:rPr>
+              <a:t>하지만 조건부 확률처럼 표기하는 사람도 많다</a:t>
+            </a:r>
+            <a:r>
+              <a:rPr kumimoji="1" lang="en-US" altLang="ko-KR" dirty="0" smtClean="0">
+                <a:solidFill>
+                  <a:srgbClr val="FF0000"/>
+                </a:solidFill>
+                <a:latin typeface="Nanum Brush Script" charset="-127"/>
+                <a:ea typeface="Nanum Brush Script" charset="-127"/>
+                <a:cs typeface="Nanum Brush Script" charset="-127"/>
+              </a:rPr>
+              <a:t>..</a:t>
+            </a:r>
+            <a:endParaRPr kumimoji="1" lang="ko-KR" altLang="en-US" dirty="0">
+              <a:solidFill>
+                <a:srgbClr val="FF0000"/>
+              </a:solidFill>
+              <a:latin typeface="Nanum Brush Script" charset="-127"/>
+              <a:ea typeface="Nanum Brush Script" charset="-127"/>
+              <a:cs typeface="Nanum Brush Script" charset="-127"/>
+            </a:endParaRPr>
+          </a:p>
+        </p:txBody>
+      </p:sp>
     </p:spTree>
     <p:extLst>
       <p:ext uri="{BB962C8B-B14F-4D97-AF65-F5344CB8AC3E}">
